--- a/Вашкулатов 12.04.pptx
+++ b/Вашкулатов 12.04.pptx
@@ -210,7 +210,7 @@
           <a:p>
             <a:fld id="{06EA2F6A-6C6A-4F9A-A657-6DE485336090}" type="datetimeFigureOut">
               <a:rPr lang="ru-RU" smtClean="0"/>
-              <a:t>11.04.2024</a:t>
+              <a:t>12.05.2024</a:t>
             </a:fld>
             <a:endParaRPr lang="ru-RU"/>
           </a:p>
@@ -996,7 +996,7 @@
           <a:p>
             <a:fld id="{62C41D10-422A-4030-A4D6-C22849B1D5B0}" type="datetime1">
               <a:rPr lang="ru-RU" smtClean="0"/>
-              <a:t>11.04.2024</a:t>
+              <a:t>12.05.2024</a:t>
             </a:fld>
             <a:endParaRPr lang="ru-RU"/>
           </a:p>
@@ -1066,13 +1066,13 @@
   <p:clrMapOvr>
     <a:masterClrMapping/>
   </p:clrMapOvr>
-  <mc:AlternateContent xmlns:mc="http://schemas.openxmlformats.org/markup-compatibility/2006">
-    <mc:Choice xmlns:p14="http://schemas.microsoft.com/office/powerpoint/2010/main" Requires="p14">
+  <mc:AlternateContent xmlns:mc="http://schemas.openxmlformats.org/markup-compatibility/2006" xmlns:p14="http://schemas.microsoft.com/office/powerpoint/2010/main">
+    <mc:Choice Requires="p14">
       <p:transition>
         <p14:reveal/>
       </p:transition>
     </mc:Choice>
-    <mc:Fallback>
+    <mc:Fallback xmlns="">
       <p:transition>
         <p:fade/>
       </p:transition>
@@ -1206,7 +1206,7 @@
           <a:p>
             <a:fld id="{58F213A7-9D90-40AC-81D0-040E14F3609F}" type="datetime1">
               <a:rPr lang="ru-RU" smtClean="0"/>
-              <a:t>11.04.2024</a:t>
+              <a:t>12.05.2024</a:t>
             </a:fld>
             <a:endParaRPr lang="ru-RU"/>
           </a:p>
@@ -1276,13 +1276,13 @@
   <p:clrMapOvr>
     <a:masterClrMapping/>
   </p:clrMapOvr>
-  <mc:AlternateContent xmlns:mc="http://schemas.openxmlformats.org/markup-compatibility/2006">
-    <mc:Choice xmlns:p14="http://schemas.microsoft.com/office/powerpoint/2010/main" Requires="p14">
+  <mc:AlternateContent xmlns:mc="http://schemas.openxmlformats.org/markup-compatibility/2006" xmlns:p14="http://schemas.microsoft.com/office/powerpoint/2010/main">
+    <mc:Choice Requires="p14">
       <p:transition>
         <p14:reveal/>
       </p:transition>
     </mc:Choice>
-    <mc:Fallback>
+    <mc:Fallback xmlns="">
       <p:transition>
         <p:fade/>
       </p:transition>
@@ -1426,7 +1426,7 @@
           <a:p>
             <a:fld id="{2DBD163E-DF89-4729-A8F3-8F9BF9CF3FA4}" type="datetime1">
               <a:rPr lang="ru-RU" smtClean="0"/>
-              <a:t>11.04.2024</a:t>
+              <a:t>12.05.2024</a:t>
             </a:fld>
             <a:endParaRPr lang="ru-RU"/>
           </a:p>
@@ -1496,13 +1496,13 @@
   <p:clrMapOvr>
     <a:masterClrMapping/>
   </p:clrMapOvr>
-  <mc:AlternateContent xmlns:mc="http://schemas.openxmlformats.org/markup-compatibility/2006">
-    <mc:Choice xmlns:p14="http://schemas.microsoft.com/office/powerpoint/2010/main" Requires="p14">
+  <mc:AlternateContent xmlns:mc="http://schemas.openxmlformats.org/markup-compatibility/2006" xmlns:p14="http://schemas.microsoft.com/office/powerpoint/2010/main">
+    <mc:Choice Requires="p14">
       <p:transition>
         <p14:reveal/>
       </p:transition>
     </mc:Choice>
-    <mc:Fallback>
+    <mc:Fallback xmlns="">
       <p:transition>
         <p:fade/>
       </p:transition>
@@ -1636,7 +1636,7 @@
           <a:p>
             <a:fld id="{123EEFFD-FF24-4AA0-88A5-06D3B8242127}" type="datetime1">
               <a:rPr lang="ru-RU" smtClean="0"/>
-              <a:t>11.04.2024</a:t>
+              <a:t>12.05.2024</a:t>
             </a:fld>
             <a:endParaRPr lang="ru-RU"/>
           </a:p>
@@ -1706,13 +1706,13 @@
   <p:clrMapOvr>
     <a:masterClrMapping/>
   </p:clrMapOvr>
-  <mc:AlternateContent xmlns:mc="http://schemas.openxmlformats.org/markup-compatibility/2006">
-    <mc:Choice xmlns:p14="http://schemas.microsoft.com/office/powerpoint/2010/main" Requires="p14">
+  <mc:AlternateContent xmlns:mc="http://schemas.openxmlformats.org/markup-compatibility/2006" xmlns:p14="http://schemas.microsoft.com/office/powerpoint/2010/main">
+    <mc:Choice Requires="p14">
       <p:transition>
         <p14:reveal/>
       </p:transition>
     </mc:Choice>
-    <mc:Fallback>
+    <mc:Fallback xmlns="">
       <p:transition>
         <p:fade/>
       </p:transition>
@@ -1923,7 +1923,7 @@
           <a:p>
             <a:fld id="{139E04B5-F64C-4F4C-844D-AF6555F0CB7B}" type="datetime1">
               <a:rPr lang="ru-RU" smtClean="0"/>
-              <a:t>11.04.2024</a:t>
+              <a:t>12.05.2024</a:t>
             </a:fld>
             <a:endParaRPr lang="ru-RU"/>
           </a:p>
@@ -1993,13 +1993,13 @@
   <p:clrMapOvr>
     <a:masterClrMapping/>
   </p:clrMapOvr>
-  <mc:AlternateContent xmlns:mc="http://schemas.openxmlformats.org/markup-compatibility/2006">
-    <mc:Choice xmlns:p14="http://schemas.microsoft.com/office/powerpoint/2010/main" Requires="p14">
+  <mc:AlternateContent xmlns:mc="http://schemas.openxmlformats.org/markup-compatibility/2006" xmlns:p14="http://schemas.microsoft.com/office/powerpoint/2010/main">
+    <mc:Choice Requires="p14">
       <p:transition>
         <p14:reveal/>
       </p:transition>
     </mc:Choice>
-    <mc:Fallback>
+    <mc:Fallback xmlns="">
       <p:transition>
         <p:fade/>
       </p:transition>
@@ -2200,7 +2200,7 @@
           <a:p>
             <a:fld id="{FE1CE4C2-B8D6-4E06-9174-BA62B0502D18}" type="datetime1">
               <a:rPr lang="ru-RU" smtClean="0"/>
-              <a:t>11.04.2024</a:t>
+              <a:t>12.05.2024</a:t>
             </a:fld>
             <a:endParaRPr lang="ru-RU"/>
           </a:p>
@@ -2270,13 +2270,13 @@
   <p:clrMapOvr>
     <a:masterClrMapping/>
   </p:clrMapOvr>
-  <mc:AlternateContent xmlns:mc="http://schemas.openxmlformats.org/markup-compatibility/2006">
-    <mc:Choice xmlns:p14="http://schemas.microsoft.com/office/powerpoint/2010/main" Requires="p14">
+  <mc:AlternateContent xmlns:mc="http://schemas.openxmlformats.org/markup-compatibility/2006" xmlns:p14="http://schemas.microsoft.com/office/powerpoint/2010/main">
+    <mc:Choice Requires="p14">
       <p:transition>
         <p14:reveal/>
       </p:transition>
     </mc:Choice>
-    <mc:Fallback>
+    <mc:Fallback xmlns="">
       <p:transition>
         <p:fade/>
       </p:transition>
@@ -2624,7 +2624,7 @@
           <a:p>
             <a:fld id="{078ACEFC-2A5D-4B8B-B596-165BBCFEE40A}" type="datetime1">
               <a:rPr lang="ru-RU" smtClean="0"/>
-              <a:t>11.04.2024</a:t>
+              <a:t>12.05.2024</a:t>
             </a:fld>
             <a:endParaRPr lang="ru-RU"/>
           </a:p>
@@ -2694,13 +2694,13 @@
   <p:clrMapOvr>
     <a:masterClrMapping/>
   </p:clrMapOvr>
-  <mc:AlternateContent xmlns:mc="http://schemas.openxmlformats.org/markup-compatibility/2006">
-    <mc:Choice xmlns:p14="http://schemas.microsoft.com/office/powerpoint/2010/main" Requires="p14">
+  <mc:AlternateContent xmlns:mc="http://schemas.openxmlformats.org/markup-compatibility/2006" xmlns:p14="http://schemas.microsoft.com/office/powerpoint/2010/main">
+    <mc:Choice Requires="p14">
       <p:transition>
         <p14:reveal/>
       </p:transition>
     </mc:Choice>
-    <mc:Fallback>
+    <mc:Fallback xmlns="">
       <p:transition>
         <p:fade/>
       </p:transition>
@@ -2777,7 +2777,7 @@
           <a:p>
             <a:fld id="{76236C0C-4E67-41AE-81AF-B0C572D4F547}" type="datetime1">
               <a:rPr lang="ru-RU" smtClean="0"/>
-              <a:t>11.04.2024</a:t>
+              <a:t>12.05.2024</a:t>
             </a:fld>
             <a:endParaRPr lang="ru-RU"/>
           </a:p>
@@ -2847,13 +2847,13 @@
   <p:clrMapOvr>
     <a:masterClrMapping/>
   </p:clrMapOvr>
-  <mc:AlternateContent xmlns:mc="http://schemas.openxmlformats.org/markup-compatibility/2006">
-    <mc:Choice xmlns:p14="http://schemas.microsoft.com/office/powerpoint/2010/main" Requires="p14">
+  <mc:AlternateContent xmlns:mc="http://schemas.openxmlformats.org/markup-compatibility/2006" xmlns:p14="http://schemas.microsoft.com/office/powerpoint/2010/main">
+    <mc:Choice Requires="p14">
       <p:transition>
         <p14:reveal/>
       </p:transition>
     </mc:Choice>
-    <mc:Fallback>
+    <mc:Fallback xmlns="">
       <p:transition>
         <p:fade/>
       </p:transition>
@@ -2902,7 +2902,7 @@
           <a:p>
             <a:fld id="{8AE932F1-EA51-48A2-8D28-940B374DF011}" type="datetime1">
               <a:rPr lang="ru-RU" smtClean="0"/>
-              <a:t>11.04.2024</a:t>
+              <a:t>12.05.2024</a:t>
             </a:fld>
             <a:endParaRPr lang="ru-RU"/>
           </a:p>
@@ -2972,13 +2972,13 @@
   <p:clrMapOvr>
     <a:masterClrMapping/>
   </p:clrMapOvr>
-  <mc:AlternateContent xmlns:mc="http://schemas.openxmlformats.org/markup-compatibility/2006">
-    <mc:Choice xmlns:p14="http://schemas.microsoft.com/office/powerpoint/2010/main" Requires="p14">
+  <mc:AlternateContent xmlns:mc="http://schemas.openxmlformats.org/markup-compatibility/2006" xmlns:p14="http://schemas.microsoft.com/office/powerpoint/2010/main">
+    <mc:Choice Requires="p14">
       <p:transition>
         <p14:reveal/>
       </p:transition>
     </mc:Choice>
-    <mc:Fallback>
+    <mc:Fallback xmlns="">
       <p:transition>
         <p:fade/>
       </p:transition>
@@ -3225,7 +3225,7 @@
           <a:p>
             <a:fld id="{753C7966-3936-4F95-AAB3-CA9CAA1DE2C8}" type="datetime1">
               <a:rPr lang="ru-RU" smtClean="0"/>
-              <a:t>11.04.2024</a:t>
+              <a:t>12.05.2024</a:t>
             </a:fld>
             <a:endParaRPr lang="ru-RU"/>
           </a:p>
@@ -3295,13 +3295,13 @@
   <p:clrMapOvr>
     <a:masterClrMapping/>
   </p:clrMapOvr>
-  <mc:AlternateContent xmlns:mc="http://schemas.openxmlformats.org/markup-compatibility/2006">
-    <mc:Choice xmlns:p14="http://schemas.microsoft.com/office/powerpoint/2010/main" Requires="p14">
+  <mc:AlternateContent xmlns:mc="http://schemas.openxmlformats.org/markup-compatibility/2006" xmlns:p14="http://schemas.microsoft.com/office/powerpoint/2010/main">
+    <mc:Choice Requires="p14">
       <p:transition>
         <p14:reveal/>
       </p:transition>
     </mc:Choice>
-    <mc:Fallback>
+    <mc:Fallback xmlns="">
       <p:transition>
         <p:fade/>
       </p:transition>
@@ -3528,7 +3528,7 @@
           <a:p>
             <a:fld id="{B8CF1FB5-E301-4191-AD2A-1091E4B920C4}" type="datetime1">
               <a:rPr lang="ru-RU" smtClean="0"/>
-              <a:t>11.04.2024</a:t>
+              <a:t>12.05.2024</a:t>
             </a:fld>
             <a:endParaRPr lang="ru-RU"/>
           </a:p>
@@ -3598,13 +3598,13 @@
   <p:clrMapOvr>
     <a:masterClrMapping/>
   </p:clrMapOvr>
-  <mc:AlternateContent xmlns:mc="http://schemas.openxmlformats.org/markup-compatibility/2006">
-    <mc:Choice xmlns:p14="http://schemas.microsoft.com/office/powerpoint/2010/main" Requires="p14">
+  <mc:AlternateContent xmlns:mc="http://schemas.openxmlformats.org/markup-compatibility/2006" xmlns:p14="http://schemas.microsoft.com/office/powerpoint/2010/main">
+    <mc:Choice Requires="p14">
       <p:transition>
         <p14:reveal/>
       </p:transition>
     </mc:Choice>
-    <mc:Fallback>
+    <mc:Fallback xmlns="">
       <p:transition>
         <p:fade/>
       </p:transition>
@@ -3817,7 +3817,7 @@
           <a:p>
             <a:fld id="{40A56BA6-386D-4A0A-B1E5-CA2E984204CF}" type="datetime1">
               <a:rPr lang="ru-RU" smtClean="0"/>
-              <a:t>11.04.2024</a:t>
+              <a:t>12.05.2024</a:t>
             </a:fld>
             <a:endParaRPr lang="ru-RU"/>
           </a:p>
@@ -3934,13 +3934,13 @@
     <p:sldLayoutId id="2147483670" r:id="rId10"/>
     <p:sldLayoutId id="2147483671" r:id="rId11"/>
   </p:sldLayoutIdLst>
-  <mc:AlternateContent xmlns:mc="http://schemas.openxmlformats.org/markup-compatibility/2006">
-    <mc:Choice xmlns:p14="http://schemas.microsoft.com/office/powerpoint/2010/main" Requires="p14">
+  <mc:AlternateContent xmlns:mc="http://schemas.openxmlformats.org/markup-compatibility/2006" xmlns:p14="http://schemas.microsoft.com/office/powerpoint/2010/main">
+    <mc:Choice Requires="p14">
       <p:transition>
         <p14:reveal/>
       </p:transition>
     </mc:Choice>
-    <mc:Fallback>
+    <mc:Fallback xmlns="">
       <p:transition>
         <p:fade/>
       </p:transition>
@@ -4628,13 +4628,13 @@
   <p:clrMapOvr>
     <a:masterClrMapping/>
   </p:clrMapOvr>
-  <mc:AlternateContent xmlns:mc="http://schemas.openxmlformats.org/markup-compatibility/2006">
-    <mc:Choice xmlns:p14="http://schemas.microsoft.com/office/powerpoint/2010/main" Requires="p14">
+  <mc:AlternateContent xmlns:mc="http://schemas.openxmlformats.org/markup-compatibility/2006" xmlns:p14="http://schemas.microsoft.com/office/powerpoint/2010/main">
+    <mc:Choice Requires="p14">
       <p:transition>
         <p14:reveal/>
       </p:transition>
     </mc:Choice>
-    <mc:Fallback>
+    <mc:Fallback xmlns="">
       <p:transition>
         <p:fade/>
       </p:transition>
@@ -4856,13 +4856,13 @@
   <p:clrMapOvr>
     <a:masterClrMapping/>
   </p:clrMapOvr>
-  <mc:AlternateContent xmlns:mc="http://schemas.openxmlformats.org/markup-compatibility/2006">
-    <mc:Choice xmlns:p14="http://schemas.microsoft.com/office/powerpoint/2010/main" Requires="p14">
+  <mc:AlternateContent xmlns:mc="http://schemas.openxmlformats.org/markup-compatibility/2006" xmlns:p14="http://schemas.microsoft.com/office/powerpoint/2010/main">
+    <mc:Choice Requires="p14">
       <p:transition>
         <p14:reveal/>
       </p:transition>
     </mc:Choice>
-    <mc:Fallback>
+    <mc:Fallback xmlns="">
       <p:transition>
         <p:fade/>
       </p:transition>
@@ -5230,13 +5230,13 @@
   <p:clrMapOvr>
     <a:masterClrMapping/>
   </p:clrMapOvr>
-  <mc:AlternateContent xmlns:mc="http://schemas.openxmlformats.org/markup-compatibility/2006">
-    <mc:Choice xmlns:p14="http://schemas.microsoft.com/office/powerpoint/2010/main" Requires="p14">
+  <mc:AlternateContent xmlns:mc="http://schemas.openxmlformats.org/markup-compatibility/2006" xmlns:p14="http://schemas.microsoft.com/office/powerpoint/2010/main">
+    <mc:Choice Requires="p14">
       <p:transition>
         <p14:reveal/>
       </p:transition>
     </mc:Choice>
-    <mc:Fallback>
+    <mc:Fallback xmlns="">
       <p:transition>
         <p:fade/>
       </p:transition>
@@ -5411,13 +5411,13 @@
   <p:clrMapOvr>
     <a:masterClrMapping/>
   </p:clrMapOvr>
-  <mc:AlternateContent xmlns:mc="http://schemas.openxmlformats.org/markup-compatibility/2006">
-    <mc:Choice xmlns:p14="http://schemas.microsoft.com/office/powerpoint/2010/main" Requires="p14">
+  <mc:AlternateContent xmlns:mc="http://schemas.openxmlformats.org/markup-compatibility/2006" xmlns:p14="http://schemas.microsoft.com/office/powerpoint/2010/main">
+    <mc:Choice Requires="p14">
       <p:transition>
         <p14:reveal/>
       </p:transition>
     </mc:Choice>
-    <mc:Fallback>
+    <mc:Fallback xmlns="">
       <p:transition>
         <p:fade/>
       </p:transition>
@@ -5491,9 +5491,9 @@
           <p:nvPr/>
         </p:nvCxnSpPr>
         <p:spPr>
-          <a:xfrm>
-            <a:off x="7977559" y="1522709"/>
-            <a:ext cx="27582" cy="4764323"/>
+          <a:xfrm flipH="1">
+            <a:off x="7320212" y="1522709"/>
+            <a:ext cx="11171" cy="6173491"/>
           </a:xfrm>
           <a:prstGeom prst="line">
             <a:avLst/>
@@ -5525,8 +5525,8 @@
         </p:nvSpPr>
         <p:spPr>
           <a:xfrm>
-            <a:off x="1739017" y="1091231"/>
-            <a:ext cx="1575326" cy="431477"/>
+            <a:off x="1918729" y="1084697"/>
+            <a:ext cx="1244320" cy="431477"/>
           </a:xfrm>
           <a:prstGeom prst="rect">
             <a:avLst/>
@@ -5588,9 +5588,9 @@
           <p:nvPr/>
         </p:nvCxnSpPr>
         <p:spPr>
-          <a:xfrm>
-            <a:off x="2526680" y="1522709"/>
-            <a:ext cx="1078" cy="4764323"/>
+          <a:xfrm flipH="1">
+            <a:off x="2527759" y="1516174"/>
+            <a:ext cx="13130" cy="6235906"/>
           </a:xfrm>
           <a:prstGeom prst="line">
             <a:avLst/>
@@ -5622,8 +5622,8 @@
         </p:nvSpPr>
         <p:spPr>
           <a:xfrm>
-            <a:off x="3568942" y="1091231"/>
-            <a:ext cx="1575326" cy="431477"/>
+            <a:off x="3504515" y="1079489"/>
+            <a:ext cx="1211279" cy="431477"/>
           </a:xfrm>
           <a:prstGeom prst="rect">
             <a:avLst/>
@@ -5679,13 +5679,15 @@
       <p:cxnSp>
         <p:nvCxnSpPr>
           <p:cNvPr id="7" name="Прямая соединительная линия 6"/>
-          <p:cNvCxnSpPr/>
+          <p:cNvCxnSpPr>
+            <a:stCxn id="6" idx="2"/>
+          </p:cNvCxnSpPr>
           <p:nvPr/>
         </p:nvCxnSpPr>
         <p:spPr>
-          <a:xfrm flipH="1">
-            <a:off x="4364926" y="1522709"/>
-            <a:ext cx="31458" cy="4764323"/>
+          <a:xfrm>
+            <a:off x="4110155" y="1510966"/>
+            <a:ext cx="4645" cy="6185234"/>
           </a:xfrm>
           <a:prstGeom prst="line">
             <a:avLst/>
@@ -5718,7 +5720,7 @@
         <p:spPr>
           <a:xfrm>
             <a:off x="2429301" y="1712243"/>
-            <a:ext cx="196916" cy="3983699"/>
+            <a:ext cx="196916" cy="5400286"/>
           </a:xfrm>
           <a:prstGeom prst="rect">
             <a:avLst/>
@@ -5765,8 +5767,8 @@
         </p:nvSpPr>
         <p:spPr>
           <a:xfrm>
-            <a:off x="4330629" y="1712243"/>
-            <a:ext cx="123355" cy="1422398"/>
+            <a:off x="4024967" y="1665012"/>
+            <a:ext cx="168598" cy="2010875"/>
           </a:xfrm>
           <a:prstGeom prst="rect">
             <a:avLst/>
@@ -5815,8 +5817,8 @@
         </p:nvCxnSpPr>
         <p:spPr>
           <a:xfrm>
-            <a:off x="2527758" y="1712243"/>
-            <a:ext cx="1704415" cy="0"/>
+            <a:off x="2527759" y="1712243"/>
+            <a:ext cx="1477313" cy="0"/>
           </a:xfrm>
           <a:prstGeom prst="straightConnector1">
             <a:avLst/>
@@ -5848,7 +5850,7 @@
         </p:nvSpPr>
         <p:spPr>
           <a:xfrm>
-            <a:off x="2996800" y="1691554"/>
+            <a:off x="2933857" y="1731547"/>
             <a:ext cx="864788" cy="314584"/>
           </a:xfrm>
           <a:prstGeom prst="rect">
@@ -5882,8 +5884,8 @@
         </p:nvSpPr>
         <p:spPr>
           <a:xfrm>
-            <a:off x="5356391" y="1091231"/>
-            <a:ext cx="1575326" cy="431477"/>
+            <a:off x="5095953" y="1091231"/>
+            <a:ext cx="1176830" cy="431477"/>
           </a:xfrm>
           <a:prstGeom prst="rect">
             <a:avLst/>
@@ -5925,16 +5927,25 @@
                 </a:solidFill>
                 <a:latin typeface="Bahnschrift Light Condensed" panose="020B0502040204020203" pitchFamily="34" charset="0"/>
               </a:rPr>
-              <a:t>Сервис </a:t>
-            </a:r>
-            <a:r>
-              <a:rPr lang="en-US" sz="1200" dirty="0" smtClean="0">
+              <a:t>Сервис</a:t>
+            </a:r>
+            <a:r>
+              <a:rPr lang="en-US" sz="1200" dirty="0">
                 <a:solidFill>
                   <a:sysClr val="windowText" lastClr="000000"/>
                 </a:solidFill>
                 <a:latin typeface="Bahnschrift Light Condensed" panose="020B0502040204020203" pitchFamily="34" charset="0"/>
               </a:rPr>
-              <a:t>solution</a:t>
+              <a:t> </a:t>
+            </a:r>
+            <a:r>
+              <a:rPr lang="en-US" sz="1200" dirty="0" err="1" smtClean="0">
+                <a:solidFill>
+                  <a:sysClr val="windowText" lastClr="000000"/>
+                </a:solidFill>
+                <a:latin typeface="Bahnschrift Light Condensed" panose="020B0502040204020203" pitchFamily="34" charset="0"/>
+              </a:rPr>
+              <a:t>api</a:t>
             </a:r>
             <a:endParaRPr lang="ru-RU" sz="1200" dirty="0">
               <a:solidFill>
@@ -5954,9 +5965,9 @@
           <p:nvPr/>
         </p:nvCxnSpPr>
         <p:spPr>
-          <a:xfrm flipH="1">
-            <a:off x="6126331" y="1522709"/>
-            <a:ext cx="17723" cy="4764323"/>
+          <a:xfrm>
+            <a:off x="5684368" y="1522708"/>
+            <a:ext cx="152" cy="6173492"/>
           </a:xfrm>
           <a:prstGeom prst="line">
             <a:avLst/>
@@ -5988,8 +5999,8 @@
         </p:nvSpPr>
         <p:spPr>
           <a:xfrm>
-            <a:off x="6044519" y="1712243"/>
-            <a:ext cx="196916" cy="1422398"/>
+            <a:off x="5595466" y="1642698"/>
+            <a:ext cx="196916" cy="1941749"/>
           </a:xfrm>
           <a:prstGeom prst="rect">
             <a:avLst/>
@@ -6036,8 +6047,8 @@
         </p:nvCxnSpPr>
         <p:spPr>
           <a:xfrm flipV="1">
-            <a:off x="4452766" y="1712243"/>
-            <a:ext cx="1556025" cy="5273"/>
+            <a:off x="4229488" y="1731547"/>
+            <a:ext cx="1285122" cy="734"/>
           </a:xfrm>
           <a:prstGeom prst="straightConnector1">
             <a:avLst/>
@@ -6069,8 +6080,8 @@
         </p:nvSpPr>
         <p:spPr>
           <a:xfrm>
-            <a:off x="4589248" y="1732280"/>
-            <a:ext cx="1357892" cy="524307"/>
+            <a:off x="4300733" y="1756517"/>
+            <a:ext cx="1128611" cy="461665"/>
           </a:xfrm>
           <a:prstGeom prst="rect">
             <a:avLst/>
@@ -6093,13 +6104,19 @@
               <a:rPr lang="en-US" sz="1200" dirty="0" smtClean="0">
                 <a:latin typeface="Bahnschrift Light Condensed" panose="020B0502040204020203" pitchFamily="34" charset="0"/>
               </a:rPr>
-              <a:t>id</a:t>
+              <a:t>ID</a:t>
             </a:r>
             <a:r>
               <a:rPr lang="ru-RU" sz="1200" dirty="0" smtClean="0">
                 <a:latin typeface="Bahnschrift Light Condensed" panose="020B0502040204020203" pitchFamily="34" charset="0"/>
               </a:rPr>
-              <a:t> задачи</a:t>
+              <a:t> </a:t>
+            </a:r>
+            <a:r>
+              <a:rPr lang="ru-RU" sz="1200" dirty="0" smtClean="0">
+                <a:latin typeface="Bahnschrift Light Condensed" panose="020B0502040204020203" pitchFamily="34" charset="0"/>
+              </a:rPr>
+              <a:t>задачи</a:t>
             </a:r>
             <a:endParaRPr lang="ru-RU" sz="1200" dirty="0">
               <a:latin typeface="Bahnschrift Light Condensed" panose="020B0502040204020203" pitchFamily="34" charset="0"/>
@@ -6115,8 +6132,8 @@
         </p:nvSpPr>
         <p:spPr>
           <a:xfrm>
-            <a:off x="7180786" y="1091231"/>
-            <a:ext cx="1575326" cy="431477"/>
+            <a:off x="6838774" y="1079086"/>
+            <a:ext cx="1040381" cy="431477"/>
           </a:xfrm>
           <a:prstGeom prst="rect">
             <a:avLst/>
@@ -6158,16 +6175,7 @@
                 </a:solidFill>
                 <a:latin typeface="Bahnschrift Light Condensed" panose="020B0502040204020203" pitchFamily="34" charset="0"/>
               </a:rPr>
-              <a:t>Сервис </a:t>
-            </a:r>
-            <a:r>
-              <a:rPr lang="en-US" sz="1200" dirty="0" smtClean="0">
-                <a:solidFill>
-                  <a:sysClr val="windowText" lastClr="000000"/>
-                </a:solidFill>
-                <a:latin typeface="Bahnschrift Light Condensed" panose="020B0502040204020203" pitchFamily="34" charset="0"/>
-              </a:rPr>
-              <a:t>task</a:t>
+              <a:t>БД</a:t>
             </a:r>
             <a:endParaRPr lang="ru-RU" sz="1200" dirty="0">
               <a:solidFill>
@@ -6186,7 +6194,7 @@
         </p:nvSpPr>
         <p:spPr>
           <a:xfrm>
-            <a:off x="7868914" y="1712243"/>
+            <a:off x="7246716" y="1653202"/>
             <a:ext cx="196916" cy="668293"/>
           </a:xfrm>
           <a:prstGeom prst="rect">
@@ -6234,8 +6242,8 @@
         </p:nvCxnSpPr>
         <p:spPr>
           <a:xfrm flipV="1">
-            <a:off x="6277162" y="1712243"/>
-            <a:ext cx="1556025" cy="5273"/>
+            <a:off x="5802523" y="1744168"/>
+            <a:ext cx="1417237" cy="8853"/>
           </a:xfrm>
           <a:prstGeom prst="straightConnector1">
             <a:avLst/>
@@ -6261,14 +6269,14 @@
       </p:cxnSp>
       <p:sp>
         <p:nvSpPr>
-          <p:cNvPr id="23" name="TextBox 22"/>
+          <p:cNvPr id="32" name="TextBox 31"/>
           <p:cNvSpPr txBox="1"/>
           <p:nvPr/>
         </p:nvSpPr>
         <p:spPr>
           <a:xfrm>
-            <a:off x="6631321" y="1712243"/>
-            <a:ext cx="1025040" cy="314584"/>
+            <a:off x="6065695" y="2248243"/>
+            <a:ext cx="1236229" cy="314584"/>
           </a:xfrm>
           <a:prstGeom prst="rect">
             <a:avLst/>
@@ -6282,16 +6290,22 @@
           <a:lstStyle/>
           <a:p>
             <a:r>
+              <a:rPr lang="ru-RU" sz="1200" dirty="0" smtClean="0">
+                <a:latin typeface="Bahnschrift Light Condensed" panose="020B0502040204020203" pitchFamily="34" charset="0"/>
+              </a:rPr>
+              <a:t>Задача</a:t>
+            </a:r>
+            <a:r>
               <a:rPr lang="en-US" sz="1200" dirty="0" smtClean="0">
                 <a:latin typeface="Bahnschrift Light Condensed" panose="020B0502040204020203" pitchFamily="34" charset="0"/>
               </a:rPr>
-              <a:t>Id</a:t>
+              <a:t>, </a:t>
             </a:r>
             <a:r>
               <a:rPr lang="ru-RU" sz="1200" dirty="0" smtClean="0">
                 <a:latin typeface="Bahnschrift Light Condensed" panose="020B0502040204020203" pitchFamily="34" charset="0"/>
               </a:rPr>
-              <a:t> задачи</a:t>
+              <a:t>тесты</a:t>
             </a:r>
             <a:endParaRPr lang="ru-RU" sz="1200" dirty="0">
               <a:latin typeface="Bahnschrift Light Condensed" panose="020B0502040204020203" pitchFamily="34" charset="0"/>
@@ -6301,21 +6315,20 @@
       </p:sp>
       <p:cxnSp>
         <p:nvCxnSpPr>
-          <p:cNvPr id="28" name="Прямая со стрелкой 27"/>
+          <p:cNvPr id="33" name="Прямая соединительная линия 32"/>
           <p:cNvCxnSpPr/>
           <p:nvPr/>
         </p:nvCxnSpPr>
         <p:spPr>
           <a:xfrm flipH="1">
-            <a:off x="6277162" y="2256587"/>
-            <a:ext cx="1591752" cy="0"/>
-          </a:xfrm>
-          <a:prstGeom prst="straightConnector1">
+            <a:off x="8549640" y="1510031"/>
+            <a:ext cx="20852" cy="6186169"/>
+          </a:xfrm>
+          <a:prstGeom prst="line">
             <a:avLst/>
           </a:prstGeom>
-          <a:ln w="9525">
-            <a:prstDash val="dash"/>
-            <a:tailEnd type="triangle"/>
+          <a:ln w="15875">
+            <a:prstDash val="sysDash"/>
           </a:ln>
         </p:spPr>
         <p:style>
@@ -6335,93 +6348,14 @@
       </p:cxnSp>
       <p:sp>
         <p:nvSpPr>
-          <p:cNvPr id="32" name="TextBox 31"/>
-          <p:cNvSpPr txBox="1"/>
-          <p:nvPr/>
-        </p:nvSpPr>
-        <p:spPr>
-          <a:xfrm>
-            <a:off x="6540071" y="2247148"/>
-            <a:ext cx="1236229" cy="314584"/>
-          </a:xfrm>
-          <a:prstGeom prst="rect">
-            <a:avLst/>
-          </a:prstGeom>
-          <a:noFill/>
-        </p:spPr>
-        <p:txBody>
-          <a:bodyPr wrap="square" rtlCol="0">
-            <a:spAutoFit/>
-          </a:bodyPr>
-          <a:lstStyle/>
-          <a:p>
-            <a:r>
-              <a:rPr lang="ru-RU" sz="1200" dirty="0" smtClean="0">
-                <a:latin typeface="Bahnschrift Light Condensed" panose="020B0502040204020203" pitchFamily="34" charset="0"/>
-              </a:rPr>
-              <a:t>Задача</a:t>
-            </a:r>
-            <a:r>
-              <a:rPr lang="en-US" sz="1200" dirty="0" smtClean="0">
-                <a:latin typeface="Bahnschrift Light Condensed" panose="020B0502040204020203" pitchFamily="34" charset="0"/>
-              </a:rPr>
-              <a:t>, </a:t>
-            </a:r>
-            <a:r>
-              <a:rPr lang="ru-RU" sz="1200" dirty="0" smtClean="0">
-                <a:latin typeface="Bahnschrift Light Condensed" panose="020B0502040204020203" pitchFamily="34" charset="0"/>
-              </a:rPr>
-              <a:t>тесты</a:t>
-            </a:r>
-            <a:endParaRPr lang="ru-RU" sz="1200" dirty="0">
-              <a:latin typeface="Bahnschrift Light Condensed" panose="020B0502040204020203" pitchFamily="34" charset="0"/>
-            </a:endParaRPr>
-          </a:p>
-        </p:txBody>
-      </p:sp>
-      <p:cxnSp>
-        <p:nvCxnSpPr>
-          <p:cNvPr id="33" name="Прямая соединительная линия 32"/>
-          <p:cNvCxnSpPr/>
-          <p:nvPr/>
-        </p:nvCxnSpPr>
-        <p:spPr>
-          <a:xfrm>
-            <a:off x="9820172" y="1516127"/>
-            <a:ext cx="2023" cy="4770905"/>
-          </a:xfrm>
-          <a:prstGeom prst="line">
-            <a:avLst/>
-          </a:prstGeom>
-          <a:ln w="15875">
-            <a:prstDash val="sysDash"/>
-          </a:ln>
-        </p:spPr>
-        <p:style>
-          <a:lnRef idx="1">
-            <a:schemeClr val="dk1"/>
-          </a:lnRef>
-          <a:fillRef idx="0">
-            <a:schemeClr val="dk1"/>
-          </a:fillRef>
-          <a:effectRef idx="0">
-            <a:schemeClr val="dk1"/>
-          </a:effectRef>
-          <a:fontRef idx="minor">
-            <a:schemeClr val="tx1"/>
-          </a:fontRef>
-        </p:style>
-      </p:cxnSp>
-      <p:sp>
-        <p:nvSpPr>
           <p:cNvPr id="34" name="Прямоугольник 33"/>
           <p:cNvSpPr/>
           <p:nvPr/>
         </p:nvSpPr>
         <p:spPr>
           <a:xfrm>
-            <a:off x="9023400" y="1084650"/>
-            <a:ext cx="1575326" cy="431477"/>
+            <a:off x="8037214" y="1085134"/>
+            <a:ext cx="1088966" cy="431477"/>
           </a:xfrm>
           <a:prstGeom prst="rect">
             <a:avLst/>
@@ -6500,8 +6434,8 @@
         </p:nvSpPr>
         <p:spPr>
           <a:xfrm>
-            <a:off x="9732919" y="2782407"/>
-            <a:ext cx="196916" cy="2111602"/>
+            <a:off x="8472034" y="3410542"/>
+            <a:ext cx="196916" cy="2045378"/>
           </a:xfrm>
           <a:prstGeom prst="rect">
             <a:avLst/>
@@ -6540,157 +6474,16 @@
           </a:p>
         </p:txBody>
       </p:sp>
-      <p:cxnSp>
-        <p:nvCxnSpPr>
-          <p:cNvPr id="36" name="Прямая со стрелкой 35"/>
-          <p:cNvCxnSpPr/>
-          <p:nvPr/>
-        </p:nvCxnSpPr>
-        <p:spPr>
-          <a:xfrm>
-            <a:off x="6296597" y="2750716"/>
-            <a:ext cx="3417086" cy="0"/>
-          </a:xfrm>
-          <a:prstGeom prst="straightConnector1">
-            <a:avLst/>
-          </a:prstGeom>
-          <a:ln>
-            <a:tailEnd type="triangle"/>
-          </a:ln>
-        </p:spPr>
-        <p:style>
-          <a:lnRef idx="1">
-            <a:schemeClr val="dk1"/>
-          </a:lnRef>
-          <a:fillRef idx="0">
-            <a:schemeClr val="dk1"/>
-          </a:fillRef>
-          <a:effectRef idx="0">
-            <a:schemeClr val="dk1"/>
-          </a:effectRef>
-          <a:fontRef idx="minor">
-            <a:schemeClr val="tx1"/>
-          </a:fontRef>
-        </p:style>
-      </p:cxnSp>
-      <p:sp>
-        <p:nvSpPr>
-          <p:cNvPr id="37" name="TextBox 36"/>
-          <p:cNvSpPr txBox="1"/>
-          <p:nvPr/>
-        </p:nvSpPr>
-        <p:spPr>
-          <a:xfrm>
-            <a:off x="8005140" y="2782407"/>
-            <a:ext cx="1498920" cy="314584"/>
-          </a:xfrm>
-          <a:prstGeom prst="rect">
-            <a:avLst/>
-          </a:prstGeom>
-          <a:noFill/>
-        </p:spPr>
-        <p:txBody>
-          <a:bodyPr wrap="square" rtlCol="0">
-            <a:spAutoFit/>
-          </a:bodyPr>
-          <a:lstStyle/>
-          <a:p>
-            <a:r>
-              <a:rPr lang="ru-RU" sz="1200" dirty="0" smtClean="0">
-                <a:latin typeface="Bahnschrift Light Condensed" panose="020B0502040204020203" pitchFamily="34" charset="0"/>
-              </a:rPr>
-              <a:t>Код, входные данные</a:t>
-            </a:r>
-            <a:endParaRPr lang="ru-RU" sz="1200" dirty="0">
-              <a:latin typeface="Bahnschrift Light Condensed" panose="020B0502040204020203" pitchFamily="34" charset="0"/>
-            </a:endParaRPr>
-          </a:p>
-        </p:txBody>
-      </p:sp>
-      <p:cxnSp>
-        <p:nvCxnSpPr>
-          <p:cNvPr id="40" name="Прямая со стрелкой 39"/>
-          <p:cNvCxnSpPr/>
-          <p:nvPr/>
-        </p:nvCxnSpPr>
-        <p:spPr>
-          <a:xfrm flipH="1">
-            <a:off x="4500563" y="3096992"/>
-            <a:ext cx="1508229" cy="0"/>
-          </a:xfrm>
-          <a:prstGeom prst="straightConnector1">
-            <a:avLst/>
-          </a:prstGeom>
-          <a:ln w="9525">
-            <a:prstDash val="dash"/>
-            <a:tailEnd type="triangle"/>
-          </a:ln>
-        </p:spPr>
-        <p:style>
-          <a:lnRef idx="1">
-            <a:schemeClr val="dk1"/>
-          </a:lnRef>
-          <a:fillRef idx="0">
-            <a:schemeClr val="dk1"/>
-          </a:fillRef>
-          <a:effectRef idx="0">
-            <a:schemeClr val="dk1"/>
-          </a:effectRef>
-          <a:fontRef idx="minor">
-            <a:schemeClr val="tx1"/>
-          </a:fontRef>
-        </p:style>
-      </p:cxnSp>
-      <p:sp>
-        <p:nvSpPr>
-          <p:cNvPr id="42" name="TextBox 41"/>
-          <p:cNvSpPr txBox="1"/>
-          <p:nvPr/>
-        </p:nvSpPr>
-        <p:spPr>
-          <a:xfrm>
-            <a:off x="4819653" y="3096992"/>
-            <a:ext cx="1025040" cy="314584"/>
-          </a:xfrm>
-          <a:prstGeom prst="rect">
-            <a:avLst/>
-          </a:prstGeom>
-          <a:noFill/>
-        </p:spPr>
-        <p:txBody>
-          <a:bodyPr wrap="square" rtlCol="0">
-            <a:spAutoFit/>
-          </a:bodyPr>
-          <a:lstStyle/>
-          <a:p>
-            <a:r>
-              <a:rPr lang="en-US" sz="1200" dirty="0" smtClean="0">
-                <a:latin typeface="Bahnschrift Light Condensed" panose="020B0502040204020203" pitchFamily="34" charset="0"/>
-              </a:rPr>
-              <a:t>Id</a:t>
-            </a:r>
-            <a:r>
-              <a:rPr lang="ru-RU" sz="1200" dirty="0" smtClean="0">
-                <a:latin typeface="Bahnschrift Light Condensed" panose="020B0502040204020203" pitchFamily="34" charset="0"/>
-              </a:rPr>
-              <a:t> решения</a:t>
-            </a:r>
-            <a:endParaRPr lang="ru-RU" sz="1200" dirty="0">
-              <a:latin typeface="Bahnschrift Light Condensed" panose="020B0502040204020203" pitchFamily="34" charset="0"/>
-            </a:endParaRPr>
-          </a:p>
-        </p:txBody>
-      </p:sp>
-      <p:sp>
-        <p:nvSpPr>
-          <p:cNvPr id="46" name="Прямоугольник 45"/>
+      <p:sp>
+        <p:nvSpPr>
+          <p:cNvPr id="50" name="Прямоугольник 49"/>
           <p:cNvSpPr/>
           <p:nvPr/>
         </p:nvSpPr>
         <p:spPr>
           <a:xfrm>
-            <a:off x="6051065" y="4691964"/>
-            <a:ext cx="196916" cy="197873"/>
+            <a:off x="5593865" y="3960675"/>
+            <a:ext cx="196916" cy="677366"/>
           </a:xfrm>
           <a:prstGeom prst="rect">
             <a:avLst/>
@@ -6729,84 +6522,16 @@
           </a:p>
         </p:txBody>
       </p:sp>
-      <p:cxnSp>
-        <p:nvCxnSpPr>
-          <p:cNvPr id="47" name="Прямая со стрелкой 46"/>
-          <p:cNvCxnSpPr/>
-          <p:nvPr/>
-        </p:nvCxnSpPr>
-        <p:spPr>
-          <a:xfrm flipH="1" flipV="1">
-            <a:off x="6261594" y="4790900"/>
-            <a:ext cx="3417086" cy="8772"/>
-          </a:xfrm>
-          <a:prstGeom prst="straightConnector1">
-            <a:avLst/>
-          </a:prstGeom>
-          <a:ln w="9525">
-            <a:prstDash val="dash"/>
-            <a:tailEnd type="triangle"/>
-          </a:ln>
-        </p:spPr>
-        <p:style>
-          <a:lnRef idx="1">
-            <a:schemeClr val="dk1"/>
-          </a:lnRef>
-          <a:fillRef idx="0">
-            <a:schemeClr val="dk1"/>
-          </a:fillRef>
-          <a:effectRef idx="0">
-            <a:schemeClr val="dk1"/>
-          </a:effectRef>
-          <a:fontRef idx="minor">
-            <a:schemeClr val="tx1"/>
-          </a:fontRef>
-        </p:style>
-      </p:cxnSp>
-      <p:sp>
-        <p:nvSpPr>
-          <p:cNvPr id="49" name="TextBox 48"/>
-          <p:cNvSpPr txBox="1"/>
-          <p:nvPr/>
-        </p:nvSpPr>
-        <p:spPr>
-          <a:xfrm>
-            <a:off x="6443415" y="4447661"/>
-            <a:ext cx="1698623" cy="314584"/>
-          </a:xfrm>
-          <a:prstGeom prst="rect">
-            <a:avLst/>
-          </a:prstGeom>
-          <a:noFill/>
-        </p:spPr>
-        <p:txBody>
-          <a:bodyPr wrap="square" rtlCol="0">
-            <a:spAutoFit/>
-          </a:bodyPr>
-          <a:lstStyle/>
-          <a:p>
-            <a:r>
-              <a:rPr lang="ru-RU" sz="1200" dirty="0" smtClean="0">
-                <a:latin typeface="Bahnschrift Light Condensed" panose="020B0502040204020203" pitchFamily="34" charset="0"/>
-              </a:rPr>
-              <a:t>Результат выполнения</a:t>
-            </a:r>
-            <a:endParaRPr lang="ru-RU" sz="1200" dirty="0">
-              <a:latin typeface="Bahnschrift Light Condensed" panose="020B0502040204020203" pitchFamily="34" charset="0"/>
-            </a:endParaRPr>
-          </a:p>
-        </p:txBody>
-      </p:sp>
-      <p:sp>
-        <p:nvSpPr>
-          <p:cNvPr id="50" name="Прямоугольник 49"/>
+      <p:sp>
+        <p:nvSpPr>
+          <p:cNvPr id="57" name="Прямоугольник 56"/>
           <p:cNvSpPr/>
           <p:nvPr/>
         </p:nvSpPr>
         <p:spPr>
           <a:xfrm>
-            <a:off x="6051065" y="3960674"/>
-            <a:ext cx="196916" cy="497685"/>
+            <a:off x="5604468" y="5281554"/>
+            <a:ext cx="196916" cy="932547"/>
           </a:xfrm>
           <a:prstGeom prst="rect">
             <a:avLst/>
@@ -6847,20 +6572,24 @@
       </p:sp>
       <p:cxnSp>
         <p:nvCxnSpPr>
-          <p:cNvPr id="51" name="Прямая со стрелкой 50"/>
+          <p:cNvPr id="60" name="Прямая со стрелкой 59"/>
           <p:cNvCxnSpPr/>
           <p:nvPr/>
         </p:nvCxnSpPr>
         <p:spPr>
-          <a:xfrm flipV="1">
-            <a:off x="4487178" y="3998352"/>
-            <a:ext cx="1556025" cy="5273"/>
+          <a:xfrm flipH="1">
+            <a:off x="4202383" y="3470051"/>
+            <a:ext cx="1393083" cy="0"/>
           </a:xfrm>
           <a:prstGeom prst="straightConnector1">
             <a:avLst/>
           </a:prstGeom>
-          <a:ln>
-            <a:tailEnd type="triangle"/>
+          <a:ln w="9525">
+            <a:solidFill>
+              <a:schemeClr val="tx1"/>
+            </a:solidFill>
+            <a:prstDash val="dash"/>
+            <a:tailEnd type="arrow"/>
           </a:ln>
         </p:spPr>
         <p:style>
@@ -6878,56 +6607,16 @@
           </a:fontRef>
         </p:style>
       </p:cxnSp>
-      <p:sp>
-        <p:nvSpPr>
-          <p:cNvPr id="52" name="TextBox 51"/>
-          <p:cNvSpPr txBox="1"/>
-          <p:nvPr/>
-        </p:nvSpPr>
-        <p:spPr>
-          <a:xfrm>
-            <a:off x="4736732" y="3937398"/>
-            <a:ext cx="1025040" cy="314584"/>
-          </a:xfrm>
-          <a:prstGeom prst="rect">
-            <a:avLst/>
-          </a:prstGeom>
-          <a:noFill/>
-        </p:spPr>
-        <p:txBody>
-          <a:bodyPr wrap="square" rtlCol="0">
-            <a:spAutoFit/>
-          </a:bodyPr>
-          <a:lstStyle/>
-          <a:p>
-            <a:r>
-              <a:rPr lang="en-US" sz="1200" dirty="0" smtClean="0">
-                <a:latin typeface="Bahnschrift Light Condensed" panose="020B0502040204020203" pitchFamily="34" charset="0"/>
-              </a:rPr>
-              <a:t>Id</a:t>
-            </a:r>
-            <a:r>
-              <a:rPr lang="ru-RU" sz="1200" dirty="0" smtClean="0">
-                <a:latin typeface="Bahnschrift Light Condensed" panose="020B0502040204020203" pitchFamily="34" charset="0"/>
-              </a:rPr>
-              <a:t> решения</a:t>
-            </a:r>
-            <a:endParaRPr lang="ru-RU" sz="1200" dirty="0">
-              <a:latin typeface="Bahnschrift Light Condensed" panose="020B0502040204020203" pitchFamily="34" charset="0"/>
-            </a:endParaRPr>
-          </a:p>
-        </p:txBody>
-      </p:sp>
       <p:cxnSp>
         <p:nvCxnSpPr>
-          <p:cNvPr id="53" name="Прямая со стрелкой 52"/>
+          <p:cNvPr id="63" name="Прямая со стрелкой 62"/>
           <p:cNvCxnSpPr/>
           <p:nvPr/>
         </p:nvCxnSpPr>
         <p:spPr>
           <a:xfrm flipH="1">
-            <a:off x="4511075" y="4400853"/>
-            <a:ext cx="1508229" cy="0"/>
+            <a:off x="2675076" y="7013944"/>
+            <a:ext cx="1337694" cy="11153"/>
           </a:xfrm>
           <a:prstGeom prst="straightConnector1">
             <a:avLst/>
@@ -6954,14 +6643,14 @@
       </p:cxnSp>
       <p:sp>
         <p:nvSpPr>
-          <p:cNvPr id="54" name="TextBox 53"/>
+          <p:cNvPr id="64" name="TextBox 63"/>
           <p:cNvSpPr txBox="1"/>
           <p:nvPr/>
         </p:nvSpPr>
         <p:spPr>
           <a:xfrm>
-            <a:off x="4903215" y="4425649"/>
-            <a:ext cx="785943" cy="314584"/>
+            <a:off x="2813955" y="7013944"/>
+            <a:ext cx="996836" cy="461665"/>
           </a:xfrm>
           <a:prstGeom prst="rect">
             <a:avLst/>
@@ -6978,7 +6667,7 @@
               <a:rPr lang="ru-RU" sz="1200" dirty="0" smtClean="0">
                 <a:latin typeface="Bahnschrift Light Condensed" panose="020B0502040204020203" pitchFamily="34" charset="0"/>
               </a:rPr>
-              <a:t>Загрузка</a:t>
+              <a:t>Результат решения</a:t>
             </a:r>
             <a:endParaRPr lang="ru-RU" sz="1200" dirty="0">
               <a:latin typeface="Bahnschrift Light Condensed" panose="020B0502040204020203" pitchFamily="34" charset="0"/>
@@ -6988,14 +6677,14 @@
       </p:sp>
       <p:sp>
         <p:nvSpPr>
-          <p:cNvPr id="57" name="Прямоугольник 56"/>
+          <p:cNvPr id="73" name="Прямоугольник 72"/>
           <p:cNvSpPr/>
           <p:nvPr/>
         </p:nvSpPr>
         <p:spPr>
           <a:xfrm>
-            <a:off x="6044519" y="5152102"/>
-            <a:ext cx="196916" cy="497685"/>
+            <a:off x="4046638" y="3960675"/>
+            <a:ext cx="144393" cy="748485"/>
           </a:xfrm>
           <a:prstGeom prst="rect">
             <a:avLst/>
@@ -7034,22 +6723,141 @@
           </a:p>
         </p:txBody>
       </p:sp>
+      <p:sp>
+        <p:nvSpPr>
+          <p:cNvPr id="9" name="Номер слайда 8"/>
+          <p:cNvSpPr>
+            <a:spLocks noGrp="1"/>
+          </p:cNvSpPr>
+          <p:nvPr>
+            <p:ph type="sldNum" sz="quarter" idx="12"/>
+          </p:nvPr>
+        </p:nvSpPr>
+        <p:spPr/>
+        <p:txBody>
+          <a:bodyPr/>
+          <a:lstStyle/>
+          <a:p>
+            <a:fld id="{62AE288B-ED16-4155-B555-A20169454F34}" type="slidenum">
+              <a:rPr lang="ru-RU" smtClean="0"/>
+              <a:t>13</a:t>
+            </a:fld>
+            <a:endParaRPr lang="ru-RU"/>
+          </a:p>
+        </p:txBody>
+      </p:sp>
+      <p:sp>
+        <p:nvSpPr>
+          <p:cNvPr id="65" name="TextBox 64"/>
+          <p:cNvSpPr txBox="1"/>
+          <p:nvPr/>
+        </p:nvSpPr>
+        <p:spPr>
+          <a:xfrm>
+            <a:off x="4460665" y="3133543"/>
+            <a:ext cx="1025040" cy="276999"/>
+          </a:xfrm>
+          <a:prstGeom prst="rect">
+            <a:avLst/>
+          </a:prstGeom>
+          <a:noFill/>
+        </p:spPr>
+        <p:txBody>
+          <a:bodyPr wrap="square" rtlCol="0">
+            <a:spAutoFit/>
+          </a:bodyPr>
+          <a:lstStyle/>
+          <a:p>
+            <a:r>
+              <a:rPr lang="en-US" sz="1200" dirty="0" smtClean="0">
+                <a:latin typeface="Bahnschrift Light Condensed" panose="020B0502040204020203" pitchFamily="34" charset="0"/>
+              </a:rPr>
+              <a:t>ID</a:t>
+            </a:r>
+            <a:r>
+              <a:rPr lang="ru-RU" sz="1200" dirty="0" smtClean="0">
+                <a:latin typeface="Bahnschrift Light Condensed" panose="020B0502040204020203" pitchFamily="34" charset="0"/>
+              </a:rPr>
+              <a:t> </a:t>
+            </a:r>
+            <a:r>
+              <a:rPr lang="ru-RU" sz="1200" dirty="0" smtClean="0">
+                <a:latin typeface="Bahnschrift Light Condensed" panose="020B0502040204020203" pitchFamily="34" charset="0"/>
+              </a:rPr>
+              <a:t>решения</a:t>
+            </a:r>
+            <a:endParaRPr lang="ru-RU" sz="1200" dirty="0">
+              <a:latin typeface="Bahnschrift Light Condensed" panose="020B0502040204020203" pitchFamily="34" charset="0"/>
+            </a:endParaRPr>
+          </a:p>
+        </p:txBody>
+      </p:sp>
+      <p:sp>
+        <p:nvSpPr>
+          <p:cNvPr id="71" name="TextBox 70"/>
+          <p:cNvSpPr txBox="1"/>
+          <p:nvPr/>
+        </p:nvSpPr>
+        <p:spPr>
+          <a:xfrm>
+            <a:off x="6223595" y="1731547"/>
+            <a:ext cx="698727" cy="276999"/>
+          </a:xfrm>
+          <a:prstGeom prst="rect">
+            <a:avLst/>
+          </a:prstGeom>
+          <a:noFill/>
+        </p:spPr>
+        <p:txBody>
+          <a:bodyPr wrap="square" rtlCol="0">
+            <a:spAutoFit/>
+          </a:bodyPr>
+          <a:lstStyle/>
+          <a:p>
+            <a:r>
+              <a:rPr lang="en-US" sz="1200" dirty="0" smtClean="0">
+                <a:latin typeface="Bahnschrift Light Condensed" panose="020B0502040204020203" pitchFamily="34" charset="0"/>
+              </a:rPr>
+              <a:t>ID</a:t>
+            </a:r>
+            <a:r>
+              <a:rPr lang="ru-RU" sz="1200" dirty="0" smtClean="0">
+                <a:latin typeface="Bahnschrift Light Condensed" panose="020B0502040204020203" pitchFamily="34" charset="0"/>
+              </a:rPr>
+              <a:t> </a:t>
+            </a:r>
+            <a:r>
+              <a:rPr lang="ru-RU" sz="1200" dirty="0" smtClean="0">
+                <a:latin typeface="Bahnschrift Light Condensed" panose="020B0502040204020203" pitchFamily="34" charset="0"/>
+              </a:rPr>
+              <a:t>задачи</a:t>
+            </a:r>
+            <a:endParaRPr lang="ru-RU" sz="1200" dirty="0">
+              <a:latin typeface="Bahnschrift Light Condensed" panose="020B0502040204020203" pitchFamily="34" charset="0"/>
+            </a:endParaRPr>
+          </a:p>
+        </p:txBody>
+      </p:sp>
       <p:cxnSp>
         <p:nvCxnSpPr>
-          <p:cNvPr id="58" name="Прямая со стрелкой 57"/>
+          <p:cNvPr id="74" name="Прямая со стрелкой 73"/>
           <p:cNvCxnSpPr/>
           <p:nvPr/>
         </p:nvCxnSpPr>
         <p:spPr>
-          <a:xfrm flipV="1">
-            <a:off x="4466240" y="5213057"/>
-            <a:ext cx="1556025" cy="5273"/>
+          <a:xfrm flipH="1">
+            <a:off x="5814599" y="2263043"/>
+            <a:ext cx="1393083" cy="0"/>
           </a:xfrm>
           <a:prstGeom prst="straightConnector1">
             <a:avLst/>
           </a:prstGeom>
-          <a:ln>
-            <a:tailEnd type="triangle"/>
+          <a:ln w="9525">
+            <a:solidFill>
+              <a:schemeClr val="tx1"/>
+            </a:solidFill>
+            <a:prstDash val="dash"/>
+            <a:tailEnd type="arrow"/>
           </a:ln>
         </p:spPr>
         <p:style>
@@ -7069,190 +6877,14 @@
       </p:cxnSp>
       <p:sp>
         <p:nvSpPr>
-          <p:cNvPr id="59" name="TextBox 58"/>
-          <p:cNvSpPr txBox="1"/>
-          <p:nvPr/>
-        </p:nvSpPr>
-        <p:spPr>
-          <a:xfrm>
-            <a:off x="4715794" y="5152102"/>
-            <a:ext cx="1025040" cy="314584"/>
-          </a:xfrm>
-          <a:prstGeom prst="rect">
-            <a:avLst/>
-          </a:prstGeom>
-          <a:noFill/>
-        </p:spPr>
-        <p:txBody>
-          <a:bodyPr wrap="square" rtlCol="0">
-            <a:spAutoFit/>
-          </a:bodyPr>
-          <a:lstStyle/>
-          <a:p>
-            <a:r>
-              <a:rPr lang="en-US" sz="1200" dirty="0" smtClean="0">
-                <a:latin typeface="Bahnschrift Light Condensed" panose="020B0502040204020203" pitchFamily="34" charset="0"/>
-              </a:rPr>
-              <a:t>Id</a:t>
-            </a:r>
-            <a:r>
-              <a:rPr lang="ru-RU" sz="1200" dirty="0" smtClean="0">
-                <a:latin typeface="Bahnschrift Light Condensed" panose="020B0502040204020203" pitchFamily="34" charset="0"/>
-              </a:rPr>
-              <a:t> решения</a:t>
-            </a:r>
-            <a:endParaRPr lang="ru-RU" sz="1200" dirty="0">
-              <a:latin typeface="Bahnschrift Light Condensed" panose="020B0502040204020203" pitchFamily="34" charset="0"/>
-            </a:endParaRPr>
-          </a:p>
-        </p:txBody>
-      </p:sp>
-      <p:cxnSp>
-        <p:nvCxnSpPr>
-          <p:cNvPr id="60" name="Прямая со стрелкой 59"/>
-          <p:cNvCxnSpPr/>
-          <p:nvPr/>
-        </p:nvCxnSpPr>
-        <p:spPr>
-          <a:xfrm flipH="1">
-            <a:off x="4490137" y="5615557"/>
-            <a:ext cx="1508229" cy="0"/>
-          </a:xfrm>
-          <a:prstGeom prst="straightConnector1">
-            <a:avLst/>
-          </a:prstGeom>
-          <a:ln w="9525">
-            <a:prstDash val="dash"/>
-            <a:tailEnd type="triangle"/>
-          </a:ln>
-        </p:spPr>
-        <p:style>
-          <a:lnRef idx="1">
-            <a:schemeClr val="dk1"/>
-          </a:lnRef>
-          <a:fillRef idx="0">
-            <a:schemeClr val="dk1"/>
-          </a:fillRef>
-          <a:effectRef idx="0">
-            <a:schemeClr val="dk1"/>
-          </a:effectRef>
-          <a:fontRef idx="minor">
-            <a:schemeClr val="tx1"/>
-          </a:fontRef>
-        </p:style>
-      </p:cxnSp>
-      <p:sp>
-        <p:nvSpPr>
-          <p:cNvPr id="61" name="TextBox 60"/>
-          <p:cNvSpPr txBox="1"/>
-          <p:nvPr/>
-        </p:nvSpPr>
-        <p:spPr>
-          <a:xfrm>
-            <a:off x="4615142" y="5615557"/>
-            <a:ext cx="1511189" cy="314584"/>
-          </a:xfrm>
-          <a:prstGeom prst="rect">
-            <a:avLst/>
-          </a:prstGeom>
-          <a:noFill/>
-        </p:spPr>
-        <p:txBody>
-          <a:bodyPr wrap="square" rtlCol="0">
-            <a:spAutoFit/>
-          </a:bodyPr>
-          <a:lstStyle/>
-          <a:p>
-            <a:r>
-              <a:rPr lang="ru-RU" sz="1200" dirty="0" smtClean="0">
-                <a:latin typeface="Bahnschrift Light Condensed" panose="020B0502040204020203" pitchFamily="34" charset="0"/>
-              </a:rPr>
-              <a:t>Результат решения</a:t>
-            </a:r>
-            <a:endParaRPr lang="ru-RU" sz="1200" dirty="0">
-              <a:latin typeface="Bahnschrift Light Condensed" panose="020B0502040204020203" pitchFamily="34" charset="0"/>
-            </a:endParaRPr>
-          </a:p>
-        </p:txBody>
-      </p:sp>
-      <p:cxnSp>
-        <p:nvCxnSpPr>
-          <p:cNvPr id="63" name="Прямая со стрелкой 62"/>
-          <p:cNvCxnSpPr/>
-          <p:nvPr/>
-        </p:nvCxnSpPr>
-        <p:spPr>
-          <a:xfrm flipH="1">
-            <a:off x="2675080" y="5592696"/>
-            <a:ext cx="1581990" cy="0"/>
-          </a:xfrm>
-          <a:prstGeom prst="straightConnector1">
-            <a:avLst/>
-          </a:prstGeom>
-          <a:ln w="9525">
-            <a:prstDash val="dash"/>
-            <a:tailEnd type="triangle"/>
-          </a:ln>
-        </p:spPr>
-        <p:style>
-          <a:lnRef idx="1">
-            <a:schemeClr val="dk1"/>
-          </a:lnRef>
-          <a:fillRef idx="0">
-            <a:schemeClr val="dk1"/>
-          </a:fillRef>
-          <a:effectRef idx="0">
-            <a:schemeClr val="dk1"/>
-          </a:effectRef>
-          <a:fontRef idx="minor">
-            <a:schemeClr val="tx1"/>
-          </a:fontRef>
-        </p:style>
-      </p:cxnSp>
-      <p:sp>
-        <p:nvSpPr>
-          <p:cNvPr id="64" name="TextBox 63"/>
-          <p:cNvSpPr txBox="1"/>
-          <p:nvPr/>
-        </p:nvSpPr>
-        <p:spPr>
-          <a:xfrm>
-            <a:off x="2813958" y="5581544"/>
-            <a:ext cx="1511189" cy="314584"/>
-          </a:xfrm>
-          <a:prstGeom prst="rect">
-            <a:avLst/>
-          </a:prstGeom>
-          <a:noFill/>
-        </p:spPr>
-        <p:txBody>
-          <a:bodyPr wrap="square" rtlCol="0">
-            <a:spAutoFit/>
-          </a:bodyPr>
-          <a:lstStyle/>
-          <a:p>
-            <a:r>
-              <a:rPr lang="ru-RU" sz="1200" dirty="0" smtClean="0">
-                <a:latin typeface="Bahnschrift Light Condensed" panose="020B0502040204020203" pitchFamily="34" charset="0"/>
-              </a:rPr>
-              <a:t>Результат решения</a:t>
-            </a:r>
-            <a:endParaRPr lang="ru-RU" sz="1200" dirty="0">
-              <a:latin typeface="Bahnschrift Light Condensed" panose="020B0502040204020203" pitchFamily="34" charset="0"/>
-            </a:endParaRPr>
-          </a:p>
-        </p:txBody>
-      </p:sp>
-      <p:sp>
-        <p:nvSpPr>
-          <p:cNvPr id="73" name="Прямоугольник 72"/>
+          <p:cNvPr id="76" name="Прямоугольник 75"/>
           <p:cNvSpPr/>
           <p:nvPr/>
         </p:nvSpPr>
         <p:spPr>
           <a:xfrm>
-            <a:off x="4314942" y="3960674"/>
-            <a:ext cx="127031" cy="1689112"/>
+            <a:off x="7246716" y="2559647"/>
+            <a:ext cx="196916" cy="668293"/>
           </a:xfrm>
           <a:prstGeom prst="rect">
             <a:avLst/>
@@ -7291,16 +6923,49 @@
           </a:p>
         </p:txBody>
       </p:sp>
-      <p:sp>
-        <p:nvSpPr>
-          <p:cNvPr id="75" name="TextBox 74"/>
+      <p:cxnSp>
+        <p:nvCxnSpPr>
+          <p:cNvPr id="77" name="Прямая со стрелкой 76"/>
+          <p:cNvCxnSpPr/>
+          <p:nvPr/>
+        </p:nvCxnSpPr>
+        <p:spPr>
+          <a:xfrm flipV="1">
+            <a:off x="5820811" y="2652472"/>
+            <a:ext cx="1417237" cy="8853"/>
+          </a:xfrm>
+          <a:prstGeom prst="straightConnector1">
+            <a:avLst/>
+          </a:prstGeom>
+          <a:ln>
+            <a:tailEnd type="triangle"/>
+          </a:ln>
+        </p:spPr>
+        <p:style>
+          <a:lnRef idx="1">
+            <a:schemeClr val="dk1"/>
+          </a:lnRef>
+          <a:fillRef idx="0">
+            <a:schemeClr val="dk1"/>
+          </a:fillRef>
+          <a:effectRef idx="0">
+            <a:schemeClr val="dk1"/>
+          </a:effectRef>
+          <a:fontRef idx="minor">
+            <a:schemeClr val="tx1"/>
+          </a:fontRef>
+        </p:style>
+      </p:cxnSp>
+      <p:sp>
+        <p:nvSpPr>
+          <p:cNvPr id="78" name="TextBox 77"/>
           <p:cNvSpPr txBox="1"/>
           <p:nvPr/>
         </p:nvSpPr>
         <p:spPr>
           <a:xfrm>
-            <a:off x="4589248" y="6223200"/>
-            <a:ext cx="3861798" cy="369332"/>
+            <a:off x="6083983" y="3156547"/>
+            <a:ext cx="1236229" cy="276999"/>
           </a:xfrm>
           <a:prstGeom prst="rect">
             <a:avLst/>
@@ -7314,18 +6979,18 @@
           <a:lstStyle/>
           <a:p>
             <a:r>
-              <a:rPr lang="ru-RU" dirty="0">
+              <a:rPr lang="en-US" sz="1200" dirty="0" smtClean="0">
                 <a:latin typeface="Bahnschrift Light Condensed" panose="020B0502040204020203" pitchFamily="34" charset="0"/>
               </a:rPr>
-              <a:t>Рисунок </a:t>
-            </a:r>
-            <a:r>
-              <a:rPr lang="ru-RU" dirty="0" smtClean="0">
+              <a:t>ID</a:t>
+            </a:r>
+            <a:r>
+              <a:rPr lang="ru-RU" sz="1200" dirty="0" smtClean="0">
                 <a:latin typeface="Bahnschrift Light Condensed" panose="020B0502040204020203" pitchFamily="34" charset="0"/>
               </a:rPr>
-              <a:t>9 – Процесс проверки решения</a:t>
-            </a:r>
-            <a:endParaRPr lang="ru-RU" dirty="0">
+              <a:t> решения</a:t>
+            </a:r>
+            <a:endParaRPr lang="ru-RU" sz="1200" dirty="0">
               <a:latin typeface="Bahnschrift Light Condensed" panose="020B0502040204020203" pitchFamily="34" charset="0"/>
             </a:endParaRPr>
           </a:p>
@@ -7333,24 +6998,1133 @@
       </p:sp>
       <p:sp>
         <p:nvSpPr>
-          <p:cNvPr id="9" name="Номер слайда 8"/>
-          <p:cNvSpPr>
-            <a:spLocks noGrp="1"/>
-          </p:cNvSpPr>
-          <p:nvPr>
-            <p:ph type="sldNum" sz="quarter" idx="12"/>
-          </p:nvPr>
-        </p:nvSpPr>
-        <p:spPr/>
-        <p:txBody>
-          <a:bodyPr/>
+          <p:cNvPr id="79" name="TextBox 78"/>
+          <p:cNvSpPr txBox="1"/>
+          <p:nvPr/>
+        </p:nvSpPr>
+        <p:spPr>
+          <a:xfrm>
+            <a:off x="6241883" y="2639851"/>
+            <a:ext cx="698727" cy="276999"/>
+          </a:xfrm>
+          <a:prstGeom prst="rect">
+            <a:avLst/>
+          </a:prstGeom>
+          <a:noFill/>
+        </p:spPr>
+        <p:txBody>
+          <a:bodyPr wrap="square" rtlCol="0">
+            <a:spAutoFit/>
+          </a:bodyPr>
           <a:lstStyle/>
           <a:p>
-            <a:fld id="{62AE288B-ED16-4155-B555-A20169454F34}" type="slidenum">
-              <a:rPr lang="ru-RU" smtClean="0"/>
-              <a:t>13</a:t>
-            </a:fld>
+            <a:r>
+              <a:rPr lang="ru-RU" sz="1200" dirty="0" smtClean="0">
+                <a:latin typeface="Bahnschrift Light Condensed" panose="020B0502040204020203" pitchFamily="34" charset="0"/>
+              </a:rPr>
+              <a:t>Решение</a:t>
+            </a:r>
+            <a:endParaRPr lang="ru-RU" sz="1200" dirty="0">
+              <a:latin typeface="Bahnschrift Light Condensed" panose="020B0502040204020203" pitchFamily="34" charset="0"/>
+            </a:endParaRPr>
+          </a:p>
+        </p:txBody>
+      </p:sp>
+      <p:cxnSp>
+        <p:nvCxnSpPr>
+          <p:cNvPr id="80" name="Прямая со стрелкой 79"/>
+          <p:cNvCxnSpPr/>
+          <p:nvPr/>
+        </p:nvCxnSpPr>
+        <p:spPr>
+          <a:xfrm flipH="1">
+            <a:off x="5832887" y="3171347"/>
+            <a:ext cx="1393083" cy="0"/>
+          </a:xfrm>
+          <a:prstGeom prst="straightConnector1">
+            <a:avLst/>
+          </a:prstGeom>
+          <a:ln w="9525">
+            <a:solidFill>
+              <a:schemeClr val="tx1"/>
+            </a:solidFill>
+            <a:prstDash val="dash"/>
+            <a:tailEnd type="arrow"/>
+          </a:ln>
+        </p:spPr>
+        <p:style>
+          <a:lnRef idx="1">
+            <a:schemeClr val="dk1"/>
+          </a:lnRef>
+          <a:fillRef idx="0">
+            <a:schemeClr val="dk1"/>
+          </a:fillRef>
+          <a:effectRef idx="0">
+            <a:schemeClr val="dk1"/>
+          </a:effectRef>
+          <a:fontRef idx="minor">
+            <a:schemeClr val="tx1"/>
+          </a:fontRef>
+        </p:style>
+      </p:cxnSp>
+      <p:cxnSp>
+        <p:nvCxnSpPr>
+          <p:cNvPr id="81" name="Прямая со стрелкой 80"/>
+          <p:cNvCxnSpPr/>
+          <p:nvPr/>
+        </p:nvCxnSpPr>
+        <p:spPr>
+          <a:xfrm flipV="1">
+            <a:off x="5809069" y="3525894"/>
+            <a:ext cx="2662965" cy="4798"/>
+          </a:xfrm>
+          <a:prstGeom prst="straightConnector1">
+            <a:avLst/>
+          </a:prstGeom>
+          <a:ln w="9525">
+            <a:solidFill>
+              <a:schemeClr val="tx1"/>
+            </a:solidFill>
+            <a:prstDash val="solid"/>
+            <a:tailEnd type="arrow"/>
+          </a:ln>
+        </p:spPr>
+        <p:style>
+          <a:lnRef idx="1">
+            <a:schemeClr val="dk1"/>
+          </a:lnRef>
+          <a:fillRef idx="0">
+            <a:schemeClr val="dk1"/>
+          </a:fillRef>
+          <a:effectRef idx="0">
+            <a:schemeClr val="dk1"/>
+          </a:effectRef>
+          <a:fontRef idx="minor">
+            <a:schemeClr val="tx1"/>
+          </a:fontRef>
+        </p:style>
+      </p:cxnSp>
+      <p:sp>
+        <p:nvSpPr>
+          <p:cNvPr id="85" name="TextBox 84"/>
+          <p:cNvSpPr txBox="1"/>
+          <p:nvPr/>
+        </p:nvSpPr>
+        <p:spPr>
+          <a:xfrm>
+            <a:off x="6503818" y="3525894"/>
+            <a:ext cx="874503" cy="461665"/>
+          </a:xfrm>
+          <a:prstGeom prst="rect">
+            <a:avLst/>
+          </a:prstGeom>
+          <a:noFill/>
+        </p:spPr>
+        <p:txBody>
+          <a:bodyPr wrap="square" rtlCol="0">
+            <a:spAutoFit/>
+          </a:bodyPr>
+          <a:lstStyle/>
+          <a:p>
+            <a:r>
+              <a:rPr lang="ru-RU" sz="1200" dirty="0" smtClean="0">
+                <a:latin typeface="Bahnschrift Light Condensed" panose="020B0502040204020203" pitchFamily="34" charset="0"/>
+              </a:rPr>
+              <a:t>Код, тесты</a:t>
+            </a:r>
+            <a:r>
+              <a:rPr lang="en-US" sz="1200" dirty="0" smtClean="0">
+                <a:latin typeface="Bahnschrift Light Condensed" panose="020B0502040204020203" pitchFamily="34" charset="0"/>
+              </a:rPr>
+              <a:t>, ID</a:t>
+            </a:r>
+            <a:r>
+              <a:rPr lang="ru-RU" sz="1200" dirty="0" smtClean="0">
+                <a:latin typeface="Bahnschrift Light Condensed" panose="020B0502040204020203" pitchFamily="34" charset="0"/>
+              </a:rPr>
+              <a:t> решения</a:t>
+            </a:r>
+            <a:endParaRPr lang="ru-RU" sz="1200" dirty="0">
+              <a:latin typeface="Bahnschrift Light Condensed" panose="020B0502040204020203" pitchFamily="34" charset="0"/>
+            </a:endParaRPr>
+          </a:p>
+        </p:txBody>
+      </p:sp>
+      <p:cxnSp>
+        <p:nvCxnSpPr>
+          <p:cNvPr id="86" name="Прямая со стрелкой 85"/>
+          <p:cNvCxnSpPr/>
+          <p:nvPr/>
+        </p:nvCxnSpPr>
+        <p:spPr>
+          <a:xfrm flipV="1">
+            <a:off x="4197243" y="4055568"/>
+            <a:ext cx="1417237" cy="8853"/>
+          </a:xfrm>
+          <a:prstGeom prst="straightConnector1">
+            <a:avLst/>
+          </a:prstGeom>
+          <a:ln>
+            <a:tailEnd type="triangle"/>
+          </a:ln>
+        </p:spPr>
+        <p:style>
+          <a:lnRef idx="1">
+            <a:schemeClr val="dk1"/>
+          </a:lnRef>
+          <a:fillRef idx="0">
+            <a:schemeClr val="dk1"/>
+          </a:fillRef>
+          <a:effectRef idx="0">
+            <a:schemeClr val="dk1"/>
+          </a:effectRef>
+          <a:fontRef idx="minor">
+            <a:schemeClr val="tx1"/>
+          </a:fontRef>
+        </p:style>
+      </p:cxnSp>
+      <p:sp>
+        <p:nvSpPr>
+          <p:cNvPr id="87" name="TextBox 86"/>
+          <p:cNvSpPr txBox="1"/>
+          <p:nvPr/>
+        </p:nvSpPr>
+        <p:spPr>
+          <a:xfrm>
+            <a:off x="4466347" y="6960520"/>
+            <a:ext cx="1318340" cy="461665"/>
+          </a:xfrm>
+          <a:prstGeom prst="rect">
+            <a:avLst/>
+          </a:prstGeom>
+          <a:noFill/>
+        </p:spPr>
+        <p:txBody>
+          <a:bodyPr wrap="square" rtlCol="0">
+            <a:spAutoFit/>
+          </a:bodyPr>
+          <a:lstStyle/>
+          <a:p>
+            <a:r>
+              <a:rPr lang="ru-RU" sz="1200" dirty="0" smtClean="0">
+                <a:latin typeface="Bahnschrift Light Condensed" panose="020B0502040204020203" pitchFamily="34" charset="0"/>
+              </a:rPr>
+              <a:t>Решение с результатом</a:t>
+            </a:r>
+            <a:endParaRPr lang="ru-RU" sz="1200" dirty="0">
+              <a:latin typeface="Bahnschrift Light Condensed" panose="020B0502040204020203" pitchFamily="34" charset="0"/>
+            </a:endParaRPr>
+          </a:p>
+        </p:txBody>
+      </p:sp>
+      <p:sp>
+        <p:nvSpPr>
+          <p:cNvPr id="88" name="TextBox 87"/>
+          <p:cNvSpPr txBox="1"/>
+          <p:nvPr/>
+        </p:nvSpPr>
+        <p:spPr>
+          <a:xfrm>
+            <a:off x="4473029" y="4042947"/>
+            <a:ext cx="844013" cy="276999"/>
+          </a:xfrm>
+          <a:prstGeom prst="rect">
+            <a:avLst/>
+          </a:prstGeom>
+          <a:noFill/>
+        </p:spPr>
+        <p:txBody>
+          <a:bodyPr wrap="square" rtlCol="0">
+            <a:spAutoFit/>
+          </a:bodyPr>
+          <a:lstStyle/>
+          <a:p>
+            <a:r>
+              <a:rPr lang="en-US" sz="1200" dirty="0" smtClean="0">
+                <a:latin typeface="Bahnschrift Light Condensed" panose="020B0502040204020203" pitchFamily="34" charset="0"/>
+              </a:rPr>
+              <a:t>ID</a:t>
+            </a:r>
+            <a:r>
+              <a:rPr lang="ru-RU" sz="1200" dirty="0" smtClean="0">
+                <a:latin typeface="Bahnschrift Light Condensed" panose="020B0502040204020203" pitchFamily="34" charset="0"/>
+              </a:rPr>
+              <a:t> решения</a:t>
+            </a:r>
+            <a:endParaRPr lang="ru-RU" sz="1200" dirty="0">
+              <a:latin typeface="Bahnschrift Light Condensed" panose="020B0502040204020203" pitchFamily="34" charset="0"/>
+            </a:endParaRPr>
+          </a:p>
+        </p:txBody>
+      </p:sp>
+      <p:cxnSp>
+        <p:nvCxnSpPr>
+          <p:cNvPr id="89" name="Прямая со стрелкой 88"/>
+          <p:cNvCxnSpPr/>
+          <p:nvPr/>
+        </p:nvCxnSpPr>
+        <p:spPr>
+          <a:xfrm flipH="1">
+            <a:off x="4209319" y="4574443"/>
+            <a:ext cx="1393083" cy="0"/>
+          </a:xfrm>
+          <a:prstGeom prst="straightConnector1">
+            <a:avLst/>
+          </a:prstGeom>
+          <a:ln w="9525">
+            <a:solidFill>
+              <a:schemeClr val="tx1"/>
+            </a:solidFill>
+            <a:prstDash val="dash"/>
+            <a:tailEnd type="arrow"/>
+          </a:ln>
+        </p:spPr>
+        <p:style>
+          <a:lnRef idx="1">
+            <a:schemeClr val="dk1"/>
+          </a:lnRef>
+          <a:fillRef idx="0">
+            <a:schemeClr val="dk1"/>
+          </a:fillRef>
+          <a:effectRef idx="0">
+            <a:schemeClr val="dk1"/>
+          </a:effectRef>
+          <a:fontRef idx="minor">
+            <a:schemeClr val="tx1"/>
+          </a:fontRef>
+        </p:style>
+      </p:cxnSp>
+      <p:cxnSp>
+        <p:nvCxnSpPr>
+          <p:cNvPr id="90" name="Прямая со стрелкой 89"/>
+          <p:cNvCxnSpPr/>
+          <p:nvPr/>
+        </p:nvCxnSpPr>
+        <p:spPr>
+          <a:xfrm flipH="1">
+            <a:off x="5801384" y="5391386"/>
+            <a:ext cx="2670651" cy="0"/>
+          </a:xfrm>
+          <a:prstGeom prst="straightConnector1">
+            <a:avLst/>
+          </a:prstGeom>
+          <a:ln w="9525">
+            <a:solidFill>
+              <a:schemeClr val="tx1"/>
+            </a:solidFill>
+            <a:prstDash val="solid"/>
+            <a:tailEnd type="arrow"/>
+          </a:ln>
+        </p:spPr>
+        <p:style>
+          <a:lnRef idx="1">
+            <a:schemeClr val="dk1"/>
+          </a:lnRef>
+          <a:fillRef idx="0">
+            <a:schemeClr val="dk1"/>
+          </a:fillRef>
+          <a:effectRef idx="0">
+            <a:schemeClr val="dk1"/>
+          </a:effectRef>
+          <a:fontRef idx="minor">
+            <a:schemeClr val="tx1"/>
+          </a:fontRef>
+        </p:style>
+      </p:cxnSp>
+      <p:sp>
+        <p:nvSpPr>
+          <p:cNvPr id="94" name="TextBox 93"/>
+          <p:cNvSpPr txBox="1"/>
+          <p:nvPr/>
+        </p:nvSpPr>
+        <p:spPr>
+          <a:xfrm>
+            <a:off x="6174750" y="5123908"/>
+            <a:ext cx="1882858" cy="276999"/>
+          </a:xfrm>
+          <a:prstGeom prst="rect">
+            <a:avLst/>
+          </a:prstGeom>
+          <a:noFill/>
+        </p:spPr>
+        <p:txBody>
+          <a:bodyPr wrap="square" rtlCol="0">
+            <a:spAutoFit/>
+          </a:bodyPr>
+          <a:lstStyle/>
+          <a:p>
+            <a:r>
+              <a:rPr lang="ru-RU" sz="1200" dirty="0" smtClean="0">
+                <a:latin typeface="Bahnschrift Light Condensed" panose="020B0502040204020203" pitchFamily="34" charset="0"/>
+              </a:rPr>
+              <a:t>Результат  решения</a:t>
+            </a:r>
+            <a:r>
+              <a:rPr lang="en-US" sz="1200" dirty="0" smtClean="0">
+                <a:latin typeface="Bahnschrift Light Condensed" panose="020B0502040204020203" pitchFamily="34" charset="0"/>
+              </a:rPr>
+              <a:t>, ID</a:t>
+            </a:r>
+            <a:r>
+              <a:rPr lang="ru-RU" sz="1200" dirty="0" smtClean="0">
+                <a:latin typeface="Bahnschrift Light Condensed" panose="020B0502040204020203" pitchFamily="34" charset="0"/>
+              </a:rPr>
+              <a:t> решения</a:t>
+            </a:r>
+            <a:endParaRPr lang="ru-RU" sz="1200" dirty="0">
+              <a:latin typeface="Bahnschrift Light Condensed" panose="020B0502040204020203" pitchFamily="34" charset="0"/>
+            </a:endParaRPr>
+          </a:p>
+        </p:txBody>
+      </p:sp>
+      <p:sp>
+        <p:nvSpPr>
+          <p:cNvPr id="95" name="Прямоугольник 94"/>
+          <p:cNvSpPr/>
+          <p:nvPr/>
+        </p:nvSpPr>
+        <p:spPr>
+          <a:xfrm>
+            <a:off x="7221754" y="5530238"/>
+            <a:ext cx="196916" cy="668293"/>
+          </a:xfrm>
+          <a:prstGeom prst="rect">
+            <a:avLst/>
+          </a:prstGeom>
+          <a:solidFill>
+            <a:schemeClr val="bg1"/>
+          </a:solidFill>
+          <a:ln>
+            <a:solidFill>
+              <a:schemeClr val="tx1"/>
+            </a:solidFill>
+          </a:ln>
+        </p:spPr>
+        <p:style>
+          <a:lnRef idx="2">
+            <a:schemeClr val="accent1">
+              <a:shade val="50000"/>
+            </a:schemeClr>
+          </a:lnRef>
+          <a:fillRef idx="1">
+            <a:schemeClr val="accent1"/>
+          </a:fillRef>
+          <a:effectRef idx="0">
+            <a:schemeClr val="accent1"/>
+          </a:effectRef>
+          <a:fontRef idx="minor">
+            <a:schemeClr val="lt1"/>
+          </a:fontRef>
+        </p:style>
+        <p:txBody>
+          <a:bodyPr rtlCol="0" anchor="ctr"/>
+          <a:lstStyle/>
+          <a:p>
+            <a:pPr algn="ctr"/>
             <a:endParaRPr lang="ru-RU"/>
+          </a:p>
+        </p:txBody>
+      </p:sp>
+      <p:cxnSp>
+        <p:nvCxnSpPr>
+          <p:cNvPr id="96" name="Прямая со стрелкой 95"/>
+          <p:cNvCxnSpPr/>
+          <p:nvPr/>
+        </p:nvCxnSpPr>
+        <p:spPr>
+          <a:xfrm flipV="1">
+            <a:off x="5819354" y="5609665"/>
+            <a:ext cx="1417237" cy="8853"/>
+          </a:xfrm>
+          <a:prstGeom prst="straightConnector1">
+            <a:avLst/>
+          </a:prstGeom>
+          <a:ln>
+            <a:tailEnd type="triangle"/>
+          </a:ln>
+        </p:spPr>
+        <p:style>
+          <a:lnRef idx="1">
+            <a:schemeClr val="dk1"/>
+          </a:lnRef>
+          <a:fillRef idx="0">
+            <a:schemeClr val="dk1"/>
+          </a:fillRef>
+          <a:effectRef idx="0">
+            <a:schemeClr val="dk1"/>
+          </a:effectRef>
+          <a:fontRef idx="minor">
+            <a:schemeClr val="tx1"/>
+          </a:fontRef>
+        </p:style>
+      </p:cxnSp>
+      <p:sp>
+        <p:nvSpPr>
+          <p:cNvPr id="97" name="TextBox 96"/>
+          <p:cNvSpPr txBox="1"/>
+          <p:nvPr/>
+        </p:nvSpPr>
+        <p:spPr>
+          <a:xfrm>
+            <a:off x="6065696" y="5597044"/>
+            <a:ext cx="873458" cy="461665"/>
+          </a:xfrm>
+          <a:prstGeom prst="rect">
+            <a:avLst/>
+          </a:prstGeom>
+          <a:noFill/>
+        </p:spPr>
+        <p:txBody>
+          <a:bodyPr wrap="square" rtlCol="0">
+            <a:spAutoFit/>
+          </a:bodyPr>
+          <a:lstStyle/>
+          <a:p>
+            <a:r>
+              <a:rPr lang="en-US" sz="1200" dirty="0" smtClean="0">
+                <a:latin typeface="Bahnschrift Light Condensed" panose="020B0502040204020203" pitchFamily="34" charset="0"/>
+              </a:rPr>
+              <a:t>ID </a:t>
+            </a:r>
+            <a:r>
+              <a:rPr lang="ru-RU" sz="1200" dirty="0" smtClean="0">
+                <a:latin typeface="Bahnschrift Light Condensed" panose="020B0502040204020203" pitchFamily="34" charset="0"/>
+              </a:rPr>
+              <a:t>решения</a:t>
+            </a:r>
+            <a:r>
+              <a:rPr lang="en-US" sz="1200" dirty="0" smtClean="0">
+                <a:latin typeface="Bahnschrift Light Condensed" panose="020B0502040204020203" pitchFamily="34" charset="0"/>
+              </a:rPr>
+              <a:t>,</a:t>
+            </a:r>
+            <a:r>
+              <a:rPr lang="ru-RU" sz="1200" dirty="0" smtClean="0">
+                <a:latin typeface="Bahnschrift Light Condensed" panose="020B0502040204020203" pitchFamily="34" charset="0"/>
+              </a:rPr>
+              <a:t> результат</a:t>
+            </a:r>
+            <a:endParaRPr lang="ru-RU" sz="1200" dirty="0">
+              <a:latin typeface="Bahnschrift Light Condensed" panose="020B0502040204020203" pitchFamily="34" charset="0"/>
+            </a:endParaRPr>
+          </a:p>
+        </p:txBody>
+      </p:sp>
+      <p:sp>
+        <p:nvSpPr>
+          <p:cNvPr id="103" name="Прямоугольник 102"/>
+          <p:cNvSpPr/>
+          <p:nvPr/>
+        </p:nvSpPr>
+        <p:spPr>
+          <a:xfrm>
+            <a:off x="7232925" y="3938180"/>
+            <a:ext cx="196916" cy="668293"/>
+          </a:xfrm>
+          <a:prstGeom prst="rect">
+            <a:avLst/>
+          </a:prstGeom>
+          <a:solidFill>
+            <a:schemeClr val="bg1"/>
+          </a:solidFill>
+          <a:ln>
+            <a:solidFill>
+              <a:schemeClr val="tx1"/>
+            </a:solidFill>
+          </a:ln>
+        </p:spPr>
+        <p:style>
+          <a:lnRef idx="2">
+            <a:schemeClr val="accent1">
+              <a:shade val="50000"/>
+            </a:schemeClr>
+          </a:lnRef>
+          <a:fillRef idx="1">
+            <a:schemeClr val="accent1"/>
+          </a:fillRef>
+          <a:effectRef idx="0">
+            <a:schemeClr val="accent1"/>
+          </a:effectRef>
+          <a:fontRef idx="minor">
+            <a:schemeClr val="lt1"/>
+          </a:fontRef>
+        </p:style>
+        <p:txBody>
+          <a:bodyPr rtlCol="0" anchor="ctr"/>
+          <a:lstStyle/>
+          <a:p>
+            <a:pPr algn="ctr"/>
+            <a:endParaRPr lang="ru-RU"/>
+          </a:p>
+        </p:txBody>
+      </p:sp>
+      <p:cxnSp>
+        <p:nvCxnSpPr>
+          <p:cNvPr id="104" name="Прямая со стрелкой 103"/>
+          <p:cNvCxnSpPr/>
+          <p:nvPr/>
+        </p:nvCxnSpPr>
+        <p:spPr>
+          <a:xfrm flipV="1">
+            <a:off x="5830525" y="4017607"/>
+            <a:ext cx="1417237" cy="8853"/>
+          </a:xfrm>
+          <a:prstGeom prst="straightConnector1">
+            <a:avLst/>
+          </a:prstGeom>
+          <a:ln>
+            <a:tailEnd type="triangle"/>
+          </a:ln>
+        </p:spPr>
+        <p:style>
+          <a:lnRef idx="1">
+            <a:schemeClr val="dk1"/>
+          </a:lnRef>
+          <a:fillRef idx="0">
+            <a:schemeClr val="dk1"/>
+          </a:fillRef>
+          <a:effectRef idx="0">
+            <a:schemeClr val="dk1"/>
+          </a:effectRef>
+          <a:fontRef idx="minor">
+            <a:schemeClr val="tx1"/>
+          </a:fontRef>
+        </p:style>
+      </p:cxnSp>
+      <p:sp>
+        <p:nvSpPr>
+          <p:cNvPr id="105" name="TextBox 104"/>
+          <p:cNvSpPr txBox="1"/>
+          <p:nvPr/>
+        </p:nvSpPr>
+        <p:spPr>
+          <a:xfrm>
+            <a:off x="6076867" y="4004986"/>
+            <a:ext cx="873458" cy="276999"/>
+          </a:xfrm>
+          <a:prstGeom prst="rect">
+            <a:avLst/>
+          </a:prstGeom>
+          <a:noFill/>
+        </p:spPr>
+        <p:txBody>
+          <a:bodyPr wrap="square" rtlCol="0">
+            <a:spAutoFit/>
+          </a:bodyPr>
+          <a:lstStyle/>
+          <a:p>
+            <a:r>
+              <a:rPr lang="en-US" sz="1200" dirty="0" smtClean="0">
+                <a:latin typeface="Bahnschrift Light Condensed" panose="020B0502040204020203" pitchFamily="34" charset="0"/>
+              </a:rPr>
+              <a:t>ID </a:t>
+            </a:r>
+            <a:r>
+              <a:rPr lang="ru-RU" sz="1200" dirty="0" smtClean="0">
+                <a:latin typeface="Bahnschrift Light Condensed" panose="020B0502040204020203" pitchFamily="34" charset="0"/>
+              </a:rPr>
+              <a:t>решения</a:t>
+            </a:r>
+          </a:p>
+        </p:txBody>
+      </p:sp>
+      <p:sp>
+        <p:nvSpPr>
+          <p:cNvPr id="106" name="TextBox 105"/>
+          <p:cNvSpPr txBox="1"/>
+          <p:nvPr/>
+        </p:nvSpPr>
+        <p:spPr>
+          <a:xfrm>
+            <a:off x="5915547" y="4530994"/>
+            <a:ext cx="1232278" cy="461665"/>
+          </a:xfrm>
+          <a:prstGeom prst="rect">
+            <a:avLst/>
+          </a:prstGeom>
+          <a:noFill/>
+        </p:spPr>
+        <p:txBody>
+          <a:bodyPr wrap="square" rtlCol="0">
+            <a:spAutoFit/>
+          </a:bodyPr>
+          <a:lstStyle/>
+          <a:p>
+            <a:r>
+              <a:rPr lang="ru-RU" sz="1200" dirty="0" smtClean="0">
+                <a:latin typeface="Bahnschrift Light Condensed" panose="020B0502040204020203" pitchFamily="34" charset="0"/>
+              </a:rPr>
+              <a:t>Решение без результата</a:t>
+            </a:r>
+            <a:endParaRPr lang="ru-RU" sz="1200" dirty="0">
+              <a:latin typeface="Bahnschrift Light Condensed" panose="020B0502040204020203" pitchFamily="34" charset="0"/>
+            </a:endParaRPr>
+          </a:p>
+        </p:txBody>
+      </p:sp>
+      <p:cxnSp>
+        <p:nvCxnSpPr>
+          <p:cNvPr id="107" name="Прямая со стрелкой 106"/>
+          <p:cNvCxnSpPr/>
+          <p:nvPr/>
+        </p:nvCxnSpPr>
+        <p:spPr>
+          <a:xfrm flipH="1">
+            <a:off x="5810217" y="4545794"/>
+            <a:ext cx="1393083" cy="0"/>
+          </a:xfrm>
+          <a:prstGeom prst="straightConnector1">
+            <a:avLst/>
+          </a:prstGeom>
+          <a:ln w="9525">
+            <a:solidFill>
+              <a:schemeClr val="tx1"/>
+            </a:solidFill>
+            <a:prstDash val="dash"/>
+            <a:tailEnd type="arrow"/>
+          </a:ln>
+        </p:spPr>
+        <p:style>
+          <a:lnRef idx="1">
+            <a:schemeClr val="dk1"/>
+          </a:lnRef>
+          <a:fillRef idx="0">
+            <a:schemeClr val="dk1"/>
+          </a:fillRef>
+          <a:effectRef idx="0">
+            <a:schemeClr val="dk1"/>
+          </a:effectRef>
+          <a:fontRef idx="minor">
+            <a:schemeClr val="tx1"/>
+          </a:fontRef>
+        </p:style>
+      </p:cxnSp>
+      <p:sp>
+        <p:nvSpPr>
+          <p:cNvPr id="116" name="Прямоугольник 115"/>
+          <p:cNvSpPr/>
+          <p:nvPr/>
+        </p:nvSpPr>
+        <p:spPr>
+          <a:xfrm>
+            <a:off x="5582089" y="6364044"/>
+            <a:ext cx="196916" cy="677366"/>
+          </a:xfrm>
+          <a:prstGeom prst="rect">
+            <a:avLst/>
+          </a:prstGeom>
+          <a:solidFill>
+            <a:schemeClr val="bg1"/>
+          </a:solidFill>
+          <a:ln>
+            <a:solidFill>
+              <a:schemeClr val="tx1"/>
+            </a:solidFill>
+          </a:ln>
+        </p:spPr>
+        <p:style>
+          <a:lnRef idx="2">
+            <a:schemeClr val="accent1">
+              <a:shade val="50000"/>
+            </a:schemeClr>
+          </a:lnRef>
+          <a:fillRef idx="1">
+            <a:schemeClr val="accent1"/>
+          </a:fillRef>
+          <a:effectRef idx="0">
+            <a:schemeClr val="accent1"/>
+          </a:effectRef>
+          <a:fontRef idx="minor">
+            <a:schemeClr val="lt1"/>
+          </a:fontRef>
+        </p:style>
+        <p:txBody>
+          <a:bodyPr rtlCol="0" anchor="ctr"/>
+          <a:lstStyle/>
+          <a:p>
+            <a:pPr algn="ctr"/>
+            <a:endParaRPr lang="ru-RU"/>
+          </a:p>
+        </p:txBody>
+      </p:sp>
+      <p:sp>
+        <p:nvSpPr>
+          <p:cNvPr id="117" name="Прямоугольник 116"/>
+          <p:cNvSpPr/>
+          <p:nvPr/>
+        </p:nvSpPr>
+        <p:spPr>
+          <a:xfrm>
+            <a:off x="4034862" y="6364044"/>
+            <a:ext cx="144393" cy="748485"/>
+          </a:xfrm>
+          <a:prstGeom prst="rect">
+            <a:avLst/>
+          </a:prstGeom>
+          <a:solidFill>
+            <a:schemeClr val="bg1"/>
+          </a:solidFill>
+          <a:ln>
+            <a:solidFill>
+              <a:schemeClr val="tx1"/>
+            </a:solidFill>
+          </a:ln>
+        </p:spPr>
+        <p:style>
+          <a:lnRef idx="2">
+            <a:schemeClr val="accent1">
+              <a:shade val="50000"/>
+            </a:schemeClr>
+          </a:lnRef>
+          <a:fillRef idx="1">
+            <a:schemeClr val="accent1"/>
+          </a:fillRef>
+          <a:effectRef idx="0">
+            <a:schemeClr val="accent1"/>
+          </a:effectRef>
+          <a:fontRef idx="minor">
+            <a:schemeClr val="lt1"/>
+          </a:fontRef>
+        </p:style>
+        <p:txBody>
+          <a:bodyPr rtlCol="0" anchor="ctr"/>
+          <a:lstStyle/>
+          <a:p>
+            <a:pPr algn="ctr"/>
+            <a:endParaRPr lang="ru-RU"/>
+          </a:p>
+        </p:txBody>
+      </p:sp>
+      <p:cxnSp>
+        <p:nvCxnSpPr>
+          <p:cNvPr id="118" name="Прямая со стрелкой 117"/>
+          <p:cNvCxnSpPr/>
+          <p:nvPr/>
+        </p:nvCxnSpPr>
+        <p:spPr>
+          <a:xfrm flipV="1">
+            <a:off x="4185467" y="6458937"/>
+            <a:ext cx="1417237" cy="8853"/>
+          </a:xfrm>
+          <a:prstGeom prst="straightConnector1">
+            <a:avLst/>
+          </a:prstGeom>
+          <a:ln>
+            <a:tailEnd type="triangle"/>
+          </a:ln>
+        </p:spPr>
+        <p:style>
+          <a:lnRef idx="1">
+            <a:schemeClr val="dk1"/>
+          </a:lnRef>
+          <a:fillRef idx="0">
+            <a:schemeClr val="dk1"/>
+          </a:fillRef>
+          <a:effectRef idx="0">
+            <a:schemeClr val="dk1"/>
+          </a:effectRef>
+          <a:fontRef idx="minor">
+            <a:schemeClr val="tx1"/>
+          </a:fontRef>
+        </p:style>
+      </p:cxnSp>
+      <p:sp>
+        <p:nvSpPr>
+          <p:cNvPr id="119" name="TextBox 118"/>
+          <p:cNvSpPr txBox="1"/>
+          <p:nvPr/>
+        </p:nvSpPr>
+        <p:spPr>
+          <a:xfrm>
+            <a:off x="4461253" y="6446316"/>
+            <a:ext cx="844013" cy="276999"/>
+          </a:xfrm>
+          <a:prstGeom prst="rect">
+            <a:avLst/>
+          </a:prstGeom>
+          <a:noFill/>
+        </p:spPr>
+        <p:txBody>
+          <a:bodyPr wrap="square" rtlCol="0">
+            <a:spAutoFit/>
+          </a:bodyPr>
+          <a:lstStyle/>
+          <a:p>
+            <a:r>
+              <a:rPr lang="en-US" sz="1200" dirty="0" smtClean="0">
+                <a:latin typeface="Bahnschrift Light Condensed" panose="020B0502040204020203" pitchFamily="34" charset="0"/>
+              </a:rPr>
+              <a:t>ID</a:t>
+            </a:r>
+            <a:r>
+              <a:rPr lang="ru-RU" sz="1200" dirty="0" smtClean="0">
+                <a:latin typeface="Bahnschrift Light Condensed" panose="020B0502040204020203" pitchFamily="34" charset="0"/>
+              </a:rPr>
+              <a:t> решения</a:t>
+            </a:r>
+            <a:endParaRPr lang="ru-RU" sz="1200" dirty="0">
+              <a:latin typeface="Bahnschrift Light Condensed" panose="020B0502040204020203" pitchFamily="34" charset="0"/>
+            </a:endParaRPr>
+          </a:p>
+        </p:txBody>
+      </p:sp>
+      <p:cxnSp>
+        <p:nvCxnSpPr>
+          <p:cNvPr id="120" name="Прямая со стрелкой 119"/>
+          <p:cNvCxnSpPr/>
+          <p:nvPr/>
+        </p:nvCxnSpPr>
+        <p:spPr>
+          <a:xfrm flipH="1">
+            <a:off x="4197543" y="6977812"/>
+            <a:ext cx="1393083" cy="0"/>
+          </a:xfrm>
+          <a:prstGeom prst="straightConnector1">
+            <a:avLst/>
+          </a:prstGeom>
+          <a:ln w="9525">
+            <a:solidFill>
+              <a:schemeClr val="tx1"/>
+            </a:solidFill>
+            <a:prstDash val="dash"/>
+            <a:tailEnd type="arrow"/>
+          </a:ln>
+        </p:spPr>
+        <p:style>
+          <a:lnRef idx="1">
+            <a:schemeClr val="dk1"/>
+          </a:lnRef>
+          <a:fillRef idx="0">
+            <a:schemeClr val="dk1"/>
+          </a:fillRef>
+          <a:effectRef idx="0">
+            <a:schemeClr val="dk1"/>
+          </a:effectRef>
+          <a:fontRef idx="minor">
+            <a:schemeClr val="tx1"/>
+          </a:fontRef>
+        </p:style>
+      </p:cxnSp>
+      <p:sp>
+        <p:nvSpPr>
+          <p:cNvPr id="121" name="Прямоугольник 120"/>
+          <p:cNvSpPr/>
+          <p:nvPr/>
+        </p:nvSpPr>
+        <p:spPr>
+          <a:xfrm>
+            <a:off x="7221149" y="6341549"/>
+            <a:ext cx="196916" cy="668293"/>
+          </a:xfrm>
+          <a:prstGeom prst="rect">
+            <a:avLst/>
+          </a:prstGeom>
+          <a:solidFill>
+            <a:schemeClr val="bg1"/>
+          </a:solidFill>
+          <a:ln>
+            <a:solidFill>
+              <a:schemeClr val="tx1"/>
+            </a:solidFill>
+          </a:ln>
+        </p:spPr>
+        <p:style>
+          <a:lnRef idx="2">
+            <a:schemeClr val="accent1">
+              <a:shade val="50000"/>
+            </a:schemeClr>
+          </a:lnRef>
+          <a:fillRef idx="1">
+            <a:schemeClr val="accent1"/>
+          </a:fillRef>
+          <a:effectRef idx="0">
+            <a:schemeClr val="accent1"/>
+          </a:effectRef>
+          <a:fontRef idx="minor">
+            <a:schemeClr val="lt1"/>
+          </a:fontRef>
+        </p:style>
+        <p:txBody>
+          <a:bodyPr rtlCol="0" anchor="ctr"/>
+          <a:lstStyle/>
+          <a:p>
+            <a:pPr algn="ctr"/>
+            <a:endParaRPr lang="ru-RU"/>
+          </a:p>
+        </p:txBody>
+      </p:sp>
+      <p:cxnSp>
+        <p:nvCxnSpPr>
+          <p:cNvPr id="122" name="Прямая со стрелкой 121"/>
+          <p:cNvCxnSpPr/>
+          <p:nvPr/>
+        </p:nvCxnSpPr>
+        <p:spPr>
+          <a:xfrm flipV="1">
+            <a:off x="5818749" y="6420976"/>
+            <a:ext cx="1417237" cy="8853"/>
+          </a:xfrm>
+          <a:prstGeom prst="straightConnector1">
+            <a:avLst/>
+          </a:prstGeom>
+          <a:ln>
+            <a:tailEnd type="triangle"/>
+          </a:ln>
+        </p:spPr>
+        <p:style>
+          <a:lnRef idx="1">
+            <a:schemeClr val="dk1"/>
+          </a:lnRef>
+          <a:fillRef idx="0">
+            <a:schemeClr val="dk1"/>
+          </a:fillRef>
+          <a:effectRef idx="0">
+            <a:schemeClr val="dk1"/>
+          </a:effectRef>
+          <a:fontRef idx="minor">
+            <a:schemeClr val="tx1"/>
+          </a:fontRef>
+        </p:style>
+      </p:cxnSp>
+      <p:sp>
+        <p:nvSpPr>
+          <p:cNvPr id="123" name="TextBox 122"/>
+          <p:cNvSpPr txBox="1"/>
+          <p:nvPr/>
+        </p:nvSpPr>
+        <p:spPr>
+          <a:xfrm>
+            <a:off x="6065091" y="6408355"/>
+            <a:ext cx="873458" cy="276999"/>
+          </a:xfrm>
+          <a:prstGeom prst="rect">
+            <a:avLst/>
+          </a:prstGeom>
+          <a:noFill/>
+        </p:spPr>
+        <p:txBody>
+          <a:bodyPr wrap="square" rtlCol="0">
+            <a:spAutoFit/>
+          </a:bodyPr>
+          <a:lstStyle/>
+          <a:p>
+            <a:r>
+              <a:rPr lang="en-US" sz="1200" dirty="0" smtClean="0">
+                <a:latin typeface="Bahnschrift Light Condensed" panose="020B0502040204020203" pitchFamily="34" charset="0"/>
+              </a:rPr>
+              <a:t>ID </a:t>
+            </a:r>
+            <a:r>
+              <a:rPr lang="ru-RU" sz="1200" dirty="0" smtClean="0">
+                <a:latin typeface="Bahnschrift Light Condensed" panose="020B0502040204020203" pitchFamily="34" charset="0"/>
+              </a:rPr>
+              <a:t>решения</a:t>
+            </a:r>
+          </a:p>
+        </p:txBody>
+      </p:sp>
+      <p:cxnSp>
+        <p:nvCxnSpPr>
+          <p:cNvPr id="124" name="Прямая со стрелкой 123"/>
+          <p:cNvCxnSpPr/>
+          <p:nvPr/>
+        </p:nvCxnSpPr>
+        <p:spPr>
+          <a:xfrm flipH="1">
+            <a:off x="5798441" y="6949163"/>
+            <a:ext cx="1393083" cy="0"/>
+          </a:xfrm>
+          <a:prstGeom prst="straightConnector1">
+            <a:avLst/>
+          </a:prstGeom>
+          <a:ln w="9525">
+            <a:solidFill>
+              <a:schemeClr val="tx1"/>
+            </a:solidFill>
+            <a:prstDash val="dash"/>
+            <a:tailEnd type="arrow"/>
+          </a:ln>
+        </p:spPr>
+        <p:style>
+          <a:lnRef idx="1">
+            <a:schemeClr val="dk1"/>
+          </a:lnRef>
+          <a:fillRef idx="0">
+            <a:schemeClr val="dk1"/>
+          </a:fillRef>
+          <a:effectRef idx="0">
+            <a:schemeClr val="dk1"/>
+          </a:effectRef>
+          <a:fontRef idx="minor">
+            <a:schemeClr val="tx1"/>
+          </a:fontRef>
+        </p:style>
+      </p:cxnSp>
+      <p:sp>
+        <p:nvSpPr>
+          <p:cNvPr id="137" name="TextBox 136"/>
+          <p:cNvSpPr txBox="1"/>
+          <p:nvPr/>
+        </p:nvSpPr>
+        <p:spPr>
+          <a:xfrm>
+            <a:off x="6026921" y="6956711"/>
+            <a:ext cx="1318340" cy="461665"/>
+          </a:xfrm>
+          <a:prstGeom prst="rect">
+            <a:avLst/>
+          </a:prstGeom>
+          <a:noFill/>
+        </p:spPr>
+        <p:txBody>
+          <a:bodyPr wrap="square" rtlCol="0">
+            <a:spAutoFit/>
+          </a:bodyPr>
+          <a:lstStyle/>
+          <a:p>
+            <a:r>
+              <a:rPr lang="ru-RU" sz="1200" dirty="0" smtClean="0">
+                <a:latin typeface="Bahnschrift Light Condensed" panose="020B0502040204020203" pitchFamily="34" charset="0"/>
+              </a:rPr>
+              <a:t>Решение с результатом</a:t>
+            </a:r>
+            <a:endParaRPr lang="ru-RU" sz="1200" dirty="0">
+              <a:latin typeface="Bahnschrift Light Condensed" panose="020B0502040204020203" pitchFamily="34" charset="0"/>
+            </a:endParaRPr>
+          </a:p>
+        </p:txBody>
+      </p:sp>
+      <p:sp>
+        <p:nvSpPr>
+          <p:cNvPr id="139" name="TextBox 138"/>
+          <p:cNvSpPr txBox="1"/>
+          <p:nvPr/>
+        </p:nvSpPr>
+        <p:spPr>
+          <a:xfrm>
+            <a:off x="4305477" y="4580007"/>
+            <a:ext cx="1232278" cy="461665"/>
+          </a:xfrm>
+          <a:prstGeom prst="rect">
+            <a:avLst/>
+          </a:prstGeom>
+          <a:noFill/>
+        </p:spPr>
+        <p:txBody>
+          <a:bodyPr wrap="square" rtlCol="0">
+            <a:spAutoFit/>
+          </a:bodyPr>
+          <a:lstStyle/>
+          <a:p>
+            <a:r>
+              <a:rPr lang="ru-RU" sz="1200" dirty="0" smtClean="0">
+                <a:latin typeface="Bahnschrift Light Condensed" panose="020B0502040204020203" pitchFamily="34" charset="0"/>
+              </a:rPr>
+              <a:t>Решение без результата</a:t>
+            </a:r>
+            <a:endParaRPr lang="ru-RU" sz="1200" dirty="0">
+              <a:latin typeface="Bahnschrift Light Condensed" panose="020B0502040204020203" pitchFamily="34" charset="0"/>
+            </a:endParaRPr>
           </a:p>
         </p:txBody>
       </p:sp>
@@ -7364,13 +8138,13 @@
   <p:clrMapOvr>
     <a:masterClrMapping/>
   </p:clrMapOvr>
-  <mc:AlternateContent xmlns:mc="http://schemas.openxmlformats.org/markup-compatibility/2006">
-    <mc:Choice xmlns:p14="http://schemas.microsoft.com/office/powerpoint/2010/main" Requires="p14">
+  <mc:AlternateContent xmlns:mc="http://schemas.openxmlformats.org/markup-compatibility/2006" xmlns:p14="http://schemas.microsoft.com/office/powerpoint/2010/main">
+    <mc:Choice Requires="p14">
       <p:transition>
         <p14:reveal/>
       </p:transition>
     </mc:Choice>
-    <mc:Fallback>
+    <mc:Fallback xmlns="">
       <p:transition>
         <p:fade/>
       </p:transition>
@@ -7622,7 +8396,7 @@
                                 </p:cTn>
                               </p:par>
                               <p:par>
-                                <p:cTn id="23" presetID="1" presetClass="entr" presetSubtype="0" fill="hold" grpId="0" nodeType="withEffect">
+                                <p:cTn id="23" presetID="1" presetClass="entr" presetSubtype="0" fill="hold" nodeType="withEffect">
                                   <p:stCondLst>
                                     <p:cond delay="0"/>
                                   </p:stCondLst>
@@ -7630,33 +8404,6 @@
                                     <p:set>
                                       <p:cBhvr>
                                         <p:cTn id="24" dur="1" fill="hold">
-                                          <p:stCondLst>
-                                            <p:cond delay="0"/>
-                                          </p:stCondLst>
-                                        </p:cTn>
-                                        <p:tgtEl>
-                                          <p:spTgt spid="23"/>
-                                        </p:tgtEl>
-                                        <p:attrNameLst>
-                                          <p:attrName>style.visibility</p:attrName>
-                                        </p:attrNameLst>
-                                      </p:cBhvr>
-                                      <p:to>
-                                        <p:strVal val="visible"/>
-                                      </p:to>
-                                    </p:set>
-                                  </p:childTnLst>
-                                </p:cTn>
-                              </p:par>
-                              <p:par>
-                                <p:cTn id="25" presetID="1" presetClass="entr" presetSubtype="0" fill="hold" nodeType="withEffect">
-                                  <p:stCondLst>
-                                    <p:cond delay="0"/>
-                                  </p:stCondLst>
-                                  <p:childTnLst>
-                                    <p:set>
-                                      <p:cBhvr>
-                                        <p:cTn id="26" dur="1" fill="hold">
                                           <p:stCondLst>
                                             <p:cond delay="0"/>
                                           </p:stCondLst>
@@ -7676,7 +8423,34 @@
                                 </p:cTn>
                               </p:par>
                               <p:par>
-                                <p:cTn id="27" presetID="1" presetClass="entr" presetSubtype="0" fill="hold" nodeType="withEffect">
+                                <p:cTn id="25" presetID="1" presetClass="entr" presetSubtype="0" fill="hold" grpId="0" nodeType="withEffect">
+                                  <p:stCondLst>
+                                    <p:cond delay="0"/>
+                                  </p:stCondLst>
+                                  <p:childTnLst>
+                                    <p:set>
+                                      <p:cBhvr>
+                                        <p:cTn id="26" dur="1" fill="hold">
+                                          <p:stCondLst>
+                                            <p:cond delay="0"/>
+                                          </p:stCondLst>
+                                        </p:cTn>
+                                        <p:tgtEl>
+                                          <p:spTgt spid="21"/>
+                                        </p:tgtEl>
+                                        <p:attrNameLst>
+                                          <p:attrName>style.visibility</p:attrName>
+                                        </p:attrNameLst>
+                                      </p:cBhvr>
+                                      <p:to>
+                                        <p:strVal val="visible"/>
+                                      </p:to>
+                                    </p:set>
+                                  </p:childTnLst>
+                                </p:cTn>
+                              </p:par>
+                              <p:par>
+                                <p:cTn id="27" presetID="1" presetClass="entr" presetSubtype="0" fill="hold" grpId="0" nodeType="withEffect">
                                   <p:stCondLst>
                                     <p:cond delay="0"/>
                                   </p:stCondLst>
@@ -7689,7 +8463,7 @@
                                           </p:stCondLst>
                                         </p:cTn>
                                         <p:tgtEl>
-                                          <p:spTgt spid="28"/>
+                                          <p:spTgt spid="32"/>
                                         </p:tgtEl>
                                         <p:attrNameLst>
                                           <p:attrName>style.visibility</p:attrName>
@@ -7716,34 +8490,7 @@
                                           </p:stCondLst>
                                         </p:cTn>
                                         <p:tgtEl>
-                                          <p:spTgt spid="21"/>
-                                        </p:tgtEl>
-                                        <p:attrNameLst>
-                                          <p:attrName>style.visibility</p:attrName>
-                                        </p:attrNameLst>
-                                      </p:cBhvr>
-                                      <p:to>
-                                        <p:strVal val="visible"/>
-                                      </p:to>
-                                    </p:set>
-                                  </p:childTnLst>
-                                </p:cTn>
-                              </p:par>
-                              <p:par>
-                                <p:cTn id="31" presetID="1" presetClass="entr" presetSubtype="0" fill="hold" grpId="0" nodeType="withEffect">
-                                  <p:stCondLst>
-                                    <p:cond delay="0"/>
-                                  </p:stCondLst>
-                                  <p:childTnLst>
-                                    <p:set>
-                                      <p:cBhvr>
-                                        <p:cTn id="32" dur="1" fill="hold">
-                                          <p:stCondLst>
-                                            <p:cond delay="0"/>
-                                          </p:stCondLst>
-                                        </p:cTn>
-                                        <p:tgtEl>
-                                          <p:spTgt spid="32"/>
+                                          <p:spTgt spid="35"/>
                                         </p:tgtEl>
                                         <p:attrNameLst>
                                           <p:attrName>style.visibility</p:attrName>
@@ -7763,32 +8510,32 @@
                     </p:cTn>
                   </p:par>
                   <p:par>
-                    <p:cTn id="33" fill="hold">
+                    <p:cTn id="31" fill="hold">
                       <p:stCondLst>
                         <p:cond delay="indefinite"/>
                       </p:stCondLst>
                       <p:childTnLst>
                         <p:par>
-                          <p:cTn id="34" fill="hold">
+                          <p:cTn id="32" fill="hold">
                             <p:stCondLst>
                               <p:cond delay="0"/>
                             </p:stCondLst>
                             <p:childTnLst>
                               <p:par>
-                                <p:cTn id="35" presetID="1" presetClass="entr" presetSubtype="0" fill="hold" grpId="0" nodeType="clickEffect">
+                                <p:cTn id="33" presetID="1" presetClass="entr" presetSubtype="0" fill="hold" grpId="0" nodeType="clickEffect">
                                   <p:stCondLst>
                                     <p:cond delay="0"/>
                                   </p:stCondLst>
                                   <p:childTnLst>
                                     <p:set>
                                       <p:cBhvr>
-                                        <p:cTn id="36" dur="1" fill="hold">
+                                        <p:cTn id="34" dur="1" fill="hold">
                                           <p:stCondLst>
                                             <p:cond delay="0"/>
                                           </p:stCondLst>
                                         </p:cTn>
                                         <p:tgtEl>
-                                          <p:spTgt spid="37"/>
+                                          <p:spTgt spid="73"/>
                                         </p:tgtEl>
                                         <p:attrNameLst>
                                           <p:attrName>style.visibility</p:attrName>
@@ -7802,20 +8549,20 @@
                                 </p:cTn>
                               </p:par>
                               <p:par>
-                                <p:cTn id="37" presetID="1" presetClass="entr" presetSubtype="0" fill="hold" nodeType="withEffect">
+                                <p:cTn id="35" presetID="1" presetClass="entr" presetSubtype="0" fill="hold" grpId="0" nodeType="withEffect">
                                   <p:stCondLst>
                                     <p:cond delay="0"/>
                                   </p:stCondLst>
                                   <p:childTnLst>
                                     <p:set>
                                       <p:cBhvr>
-                                        <p:cTn id="38" dur="1" fill="hold">
+                                        <p:cTn id="36" dur="1" fill="hold">
                                           <p:stCondLst>
                                             <p:cond delay="0"/>
                                           </p:stCondLst>
                                         </p:cTn>
                                         <p:tgtEl>
-                                          <p:spTgt spid="36"/>
+                                          <p:spTgt spid="50"/>
                                         </p:tgtEl>
                                         <p:attrNameLst>
                                           <p:attrName>style.visibility</p:attrName>
@@ -7829,7 +8576,34 @@
                                 </p:cTn>
                               </p:par>
                               <p:par>
-                                <p:cTn id="39" presetID="1" presetClass="entr" presetSubtype="0" fill="hold" grpId="0" nodeType="withEffect">
+                                <p:cTn id="37" presetID="1" presetClass="entr" presetSubtype="0" fill="hold" grpId="0" nodeType="withEffect">
+                                  <p:stCondLst>
+                                    <p:cond delay="0"/>
+                                  </p:stCondLst>
+                                  <p:childTnLst>
+                                    <p:set>
+                                      <p:cBhvr>
+                                        <p:cTn id="38" dur="1" fill="hold">
+                                          <p:stCondLst>
+                                            <p:cond delay="0"/>
+                                          </p:stCondLst>
+                                        </p:cTn>
+                                        <p:tgtEl>
+                                          <p:spTgt spid="57"/>
+                                        </p:tgtEl>
+                                        <p:attrNameLst>
+                                          <p:attrName>style.visibility</p:attrName>
+                                        </p:attrNameLst>
+                                      </p:cBhvr>
+                                      <p:to>
+                                        <p:strVal val="visible"/>
+                                      </p:to>
+                                    </p:set>
+                                  </p:childTnLst>
+                                </p:cTn>
+                              </p:par>
+                              <p:par>
+                                <p:cTn id="39" presetID="1" presetClass="entr" presetSubtype="0" fill="hold" nodeType="withEffect">
                                   <p:stCondLst>
                                     <p:cond delay="0"/>
                                   </p:stCondLst>
@@ -7842,7 +8616,7 @@
                                           </p:stCondLst>
                                         </p:cTn>
                                         <p:tgtEl>
-                                          <p:spTgt spid="35"/>
+                                          <p:spTgt spid="60"/>
                                         </p:tgtEl>
                                         <p:attrNameLst>
                                           <p:attrName>style.visibility</p:attrName>
@@ -7887,7 +8661,7 @@
                                           </p:stCondLst>
                                         </p:cTn>
                                         <p:tgtEl>
-                                          <p:spTgt spid="42"/>
+                                          <p:spTgt spid="64"/>
                                         </p:tgtEl>
                                         <p:attrNameLst>
                                           <p:attrName>style.visibility</p:attrName>
@@ -7914,52 +8688,7 @@
                                           </p:stCondLst>
                                         </p:cTn>
                                         <p:tgtEl>
-                                          <p:spTgt spid="40"/>
-                                        </p:tgtEl>
-                                        <p:attrNameLst>
-                                          <p:attrName>style.visibility</p:attrName>
-                                        </p:attrNameLst>
-                                      </p:cBhvr>
-                                      <p:to>
-                                        <p:strVal val="visible"/>
-                                      </p:to>
-                                    </p:set>
-                                  </p:childTnLst>
-                                </p:cTn>
-                              </p:par>
-                            </p:childTnLst>
-                          </p:cTn>
-                        </p:par>
-                      </p:childTnLst>
-                    </p:cTn>
-                  </p:par>
-                  <p:par>
-                    <p:cTn id="47" fill="hold">
-                      <p:stCondLst>
-                        <p:cond delay="indefinite"/>
-                      </p:stCondLst>
-                      <p:childTnLst>
-                        <p:par>
-                          <p:cTn id="48" fill="hold">
-                            <p:stCondLst>
-                              <p:cond delay="0"/>
-                            </p:stCondLst>
-                            <p:childTnLst>
-                              <p:par>
-                                <p:cTn id="49" presetID="1" presetClass="entr" presetSubtype="0" fill="hold" grpId="0" nodeType="clickEffect">
-                                  <p:stCondLst>
-                                    <p:cond delay="0"/>
-                                  </p:stCondLst>
-                                  <p:childTnLst>
-                                    <p:set>
-                                      <p:cBhvr>
-                                        <p:cTn id="50" dur="1" fill="hold">
-                                          <p:stCondLst>
-                                            <p:cond delay="0"/>
-                                          </p:stCondLst>
-                                        </p:cTn>
-                                        <p:tgtEl>
-                                          <p:spTgt spid="73"/>
+                                          <p:spTgt spid="63"/>
                                         </p:tgtEl>
                                         <p:attrNameLst>
                                           <p:attrName>style.visibility</p:attrName>
@@ -7973,20 +8702,20 @@
                                 </p:cTn>
                               </p:par>
                               <p:par>
-                                <p:cTn id="51" presetID="1" presetClass="entr" presetSubtype="0" fill="hold" grpId="0" nodeType="withEffect">
+                                <p:cTn id="47" presetID="1" presetClass="entr" presetSubtype="0" fill="hold" grpId="0" nodeType="withEffect">
                                   <p:stCondLst>
                                     <p:cond delay="0"/>
                                   </p:stCondLst>
                                   <p:childTnLst>
                                     <p:set>
                                       <p:cBhvr>
-                                        <p:cTn id="52" dur="1" fill="hold">
+                                        <p:cTn id="48" dur="1" fill="hold">
                                           <p:stCondLst>
                                             <p:cond delay="0"/>
                                           </p:stCondLst>
                                         </p:cTn>
                                         <p:tgtEl>
-                                          <p:spTgt spid="52"/>
+                                          <p:spTgt spid="65"/>
                                         </p:tgtEl>
                                         <p:attrNameLst>
                                           <p:attrName>style.visibility</p:attrName>
@@ -8000,20 +8729,20 @@
                                 </p:cTn>
                               </p:par>
                               <p:par>
-                                <p:cTn id="53" presetID="1" presetClass="entr" presetSubtype="0" fill="hold" nodeType="withEffect">
+                                <p:cTn id="49" presetID="1" presetClass="entr" presetSubtype="0" fill="hold" grpId="0" nodeType="withEffect">
                                   <p:stCondLst>
                                     <p:cond delay="0"/>
                                   </p:stCondLst>
                                   <p:childTnLst>
                                     <p:set>
                                       <p:cBhvr>
-                                        <p:cTn id="54" dur="1" fill="hold">
+                                        <p:cTn id="50" dur="1" fill="hold">
                                           <p:stCondLst>
                                             <p:cond delay="0"/>
                                           </p:stCondLst>
                                         </p:cTn>
                                         <p:tgtEl>
-                                          <p:spTgt spid="51"/>
+                                          <p:spTgt spid="71"/>
                                         </p:tgtEl>
                                         <p:attrNameLst>
                                           <p:attrName>style.visibility</p:attrName>
@@ -8027,20 +8756,20 @@
                                 </p:cTn>
                               </p:par>
                               <p:par>
-                                <p:cTn id="55" presetID="1" presetClass="entr" presetSubtype="0" fill="hold" grpId="0" nodeType="withEffect">
+                                <p:cTn id="51" presetID="1" presetClass="entr" presetSubtype="0" fill="hold" nodeType="withEffect">
                                   <p:stCondLst>
                                     <p:cond delay="0"/>
                                   </p:stCondLst>
                                   <p:childTnLst>
                                     <p:set>
                                       <p:cBhvr>
-                                        <p:cTn id="56" dur="1" fill="hold">
+                                        <p:cTn id="52" dur="1" fill="hold">
                                           <p:stCondLst>
                                             <p:cond delay="0"/>
                                           </p:stCondLst>
                                         </p:cTn>
                                         <p:tgtEl>
-                                          <p:spTgt spid="50"/>
+                                          <p:spTgt spid="74"/>
                                         </p:tgtEl>
                                         <p:attrNameLst>
                                           <p:attrName>style.visibility</p:attrName>
@@ -8054,7 +8783,61 @@
                                 </p:cTn>
                               </p:par>
                               <p:par>
-                                <p:cTn id="57" presetID="1" presetClass="entr" presetSubtype="0" fill="hold" nodeType="withEffect">
+                                <p:cTn id="53" presetID="1" presetClass="entr" presetSubtype="0" fill="hold" grpId="0" nodeType="withEffect">
+                                  <p:stCondLst>
+                                    <p:cond delay="0"/>
+                                  </p:stCondLst>
+                                  <p:childTnLst>
+                                    <p:set>
+                                      <p:cBhvr>
+                                        <p:cTn id="54" dur="1" fill="hold">
+                                          <p:stCondLst>
+                                            <p:cond delay="0"/>
+                                          </p:stCondLst>
+                                        </p:cTn>
+                                        <p:tgtEl>
+                                          <p:spTgt spid="76"/>
+                                        </p:tgtEl>
+                                        <p:attrNameLst>
+                                          <p:attrName>style.visibility</p:attrName>
+                                        </p:attrNameLst>
+                                      </p:cBhvr>
+                                      <p:to>
+                                        <p:strVal val="visible"/>
+                                      </p:to>
+                                    </p:set>
+                                  </p:childTnLst>
+                                </p:cTn>
+                              </p:par>
+                              <p:par>
+                                <p:cTn id="55" presetID="1" presetClass="entr" presetSubtype="0" fill="hold" nodeType="withEffect">
+                                  <p:stCondLst>
+                                    <p:cond delay="0"/>
+                                  </p:stCondLst>
+                                  <p:childTnLst>
+                                    <p:set>
+                                      <p:cBhvr>
+                                        <p:cTn id="56" dur="1" fill="hold">
+                                          <p:stCondLst>
+                                            <p:cond delay="0"/>
+                                          </p:stCondLst>
+                                        </p:cTn>
+                                        <p:tgtEl>
+                                          <p:spTgt spid="77"/>
+                                        </p:tgtEl>
+                                        <p:attrNameLst>
+                                          <p:attrName>style.visibility</p:attrName>
+                                        </p:attrNameLst>
+                                      </p:cBhvr>
+                                      <p:to>
+                                        <p:strVal val="visible"/>
+                                      </p:to>
+                                    </p:set>
+                                  </p:childTnLst>
+                                </p:cTn>
+                              </p:par>
+                              <p:par>
+                                <p:cTn id="57" presetID="1" presetClass="entr" presetSubtype="0" fill="hold" grpId="0" nodeType="withEffect">
                                   <p:stCondLst>
                                     <p:cond delay="0"/>
                                   </p:stCondLst>
@@ -8067,7 +8850,7 @@
                                           </p:stCondLst>
                                         </p:cTn>
                                         <p:tgtEl>
-                                          <p:spTgt spid="53"/>
+                                          <p:spTgt spid="78"/>
                                         </p:tgtEl>
                                         <p:attrNameLst>
                                           <p:attrName>style.visibility</p:attrName>
@@ -8094,52 +8877,7 @@
                                           </p:stCondLst>
                                         </p:cTn>
                                         <p:tgtEl>
-                                          <p:spTgt spid="54"/>
-                                        </p:tgtEl>
-                                        <p:attrNameLst>
-                                          <p:attrName>style.visibility</p:attrName>
-                                        </p:attrNameLst>
-                                      </p:cBhvr>
-                                      <p:to>
-                                        <p:strVal val="visible"/>
-                                      </p:to>
-                                    </p:set>
-                                  </p:childTnLst>
-                                </p:cTn>
-                              </p:par>
-                            </p:childTnLst>
-                          </p:cTn>
-                        </p:par>
-                      </p:childTnLst>
-                    </p:cTn>
-                  </p:par>
-                  <p:par>
-                    <p:cTn id="61" fill="hold">
-                      <p:stCondLst>
-                        <p:cond delay="indefinite"/>
-                      </p:stCondLst>
-                      <p:childTnLst>
-                        <p:par>
-                          <p:cTn id="62" fill="hold">
-                            <p:stCondLst>
-                              <p:cond delay="0"/>
-                            </p:stCondLst>
-                            <p:childTnLst>
-                              <p:par>
-                                <p:cTn id="63" presetID="1" presetClass="entr" presetSubtype="0" fill="hold" grpId="0" nodeType="clickEffect">
-                                  <p:stCondLst>
-                                    <p:cond delay="0"/>
-                                  </p:stCondLst>
-                                  <p:childTnLst>
-                                    <p:set>
-                                      <p:cBhvr>
-                                        <p:cTn id="64" dur="1" fill="hold">
-                                          <p:stCondLst>
-                                            <p:cond delay="0"/>
-                                          </p:stCondLst>
-                                        </p:cTn>
-                                        <p:tgtEl>
-                                          <p:spTgt spid="49"/>
+                                          <p:spTgt spid="79"/>
                                         </p:tgtEl>
                                         <p:attrNameLst>
                                           <p:attrName>style.visibility</p:attrName>
@@ -8153,20 +8891,20 @@
                                 </p:cTn>
                               </p:par>
                               <p:par>
-                                <p:cTn id="65" presetID="1" presetClass="entr" presetSubtype="0" fill="hold" nodeType="withEffect">
+                                <p:cTn id="61" presetID="1" presetClass="entr" presetSubtype="0" fill="hold" nodeType="withEffect">
                                   <p:stCondLst>
                                     <p:cond delay="0"/>
                                   </p:stCondLst>
                                   <p:childTnLst>
                                     <p:set>
                                       <p:cBhvr>
-                                        <p:cTn id="66" dur="1" fill="hold">
+                                        <p:cTn id="62" dur="1" fill="hold">
                                           <p:stCondLst>
                                             <p:cond delay="0"/>
                                           </p:stCondLst>
                                         </p:cTn>
                                         <p:tgtEl>
-                                          <p:spTgt spid="47"/>
+                                          <p:spTgt spid="80"/>
                                         </p:tgtEl>
                                         <p:attrNameLst>
                                           <p:attrName>style.visibility</p:attrName>
@@ -8180,7 +8918,61 @@
                                 </p:cTn>
                               </p:par>
                               <p:par>
-                                <p:cTn id="67" presetID="1" presetClass="entr" presetSubtype="0" fill="hold" grpId="0" nodeType="withEffect">
+                                <p:cTn id="63" presetID="1" presetClass="entr" presetSubtype="0" fill="hold" nodeType="withEffect">
+                                  <p:stCondLst>
+                                    <p:cond delay="0"/>
+                                  </p:stCondLst>
+                                  <p:childTnLst>
+                                    <p:set>
+                                      <p:cBhvr>
+                                        <p:cTn id="64" dur="1" fill="hold">
+                                          <p:stCondLst>
+                                            <p:cond delay="0"/>
+                                          </p:stCondLst>
+                                        </p:cTn>
+                                        <p:tgtEl>
+                                          <p:spTgt spid="81"/>
+                                        </p:tgtEl>
+                                        <p:attrNameLst>
+                                          <p:attrName>style.visibility</p:attrName>
+                                        </p:attrNameLst>
+                                      </p:cBhvr>
+                                      <p:to>
+                                        <p:strVal val="visible"/>
+                                      </p:to>
+                                    </p:set>
+                                  </p:childTnLst>
+                                </p:cTn>
+                              </p:par>
+                              <p:par>
+                                <p:cTn id="65" presetID="1" presetClass="entr" presetSubtype="0" fill="hold" grpId="0" nodeType="withEffect">
+                                  <p:stCondLst>
+                                    <p:cond delay="0"/>
+                                  </p:stCondLst>
+                                  <p:childTnLst>
+                                    <p:set>
+                                      <p:cBhvr>
+                                        <p:cTn id="66" dur="1" fill="hold">
+                                          <p:stCondLst>
+                                            <p:cond delay="0"/>
+                                          </p:stCondLst>
+                                        </p:cTn>
+                                        <p:tgtEl>
+                                          <p:spTgt spid="85"/>
+                                        </p:tgtEl>
+                                        <p:attrNameLst>
+                                          <p:attrName>style.visibility</p:attrName>
+                                        </p:attrNameLst>
+                                      </p:cBhvr>
+                                      <p:to>
+                                        <p:strVal val="visible"/>
+                                      </p:to>
+                                    </p:set>
+                                  </p:childTnLst>
+                                </p:cTn>
+                              </p:par>
+                              <p:par>
+                                <p:cTn id="67" presetID="1" presetClass="entr" presetSubtype="0" fill="hold" nodeType="withEffect">
                                   <p:stCondLst>
                                     <p:cond delay="0"/>
                                   </p:stCondLst>
@@ -8193,7 +8985,7 @@
                                           </p:stCondLst>
                                         </p:cTn>
                                         <p:tgtEl>
-                                          <p:spTgt spid="46"/>
+                                          <p:spTgt spid="86"/>
                                         </p:tgtEl>
                                         <p:attrNameLst>
                                           <p:attrName>style.visibility</p:attrName>
@@ -8206,26 +8998,35 @@
                                   </p:childTnLst>
                                 </p:cTn>
                               </p:par>
-                            </p:childTnLst>
-                          </p:cTn>
-                        </p:par>
-                      </p:childTnLst>
-                    </p:cTn>
-                  </p:par>
-                  <p:par>
-                    <p:cTn id="69" fill="hold">
-                      <p:stCondLst>
-                        <p:cond delay="indefinite"/>
-                      </p:stCondLst>
-                      <p:childTnLst>
-                        <p:par>
-                          <p:cTn id="70" fill="hold">
-                            <p:stCondLst>
-                              <p:cond delay="0"/>
-                            </p:stCondLst>
-                            <p:childTnLst>
                               <p:par>
-                                <p:cTn id="71" presetID="1" presetClass="entr" presetSubtype="0" fill="hold" grpId="0" nodeType="clickEffect">
+                                <p:cTn id="69" presetID="1" presetClass="entr" presetSubtype="0" fill="hold" grpId="0" nodeType="withEffect">
+                                  <p:stCondLst>
+                                    <p:cond delay="0"/>
+                                  </p:stCondLst>
+                                  <p:childTnLst>
+                                    <p:set>
+                                      <p:cBhvr>
+                                        <p:cTn id="70" dur="1" fill="hold">
+                                          <p:stCondLst>
+                                            <p:cond delay="0"/>
+                                          </p:stCondLst>
+                                        </p:cTn>
+                                        <p:tgtEl>
+                                          <p:spTgt spid="87"/>
+                                        </p:tgtEl>
+                                        <p:attrNameLst>
+                                          <p:attrName>style.visibility</p:attrName>
+                                        </p:attrNameLst>
+                                      </p:cBhvr>
+                                      <p:to>
+                                        <p:strVal val="visible"/>
+                                      </p:to>
+                                    </p:set>
+                                  </p:childTnLst>
+                                </p:cTn>
+                              </p:par>
+                              <p:par>
+                                <p:cTn id="71" presetID="1" presetClass="entr" presetSubtype="0" fill="hold" grpId="0" nodeType="withEffect">
                                   <p:stCondLst>
                                     <p:cond delay="0"/>
                                   </p:stCondLst>
@@ -8238,7 +9039,7 @@
                                           </p:stCondLst>
                                         </p:cTn>
                                         <p:tgtEl>
-                                          <p:spTgt spid="59"/>
+                                          <p:spTgt spid="88"/>
                                         </p:tgtEl>
                                         <p:attrNameLst>
                                           <p:attrName>style.visibility</p:attrName>
@@ -8265,7 +9066,7 @@
                                           </p:stCondLst>
                                         </p:cTn>
                                         <p:tgtEl>
-                                          <p:spTgt spid="58"/>
+                                          <p:spTgt spid="89"/>
                                         </p:tgtEl>
                                         <p:attrNameLst>
                                           <p:attrName>style.visibility</p:attrName>
@@ -8279,7 +9080,7 @@
                                 </p:cTn>
                               </p:par>
                               <p:par>
-                                <p:cTn id="75" presetID="1" presetClass="entr" presetSubtype="0" fill="hold" grpId="0" nodeType="withEffect">
+                                <p:cTn id="75" presetID="1" presetClass="entr" presetSubtype="0" fill="hold" nodeType="withEffect">
                                   <p:stCondLst>
                                     <p:cond delay="0"/>
                                   </p:stCondLst>
@@ -8292,7 +9093,7 @@
                                           </p:stCondLst>
                                         </p:cTn>
                                         <p:tgtEl>
-                                          <p:spTgt spid="57"/>
+                                          <p:spTgt spid="90"/>
                                         </p:tgtEl>
                                         <p:attrNameLst>
                                           <p:attrName>style.visibility</p:attrName>
@@ -8306,7 +9107,7 @@
                                 </p:cTn>
                               </p:par>
                               <p:par>
-                                <p:cTn id="77" presetID="1" presetClass="entr" presetSubtype="0" fill="hold" nodeType="withEffect">
+                                <p:cTn id="77" presetID="1" presetClass="entr" presetSubtype="0" fill="hold" grpId="0" nodeType="withEffect">
                                   <p:stCondLst>
                                     <p:cond delay="0"/>
                                   </p:stCondLst>
@@ -8319,7 +9120,7 @@
                                           </p:stCondLst>
                                         </p:cTn>
                                         <p:tgtEl>
-                                          <p:spTgt spid="60"/>
+                                          <p:spTgt spid="94"/>
                                         </p:tgtEl>
                                         <p:attrNameLst>
                                           <p:attrName>style.visibility</p:attrName>
@@ -8346,7 +9147,196 @@
                                           </p:stCondLst>
                                         </p:cTn>
                                         <p:tgtEl>
-                                          <p:spTgt spid="61"/>
+                                          <p:spTgt spid="95"/>
+                                        </p:tgtEl>
+                                        <p:attrNameLst>
+                                          <p:attrName>style.visibility</p:attrName>
+                                        </p:attrNameLst>
+                                      </p:cBhvr>
+                                      <p:to>
+                                        <p:strVal val="visible"/>
+                                      </p:to>
+                                    </p:set>
+                                  </p:childTnLst>
+                                </p:cTn>
+                              </p:par>
+                              <p:par>
+                                <p:cTn id="81" presetID="1" presetClass="entr" presetSubtype="0" fill="hold" nodeType="withEffect">
+                                  <p:stCondLst>
+                                    <p:cond delay="0"/>
+                                  </p:stCondLst>
+                                  <p:childTnLst>
+                                    <p:set>
+                                      <p:cBhvr>
+                                        <p:cTn id="82" dur="1" fill="hold">
+                                          <p:stCondLst>
+                                            <p:cond delay="0"/>
+                                          </p:stCondLst>
+                                        </p:cTn>
+                                        <p:tgtEl>
+                                          <p:spTgt spid="96"/>
+                                        </p:tgtEl>
+                                        <p:attrNameLst>
+                                          <p:attrName>style.visibility</p:attrName>
+                                        </p:attrNameLst>
+                                      </p:cBhvr>
+                                      <p:to>
+                                        <p:strVal val="visible"/>
+                                      </p:to>
+                                    </p:set>
+                                  </p:childTnLst>
+                                </p:cTn>
+                              </p:par>
+                              <p:par>
+                                <p:cTn id="83" presetID="1" presetClass="entr" presetSubtype="0" fill="hold" grpId="0" nodeType="withEffect">
+                                  <p:stCondLst>
+                                    <p:cond delay="0"/>
+                                  </p:stCondLst>
+                                  <p:childTnLst>
+                                    <p:set>
+                                      <p:cBhvr>
+                                        <p:cTn id="84" dur="1" fill="hold">
+                                          <p:stCondLst>
+                                            <p:cond delay="0"/>
+                                          </p:stCondLst>
+                                        </p:cTn>
+                                        <p:tgtEl>
+                                          <p:spTgt spid="97"/>
+                                        </p:tgtEl>
+                                        <p:attrNameLst>
+                                          <p:attrName>style.visibility</p:attrName>
+                                        </p:attrNameLst>
+                                      </p:cBhvr>
+                                      <p:to>
+                                        <p:strVal val="visible"/>
+                                      </p:to>
+                                    </p:set>
+                                  </p:childTnLst>
+                                </p:cTn>
+                              </p:par>
+                              <p:par>
+                                <p:cTn id="85" presetID="1" presetClass="entr" presetSubtype="0" fill="hold" grpId="0" nodeType="withEffect">
+                                  <p:stCondLst>
+                                    <p:cond delay="0"/>
+                                  </p:stCondLst>
+                                  <p:childTnLst>
+                                    <p:set>
+                                      <p:cBhvr>
+                                        <p:cTn id="86" dur="1" fill="hold">
+                                          <p:stCondLst>
+                                            <p:cond delay="0"/>
+                                          </p:stCondLst>
+                                        </p:cTn>
+                                        <p:tgtEl>
+                                          <p:spTgt spid="103"/>
+                                        </p:tgtEl>
+                                        <p:attrNameLst>
+                                          <p:attrName>style.visibility</p:attrName>
+                                        </p:attrNameLst>
+                                      </p:cBhvr>
+                                      <p:to>
+                                        <p:strVal val="visible"/>
+                                      </p:to>
+                                    </p:set>
+                                  </p:childTnLst>
+                                </p:cTn>
+                              </p:par>
+                              <p:par>
+                                <p:cTn id="87" presetID="1" presetClass="entr" presetSubtype="0" fill="hold" nodeType="withEffect">
+                                  <p:stCondLst>
+                                    <p:cond delay="0"/>
+                                  </p:stCondLst>
+                                  <p:childTnLst>
+                                    <p:set>
+                                      <p:cBhvr>
+                                        <p:cTn id="88" dur="1" fill="hold">
+                                          <p:stCondLst>
+                                            <p:cond delay="0"/>
+                                          </p:stCondLst>
+                                        </p:cTn>
+                                        <p:tgtEl>
+                                          <p:spTgt spid="104"/>
+                                        </p:tgtEl>
+                                        <p:attrNameLst>
+                                          <p:attrName>style.visibility</p:attrName>
+                                        </p:attrNameLst>
+                                      </p:cBhvr>
+                                      <p:to>
+                                        <p:strVal val="visible"/>
+                                      </p:to>
+                                    </p:set>
+                                  </p:childTnLst>
+                                </p:cTn>
+                              </p:par>
+                              <p:par>
+                                <p:cTn id="89" presetID="1" presetClass="entr" presetSubtype="0" fill="hold" grpId="0" nodeType="withEffect">
+                                  <p:stCondLst>
+                                    <p:cond delay="0"/>
+                                  </p:stCondLst>
+                                  <p:childTnLst>
+                                    <p:set>
+                                      <p:cBhvr>
+                                        <p:cTn id="90" dur="1" fill="hold">
+                                          <p:stCondLst>
+                                            <p:cond delay="0"/>
+                                          </p:stCondLst>
+                                        </p:cTn>
+                                        <p:tgtEl>
+                                          <p:spTgt spid="105"/>
+                                        </p:tgtEl>
+                                        <p:attrNameLst>
+                                          <p:attrName>style.visibility</p:attrName>
+                                        </p:attrNameLst>
+                                      </p:cBhvr>
+                                      <p:to>
+                                        <p:strVal val="visible"/>
+                                      </p:to>
+                                    </p:set>
+                                  </p:childTnLst>
+                                </p:cTn>
+                              </p:par>
+                              <p:par>
+                                <p:cTn id="91" presetID="1" presetClass="entr" presetSubtype="0" fill="hold" grpId="0" nodeType="withEffect">
+                                  <p:stCondLst>
+                                    <p:cond delay="0"/>
+                                  </p:stCondLst>
+                                  <p:childTnLst>
+                                    <p:set>
+                                      <p:cBhvr>
+                                        <p:cTn id="92" dur="1" fill="hold">
+                                          <p:stCondLst>
+                                            <p:cond delay="0"/>
+                                          </p:stCondLst>
+                                        </p:cTn>
+                                        <p:tgtEl>
+                                          <p:spTgt spid="106"/>
+                                        </p:tgtEl>
+                                        <p:attrNameLst>
+                                          <p:attrName>style.visibility</p:attrName>
+                                        </p:attrNameLst>
+                                      </p:cBhvr>
+                                      <p:to>
+                                        <p:strVal val="visible"/>
+                                      </p:to>
+                                    </p:set>
+                                  </p:childTnLst>
+                                </p:cTn>
+                              </p:par>
+                              <p:par>
+                                <p:cTn id="93" presetID="1" presetClass="entr" presetSubtype="0" fill="hold" nodeType="withEffect">
+                                  <p:stCondLst>
+                                    <p:cond delay="0"/>
+                                  </p:stCondLst>
+                                  <p:childTnLst>
+                                    <p:set>
+                                      <p:cBhvr>
+                                        <p:cTn id="94" dur="1" fill="hold">
+                                          <p:stCondLst>
+                                            <p:cond delay="0"/>
+                                          </p:stCondLst>
+                                        </p:cTn>
+                                        <p:tgtEl>
+                                          <p:spTgt spid="107"/>
                                         </p:tgtEl>
                                         <p:attrNameLst>
                                           <p:attrName>style.visibility</p:attrName>
@@ -8366,32 +9356,32 @@
                     </p:cTn>
                   </p:par>
                   <p:par>
-                    <p:cTn id="81" fill="hold">
+                    <p:cTn id="95" fill="hold">
                       <p:stCondLst>
                         <p:cond delay="indefinite"/>
                       </p:stCondLst>
                       <p:childTnLst>
                         <p:par>
-                          <p:cTn id="82" fill="hold">
+                          <p:cTn id="96" fill="hold">
                             <p:stCondLst>
                               <p:cond delay="0"/>
                             </p:stCondLst>
                             <p:childTnLst>
                               <p:par>
-                                <p:cTn id="83" presetID="1" presetClass="entr" presetSubtype="0" fill="hold" grpId="0" nodeType="clickEffect">
+                                <p:cTn id="97" presetID="1" presetClass="entr" presetSubtype="0" fill="hold" grpId="0" nodeType="clickEffect">
                                   <p:stCondLst>
                                     <p:cond delay="0"/>
                                   </p:stCondLst>
                                   <p:childTnLst>
                                     <p:set>
                                       <p:cBhvr>
-                                        <p:cTn id="84" dur="1" fill="hold">
+                                        <p:cTn id="98" dur="1" fill="hold">
                                           <p:stCondLst>
                                             <p:cond delay="0"/>
                                           </p:stCondLst>
                                         </p:cTn>
                                         <p:tgtEl>
-                                          <p:spTgt spid="64"/>
+                                          <p:spTgt spid="117"/>
                                         </p:tgtEl>
                                         <p:attrNameLst>
                                           <p:attrName>style.visibility</p:attrName>
@@ -8405,20 +9395,263 @@
                                 </p:cTn>
                               </p:par>
                               <p:par>
-                                <p:cTn id="85" presetID="1" presetClass="entr" presetSubtype="0" fill="hold" nodeType="withEffect">
+                                <p:cTn id="99" presetID="1" presetClass="entr" presetSubtype="0" fill="hold" grpId="0" nodeType="withEffect">
                                   <p:stCondLst>
                                     <p:cond delay="0"/>
                                   </p:stCondLst>
                                   <p:childTnLst>
                                     <p:set>
                                       <p:cBhvr>
-                                        <p:cTn id="86" dur="1" fill="hold">
+                                        <p:cTn id="100" dur="1" fill="hold">
                                           <p:stCondLst>
                                             <p:cond delay="0"/>
                                           </p:stCondLst>
                                         </p:cTn>
                                         <p:tgtEl>
-                                          <p:spTgt spid="63"/>
+                                          <p:spTgt spid="116"/>
+                                        </p:tgtEl>
+                                        <p:attrNameLst>
+                                          <p:attrName>style.visibility</p:attrName>
+                                        </p:attrNameLst>
+                                      </p:cBhvr>
+                                      <p:to>
+                                        <p:strVal val="visible"/>
+                                      </p:to>
+                                    </p:set>
+                                  </p:childTnLst>
+                                </p:cTn>
+                              </p:par>
+                              <p:par>
+                                <p:cTn id="101" presetID="1" presetClass="entr" presetSubtype="0" fill="hold" nodeType="withEffect">
+                                  <p:stCondLst>
+                                    <p:cond delay="0"/>
+                                  </p:stCondLst>
+                                  <p:childTnLst>
+                                    <p:set>
+                                      <p:cBhvr>
+                                        <p:cTn id="102" dur="1" fill="hold">
+                                          <p:stCondLst>
+                                            <p:cond delay="0"/>
+                                          </p:stCondLst>
+                                        </p:cTn>
+                                        <p:tgtEl>
+                                          <p:spTgt spid="118"/>
+                                        </p:tgtEl>
+                                        <p:attrNameLst>
+                                          <p:attrName>style.visibility</p:attrName>
+                                        </p:attrNameLst>
+                                      </p:cBhvr>
+                                      <p:to>
+                                        <p:strVal val="visible"/>
+                                      </p:to>
+                                    </p:set>
+                                  </p:childTnLst>
+                                </p:cTn>
+                              </p:par>
+                              <p:par>
+                                <p:cTn id="103" presetID="1" presetClass="entr" presetSubtype="0" fill="hold" grpId="0" nodeType="withEffect">
+                                  <p:stCondLst>
+                                    <p:cond delay="0"/>
+                                  </p:stCondLst>
+                                  <p:childTnLst>
+                                    <p:set>
+                                      <p:cBhvr>
+                                        <p:cTn id="104" dur="1" fill="hold">
+                                          <p:stCondLst>
+                                            <p:cond delay="0"/>
+                                          </p:stCondLst>
+                                        </p:cTn>
+                                        <p:tgtEl>
+                                          <p:spTgt spid="119"/>
+                                        </p:tgtEl>
+                                        <p:attrNameLst>
+                                          <p:attrName>style.visibility</p:attrName>
+                                        </p:attrNameLst>
+                                      </p:cBhvr>
+                                      <p:to>
+                                        <p:strVal val="visible"/>
+                                      </p:to>
+                                    </p:set>
+                                  </p:childTnLst>
+                                </p:cTn>
+                              </p:par>
+                              <p:par>
+                                <p:cTn id="105" presetID="1" presetClass="entr" presetSubtype="0" fill="hold" nodeType="withEffect">
+                                  <p:stCondLst>
+                                    <p:cond delay="0"/>
+                                  </p:stCondLst>
+                                  <p:childTnLst>
+                                    <p:set>
+                                      <p:cBhvr>
+                                        <p:cTn id="106" dur="1" fill="hold">
+                                          <p:stCondLst>
+                                            <p:cond delay="0"/>
+                                          </p:stCondLst>
+                                        </p:cTn>
+                                        <p:tgtEl>
+                                          <p:spTgt spid="120"/>
+                                        </p:tgtEl>
+                                        <p:attrNameLst>
+                                          <p:attrName>style.visibility</p:attrName>
+                                        </p:attrNameLst>
+                                      </p:cBhvr>
+                                      <p:to>
+                                        <p:strVal val="visible"/>
+                                      </p:to>
+                                    </p:set>
+                                  </p:childTnLst>
+                                </p:cTn>
+                              </p:par>
+                              <p:par>
+                                <p:cTn id="107" presetID="1" presetClass="entr" presetSubtype="0" fill="hold" grpId="0" nodeType="withEffect">
+                                  <p:stCondLst>
+                                    <p:cond delay="0"/>
+                                  </p:stCondLst>
+                                  <p:childTnLst>
+                                    <p:set>
+                                      <p:cBhvr>
+                                        <p:cTn id="108" dur="1" fill="hold">
+                                          <p:stCondLst>
+                                            <p:cond delay="0"/>
+                                          </p:stCondLst>
+                                        </p:cTn>
+                                        <p:tgtEl>
+                                          <p:spTgt spid="121"/>
+                                        </p:tgtEl>
+                                        <p:attrNameLst>
+                                          <p:attrName>style.visibility</p:attrName>
+                                        </p:attrNameLst>
+                                      </p:cBhvr>
+                                      <p:to>
+                                        <p:strVal val="visible"/>
+                                      </p:to>
+                                    </p:set>
+                                  </p:childTnLst>
+                                </p:cTn>
+                              </p:par>
+                              <p:par>
+                                <p:cTn id="109" presetID="1" presetClass="entr" presetSubtype="0" fill="hold" nodeType="withEffect">
+                                  <p:stCondLst>
+                                    <p:cond delay="0"/>
+                                  </p:stCondLst>
+                                  <p:childTnLst>
+                                    <p:set>
+                                      <p:cBhvr>
+                                        <p:cTn id="110" dur="1" fill="hold">
+                                          <p:stCondLst>
+                                            <p:cond delay="0"/>
+                                          </p:stCondLst>
+                                        </p:cTn>
+                                        <p:tgtEl>
+                                          <p:spTgt spid="122"/>
+                                        </p:tgtEl>
+                                        <p:attrNameLst>
+                                          <p:attrName>style.visibility</p:attrName>
+                                        </p:attrNameLst>
+                                      </p:cBhvr>
+                                      <p:to>
+                                        <p:strVal val="visible"/>
+                                      </p:to>
+                                    </p:set>
+                                  </p:childTnLst>
+                                </p:cTn>
+                              </p:par>
+                              <p:par>
+                                <p:cTn id="111" presetID="1" presetClass="entr" presetSubtype="0" fill="hold" grpId="0" nodeType="withEffect">
+                                  <p:stCondLst>
+                                    <p:cond delay="0"/>
+                                  </p:stCondLst>
+                                  <p:childTnLst>
+                                    <p:set>
+                                      <p:cBhvr>
+                                        <p:cTn id="112" dur="1" fill="hold">
+                                          <p:stCondLst>
+                                            <p:cond delay="0"/>
+                                          </p:stCondLst>
+                                        </p:cTn>
+                                        <p:tgtEl>
+                                          <p:spTgt spid="123"/>
+                                        </p:tgtEl>
+                                        <p:attrNameLst>
+                                          <p:attrName>style.visibility</p:attrName>
+                                        </p:attrNameLst>
+                                      </p:cBhvr>
+                                      <p:to>
+                                        <p:strVal val="visible"/>
+                                      </p:to>
+                                    </p:set>
+                                  </p:childTnLst>
+                                </p:cTn>
+                              </p:par>
+                              <p:par>
+                                <p:cTn id="113" presetID="1" presetClass="entr" presetSubtype="0" fill="hold" nodeType="withEffect">
+                                  <p:stCondLst>
+                                    <p:cond delay="0"/>
+                                  </p:stCondLst>
+                                  <p:childTnLst>
+                                    <p:set>
+                                      <p:cBhvr>
+                                        <p:cTn id="114" dur="1" fill="hold">
+                                          <p:stCondLst>
+                                            <p:cond delay="0"/>
+                                          </p:stCondLst>
+                                        </p:cTn>
+                                        <p:tgtEl>
+                                          <p:spTgt spid="124"/>
+                                        </p:tgtEl>
+                                        <p:attrNameLst>
+                                          <p:attrName>style.visibility</p:attrName>
+                                        </p:attrNameLst>
+                                      </p:cBhvr>
+                                      <p:to>
+                                        <p:strVal val="visible"/>
+                                      </p:to>
+                                    </p:set>
+                                  </p:childTnLst>
+                                </p:cTn>
+                              </p:par>
+                              <p:par>
+                                <p:cTn id="115" presetID="1" presetClass="entr" presetSubtype="0" fill="hold" grpId="0" nodeType="withEffect">
+                                  <p:stCondLst>
+                                    <p:cond delay="0"/>
+                                  </p:stCondLst>
+                                  <p:childTnLst>
+                                    <p:set>
+                                      <p:cBhvr>
+                                        <p:cTn id="116" dur="1" fill="hold">
+                                          <p:stCondLst>
+                                            <p:cond delay="0"/>
+                                          </p:stCondLst>
+                                        </p:cTn>
+                                        <p:tgtEl>
+                                          <p:spTgt spid="137"/>
+                                        </p:tgtEl>
+                                        <p:attrNameLst>
+                                          <p:attrName>style.visibility</p:attrName>
+                                        </p:attrNameLst>
+                                      </p:cBhvr>
+                                      <p:to>
+                                        <p:strVal val="visible"/>
+                                      </p:to>
+                                    </p:set>
+                                  </p:childTnLst>
+                                </p:cTn>
+                              </p:par>
+                              <p:par>
+                                <p:cTn id="117" presetID="1" presetClass="entr" presetSubtype="0" fill="hold" grpId="0" nodeType="withEffect">
+                                  <p:stCondLst>
+                                    <p:cond delay="0"/>
+                                  </p:stCondLst>
+                                  <p:childTnLst>
+                                    <p:set>
+                                      <p:cBhvr>
+                                        <p:cTn id="118" dur="1" fill="hold">
+                                          <p:stCondLst>
+                                            <p:cond delay="0"/>
+                                          </p:stCondLst>
+                                        </p:cTn>
+                                        <p:tgtEl>
+                                          <p:spTgt spid="139"/>
                                         </p:tgtEl>
                                         <p:attrNameLst>
                                           <p:attrName>style.visibility</p:attrName>
@@ -8465,21 +9698,33 @@
       <p:bldP spid="16" grpId="0" animBg="1"/>
       <p:bldP spid="19" grpId="0"/>
       <p:bldP spid="21" grpId="0" animBg="1"/>
-      <p:bldP spid="23" grpId="0"/>
       <p:bldP spid="32" grpId="0"/>
       <p:bldP spid="35" grpId="0" animBg="1"/>
-      <p:bldP spid="37" grpId="0"/>
-      <p:bldP spid="42" grpId="0"/>
-      <p:bldP spid="46" grpId="0" animBg="1"/>
-      <p:bldP spid="49" grpId="0"/>
       <p:bldP spid="50" grpId="0" animBg="1"/>
-      <p:bldP spid="52" grpId="0"/>
-      <p:bldP spid="54" grpId="0"/>
       <p:bldP spid="57" grpId="0" animBg="1"/>
-      <p:bldP spid="59" grpId="0"/>
-      <p:bldP spid="61" grpId="0"/>
       <p:bldP spid="64" grpId="0"/>
       <p:bldP spid="73" grpId="0" animBg="1"/>
+      <p:bldP spid="65" grpId="0"/>
+      <p:bldP spid="71" grpId="0"/>
+      <p:bldP spid="76" grpId="0" animBg="1"/>
+      <p:bldP spid="78" grpId="0"/>
+      <p:bldP spid="79" grpId="0"/>
+      <p:bldP spid="85" grpId="0"/>
+      <p:bldP spid="87" grpId="0"/>
+      <p:bldP spid="88" grpId="0"/>
+      <p:bldP spid="94" grpId="0"/>
+      <p:bldP spid="95" grpId="0" animBg="1"/>
+      <p:bldP spid="97" grpId="0"/>
+      <p:bldP spid="103" grpId="0" animBg="1"/>
+      <p:bldP spid="105" grpId="0"/>
+      <p:bldP spid="106" grpId="0"/>
+      <p:bldP spid="116" grpId="0" animBg="1"/>
+      <p:bldP spid="117" grpId="0" animBg="1"/>
+      <p:bldP spid="119" grpId="0"/>
+      <p:bldP spid="121" grpId="0" animBg="1"/>
+      <p:bldP spid="123" grpId="0"/>
+      <p:bldP spid="137" grpId="0"/>
+      <p:bldP spid="139" grpId="0"/>
     </p:bldLst>
   </p:timing>
 </p:sld>
@@ -9781,13 +11026,13 @@
   <p:clrMapOvr>
     <a:masterClrMapping/>
   </p:clrMapOvr>
-  <mc:AlternateContent xmlns:mc="http://schemas.openxmlformats.org/markup-compatibility/2006">
-    <mc:Choice xmlns:p14="http://schemas.microsoft.com/office/powerpoint/2010/main" Requires="p14">
+  <mc:AlternateContent xmlns:mc="http://schemas.openxmlformats.org/markup-compatibility/2006" xmlns:p14="http://schemas.microsoft.com/office/powerpoint/2010/main">
+    <mc:Choice Requires="p14">
       <p:transition>
         <p14:reveal/>
       </p:transition>
     </mc:Choice>
-    <mc:Fallback>
+    <mc:Fallback xmlns="">
       <p:transition>
         <p:fade/>
       </p:transition>
@@ -10000,13 +11245,13 @@
   <p:clrMapOvr>
     <a:masterClrMapping/>
   </p:clrMapOvr>
-  <mc:AlternateContent xmlns:mc="http://schemas.openxmlformats.org/markup-compatibility/2006">
-    <mc:Choice xmlns:p14="http://schemas.microsoft.com/office/powerpoint/2010/main" Requires="p14">
+  <mc:AlternateContent xmlns:mc="http://schemas.openxmlformats.org/markup-compatibility/2006" xmlns:p14="http://schemas.microsoft.com/office/powerpoint/2010/main">
+    <mc:Choice Requires="p14">
       <p:transition>
         <p14:reveal/>
       </p:transition>
     </mc:Choice>
-    <mc:Fallback>
+    <mc:Fallback xmlns="">
       <p:transition>
         <p:fade/>
       </p:transition>
@@ -11495,13 +12740,13 @@
   <p:clrMapOvr>
     <a:masterClrMapping/>
   </p:clrMapOvr>
-  <mc:AlternateContent xmlns:mc="http://schemas.openxmlformats.org/markup-compatibility/2006">
-    <mc:Choice xmlns:p14="http://schemas.microsoft.com/office/powerpoint/2010/main" Requires="p14">
+  <mc:AlternateContent xmlns:mc="http://schemas.openxmlformats.org/markup-compatibility/2006" xmlns:p14="http://schemas.microsoft.com/office/powerpoint/2010/main">
+    <mc:Choice Requires="p14">
       <p:transition>
         <p14:reveal/>
       </p:transition>
     </mc:Choice>
-    <mc:Fallback>
+    <mc:Fallback xmlns="">
       <p:transition>
         <p:fade/>
       </p:transition>
@@ -11762,13 +13007,13 @@
   <p:clrMapOvr>
     <a:masterClrMapping/>
   </p:clrMapOvr>
-  <mc:AlternateContent xmlns:mc="http://schemas.openxmlformats.org/markup-compatibility/2006">
-    <mc:Choice xmlns:p14="http://schemas.microsoft.com/office/powerpoint/2010/main" Requires="p14">
+  <mc:AlternateContent xmlns:mc="http://schemas.openxmlformats.org/markup-compatibility/2006" xmlns:p14="http://schemas.microsoft.com/office/powerpoint/2010/main">
+    <mc:Choice Requires="p14">
       <p:transition>
         <p14:reveal/>
       </p:transition>
     </mc:Choice>
-    <mc:Fallback>
+    <mc:Fallback xmlns="">
       <p:transition>
         <p:fade/>
       </p:transition>
@@ -12102,13 +13347,13 @@
   <p:clrMapOvr>
     <a:masterClrMapping/>
   </p:clrMapOvr>
-  <mc:AlternateContent xmlns:mc="http://schemas.openxmlformats.org/markup-compatibility/2006">
-    <mc:Choice xmlns:p14="http://schemas.microsoft.com/office/powerpoint/2010/main" Requires="p14">
+  <mc:AlternateContent xmlns:mc="http://schemas.openxmlformats.org/markup-compatibility/2006" xmlns:p14="http://schemas.microsoft.com/office/powerpoint/2010/main">
+    <mc:Choice Requires="p14">
       <p:transition>
         <p14:reveal/>
       </p:transition>
     </mc:Choice>
-    <mc:Fallback>
+    <mc:Fallback xmlns="">
       <p:transition>
         <p:fade/>
       </p:transition>
@@ -12453,13 +13698,13 @@
   <p:clrMapOvr>
     <a:masterClrMapping/>
   </p:clrMapOvr>
-  <mc:AlternateContent xmlns:mc="http://schemas.openxmlformats.org/markup-compatibility/2006">
-    <mc:Choice xmlns:p14="http://schemas.microsoft.com/office/powerpoint/2010/main" Requires="p14">
+  <mc:AlternateContent xmlns:mc="http://schemas.openxmlformats.org/markup-compatibility/2006" xmlns:p14="http://schemas.microsoft.com/office/powerpoint/2010/main">
+    <mc:Choice Requires="p14">
       <p:transition>
         <p14:reveal/>
       </p:transition>
     </mc:Choice>
-    <mc:Fallback>
+    <mc:Fallback xmlns="">
       <p:transition>
         <p:fade/>
       </p:transition>
@@ -13069,13 +14314,13 @@
   <p:clrMapOvr>
     <a:masterClrMapping/>
   </p:clrMapOvr>
-  <mc:AlternateContent xmlns:mc="http://schemas.openxmlformats.org/markup-compatibility/2006">
-    <mc:Choice xmlns:p14="http://schemas.microsoft.com/office/powerpoint/2010/main" Requires="p14">
+  <mc:AlternateContent xmlns:mc="http://schemas.openxmlformats.org/markup-compatibility/2006" xmlns:p14="http://schemas.microsoft.com/office/powerpoint/2010/main">
+    <mc:Choice Requires="p14">
       <p:transition>
         <p14:reveal/>
       </p:transition>
     </mc:Choice>
-    <mc:Fallback>
+    <mc:Fallback xmlns="">
       <p:transition>
         <p:fade/>
       </p:transition>
@@ -13968,13 +15213,13 @@
   <p:clrMapOvr>
     <a:masterClrMapping/>
   </p:clrMapOvr>
-  <mc:AlternateContent xmlns:mc="http://schemas.openxmlformats.org/markup-compatibility/2006">
-    <mc:Choice xmlns:p14="http://schemas.microsoft.com/office/powerpoint/2010/main" Requires="p14">
+  <mc:AlternateContent xmlns:mc="http://schemas.openxmlformats.org/markup-compatibility/2006" xmlns:p14="http://schemas.microsoft.com/office/powerpoint/2010/main">
+    <mc:Choice Requires="p14">
       <p:transition>
         <p14:reveal/>
       </p:transition>
     </mc:Choice>
-    <mc:Fallback>
+    <mc:Fallback xmlns="">
       <p:transition>
         <p:fade/>
       </p:transition>
@@ -14166,13 +15411,13 @@
   <p:clrMapOvr>
     <a:masterClrMapping/>
   </p:clrMapOvr>
-  <mc:AlternateContent xmlns:mc="http://schemas.openxmlformats.org/markup-compatibility/2006">
-    <mc:Choice xmlns:p14="http://schemas.microsoft.com/office/powerpoint/2010/main" Requires="p14">
+  <mc:AlternateContent xmlns:mc="http://schemas.openxmlformats.org/markup-compatibility/2006" xmlns:p14="http://schemas.microsoft.com/office/powerpoint/2010/main">
+    <mc:Choice Requires="p14">
       <p:transition>
         <p14:reveal/>
       </p:transition>
     </mc:Choice>
-    <mc:Fallback>
+    <mc:Fallback xmlns="">
       <p:transition>
         <p:fade/>
       </p:transition>

--- a/Вашкулатов 12.04.pptx
+++ b/Вашкулатов 12.04.pptx
@@ -1,27 +1,26 @@
 
 <file path=ppt/presentation.xml><?xml version="1.0" encoding="utf-8"?>
-<p:presentation xmlns:a="http://schemas.openxmlformats.org/drawingml/2006/main" xmlns:r="http://schemas.openxmlformats.org/officeDocument/2006/relationships" xmlns:p="http://schemas.openxmlformats.org/presentationml/2006/main" saveSubsetFonts="1">
+<p:presentation xmlns:a="http://schemas.openxmlformats.org/drawingml/2006/main" xmlns:r="http://schemas.openxmlformats.org/officeDocument/2006/relationships" xmlns:p="http://schemas.openxmlformats.org/presentationml/2006/main" showSpecialPlsOnTitleSld="0" saveSubsetFonts="1">
   <p:sldMasterIdLst>
     <p:sldMasterId id="2147483660" r:id="rId1"/>
   </p:sldMasterIdLst>
   <p:notesMasterIdLst>
-    <p:notesMasterId r:id="rId16"/>
+    <p:notesMasterId r:id="rId15"/>
   </p:notesMasterIdLst>
   <p:sldIdLst>
     <p:sldId id="256" r:id="rId2"/>
     <p:sldId id="258" r:id="rId3"/>
-    <p:sldId id="272" r:id="rId4"/>
-    <p:sldId id="273" r:id="rId5"/>
-    <p:sldId id="259" r:id="rId6"/>
-    <p:sldId id="260" r:id="rId7"/>
-    <p:sldId id="261" r:id="rId8"/>
+    <p:sldId id="273" r:id="rId4"/>
+    <p:sldId id="272" r:id="rId5"/>
+    <p:sldId id="275" r:id="rId6"/>
+    <p:sldId id="259" r:id="rId7"/>
+    <p:sldId id="260" r:id="rId8"/>
     <p:sldId id="262" r:id="rId9"/>
-    <p:sldId id="264" r:id="rId10"/>
-    <p:sldId id="274" r:id="rId11"/>
-    <p:sldId id="275" r:id="rId12"/>
-    <p:sldId id="271" r:id="rId13"/>
-    <p:sldId id="265" r:id="rId14"/>
-    <p:sldId id="263" r:id="rId15"/>
+    <p:sldId id="265" r:id="rId10"/>
+    <p:sldId id="276" r:id="rId11"/>
+    <p:sldId id="264" r:id="rId12"/>
+    <p:sldId id="274" r:id="rId13"/>
+    <p:sldId id="271" r:id="rId14"/>
   </p:sldIdLst>
   <p:sldSz cx="12192000" cy="6858000"/>
   <p:notesSz cx="6858000" cy="9144000"/>
@@ -210,7 +209,7 @@
           <a:p>
             <a:fld id="{06EA2F6A-6C6A-4F9A-A657-6DE485336090}" type="datetimeFigureOut">
               <a:rPr lang="ru-RU" smtClean="0"/>
-              <a:t>12.05.2024</a:t>
+              <a:t>29.05.2024</a:t>
             </a:fld>
             <a:endParaRPr lang="ru-RU"/>
           </a:p>
@@ -626,7 +625,7 @@
           <a:p>
             <a:fld id="{B2796907-CA03-4721-9DD0-B4E87A3A23F9}" type="slidenum">
               <a:rPr lang="ru-RU" smtClean="0"/>
-              <a:t>5</a:t>
+              <a:t>6</a:t>
             </a:fld>
             <a:endParaRPr lang="ru-RU"/>
           </a:p>
@@ -710,7 +709,7 @@
           <a:p>
             <a:fld id="{B2796907-CA03-4721-9DD0-B4E87A3A23F9}" type="slidenum">
               <a:rPr lang="ru-RU" smtClean="0"/>
-              <a:t>6</a:t>
+              <a:t>7</a:t>
             </a:fld>
             <a:endParaRPr lang="ru-RU"/>
           </a:p>
@@ -794,7 +793,7 @@
           <a:p>
             <a:fld id="{B2796907-CA03-4721-9DD0-B4E87A3A23F9}" type="slidenum">
               <a:rPr lang="ru-RU" smtClean="0"/>
-              <a:t>13</a:t>
+              <a:t>9</a:t>
             </a:fld>
             <a:endParaRPr lang="ru-RU"/>
           </a:p>
@@ -994,9 +993,9 @@
           <a:bodyPr/>
           <a:lstStyle/>
           <a:p>
-            <a:fld id="{62C41D10-422A-4030-A4D6-C22849B1D5B0}" type="datetime1">
+            <a:fld id="{EF46529C-A4A1-419A-8C97-99A9A6CB6233}" type="datetime1">
               <a:rPr lang="ru-RU" smtClean="0"/>
-              <a:t>12.05.2024</a:t>
+              <a:t>29.05.2024</a:t>
             </a:fld>
             <a:endParaRPr lang="ru-RU"/>
           </a:p>
@@ -1204,9 +1203,9 @@
           <a:bodyPr/>
           <a:lstStyle/>
           <a:p>
-            <a:fld id="{58F213A7-9D90-40AC-81D0-040E14F3609F}" type="datetime1">
+            <a:fld id="{3AFEF6E1-0B7E-411E-B319-153B1068EA37}" type="datetime1">
               <a:rPr lang="ru-RU" smtClean="0"/>
-              <a:t>12.05.2024</a:t>
+              <a:t>29.05.2024</a:t>
             </a:fld>
             <a:endParaRPr lang="ru-RU"/>
           </a:p>
@@ -1424,9 +1423,9 @@
           <a:bodyPr/>
           <a:lstStyle/>
           <a:p>
-            <a:fld id="{2DBD163E-DF89-4729-A8F3-8F9BF9CF3FA4}" type="datetime1">
+            <a:fld id="{7F1B9C32-0735-420A-8DA4-076EC8DAC8CD}" type="datetime1">
               <a:rPr lang="ru-RU" smtClean="0"/>
-              <a:t>12.05.2024</a:t>
+              <a:t>29.05.2024</a:t>
             </a:fld>
             <a:endParaRPr lang="ru-RU"/>
           </a:p>
@@ -1634,9 +1633,9 @@
           <a:bodyPr/>
           <a:lstStyle/>
           <a:p>
-            <a:fld id="{123EEFFD-FF24-4AA0-88A5-06D3B8242127}" type="datetime1">
+            <a:fld id="{5581DF2C-D4E0-4F6D-8699-364F756C2FC5}" type="datetime1">
               <a:rPr lang="ru-RU" smtClean="0"/>
-              <a:t>12.05.2024</a:t>
+              <a:t>29.05.2024</a:t>
             </a:fld>
             <a:endParaRPr lang="ru-RU"/>
           </a:p>
@@ -1921,9 +1920,9 @@
           <a:bodyPr/>
           <a:lstStyle/>
           <a:p>
-            <a:fld id="{139E04B5-F64C-4F4C-844D-AF6555F0CB7B}" type="datetime1">
+            <a:fld id="{09D59F7E-11EF-43B5-9EA1-620C1B58ADF4}" type="datetime1">
               <a:rPr lang="ru-RU" smtClean="0"/>
-              <a:t>12.05.2024</a:t>
+              <a:t>29.05.2024</a:t>
             </a:fld>
             <a:endParaRPr lang="ru-RU"/>
           </a:p>
@@ -2198,9 +2197,9 @@
           <a:bodyPr/>
           <a:lstStyle/>
           <a:p>
-            <a:fld id="{FE1CE4C2-B8D6-4E06-9174-BA62B0502D18}" type="datetime1">
+            <a:fld id="{3C493001-4AD5-4630-B8AD-8B040B8B980F}" type="datetime1">
               <a:rPr lang="ru-RU" smtClean="0"/>
-              <a:t>12.05.2024</a:t>
+              <a:t>29.05.2024</a:t>
             </a:fld>
             <a:endParaRPr lang="ru-RU"/>
           </a:p>
@@ -2622,9 +2621,9 @@
           <a:bodyPr/>
           <a:lstStyle/>
           <a:p>
-            <a:fld id="{078ACEFC-2A5D-4B8B-B596-165BBCFEE40A}" type="datetime1">
+            <a:fld id="{DB1337C4-6032-4340-A165-A93FB67CF0F8}" type="datetime1">
               <a:rPr lang="ru-RU" smtClean="0"/>
-              <a:t>12.05.2024</a:t>
+              <a:t>29.05.2024</a:t>
             </a:fld>
             <a:endParaRPr lang="ru-RU"/>
           </a:p>
@@ -2775,9 +2774,9 @@
           <a:bodyPr/>
           <a:lstStyle/>
           <a:p>
-            <a:fld id="{76236C0C-4E67-41AE-81AF-B0C572D4F547}" type="datetime1">
+            <a:fld id="{947B2BDB-8ED2-476A-80B5-6F91DE649B4B}" type="datetime1">
               <a:rPr lang="ru-RU" smtClean="0"/>
-              <a:t>12.05.2024</a:t>
+              <a:t>29.05.2024</a:t>
             </a:fld>
             <a:endParaRPr lang="ru-RU"/>
           </a:p>
@@ -2900,9 +2899,9 @@
           <a:bodyPr/>
           <a:lstStyle/>
           <a:p>
-            <a:fld id="{8AE932F1-EA51-48A2-8D28-940B374DF011}" type="datetime1">
+            <a:fld id="{B775BAF1-A48D-4932-85CC-6477FD1E068E}" type="datetime1">
               <a:rPr lang="ru-RU" smtClean="0"/>
-              <a:t>12.05.2024</a:t>
+              <a:t>29.05.2024</a:t>
             </a:fld>
             <a:endParaRPr lang="ru-RU"/>
           </a:p>
@@ -3223,9 +3222,9 @@
           <a:bodyPr/>
           <a:lstStyle/>
           <a:p>
-            <a:fld id="{753C7966-3936-4F95-AAB3-CA9CAA1DE2C8}" type="datetime1">
+            <a:fld id="{DBA6CB2C-14A9-40A8-B717-F2188456C2CF}" type="datetime1">
               <a:rPr lang="ru-RU" smtClean="0"/>
-              <a:t>12.05.2024</a:t>
+              <a:t>29.05.2024</a:t>
             </a:fld>
             <a:endParaRPr lang="ru-RU"/>
           </a:p>
@@ -3526,9 +3525,9 @@
           <a:bodyPr/>
           <a:lstStyle/>
           <a:p>
-            <a:fld id="{B8CF1FB5-E301-4191-AD2A-1091E4B920C4}" type="datetime1">
+            <a:fld id="{3030E368-EF5F-4E53-8758-58196D3FE68F}" type="datetime1">
               <a:rPr lang="ru-RU" smtClean="0"/>
-              <a:t>12.05.2024</a:t>
+              <a:t>29.05.2024</a:t>
             </a:fld>
             <a:endParaRPr lang="ru-RU"/>
           </a:p>
@@ -3815,9 +3814,9 @@
             </a:lvl1pPr>
           </a:lstStyle>
           <a:p>
-            <a:fld id="{40A56BA6-386D-4A0A-B1E5-CA2E984204CF}" type="datetime1">
+            <a:fld id="{7A43A9C0-390F-4274-BCC1-64BC98426840}" type="datetime1">
               <a:rPr lang="ru-RU" smtClean="0"/>
-              <a:t>12.05.2024</a:t>
+              <a:t>29.05.2024</a:t>
             </a:fld>
             <a:endParaRPr lang="ru-RU"/>
           </a:p>
@@ -4393,33 +4392,6 @@
       </p:sp>
       <p:sp>
         <p:nvSpPr>
-          <p:cNvPr id="5" name="Номер слайда 4"/>
-          <p:cNvSpPr>
-            <a:spLocks noGrp="1"/>
-          </p:cNvSpPr>
-          <p:nvPr>
-            <p:ph type="sldNum" sz="quarter" idx="12"/>
-          </p:nvPr>
-        </p:nvSpPr>
-        <p:spPr/>
-        <p:txBody>
-          <a:bodyPr/>
-          <a:lstStyle/>
-          <a:p>
-            <a:fld id="{62AE288B-ED16-4155-B555-A20169454F34}" type="slidenum">
-              <a:rPr lang="ru-RU" sz="1400" smtClean="0">
-                <a:latin typeface="+mj-lt"/>
-              </a:rPr>
-              <a:t>1</a:t>
-            </a:fld>
-            <a:endParaRPr lang="ru-RU" sz="1400" dirty="0">
-              <a:latin typeface="+mj-lt"/>
-            </a:endParaRPr>
-          </a:p>
-        </p:txBody>
-      </p:sp>
-      <p:sp>
-        <p:nvSpPr>
           <p:cNvPr id="4" name="TextBox 3"/>
           <p:cNvSpPr txBox="1"/>
           <p:nvPr/>
@@ -4694,6 +4666,450 @@
           <a:lstStyle/>
           <a:p>
             <a:r>
+              <a:rPr lang="ru-RU" dirty="0" smtClean="0"/>
+              <a:t>Архитектура платформы</a:t>
+            </a:r>
+            <a:endParaRPr lang="ru-RU" dirty="0"/>
+          </a:p>
+        </p:txBody>
+      </p:sp>
+      <p:sp>
+        <p:nvSpPr>
+          <p:cNvPr id="6" name="TextBox 5"/>
+          <p:cNvSpPr txBox="1"/>
+          <p:nvPr/>
+        </p:nvSpPr>
+        <p:spPr>
+          <a:xfrm>
+            <a:off x="4869053" y="5880818"/>
+            <a:ext cx="2710680" cy="369332"/>
+          </a:xfrm>
+          <a:prstGeom prst="rect">
+            <a:avLst/>
+          </a:prstGeom>
+          <a:noFill/>
+        </p:spPr>
+        <p:txBody>
+          <a:bodyPr wrap="square" rtlCol="0">
+            <a:spAutoFit/>
+          </a:bodyPr>
+          <a:lstStyle/>
+          <a:p>
+            <a:r>
+              <a:rPr lang="ru-RU" dirty="0">
+                <a:latin typeface="+mj-lt"/>
+              </a:rPr>
+              <a:t>Рисунок </a:t>
+            </a:r>
+            <a:r>
+              <a:rPr lang="en-US" dirty="0">
+                <a:latin typeface="+mj-lt"/>
+              </a:rPr>
+              <a:t>7</a:t>
+            </a:r>
+            <a:r>
+              <a:rPr lang="ru-RU" dirty="0" smtClean="0">
+                <a:latin typeface="+mj-lt"/>
+              </a:rPr>
+              <a:t> </a:t>
+            </a:r>
+            <a:r>
+              <a:rPr lang="ru-RU" dirty="0">
+                <a:latin typeface="+mj-lt"/>
+              </a:rPr>
+              <a:t>– </a:t>
+            </a:r>
+            <a:r>
+              <a:rPr lang="ru-RU" dirty="0" smtClean="0">
+                <a:latin typeface="+mj-lt"/>
+              </a:rPr>
+              <a:t>Архитектура</a:t>
+            </a:r>
+            <a:endParaRPr lang="ru-RU" dirty="0">
+              <a:latin typeface="+mj-lt"/>
+            </a:endParaRPr>
+          </a:p>
+        </p:txBody>
+      </p:sp>
+      <p:pic>
+        <p:nvPicPr>
+          <p:cNvPr id="4" name="Рисунок 3"/>
+          <p:cNvPicPr>
+            <a:picLocks noChangeAspect="1"/>
+          </p:cNvPicPr>
+          <p:nvPr/>
+        </p:nvPicPr>
+        <p:blipFill>
+          <a:blip r:embed="rId2">
+            <a:extLst>
+              <a:ext uri="{28A0092B-C50C-407E-A947-70E740481C1C}">
+                <a14:useLocalDpi xmlns:a14="http://schemas.microsoft.com/office/drawing/2010/main" val="0"/>
+              </a:ext>
+            </a:extLst>
+          </a:blip>
+          <a:stretch>
+            <a:fillRect/>
+          </a:stretch>
+        </p:blipFill>
+        <p:spPr>
+          <a:xfrm>
+            <a:off x="934791" y="1785961"/>
+            <a:ext cx="9902613" cy="3824330"/>
+          </a:xfrm>
+          <a:prstGeom prst="rect">
+            <a:avLst/>
+          </a:prstGeom>
+        </p:spPr>
+      </p:pic>
+      <p:sp>
+        <p:nvSpPr>
+          <p:cNvPr id="2" name="Номер слайда 1"/>
+          <p:cNvSpPr>
+            <a:spLocks noGrp="1"/>
+          </p:cNvSpPr>
+          <p:nvPr>
+            <p:ph type="sldNum" sz="quarter" idx="12"/>
+          </p:nvPr>
+        </p:nvSpPr>
+        <p:spPr>
+          <a:xfrm>
+            <a:off x="8400626" y="6353063"/>
+            <a:ext cx="2743200" cy="365125"/>
+          </a:xfrm>
+        </p:spPr>
+        <p:txBody>
+          <a:bodyPr/>
+          <a:lstStyle/>
+          <a:p>
+            <a:fld id="{62AE288B-ED16-4155-B555-A20169454F34}" type="slidenum">
+              <a:rPr lang="ru-RU" sz="1600" smtClean="0">
+                <a:solidFill>
+                  <a:schemeClr val="tx1"/>
+                </a:solidFill>
+              </a:rPr>
+              <a:t>10</a:t>
+            </a:fld>
+            <a:endParaRPr lang="ru-RU" sz="1600" dirty="0">
+              <a:solidFill>
+                <a:schemeClr val="tx1"/>
+              </a:solidFill>
+            </a:endParaRPr>
+          </a:p>
+        </p:txBody>
+      </p:sp>
+    </p:spTree>
+    <p:extLst>
+      <p:ext uri="{BB962C8B-B14F-4D97-AF65-F5344CB8AC3E}">
+        <p14:creationId xmlns:p14="http://schemas.microsoft.com/office/powerpoint/2010/main" val="2488471010"/>
+      </p:ext>
+    </p:extLst>
+  </p:cSld>
+  <p:clrMapOvr>
+    <a:masterClrMapping/>
+  </p:clrMapOvr>
+  <mc:AlternateContent xmlns:mc="http://schemas.openxmlformats.org/markup-compatibility/2006" xmlns:p14="http://schemas.microsoft.com/office/powerpoint/2010/main">
+    <mc:Choice Requires="p14">
+      <p:transition>
+        <p14:reveal/>
+      </p:transition>
+    </mc:Choice>
+    <mc:Fallback xmlns="">
+      <p:transition>
+        <p:fade/>
+      </p:transition>
+    </mc:Fallback>
+  </mc:AlternateContent>
+  <p:timing>
+    <p:tnLst>
+      <p:par>
+        <p:cTn id="1" dur="indefinite" restart="never" nodeType="tmRoot"/>
+      </p:par>
+    </p:tnLst>
+  </p:timing>
+</p:sld>
+</file>
+
+<file path=ppt/slides/slide11.xml><?xml version="1.0" encoding="utf-8"?>
+<p:sld xmlns:a="http://schemas.openxmlformats.org/drawingml/2006/main" xmlns:r="http://schemas.openxmlformats.org/officeDocument/2006/relationships" xmlns:p="http://schemas.openxmlformats.org/presentationml/2006/main">
+  <p:cSld>
+    <p:spTree>
+      <p:nvGrpSpPr>
+        <p:cNvPr id="1" name=""/>
+        <p:cNvGrpSpPr/>
+        <p:nvPr/>
+      </p:nvGrpSpPr>
+      <p:grpSpPr>
+        <a:xfrm>
+          <a:off x="0" y="0"/>
+          <a:ext cx="0" cy="0"/>
+          <a:chOff x="0" y="0"/>
+          <a:chExt cx="0" cy="0"/>
+        </a:xfrm>
+      </p:grpSpPr>
+      <p:sp>
+        <p:nvSpPr>
+          <p:cNvPr id="3" name="Заголовок 1">
+            <a:extLst>
+              <a:ext uri="{FF2B5EF4-FFF2-40B4-BE49-F238E27FC236}">
+                <a16:creationId xmlns:a16="http://schemas.microsoft.com/office/drawing/2014/main" id="{A0ACA5B3-A45B-4106-A5F4-99EEF503605D}"/>
+              </a:ext>
+            </a:extLst>
+          </p:cNvPr>
+          <p:cNvSpPr>
+            <a:spLocks noGrp="1"/>
+          </p:cNvSpPr>
+          <p:nvPr>
+            <p:ph type="title"/>
+          </p:nvPr>
+        </p:nvSpPr>
+        <p:spPr>
+          <a:xfrm>
+            <a:off x="934791" y="323438"/>
+            <a:ext cx="7789262" cy="719751"/>
+          </a:xfrm>
+        </p:spPr>
+        <p:txBody>
+          <a:bodyPr>
+            <a:normAutofit/>
+          </a:bodyPr>
+          <a:lstStyle/>
+          <a:p>
+            <a:r>
+              <a:rPr lang="ru-RU" dirty="0" err="1" smtClean="0"/>
+              <a:t>Инвалидация</a:t>
+            </a:r>
+            <a:r>
+              <a:rPr lang="ru-RU" dirty="0" smtClean="0"/>
+              <a:t> </a:t>
+            </a:r>
+            <a:r>
+              <a:rPr lang="en-US" dirty="0" smtClean="0"/>
+              <a:t>in-memory</a:t>
+            </a:r>
+            <a:r>
+              <a:rPr lang="ru-RU" dirty="0" smtClean="0"/>
+              <a:t> </a:t>
+            </a:r>
+            <a:r>
+              <a:rPr lang="ru-RU" dirty="0" err="1" smtClean="0"/>
+              <a:t>кеша</a:t>
+            </a:r>
+            <a:endParaRPr lang="ru-RU" dirty="0"/>
+          </a:p>
+        </p:txBody>
+      </p:sp>
+      <p:sp>
+        <p:nvSpPr>
+          <p:cNvPr id="6" name="TextBox 5"/>
+          <p:cNvSpPr txBox="1"/>
+          <p:nvPr/>
+        </p:nvSpPr>
+        <p:spPr>
+          <a:xfrm>
+            <a:off x="4767453" y="5880818"/>
+            <a:ext cx="3347000" cy="369332"/>
+          </a:xfrm>
+          <a:prstGeom prst="rect">
+            <a:avLst/>
+          </a:prstGeom>
+          <a:noFill/>
+        </p:spPr>
+        <p:txBody>
+          <a:bodyPr wrap="square" rtlCol="0">
+            <a:spAutoFit/>
+          </a:bodyPr>
+          <a:lstStyle/>
+          <a:p>
+            <a:r>
+              <a:rPr lang="ru-RU" dirty="0">
+                <a:latin typeface="+mj-lt"/>
+              </a:rPr>
+              <a:t>Рисунок </a:t>
+            </a:r>
+            <a:r>
+              <a:rPr lang="ru-RU" dirty="0">
+                <a:latin typeface="+mj-lt"/>
+              </a:rPr>
+              <a:t>8</a:t>
+            </a:r>
+            <a:r>
+              <a:rPr lang="ru-RU" dirty="0" smtClean="0">
+                <a:latin typeface="+mj-lt"/>
+              </a:rPr>
+              <a:t> </a:t>
+            </a:r>
+            <a:r>
+              <a:rPr lang="ru-RU" dirty="0">
+                <a:latin typeface="+mj-lt"/>
+              </a:rPr>
+              <a:t>– </a:t>
+            </a:r>
+            <a:r>
+              <a:rPr lang="ru-RU" dirty="0" err="1" smtClean="0">
+                <a:latin typeface="+mj-lt"/>
+              </a:rPr>
+              <a:t>Инвалидация</a:t>
+            </a:r>
+            <a:r>
+              <a:rPr lang="ru-RU" dirty="0" smtClean="0">
+                <a:latin typeface="+mj-lt"/>
+              </a:rPr>
+              <a:t> </a:t>
+            </a:r>
+            <a:r>
+              <a:rPr lang="ru-RU" dirty="0" err="1" smtClean="0">
+                <a:latin typeface="+mj-lt"/>
+              </a:rPr>
+              <a:t>кеша</a:t>
+            </a:r>
+            <a:endParaRPr lang="ru-RU" dirty="0">
+              <a:latin typeface="+mj-lt"/>
+            </a:endParaRPr>
+          </a:p>
+        </p:txBody>
+      </p:sp>
+      <p:pic>
+        <p:nvPicPr>
+          <p:cNvPr id="8" name="Рисунок 7"/>
+          <p:cNvPicPr>
+            <a:picLocks noChangeAspect="1"/>
+          </p:cNvPicPr>
+          <p:nvPr/>
+        </p:nvPicPr>
+        <p:blipFill>
+          <a:blip r:embed="rId2">
+            <a:extLst>
+              <a:ext uri="{28A0092B-C50C-407E-A947-70E740481C1C}">
+                <a14:useLocalDpi xmlns:a14="http://schemas.microsoft.com/office/drawing/2010/main" val="0"/>
+              </a:ext>
+            </a:extLst>
+          </a:blip>
+          <a:stretch>
+            <a:fillRect/>
+          </a:stretch>
+        </p:blipFill>
+        <p:spPr>
+          <a:xfrm>
+            <a:off x="1948271" y="1544320"/>
+            <a:ext cx="6775782" cy="3973121"/>
+          </a:xfrm>
+          <a:prstGeom prst="rect">
+            <a:avLst/>
+          </a:prstGeom>
+        </p:spPr>
+      </p:pic>
+      <p:sp>
+        <p:nvSpPr>
+          <p:cNvPr id="9" name="Номер слайда 8"/>
+          <p:cNvSpPr>
+            <a:spLocks noGrp="1"/>
+          </p:cNvSpPr>
+          <p:nvPr>
+            <p:ph type="sldNum" sz="quarter" idx="12"/>
+          </p:nvPr>
+        </p:nvSpPr>
+        <p:spPr>
+          <a:xfrm>
+            <a:off x="8522547" y="6250150"/>
+            <a:ext cx="2743200" cy="365125"/>
+          </a:xfrm>
+        </p:spPr>
+        <p:txBody>
+          <a:bodyPr/>
+          <a:lstStyle/>
+          <a:p>
+            <a:fld id="{62AE288B-ED16-4155-B555-A20169454F34}" type="slidenum">
+              <a:rPr lang="ru-RU" sz="1600" smtClean="0">
+                <a:solidFill>
+                  <a:schemeClr val="tx1"/>
+                </a:solidFill>
+              </a:rPr>
+              <a:t>11</a:t>
+            </a:fld>
+            <a:endParaRPr lang="ru-RU" sz="1600" dirty="0">
+              <a:solidFill>
+                <a:schemeClr val="tx1"/>
+              </a:solidFill>
+            </a:endParaRPr>
+          </a:p>
+        </p:txBody>
+      </p:sp>
+    </p:spTree>
+    <p:extLst>
+      <p:ext uri="{BB962C8B-B14F-4D97-AF65-F5344CB8AC3E}">
+        <p14:creationId xmlns:p14="http://schemas.microsoft.com/office/powerpoint/2010/main" val="4197788654"/>
+      </p:ext>
+    </p:extLst>
+  </p:cSld>
+  <p:clrMapOvr>
+    <a:masterClrMapping/>
+  </p:clrMapOvr>
+  <mc:AlternateContent xmlns:mc="http://schemas.openxmlformats.org/markup-compatibility/2006" xmlns:p14="http://schemas.microsoft.com/office/powerpoint/2010/main">
+    <mc:Choice Requires="p14">
+      <p:transition>
+        <p14:reveal/>
+      </p:transition>
+    </mc:Choice>
+    <mc:Fallback xmlns="">
+      <p:transition>
+        <p:fade/>
+      </p:transition>
+    </mc:Fallback>
+  </mc:AlternateContent>
+  <p:timing>
+    <p:tnLst>
+      <p:par>
+        <p:cTn id="1" dur="indefinite" restart="never" nodeType="tmRoot"/>
+      </p:par>
+    </p:tnLst>
+  </p:timing>
+</p:sld>
+</file>
+
+<file path=ppt/slides/slide12.xml><?xml version="1.0" encoding="utf-8"?>
+<p:sld xmlns:a="http://schemas.openxmlformats.org/drawingml/2006/main" xmlns:r="http://schemas.openxmlformats.org/officeDocument/2006/relationships" xmlns:p="http://schemas.openxmlformats.org/presentationml/2006/main">
+  <p:cSld>
+    <p:spTree>
+      <p:nvGrpSpPr>
+        <p:cNvPr id="1" name=""/>
+        <p:cNvGrpSpPr/>
+        <p:nvPr/>
+      </p:nvGrpSpPr>
+      <p:grpSpPr>
+        <a:xfrm>
+          <a:off x="0" y="0"/>
+          <a:ext cx="0" cy="0"/>
+          <a:chOff x="0" y="0"/>
+          <a:chExt cx="0" cy="0"/>
+        </a:xfrm>
+      </p:grpSpPr>
+      <p:sp>
+        <p:nvSpPr>
+          <p:cNvPr id="3" name="Заголовок 1">
+            <a:extLst>
+              <a:ext uri="{FF2B5EF4-FFF2-40B4-BE49-F238E27FC236}">
+                <a16:creationId xmlns:a16="http://schemas.microsoft.com/office/drawing/2014/main" id="{A0ACA5B3-A45B-4106-A5F4-99EEF503605D}"/>
+              </a:ext>
+            </a:extLst>
+          </p:cNvPr>
+          <p:cNvSpPr>
+            <a:spLocks noGrp="1"/>
+          </p:cNvSpPr>
+          <p:nvPr>
+            <p:ph type="title"/>
+          </p:nvPr>
+        </p:nvSpPr>
+        <p:spPr>
+          <a:xfrm>
+            <a:off x="934791" y="323438"/>
+            <a:ext cx="6579637" cy="719751"/>
+          </a:xfrm>
+        </p:spPr>
+        <p:txBody>
+          <a:bodyPr/>
+          <a:lstStyle/>
+          <a:p>
+            <a:r>
               <a:rPr lang="ru-RU" smtClean="0"/>
               <a:t>Инфраструктура</a:t>
             </a:r>
@@ -4733,7 +5149,7 @@
               <a:rPr lang="en-US" dirty="0">
                 <a:latin typeface="+mj-lt"/>
               </a:rPr>
-              <a:t>8</a:t>
+              <a:t>9</a:t>
             </a:r>
             <a:r>
               <a:rPr lang="ru-RU" dirty="0" smtClean="0">
@@ -4821,7 +5237,7 @@
       </p:pic>
       <p:sp>
         <p:nvSpPr>
-          <p:cNvPr id="5" name="Номер слайда 4"/>
+          <p:cNvPr id="2" name="Номер слайда 1"/>
           <p:cNvSpPr>
             <a:spLocks noGrp="1"/>
           </p:cNvSpPr>
@@ -4829,19 +5245,28 @@
             <p:ph type="sldNum" sz="quarter" idx="12"/>
           </p:nvPr>
         </p:nvSpPr>
-        <p:spPr/>
+        <p:spPr>
+          <a:xfrm>
+            <a:off x="8487382" y="6301708"/>
+            <a:ext cx="2743200" cy="365125"/>
+          </a:xfrm>
+        </p:spPr>
         <p:txBody>
           <a:bodyPr/>
           <a:lstStyle/>
           <a:p>
             <a:fld id="{62AE288B-ED16-4155-B555-A20169454F34}" type="slidenum">
-              <a:rPr lang="ru-RU" smtClean="0">
-                <a:latin typeface="+mj-lt"/>
-              </a:rPr>
-              <a:t>10</a:t>
+              <a:rPr lang="ru-RU" sz="1600" smtClean="0">
+                <a:solidFill>
+                  <a:schemeClr val="tx1"/>
+                </a:solidFill>
+              </a:rPr>
+              <a:t>12</a:t>
             </a:fld>
-            <a:endParaRPr lang="ru-RU">
-              <a:latin typeface="+mj-lt"/>
+            <a:endParaRPr lang="ru-RU" sz="1600" dirty="0">
+              <a:solidFill>
+                <a:schemeClr val="tx1"/>
+              </a:solidFill>
             </a:endParaRPr>
           </a:p>
         </p:txBody>
@@ -4850,561 +5275,6 @@
     <p:extLst>
       <p:ext uri="{BB962C8B-B14F-4D97-AF65-F5344CB8AC3E}">
         <p14:creationId xmlns:p14="http://schemas.microsoft.com/office/powerpoint/2010/main" val="1632582867"/>
-      </p:ext>
-    </p:extLst>
-  </p:cSld>
-  <p:clrMapOvr>
-    <a:masterClrMapping/>
-  </p:clrMapOvr>
-  <mc:AlternateContent xmlns:mc="http://schemas.openxmlformats.org/markup-compatibility/2006" xmlns:p14="http://schemas.microsoft.com/office/powerpoint/2010/main">
-    <mc:Choice Requires="p14">
-      <p:transition>
-        <p14:reveal/>
-      </p:transition>
-    </mc:Choice>
-    <mc:Fallback xmlns="">
-      <p:transition>
-        <p:fade/>
-      </p:transition>
-    </mc:Fallback>
-  </mc:AlternateContent>
-  <p:timing>
-    <p:tnLst>
-      <p:par>
-        <p:cTn id="1" dur="indefinite" restart="never" nodeType="tmRoot"/>
-      </p:par>
-    </p:tnLst>
-  </p:timing>
-</p:sld>
-</file>
-
-<file path=ppt/slides/slide11.xml><?xml version="1.0" encoding="utf-8"?>
-<p:sld xmlns:a="http://schemas.openxmlformats.org/drawingml/2006/main" xmlns:r="http://schemas.openxmlformats.org/officeDocument/2006/relationships" xmlns:p="http://schemas.openxmlformats.org/presentationml/2006/main">
-  <p:cSld>
-    <p:spTree>
-      <p:nvGrpSpPr>
-        <p:cNvPr id="1" name=""/>
-        <p:cNvGrpSpPr/>
-        <p:nvPr/>
-      </p:nvGrpSpPr>
-      <p:grpSpPr>
-        <a:xfrm>
-          <a:off x="0" y="0"/>
-          <a:ext cx="0" cy="0"/>
-          <a:chOff x="0" y="0"/>
-          <a:chExt cx="0" cy="0"/>
-        </a:xfrm>
-      </p:grpSpPr>
-      <p:sp>
-        <p:nvSpPr>
-          <p:cNvPr id="3" name="Заголовок 1">
-            <a:extLst>
-              <a:ext uri="{FF2B5EF4-FFF2-40B4-BE49-F238E27FC236}">
-                <a16:creationId xmlns:a16="http://schemas.microsoft.com/office/drawing/2014/main" id="{A0ACA5B3-A45B-4106-A5F4-99EEF503605D}"/>
-              </a:ext>
-            </a:extLst>
-          </p:cNvPr>
-          <p:cNvSpPr>
-            <a:spLocks noGrp="1"/>
-          </p:cNvSpPr>
-          <p:nvPr>
-            <p:ph type="title"/>
-          </p:nvPr>
-        </p:nvSpPr>
-        <p:spPr>
-          <a:xfrm>
-            <a:off x="934791" y="323438"/>
-            <a:ext cx="6579637" cy="719751"/>
-          </a:xfrm>
-        </p:spPr>
-        <p:txBody>
-          <a:bodyPr/>
-          <a:lstStyle/>
-          <a:p>
-            <a:r>
-              <a:rPr lang="ru-RU" dirty="0" smtClean="0"/>
-              <a:t>Используемые технологии</a:t>
-            </a:r>
-            <a:endParaRPr lang="ru-RU" dirty="0"/>
-          </a:p>
-        </p:txBody>
-      </p:sp>
-      <p:sp>
-        <p:nvSpPr>
-          <p:cNvPr id="8" name="Объект 2"/>
-          <p:cNvSpPr txBox="1">
-            <a:spLocks/>
-          </p:cNvSpPr>
-          <p:nvPr/>
-        </p:nvSpPr>
-        <p:spPr>
-          <a:xfrm>
-            <a:off x="772885" y="1466772"/>
-            <a:ext cx="8299779" cy="4292002"/>
-          </a:xfrm>
-          <a:prstGeom prst="rect">
-            <a:avLst/>
-          </a:prstGeom>
-        </p:spPr>
-        <p:txBody>
-          <a:bodyPr>
-            <a:noAutofit/>
-          </a:bodyPr>
-          <a:lstStyle>
-            <a:lvl1pPr marL="228600" indent="-228600" algn="l" defTabSz="914400" rtl="0" eaLnBrk="1" latinLnBrk="0" hangingPunct="1">
-              <a:lnSpc>
-                <a:spcPct val="90000"/>
-              </a:lnSpc>
-              <a:spcBef>
-                <a:spcPts val="1000"/>
-              </a:spcBef>
-              <a:buFont typeface="Arial" panose="020B0604020202020204" pitchFamily="34" charset="0"/>
-              <a:buChar char="•"/>
-              <a:defRPr sz="2800" kern="1200">
-                <a:solidFill>
-                  <a:schemeClr val="tx1"/>
-                </a:solidFill>
-                <a:latin typeface="+mn-lt"/>
-                <a:ea typeface="+mn-ea"/>
-                <a:cs typeface="+mn-cs"/>
-              </a:defRPr>
-            </a:lvl1pPr>
-            <a:lvl2pPr marL="685800" indent="-228600" algn="l" defTabSz="914400" rtl="0" eaLnBrk="1" latinLnBrk="0" hangingPunct="1">
-              <a:lnSpc>
-                <a:spcPct val="90000"/>
-              </a:lnSpc>
-              <a:spcBef>
-                <a:spcPts val="500"/>
-              </a:spcBef>
-              <a:buFont typeface="Arial" panose="020B0604020202020204" pitchFamily="34" charset="0"/>
-              <a:buChar char="•"/>
-              <a:defRPr sz="2400" kern="1200">
-                <a:solidFill>
-                  <a:schemeClr val="tx1"/>
-                </a:solidFill>
-                <a:latin typeface="+mn-lt"/>
-                <a:ea typeface="+mn-ea"/>
-                <a:cs typeface="+mn-cs"/>
-              </a:defRPr>
-            </a:lvl2pPr>
-            <a:lvl3pPr marL="1143000" indent="-228600" algn="l" defTabSz="914400" rtl="0" eaLnBrk="1" latinLnBrk="0" hangingPunct="1">
-              <a:lnSpc>
-                <a:spcPct val="90000"/>
-              </a:lnSpc>
-              <a:spcBef>
-                <a:spcPts val="500"/>
-              </a:spcBef>
-              <a:buFont typeface="Arial" panose="020B0604020202020204" pitchFamily="34" charset="0"/>
-              <a:buChar char="•"/>
-              <a:defRPr sz="2000" kern="1200">
-                <a:solidFill>
-                  <a:schemeClr val="tx1"/>
-                </a:solidFill>
-                <a:latin typeface="+mn-lt"/>
-                <a:ea typeface="+mn-ea"/>
-                <a:cs typeface="+mn-cs"/>
-              </a:defRPr>
-            </a:lvl3pPr>
-            <a:lvl4pPr marL="1600200" indent="-228600" algn="l" defTabSz="914400" rtl="0" eaLnBrk="1" latinLnBrk="0" hangingPunct="1">
-              <a:lnSpc>
-                <a:spcPct val="90000"/>
-              </a:lnSpc>
-              <a:spcBef>
-                <a:spcPts val="500"/>
-              </a:spcBef>
-              <a:buFont typeface="Arial" panose="020B0604020202020204" pitchFamily="34" charset="0"/>
-              <a:buChar char="•"/>
-              <a:defRPr sz="1800" kern="1200">
-                <a:solidFill>
-                  <a:schemeClr val="tx1"/>
-                </a:solidFill>
-                <a:latin typeface="+mn-lt"/>
-                <a:ea typeface="+mn-ea"/>
-                <a:cs typeface="+mn-cs"/>
-              </a:defRPr>
-            </a:lvl4pPr>
-            <a:lvl5pPr marL="2057400" indent="-228600" algn="l" defTabSz="914400" rtl="0" eaLnBrk="1" latinLnBrk="0" hangingPunct="1">
-              <a:lnSpc>
-                <a:spcPct val="90000"/>
-              </a:lnSpc>
-              <a:spcBef>
-                <a:spcPts val="500"/>
-              </a:spcBef>
-              <a:buFont typeface="Arial" panose="020B0604020202020204" pitchFamily="34" charset="0"/>
-              <a:buChar char="•"/>
-              <a:defRPr sz="1800" kern="1200">
-                <a:solidFill>
-                  <a:schemeClr val="tx1"/>
-                </a:solidFill>
-                <a:latin typeface="+mn-lt"/>
-                <a:ea typeface="+mn-ea"/>
-                <a:cs typeface="+mn-cs"/>
-              </a:defRPr>
-            </a:lvl5pPr>
-            <a:lvl6pPr marL="2514600" indent="-228600" algn="l" defTabSz="914400" rtl="0" eaLnBrk="1" latinLnBrk="0" hangingPunct="1">
-              <a:lnSpc>
-                <a:spcPct val="90000"/>
-              </a:lnSpc>
-              <a:spcBef>
-                <a:spcPts val="500"/>
-              </a:spcBef>
-              <a:buFont typeface="Arial" panose="020B0604020202020204" pitchFamily="34" charset="0"/>
-              <a:buChar char="•"/>
-              <a:defRPr sz="1800" kern="1200">
-                <a:solidFill>
-                  <a:schemeClr val="tx1"/>
-                </a:solidFill>
-                <a:latin typeface="+mn-lt"/>
-                <a:ea typeface="+mn-ea"/>
-                <a:cs typeface="+mn-cs"/>
-              </a:defRPr>
-            </a:lvl6pPr>
-            <a:lvl7pPr marL="2971800" indent="-228600" algn="l" defTabSz="914400" rtl="0" eaLnBrk="1" latinLnBrk="0" hangingPunct="1">
-              <a:lnSpc>
-                <a:spcPct val="90000"/>
-              </a:lnSpc>
-              <a:spcBef>
-                <a:spcPts val="500"/>
-              </a:spcBef>
-              <a:buFont typeface="Arial" panose="020B0604020202020204" pitchFamily="34" charset="0"/>
-              <a:buChar char="•"/>
-              <a:defRPr sz="1800" kern="1200">
-                <a:solidFill>
-                  <a:schemeClr val="tx1"/>
-                </a:solidFill>
-                <a:latin typeface="+mn-lt"/>
-                <a:ea typeface="+mn-ea"/>
-                <a:cs typeface="+mn-cs"/>
-              </a:defRPr>
-            </a:lvl7pPr>
-            <a:lvl8pPr marL="3429000" indent="-228600" algn="l" defTabSz="914400" rtl="0" eaLnBrk="1" latinLnBrk="0" hangingPunct="1">
-              <a:lnSpc>
-                <a:spcPct val="90000"/>
-              </a:lnSpc>
-              <a:spcBef>
-                <a:spcPts val="500"/>
-              </a:spcBef>
-              <a:buFont typeface="Arial" panose="020B0604020202020204" pitchFamily="34" charset="0"/>
-              <a:buChar char="•"/>
-              <a:defRPr sz="1800" kern="1200">
-                <a:solidFill>
-                  <a:schemeClr val="tx1"/>
-                </a:solidFill>
-                <a:latin typeface="+mn-lt"/>
-                <a:ea typeface="+mn-ea"/>
-                <a:cs typeface="+mn-cs"/>
-              </a:defRPr>
-            </a:lvl8pPr>
-            <a:lvl9pPr marL="3886200" indent="-228600" algn="l" defTabSz="914400" rtl="0" eaLnBrk="1" latinLnBrk="0" hangingPunct="1">
-              <a:lnSpc>
-                <a:spcPct val="90000"/>
-              </a:lnSpc>
-              <a:spcBef>
-                <a:spcPts val="500"/>
-              </a:spcBef>
-              <a:buFont typeface="Arial" panose="020B0604020202020204" pitchFamily="34" charset="0"/>
-              <a:buChar char="•"/>
-              <a:defRPr sz="1800" kern="1200">
-                <a:solidFill>
-                  <a:schemeClr val="tx1"/>
-                </a:solidFill>
-                <a:latin typeface="+mn-lt"/>
-                <a:ea typeface="+mn-ea"/>
-                <a:cs typeface="+mn-cs"/>
-              </a:defRPr>
-            </a:lvl9pPr>
-          </a:lstStyle>
-          <a:p>
-            <a:r>
-              <a:rPr lang="en-US" sz="3600" dirty="0" err="1" smtClean="0">
-                <a:latin typeface="+mj-lt"/>
-              </a:rPr>
-              <a:t>Kotlin</a:t>
-            </a:r>
-            <a:endParaRPr lang="ru-RU" sz="3600" dirty="0" smtClean="0">
-              <a:latin typeface="+mj-lt"/>
-            </a:endParaRPr>
-          </a:p>
-          <a:p>
-            <a:r>
-              <a:rPr lang="en-US" sz="3600" dirty="0" smtClean="0">
-                <a:latin typeface="+mj-lt"/>
-              </a:rPr>
-              <a:t>Kora/Spring</a:t>
-            </a:r>
-          </a:p>
-          <a:p>
-            <a:r>
-              <a:rPr lang="en-US" sz="3600" dirty="0" smtClean="0">
-                <a:latin typeface="+mj-lt"/>
-              </a:rPr>
-              <a:t>Kafka</a:t>
-            </a:r>
-          </a:p>
-          <a:p>
-            <a:r>
-              <a:rPr lang="en-US" sz="3600" dirty="0" smtClean="0">
-                <a:latin typeface="+mj-lt"/>
-              </a:rPr>
-              <a:t>PostgreSQL</a:t>
-            </a:r>
-            <a:r>
-              <a:rPr lang="ru-RU" sz="3600" dirty="0" smtClean="0">
-                <a:latin typeface="+mj-lt"/>
-              </a:rPr>
-              <a:t> или</a:t>
-            </a:r>
-            <a:r>
-              <a:rPr lang="en-US" sz="3600" dirty="0" smtClean="0">
-                <a:latin typeface="+mj-lt"/>
-              </a:rPr>
-              <a:t> Cassandra</a:t>
-            </a:r>
-          </a:p>
-          <a:p>
-            <a:r>
-              <a:rPr lang="en-US" sz="3600" dirty="0" smtClean="0">
-                <a:latin typeface="+mj-lt"/>
-              </a:rPr>
-              <a:t>Kubernetes</a:t>
-            </a:r>
-          </a:p>
-          <a:p>
-            <a:r>
-              <a:rPr lang="en-US" sz="3600" dirty="0" err="1" smtClean="0">
-                <a:latin typeface="+mj-lt"/>
-              </a:rPr>
-              <a:t>Grahana</a:t>
-            </a:r>
-            <a:endParaRPr lang="en-US" sz="3600" dirty="0" smtClean="0">
-              <a:latin typeface="+mj-lt"/>
-            </a:endParaRPr>
-          </a:p>
-          <a:p>
-            <a:r>
-              <a:rPr lang="en-US" sz="3600" dirty="0" smtClean="0">
-                <a:latin typeface="+mj-lt"/>
-              </a:rPr>
-              <a:t>Prometheus</a:t>
-            </a:r>
-            <a:endParaRPr lang="ru-RU" sz="3600" dirty="0" smtClean="0">
-              <a:latin typeface="+mj-lt"/>
-            </a:endParaRPr>
-          </a:p>
-        </p:txBody>
-      </p:sp>
-      <p:sp>
-        <p:nvSpPr>
-          <p:cNvPr id="5" name="Номер слайда 4"/>
-          <p:cNvSpPr>
-            <a:spLocks noGrp="1"/>
-          </p:cNvSpPr>
-          <p:nvPr>
-            <p:ph type="sldNum" sz="quarter" idx="12"/>
-          </p:nvPr>
-        </p:nvSpPr>
-        <p:spPr/>
-        <p:txBody>
-          <a:bodyPr/>
-          <a:lstStyle/>
-          <a:p>
-            <a:fld id="{62AE288B-ED16-4155-B555-A20169454F34}" type="slidenum">
-              <a:rPr lang="ru-RU" smtClean="0">
-                <a:latin typeface="+mj-lt"/>
-              </a:rPr>
-              <a:t>11</a:t>
-            </a:fld>
-            <a:endParaRPr lang="ru-RU">
-              <a:latin typeface="+mj-lt"/>
-            </a:endParaRPr>
-          </a:p>
-        </p:txBody>
-      </p:sp>
-    </p:spTree>
-    <p:extLst>
-      <p:ext uri="{BB962C8B-B14F-4D97-AF65-F5344CB8AC3E}">
-        <p14:creationId xmlns:p14="http://schemas.microsoft.com/office/powerpoint/2010/main" val="2852393334"/>
-      </p:ext>
-    </p:extLst>
-  </p:cSld>
-  <p:clrMapOvr>
-    <a:masterClrMapping/>
-  </p:clrMapOvr>
-  <mc:AlternateContent xmlns:mc="http://schemas.openxmlformats.org/markup-compatibility/2006" xmlns:p14="http://schemas.microsoft.com/office/powerpoint/2010/main">
-    <mc:Choice Requires="p14">
-      <p:transition>
-        <p14:reveal/>
-      </p:transition>
-    </mc:Choice>
-    <mc:Fallback xmlns="">
-      <p:transition>
-        <p:fade/>
-      </p:transition>
-    </mc:Fallback>
-  </mc:AlternateContent>
-  <p:timing>
-    <p:tnLst>
-      <p:par>
-        <p:cTn id="1" dur="indefinite" restart="never" nodeType="tmRoot"/>
-      </p:par>
-    </p:tnLst>
-  </p:timing>
-</p:sld>
-</file>
-
-<file path=ppt/slides/slide12.xml><?xml version="1.0" encoding="utf-8"?>
-<p:sld xmlns:a="http://schemas.openxmlformats.org/drawingml/2006/main" xmlns:r="http://schemas.openxmlformats.org/officeDocument/2006/relationships" xmlns:p="http://schemas.openxmlformats.org/presentationml/2006/main">
-  <p:cSld>
-    <p:spTree>
-      <p:nvGrpSpPr>
-        <p:cNvPr id="1" name=""/>
-        <p:cNvGrpSpPr/>
-        <p:nvPr/>
-      </p:nvGrpSpPr>
-      <p:grpSpPr>
-        <a:xfrm>
-          <a:off x="0" y="0"/>
-          <a:ext cx="0" cy="0"/>
-          <a:chOff x="0" y="0"/>
-          <a:chExt cx="0" cy="0"/>
-        </a:xfrm>
-      </p:grpSpPr>
-      <p:sp>
-        <p:nvSpPr>
-          <p:cNvPr id="3" name="Заголовок 1"/>
-          <p:cNvSpPr>
-            <a:spLocks noGrp="1"/>
-          </p:cNvSpPr>
-          <p:nvPr>
-            <p:ph type="title"/>
-          </p:nvPr>
-        </p:nvSpPr>
-        <p:spPr>
-          <a:xfrm>
-            <a:off x="3155239" y="943226"/>
-            <a:ext cx="6476826" cy="755337"/>
-          </a:xfrm>
-        </p:spPr>
-        <p:txBody>
-          <a:bodyPr>
-            <a:noAutofit/>
-          </a:bodyPr>
-          <a:lstStyle/>
-          <a:p>
-            <a:r>
-              <a:rPr lang="ru-RU" sz="4800" dirty="0" smtClean="0"/>
-              <a:t>Спасибо за внимание</a:t>
-            </a:r>
-            <a:endParaRPr lang="ru-RU" sz="4800" dirty="0"/>
-          </a:p>
-        </p:txBody>
-      </p:sp>
-      <p:pic>
-        <p:nvPicPr>
-          <p:cNvPr id="4" name="Рисунок 3"/>
-          <p:cNvPicPr>
-            <a:picLocks noChangeAspect="1"/>
-          </p:cNvPicPr>
-          <p:nvPr/>
-        </p:nvPicPr>
-        <p:blipFill>
-          <a:blip r:embed="rId2"/>
-          <a:stretch>
-            <a:fillRect/>
-          </a:stretch>
-        </p:blipFill>
-        <p:spPr>
-          <a:xfrm>
-            <a:off x="4407298" y="1874385"/>
-            <a:ext cx="3170195" cy="3109229"/>
-          </a:xfrm>
-          <a:prstGeom prst="rect">
-            <a:avLst/>
-          </a:prstGeom>
-        </p:spPr>
-      </p:pic>
-      <p:sp>
-        <p:nvSpPr>
-          <p:cNvPr id="5" name="Заголовок 1"/>
-          <p:cNvSpPr txBox="1">
-            <a:spLocks/>
-          </p:cNvSpPr>
-          <p:nvPr/>
-        </p:nvSpPr>
-        <p:spPr>
-          <a:xfrm>
-            <a:off x="3155239" y="5335258"/>
-            <a:ext cx="6961034" cy="755337"/>
-          </a:xfrm>
-          <a:prstGeom prst="rect">
-            <a:avLst/>
-          </a:prstGeom>
-        </p:spPr>
-        <p:txBody>
-          <a:bodyPr vert="horz" lIns="91440" tIns="45720" rIns="91440" bIns="45720" rtlCol="0" anchor="ctr">
-            <a:noAutofit/>
-          </a:bodyPr>
-          <a:lstStyle>
-            <a:lvl1pPr algn="l" defTabSz="914400" rtl="0" eaLnBrk="1" latinLnBrk="0" hangingPunct="1">
-              <a:lnSpc>
-                <a:spcPct val="90000"/>
-              </a:lnSpc>
-              <a:spcBef>
-                <a:spcPct val="0"/>
-              </a:spcBef>
-              <a:buNone/>
-              <a:defRPr sz="4400" kern="1200">
-                <a:solidFill>
-                  <a:schemeClr val="tx1"/>
-                </a:solidFill>
-                <a:latin typeface="+mj-lt"/>
-                <a:ea typeface="+mj-ea"/>
-                <a:cs typeface="+mj-cs"/>
-              </a:defRPr>
-            </a:lvl1pPr>
-          </a:lstStyle>
-          <a:p>
-            <a:r>
-              <a:rPr lang="en-US" sz="3600" dirty="0">
-                <a:hlinkClick r:id="rId3"/>
-              </a:rPr>
-              <a:t>https://codestopen.r3nny.ru/task</a:t>
-            </a:r>
-            <a:endParaRPr lang="ru-RU" sz="3600" dirty="0"/>
-          </a:p>
-        </p:txBody>
-      </p:sp>
-      <p:sp>
-        <p:nvSpPr>
-          <p:cNvPr id="6" name="Номер слайда 5"/>
-          <p:cNvSpPr>
-            <a:spLocks noGrp="1"/>
-          </p:cNvSpPr>
-          <p:nvPr>
-            <p:ph type="sldNum" sz="quarter" idx="12"/>
-          </p:nvPr>
-        </p:nvSpPr>
-        <p:spPr/>
-        <p:txBody>
-          <a:bodyPr/>
-          <a:lstStyle/>
-          <a:p>
-            <a:fld id="{62AE288B-ED16-4155-B555-A20169454F34}" type="slidenum">
-              <a:rPr lang="ru-RU" smtClean="0">
-                <a:latin typeface="+mj-lt"/>
-              </a:rPr>
-              <a:t>12</a:t>
-            </a:fld>
-            <a:endParaRPr lang="ru-RU">
-              <a:latin typeface="+mj-lt"/>
-            </a:endParaRPr>
-          </a:p>
-        </p:txBody>
-      </p:sp>
-    </p:spTree>
-    <p:extLst>
-      <p:ext uri="{BB962C8B-B14F-4D97-AF65-F5344CB8AC3E}">
-        <p14:creationId xmlns:p14="http://schemas.microsoft.com/office/powerpoint/2010/main" val="1296217487"/>
       </p:ext>
     </p:extLst>
   </p:cSld>
@@ -5452,7 +5322,7 @@
       </p:grpSpPr>
       <p:sp>
         <p:nvSpPr>
-          <p:cNvPr id="2" name="Заголовок 1"/>
+          <p:cNvPr id="3" name="Заголовок 1"/>
           <p:cNvSpPr>
             <a:spLocks noGrp="1"/>
           </p:cNvSpPr>
@@ -5462,2668 +5332,131 @@
         </p:nvSpPr>
         <p:spPr>
           <a:xfrm>
-            <a:off x="1456944" y="218826"/>
-            <a:ext cx="10515600" cy="755337"/>
+            <a:off x="3155239" y="943226"/>
+            <a:ext cx="6476826" cy="755337"/>
           </a:xfrm>
         </p:spPr>
         <p:txBody>
           <a:bodyPr>
-            <a:normAutofit/>
+            <a:noAutofit/>
           </a:bodyPr>
           <a:lstStyle/>
           <a:p>
             <a:r>
-              <a:rPr lang="ru-RU" sz="4000" dirty="0" smtClean="0">
-                <a:latin typeface="Bahnschrift Light Condensed" panose="020B0502040204020203" pitchFamily="34" charset="0"/>
-              </a:rPr>
-              <a:t>Процесс проверки решения</a:t>
-            </a:r>
-            <a:endParaRPr lang="ru-RU" sz="4000" dirty="0">
-              <a:latin typeface="Bahnschrift Light Condensed" panose="020B0502040204020203" pitchFamily="34" charset="0"/>
-            </a:endParaRPr>
-          </a:p>
-        </p:txBody>
-      </p:sp>
-      <p:cxnSp>
-        <p:nvCxnSpPr>
-          <p:cNvPr id="24" name="Прямая соединительная линия 23"/>
-          <p:cNvCxnSpPr/>
+              <a:rPr lang="ru-RU" sz="4800" dirty="0" smtClean="0"/>
+              <a:t>Спасибо за внимание</a:t>
+            </a:r>
+            <a:endParaRPr lang="ru-RU" sz="4800" dirty="0"/>
+          </a:p>
+        </p:txBody>
+      </p:sp>
+      <p:pic>
+        <p:nvPicPr>
+          <p:cNvPr id="4" name="Рисунок 3"/>
+          <p:cNvPicPr>
+            <a:picLocks noChangeAspect="1"/>
+          </p:cNvPicPr>
           <p:nvPr/>
-        </p:nvCxnSpPr>
-        <p:spPr>
-          <a:xfrm flipH="1">
-            <a:off x="7320212" y="1522709"/>
-            <a:ext cx="11171" cy="6173491"/>
-          </a:xfrm>
-          <a:prstGeom prst="line">
-            <a:avLst/>
-          </a:prstGeom>
-          <a:ln w="15875">
-            <a:prstDash val="sysDash"/>
-          </a:ln>
-        </p:spPr>
-        <p:style>
-          <a:lnRef idx="1">
-            <a:schemeClr val="dk1"/>
-          </a:lnRef>
-          <a:fillRef idx="0">
-            <a:schemeClr val="dk1"/>
-          </a:fillRef>
-          <a:effectRef idx="0">
-            <a:schemeClr val="dk1"/>
-          </a:effectRef>
-          <a:fontRef idx="minor">
-            <a:schemeClr val="tx1"/>
-          </a:fontRef>
-        </p:style>
-      </p:cxnSp>
-      <p:sp>
-        <p:nvSpPr>
-          <p:cNvPr id="3" name="Прямоугольник 2"/>
-          <p:cNvSpPr/>
-          <p:nvPr/>
-        </p:nvSpPr>
+        </p:nvPicPr>
+        <p:blipFill>
+          <a:blip r:embed="rId2"/>
+          <a:stretch>
+            <a:fillRect/>
+          </a:stretch>
+        </p:blipFill>
         <p:spPr>
           <a:xfrm>
-            <a:off x="1918729" y="1084697"/>
-            <a:ext cx="1244320" cy="431477"/>
+            <a:off x="4407298" y="1874385"/>
+            <a:ext cx="3170195" cy="3109229"/>
           </a:xfrm>
           <a:prstGeom prst="rect">
             <a:avLst/>
           </a:prstGeom>
-          <a:solidFill>
-            <a:schemeClr val="bg1"/>
-          </a:solidFill>
-          <a:ln>
-            <a:solidFill>
-              <a:schemeClr val="tx1"/>
-            </a:solidFill>
-          </a:ln>
         </p:spPr>
-        <p:style>
-          <a:lnRef idx="2">
-            <a:schemeClr val="accent1">
-              <a:shade val="50000"/>
-            </a:schemeClr>
-          </a:lnRef>
-          <a:fillRef idx="1">
-            <a:schemeClr val="accent1"/>
-          </a:fillRef>
-          <a:effectRef idx="0">
-            <a:schemeClr val="accent1"/>
-          </a:effectRef>
-          <a:fontRef idx="minor">
-            <a:schemeClr val="lt1"/>
-          </a:fontRef>
-        </p:style>
-        <p:txBody>
-          <a:bodyPr rtlCol="0" anchor="ctr"/>
-          <a:lstStyle/>
-          <a:p>
-            <a:pPr algn="ctr"/>
-            <a:r>
-              <a:rPr lang="ru-RU" sz="1200" dirty="0" smtClean="0">
-                <a:solidFill>
-                  <a:sysClr val="windowText" lastClr="000000"/>
-                </a:solidFill>
-                <a:latin typeface="Bahnschrift Light Condensed" panose="020B0502040204020203" pitchFamily="34" charset="0"/>
-              </a:rPr>
-              <a:t>Пользователь</a:t>
-            </a:r>
-            <a:endParaRPr lang="ru-RU" sz="1200" dirty="0">
-              <a:solidFill>
-                <a:sysClr val="windowText" lastClr="000000"/>
-              </a:solidFill>
-              <a:latin typeface="Bahnschrift Light Condensed" panose="020B0502040204020203" pitchFamily="34" charset="0"/>
-            </a:endParaRPr>
-          </a:p>
-        </p:txBody>
-      </p:sp>
-      <p:cxnSp>
-        <p:nvCxnSpPr>
-          <p:cNvPr id="5" name="Прямая соединительная линия 4"/>
-          <p:cNvCxnSpPr>
-            <a:stCxn id="3" idx="2"/>
-          </p:cNvCxnSpPr>
-          <p:nvPr/>
-        </p:nvCxnSpPr>
-        <p:spPr>
-          <a:xfrm flipH="1">
-            <a:off x="2527759" y="1516174"/>
-            <a:ext cx="13130" cy="6235906"/>
-          </a:xfrm>
-          <a:prstGeom prst="line">
-            <a:avLst/>
-          </a:prstGeom>
-          <a:ln w="15875">
-            <a:prstDash val="sysDash"/>
-          </a:ln>
-        </p:spPr>
-        <p:style>
-          <a:lnRef idx="1">
-            <a:schemeClr val="dk1"/>
-          </a:lnRef>
-          <a:fillRef idx="0">
-            <a:schemeClr val="dk1"/>
-          </a:fillRef>
-          <a:effectRef idx="0">
-            <a:schemeClr val="dk1"/>
-          </a:effectRef>
-          <a:fontRef idx="minor">
-            <a:schemeClr val="tx1"/>
-          </a:fontRef>
-        </p:style>
-      </p:cxnSp>
-      <p:sp>
-        <p:nvSpPr>
-          <p:cNvPr id="6" name="Прямоугольник 5"/>
-          <p:cNvSpPr/>
+      </p:pic>
+      <p:sp>
+        <p:nvSpPr>
+          <p:cNvPr id="5" name="Заголовок 1"/>
+          <p:cNvSpPr txBox="1">
+            <a:spLocks/>
+          </p:cNvSpPr>
           <p:nvPr/>
         </p:nvSpPr>
         <p:spPr>
           <a:xfrm>
-            <a:off x="3504515" y="1079489"/>
-            <a:ext cx="1211279" cy="431477"/>
+            <a:off x="3155239" y="5335258"/>
+            <a:ext cx="6961034" cy="755337"/>
           </a:xfrm>
           <a:prstGeom prst="rect">
             <a:avLst/>
           </a:prstGeom>
-          <a:solidFill>
-            <a:schemeClr val="bg1"/>
-          </a:solidFill>
-          <a:ln>
-            <a:solidFill>
-              <a:schemeClr val="tx1"/>
-            </a:solidFill>
-          </a:ln>
         </p:spPr>
-        <p:style>
-          <a:lnRef idx="2">
-            <a:schemeClr val="accent1">
-              <a:shade val="50000"/>
-            </a:schemeClr>
-          </a:lnRef>
-          <a:fillRef idx="1">
-            <a:schemeClr val="accent1"/>
-          </a:fillRef>
-          <a:effectRef idx="0">
-            <a:schemeClr val="accent1"/>
-          </a:effectRef>
-          <a:fontRef idx="minor">
-            <a:schemeClr val="lt1"/>
-          </a:fontRef>
-        </p:style>
-        <p:txBody>
-          <a:bodyPr rtlCol="0" anchor="ctr"/>
-          <a:lstStyle/>
-          <a:p>
-            <a:pPr algn="ctr"/>
-            <a:r>
-              <a:rPr lang="ru-RU" sz="1200" dirty="0" smtClean="0">
+        <p:txBody>
+          <a:bodyPr vert="horz" lIns="91440" tIns="45720" rIns="91440" bIns="45720" rtlCol="0" anchor="ctr">
+            <a:noAutofit/>
+          </a:bodyPr>
+          <a:lstStyle>
+            <a:lvl1pPr algn="l" defTabSz="914400" rtl="0" eaLnBrk="1" latinLnBrk="0" hangingPunct="1">
+              <a:lnSpc>
+                <a:spcPct val="90000"/>
+              </a:lnSpc>
+              <a:spcBef>
+                <a:spcPct val="0"/>
+              </a:spcBef>
+              <a:buNone/>
+              <a:defRPr sz="4400" kern="1200">
                 <a:solidFill>
-                  <a:sysClr val="windowText" lastClr="000000"/>
+                  <a:schemeClr val="tx1"/>
                 </a:solidFill>
-                <a:latin typeface="Bahnschrift Light Condensed" panose="020B0502040204020203" pitchFamily="34" charset="0"/>
-              </a:rPr>
-              <a:t>Веб-Клиент</a:t>
-            </a:r>
-            <a:endParaRPr lang="ru-RU" sz="1200" dirty="0">
-              <a:solidFill>
-                <a:sysClr val="windowText" lastClr="000000"/>
-              </a:solidFill>
-              <a:latin typeface="Bahnschrift Light Condensed" panose="020B0502040204020203" pitchFamily="34" charset="0"/>
-            </a:endParaRPr>
-          </a:p>
-        </p:txBody>
-      </p:sp>
-      <p:cxnSp>
-        <p:nvCxnSpPr>
-          <p:cNvPr id="7" name="Прямая соединительная линия 6"/>
-          <p:cNvCxnSpPr>
-            <a:stCxn id="6" idx="2"/>
-          </p:cNvCxnSpPr>
-          <p:nvPr/>
-        </p:nvCxnSpPr>
+                <a:latin typeface="+mj-lt"/>
+                <a:ea typeface="+mj-ea"/>
+                <a:cs typeface="+mj-cs"/>
+              </a:defRPr>
+            </a:lvl1pPr>
+          </a:lstStyle>
+          <a:p>
+            <a:r>
+              <a:rPr lang="en-US" sz="3600" dirty="0">
+                <a:hlinkClick r:id="rId3"/>
+              </a:rPr>
+              <a:t>https://codestopen.r3nny.ru/task</a:t>
+            </a:r>
+            <a:endParaRPr lang="ru-RU" sz="3600" dirty="0"/>
+          </a:p>
+        </p:txBody>
+      </p:sp>
+      <p:sp>
+        <p:nvSpPr>
+          <p:cNvPr id="2" name="Номер слайда 1"/>
+          <p:cNvSpPr>
+            <a:spLocks noGrp="1"/>
+          </p:cNvSpPr>
+          <p:nvPr>
+            <p:ph type="sldNum" sz="quarter" idx="12"/>
+          </p:nvPr>
+        </p:nvSpPr>
         <p:spPr>
           <a:xfrm>
-            <a:off x="4110155" y="1510966"/>
-            <a:ext cx="4645" cy="6185234"/>
+            <a:off x="8448040" y="6308936"/>
+            <a:ext cx="2743200" cy="365125"/>
           </a:xfrm>
-          <a:prstGeom prst="line">
-            <a:avLst/>
-          </a:prstGeom>
-          <a:ln w="15875">
-            <a:prstDash val="sysDash"/>
-          </a:ln>
         </p:spPr>
-        <p:style>
-          <a:lnRef idx="1">
-            <a:schemeClr val="dk1"/>
-          </a:lnRef>
-          <a:fillRef idx="0">
-            <a:schemeClr val="dk1"/>
-          </a:fillRef>
-          <a:effectRef idx="0">
-            <a:schemeClr val="dk1"/>
-          </a:effectRef>
-          <a:fontRef idx="minor">
-            <a:schemeClr val="tx1"/>
-          </a:fontRef>
-        </p:style>
-      </p:cxnSp>
-      <p:sp>
-        <p:nvSpPr>
-          <p:cNvPr id="8" name="Прямоугольник 7"/>
-          <p:cNvSpPr/>
-          <p:nvPr/>
-        </p:nvSpPr>
-        <p:spPr>
-          <a:xfrm>
-            <a:off x="2429301" y="1712243"/>
-            <a:ext cx="196916" cy="5400286"/>
-          </a:xfrm>
-          <a:prstGeom prst="rect">
-            <a:avLst/>
-          </a:prstGeom>
-          <a:solidFill>
-            <a:schemeClr val="bg1"/>
-          </a:solidFill>
-          <a:ln>
-            <a:solidFill>
-              <a:schemeClr val="tx1"/>
-            </a:solidFill>
-          </a:ln>
-        </p:spPr>
-        <p:style>
-          <a:lnRef idx="2">
-            <a:schemeClr val="accent1">
-              <a:shade val="50000"/>
-            </a:schemeClr>
-          </a:lnRef>
-          <a:fillRef idx="1">
-            <a:schemeClr val="accent1"/>
-          </a:fillRef>
-          <a:effectRef idx="0">
-            <a:schemeClr val="accent1"/>
-          </a:effectRef>
-          <a:fontRef idx="minor">
-            <a:schemeClr val="lt1"/>
-          </a:fontRef>
-        </p:style>
-        <p:txBody>
-          <a:bodyPr rtlCol="0" anchor="ctr"/>
-          <a:lstStyle/>
-          <a:p>
-            <a:pPr algn="ctr"/>
-            <a:endParaRPr lang="ru-RU"/>
-          </a:p>
-        </p:txBody>
-      </p:sp>
-      <p:sp>
-        <p:nvSpPr>
-          <p:cNvPr id="10" name="Прямоугольник 9"/>
-          <p:cNvSpPr/>
-          <p:nvPr/>
-        </p:nvSpPr>
-        <p:spPr>
-          <a:xfrm>
-            <a:off x="4024967" y="1665012"/>
-            <a:ext cx="168598" cy="2010875"/>
-          </a:xfrm>
-          <a:prstGeom prst="rect">
-            <a:avLst/>
-          </a:prstGeom>
-          <a:solidFill>
-            <a:schemeClr val="bg1"/>
-          </a:solidFill>
-          <a:ln>
-            <a:solidFill>
-              <a:schemeClr val="tx1"/>
-            </a:solidFill>
-          </a:ln>
-        </p:spPr>
-        <p:style>
-          <a:lnRef idx="2">
-            <a:schemeClr val="accent1">
-              <a:shade val="50000"/>
-            </a:schemeClr>
-          </a:lnRef>
-          <a:fillRef idx="1">
-            <a:schemeClr val="accent1"/>
-          </a:fillRef>
-          <a:effectRef idx="0">
-            <a:schemeClr val="accent1"/>
-          </a:effectRef>
-          <a:fontRef idx="minor">
-            <a:schemeClr val="lt1"/>
-          </a:fontRef>
-        </p:style>
-        <p:txBody>
-          <a:bodyPr rtlCol="0" anchor="ctr"/>
-          <a:lstStyle/>
-          <a:p>
-            <a:pPr algn="ctr"/>
-            <a:endParaRPr lang="ru-RU"/>
-          </a:p>
-        </p:txBody>
-      </p:sp>
-      <p:cxnSp>
-        <p:nvCxnSpPr>
-          <p:cNvPr id="12" name="Прямая со стрелкой 11"/>
-          <p:cNvCxnSpPr>
-            <a:stCxn id="8" idx="0"/>
-          </p:cNvCxnSpPr>
-          <p:nvPr/>
-        </p:nvCxnSpPr>
-        <p:spPr>
-          <a:xfrm>
-            <a:off x="2527759" y="1712243"/>
-            <a:ext cx="1477313" cy="0"/>
-          </a:xfrm>
-          <a:prstGeom prst="straightConnector1">
-            <a:avLst/>
-          </a:prstGeom>
-          <a:ln>
-            <a:tailEnd type="triangle"/>
-          </a:ln>
-        </p:spPr>
-        <p:style>
-          <a:lnRef idx="1">
-            <a:schemeClr val="dk1"/>
-          </a:lnRef>
-          <a:fillRef idx="0">
-            <a:schemeClr val="dk1"/>
-          </a:fillRef>
-          <a:effectRef idx="0">
-            <a:schemeClr val="dk1"/>
-          </a:effectRef>
-          <a:fontRef idx="minor">
-            <a:schemeClr val="tx1"/>
-          </a:fontRef>
-        </p:style>
-      </p:cxnSp>
-      <p:sp>
-        <p:nvSpPr>
-          <p:cNvPr id="13" name="TextBox 12"/>
-          <p:cNvSpPr txBox="1"/>
-          <p:nvPr/>
-        </p:nvSpPr>
-        <p:spPr>
-          <a:xfrm>
-            <a:off x="2933857" y="1731547"/>
-            <a:ext cx="864788" cy="314584"/>
-          </a:xfrm>
-          <a:prstGeom prst="rect">
-            <a:avLst/>
-          </a:prstGeom>
-          <a:noFill/>
-        </p:spPr>
-        <p:txBody>
-          <a:bodyPr wrap="square" rtlCol="0">
-            <a:spAutoFit/>
-          </a:bodyPr>
-          <a:lstStyle/>
-          <a:p>
-            <a:r>
-              <a:rPr lang="ru-RU" sz="1200" dirty="0" smtClean="0">
-                <a:latin typeface="Bahnschrift Light Condensed" panose="020B0502040204020203" pitchFamily="34" charset="0"/>
-              </a:rPr>
-              <a:t>Решение</a:t>
-            </a:r>
-            <a:endParaRPr lang="ru-RU" sz="1200" dirty="0">
-              <a:latin typeface="Bahnschrift Light Condensed" panose="020B0502040204020203" pitchFamily="34" charset="0"/>
-            </a:endParaRPr>
-          </a:p>
-        </p:txBody>
-      </p:sp>
-      <p:sp>
-        <p:nvSpPr>
-          <p:cNvPr id="14" name="Прямоугольник 13"/>
-          <p:cNvSpPr/>
-          <p:nvPr/>
-        </p:nvSpPr>
-        <p:spPr>
-          <a:xfrm>
-            <a:off x="5095953" y="1091231"/>
-            <a:ext cx="1176830" cy="431477"/>
-          </a:xfrm>
-          <a:prstGeom prst="rect">
-            <a:avLst/>
-          </a:prstGeom>
-          <a:solidFill>
-            <a:schemeClr val="bg1"/>
-          </a:solidFill>
-          <a:ln>
-            <a:solidFill>
-              <a:schemeClr val="tx1"/>
-            </a:solidFill>
-          </a:ln>
-        </p:spPr>
-        <p:style>
-          <a:lnRef idx="2">
-            <a:schemeClr val="accent1">
-              <a:shade val="50000"/>
-            </a:schemeClr>
-          </a:lnRef>
-          <a:fillRef idx="1">
-            <a:schemeClr val="accent1"/>
-          </a:fillRef>
-          <a:effectRef idx="0">
-            <a:schemeClr val="accent1"/>
-          </a:effectRef>
-          <a:fontRef idx="minor">
-            <a:schemeClr val="lt1"/>
-          </a:fontRef>
-        </p:style>
-        <p:txBody>
-          <a:bodyPr rtlCol="0" anchor="ctr"/>
-          <a:lstStyle/>
-          <a:p>
-            <a:pPr algn="ctr"/>
-            <a:r>
-              <a:rPr lang="ru-RU" sz="1200" dirty="0" smtClean="0">
+        <p:txBody>
+          <a:bodyPr/>
+          <a:lstStyle/>
+          <a:p>
+            <a:fld id="{62AE288B-ED16-4155-B555-A20169454F34}" type="slidenum">
+              <a:rPr lang="ru-RU" sz="1600" smtClean="0">
                 <a:solidFill>
-                  <a:sysClr val="windowText" lastClr="000000"/>
+                  <a:schemeClr val="tx1"/>
                 </a:solidFill>
-                <a:latin typeface="Bahnschrift Light Condensed" panose="020B0502040204020203" pitchFamily="34" charset="0"/>
-              </a:rPr>
-              <a:t>Сервис</a:t>
-            </a:r>
-            <a:r>
-              <a:rPr lang="en-US" sz="1200" dirty="0">
-                <a:solidFill>
-                  <a:sysClr val="windowText" lastClr="000000"/>
-                </a:solidFill>
-                <a:latin typeface="Bahnschrift Light Condensed" panose="020B0502040204020203" pitchFamily="34" charset="0"/>
-              </a:rPr>
-              <a:t> </a:t>
-            </a:r>
-            <a:r>
-              <a:rPr lang="en-US" sz="1200" dirty="0" err="1" smtClean="0">
-                <a:solidFill>
-                  <a:sysClr val="windowText" lastClr="000000"/>
-                </a:solidFill>
-                <a:latin typeface="Bahnschrift Light Condensed" panose="020B0502040204020203" pitchFamily="34" charset="0"/>
-              </a:rPr>
-              <a:t>api</a:t>
-            </a:r>
-            <a:endParaRPr lang="ru-RU" sz="1200" dirty="0">
-              <a:solidFill>
-                <a:sysClr val="windowText" lastClr="000000"/>
-              </a:solidFill>
-              <a:latin typeface="Bahnschrift Light Condensed" panose="020B0502040204020203" pitchFamily="34" charset="0"/>
-            </a:endParaRPr>
-          </a:p>
-        </p:txBody>
-      </p:sp>
-      <p:cxnSp>
-        <p:nvCxnSpPr>
-          <p:cNvPr id="15" name="Прямая соединительная линия 14"/>
-          <p:cNvCxnSpPr>
-            <a:stCxn id="14" idx="2"/>
-          </p:cNvCxnSpPr>
-          <p:nvPr/>
-        </p:nvCxnSpPr>
-        <p:spPr>
-          <a:xfrm>
-            <a:off x="5684368" y="1522708"/>
-            <a:ext cx="152" cy="6173492"/>
-          </a:xfrm>
-          <a:prstGeom prst="line">
-            <a:avLst/>
-          </a:prstGeom>
-          <a:ln w="15875">
-            <a:prstDash val="sysDash"/>
-          </a:ln>
-        </p:spPr>
-        <p:style>
-          <a:lnRef idx="1">
-            <a:schemeClr val="dk1"/>
-          </a:lnRef>
-          <a:fillRef idx="0">
-            <a:schemeClr val="dk1"/>
-          </a:fillRef>
-          <a:effectRef idx="0">
-            <a:schemeClr val="dk1"/>
-          </a:effectRef>
-          <a:fontRef idx="minor">
-            <a:schemeClr val="tx1"/>
-          </a:fontRef>
-        </p:style>
-      </p:cxnSp>
-      <p:sp>
-        <p:nvSpPr>
-          <p:cNvPr id="16" name="Прямоугольник 15"/>
-          <p:cNvSpPr/>
-          <p:nvPr/>
-        </p:nvSpPr>
-        <p:spPr>
-          <a:xfrm>
-            <a:off x="5595466" y="1642698"/>
-            <a:ext cx="196916" cy="1941749"/>
-          </a:xfrm>
-          <a:prstGeom prst="rect">
-            <a:avLst/>
-          </a:prstGeom>
-          <a:solidFill>
-            <a:schemeClr val="bg1"/>
-          </a:solidFill>
-          <a:ln>
-            <a:solidFill>
-              <a:schemeClr val="tx1"/>
-            </a:solidFill>
-          </a:ln>
-        </p:spPr>
-        <p:style>
-          <a:lnRef idx="2">
-            <a:schemeClr val="accent1">
-              <a:shade val="50000"/>
-            </a:schemeClr>
-          </a:lnRef>
-          <a:fillRef idx="1">
-            <a:schemeClr val="accent1"/>
-          </a:fillRef>
-          <a:effectRef idx="0">
-            <a:schemeClr val="accent1"/>
-          </a:effectRef>
-          <a:fontRef idx="minor">
-            <a:schemeClr val="lt1"/>
-          </a:fontRef>
-        </p:style>
-        <p:txBody>
-          <a:bodyPr rtlCol="0" anchor="ctr"/>
-          <a:lstStyle/>
-          <a:p>
-            <a:pPr algn="ctr"/>
-            <a:endParaRPr lang="ru-RU"/>
-          </a:p>
-        </p:txBody>
-      </p:sp>
-      <p:cxnSp>
-        <p:nvCxnSpPr>
-          <p:cNvPr id="17" name="Прямая со стрелкой 16"/>
-          <p:cNvCxnSpPr/>
-          <p:nvPr/>
-        </p:nvCxnSpPr>
-        <p:spPr>
-          <a:xfrm flipV="1">
-            <a:off x="4229488" y="1731547"/>
-            <a:ext cx="1285122" cy="734"/>
-          </a:xfrm>
-          <a:prstGeom prst="straightConnector1">
-            <a:avLst/>
-          </a:prstGeom>
-          <a:ln>
-            <a:tailEnd type="triangle"/>
-          </a:ln>
-        </p:spPr>
-        <p:style>
-          <a:lnRef idx="1">
-            <a:schemeClr val="dk1"/>
-          </a:lnRef>
-          <a:fillRef idx="0">
-            <a:schemeClr val="dk1"/>
-          </a:fillRef>
-          <a:effectRef idx="0">
-            <a:schemeClr val="dk1"/>
-          </a:effectRef>
-          <a:fontRef idx="minor">
-            <a:schemeClr val="tx1"/>
-          </a:fontRef>
-        </p:style>
-      </p:cxnSp>
-      <p:sp>
-        <p:nvSpPr>
-          <p:cNvPr id="19" name="TextBox 18"/>
-          <p:cNvSpPr txBox="1"/>
-          <p:nvPr/>
-        </p:nvSpPr>
-        <p:spPr>
-          <a:xfrm>
-            <a:off x="4300733" y="1756517"/>
-            <a:ext cx="1128611" cy="461665"/>
-          </a:xfrm>
-          <a:prstGeom prst="rect">
-            <a:avLst/>
-          </a:prstGeom>
-          <a:noFill/>
-        </p:spPr>
-        <p:txBody>
-          <a:bodyPr wrap="square" rtlCol="0">
-            <a:spAutoFit/>
-          </a:bodyPr>
-          <a:lstStyle/>
-          <a:p>
-            <a:r>
-              <a:rPr lang="ru-RU" sz="1200" dirty="0" smtClean="0">
-                <a:latin typeface="Bahnschrift Light Condensed" panose="020B0502040204020203" pitchFamily="34" charset="0"/>
-              </a:rPr>
-              <a:t>Решение, язык, </a:t>
-            </a:r>
-            <a:r>
-              <a:rPr lang="en-US" sz="1200" dirty="0" smtClean="0">
-                <a:latin typeface="Bahnschrift Light Condensed" panose="020B0502040204020203" pitchFamily="34" charset="0"/>
-              </a:rPr>
-              <a:t>ID</a:t>
-            </a:r>
-            <a:r>
-              <a:rPr lang="ru-RU" sz="1200" dirty="0" smtClean="0">
-                <a:latin typeface="Bahnschrift Light Condensed" panose="020B0502040204020203" pitchFamily="34" charset="0"/>
-              </a:rPr>
-              <a:t> </a:t>
-            </a:r>
-            <a:r>
-              <a:rPr lang="ru-RU" sz="1200" dirty="0" smtClean="0">
-                <a:latin typeface="Bahnschrift Light Condensed" panose="020B0502040204020203" pitchFamily="34" charset="0"/>
-              </a:rPr>
-              <a:t>задачи</a:t>
-            </a:r>
-            <a:endParaRPr lang="ru-RU" sz="1200" dirty="0">
-              <a:latin typeface="Bahnschrift Light Condensed" panose="020B0502040204020203" pitchFamily="34" charset="0"/>
-            </a:endParaRPr>
-          </a:p>
-        </p:txBody>
-      </p:sp>
-      <p:sp>
-        <p:nvSpPr>
-          <p:cNvPr id="20" name="Прямоугольник 19"/>
-          <p:cNvSpPr/>
-          <p:nvPr/>
-        </p:nvSpPr>
-        <p:spPr>
-          <a:xfrm>
-            <a:off x="6838774" y="1079086"/>
-            <a:ext cx="1040381" cy="431477"/>
-          </a:xfrm>
-          <a:prstGeom prst="rect">
-            <a:avLst/>
-          </a:prstGeom>
-          <a:solidFill>
-            <a:schemeClr val="bg1"/>
-          </a:solidFill>
-          <a:ln>
-            <a:solidFill>
-              <a:schemeClr val="tx1"/>
-            </a:solidFill>
-          </a:ln>
-        </p:spPr>
-        <p:style>
-          <a:lnRef idx="2">
-            <a:schemeClr val="accent1">
-              <a:shade val="50000"/>
-            </a:schemeClr>
-          </a:lnRef>
-          <a:fillRef idx="1">
-            <a:schemeClr val="accent1"/>
-          </a:fillRef>
-          <a:effectRef idx="0">
-            <a:schemeClr val="accent1"/>
-          </a:effectRef>
-          <a:fontRef idx="minor">
-            <a:schemeClr val="lt1"/>
-          </a:fontRef>
-        </p:style>
-        <p:txBody>
-          <a:bodyPr rtlCol="0" anchor="ctr"/>
-          <a:lstStyle/>
-          <a:p>
-            <a:pPr algn="ctr"/>
-            <a:r>
-              <a:rPr lang="ru-RU" sz="1200" dirty="0" smtClean="0">
-                <a:solidFill>
-                  <a:sysClr val="windowText" lastClr="000000"/>
-                </a:solidFill>
-                <a:latin typeface="Bahnschrift Light Condensed" panose="020B0502040204020203" pitchFamily="34" charset="0"/>
-              </a:rPr>
-              <a:t>БД</a:t>
-            </a:r>
-            <a:endParaRPr lang="ru-RU" sz="1200" dirty="0">
-              <a:solidFill>
-                <a:sysClr val="windowText" lastClr="000000"/>
-              </a:solidFill>
-              <a:latin typeface="Bahnschrift Light Condensed" panose="020B0502040204020203" pitchFamily="34" charset="0"/>
-            </a:endParaRPr>
-          </a:p>
-        </p:txBody>
-      </p:sp>
-      <p:sp>
-        <p:nvSpPr>
-          <p:cNvPr id="21" name="Прямоугольник 20"/>
-          <p:cNvSpPr/>
-          <p:nvPr/>
-        </p:nvSpPr>
-        <p:spPr>
-          <a:xfrm>
-            <a:off x="7246716" y="1653202"/>
-            <a:ext cx="196916" cy="668293"/>
-          </a:xfrm>
-          <a:prstGeom prst="rect">
-            <a:avLst/>
-          </a:prstGeom>
-          <a:solidFill>
-            <a:schemeClr val="bg1"/>
-          </a:solidFill>
-          <a:ln>
-            <a:solidFill>
-              <a:schemeClr val="tx1"/>
-            </a:solidFill>
-          </a:ln>
-        </p:spPr>
-        <p:style>
-          <a:lnRef idx="2">
-            <a:schemeClr val="accent1">
-              <a:shade val="50000"/>
-            </a:schemeClr>
-          </a:lnRef>
-          <a:fillRef idx="1">
-            <a:schemeClr val="accent1"/>
-          </a:fillRef>
-          <a:effectRef idx="0">
-            <a:schemeClr val="accent1"/>
-          </a:effectRef>
-          <a:fontRef idx="minor">
-            <a:schemeClr val="lt1"/>
-          </a:fontRef>
-        </p:style>
-        <p:txBody>
-          <a:bodyPr rtlCol="0" anchor="ctr"/>
-          <a:lstStyle/>
-          <a:p>
-            <a:pPr algn="ctr"/>
-            <a:endParaRPr lang="ru-RU"/>
-          </a:p>
-        </p:txBody>
-      </p:sp>
-      <p:cxnSp>
-        <p:nvCxnSpPr>
-          <p:cNvPr id="22" name="Прямая со стрелкой 21"/>
-          <p:cNvCxnSpPr/>
-          <p:nvPr/>
-        </p:nvCxnSpPr>
-        <p:spPr>
-          <a:xfrm flipV="1">
-            <a:off x="5802523" y="1744168"/>
-            <a:ext cx="1417237" cy="8853"/>
-          </a:xfrm>
-          <a:prstGeom prst="straightConnector1">
-            <a:avLst/>
-          </a:prstGeom>
-          <a:ln>
-            <a:tailEnd type="triangle"/>
-          </a:ln>
-        </p:spPr>
-        <p:style>
-          <a:lnRef idx="1">
-            <a:schemeClr val="dk1"/>
-          </a:lnRef>
-          <a:fillRef idx="0">
-            <a:schemeClr val="dk1"/>
-          </a:fillRef>
-          <a:effectRef idx="0">
-            <a:schemeClr val="dk1"/>
-          </a:effectRef>
-          <a:fontRef idx="minor">
-            <a:schemeClr val="tx1"/>
-          </a:fontRef>
-        </p:style>
-      </p:cxnSp>
-      <p:sp>
-        <p:nvSpPr>
-          <p:cNvPr id="32" name="TextBox 31"/>
-          <p:cNvSpPr txBox="1"/>
-          <p:nvPr/>
-        </p:nvSpPr>
-        <p:spPr>
-          <a:xfrm>
-            <a:off x="6065695" y="2248243"/>
-            <a:ext cx="1236229" cy="314584"/>
-          </a:xfrm>
-          <a:prstGeom prst="rect">
-            <a:avLst/>
-          </a:prstGeom>
-          <a:noFill/>
-        </p:spPr>
-        <p:txBody>
-          <a:bodyPr wrap="square" rtlCol="0">
-            <a:spAutoFit/>
-          </a:bodyPr>
-          <a:lstStyle/>
-          <a:p>
-            <a:r>
-              <a:rPr lang="ru-RU" sz="1200" dirty="0" smtClean="0">
-                <a:latin typeface="Bahnschrift Light Condensed" panose="020B0502040204020203" pitchFamily="34" charset="0"/>
-              </a:rPr>
-              <a:t>Задача</a:t>
-            </a:r>
-            <a:r>
-              <a:rPr lang="en-US" sz="1200" dirty="0" smtClean="0">
-                <a:latin typeface="Bahnschrift Light Condensed" panose="020B0502040204020203" pitchFamily="34" charset="0"/>
-              </a:rPr>
-              <a:t>, </a:t>
-            </a:r>
-            <a:r>
-              <a:rPr lang="ru-RU" sz="1200" dirty="0" smtClean="0">
-                <a:latin typeface="Bahnschrift Light Condensed" panose="020B0502040204020203" pitchFamily="34" charset="0"/>
-              </a:rPr>
-              <a:t>тесты</a:t>
-            </a:r>
-            <a:endParaRPr lang="ru-RU" sz="1200" dirty="0">
-              <a:latin typeface="Bahnschrift Light Condensed" panose="020B0502040204020203" pitchFamily="34" charset="0"/>
-            </a:endParaRPr>
-          </a:p>
-        </p:txBody>
-      </p:sp>
-      <p:cxnSp>
-        <p:nvCxnSpPr>
-          <p:cNvPr id="33" name="Прямая соединительная линия 32"/>
-          <p:cNvCxnSpPr/>
-          <p:nvPr/>
-        </p:nvCxnSpPr>
-        <p:spPr>
-          <a:xfrm flipH="1">
-            <a:off x="8549640" y="1510031"/>
-            <a:ext cx="20852" cy="6186169"/>
-          </a:xfrm>
-          <a:prstGeom prst="line">
-            <a:avLst/>
-          </a:prstGeom>
-          <a:ln w="15875">
-            <a:prstDash val="sysDash"/>
-          </a:ln>
-        </p:spPr>
-        <p:style>
-          <a:lnRef idx="1">
-            <a:schemeClr val="dk1"/>
-          </a:lnRef>
-          <a:fillRef idx="0">
-            <a:schemeClr val="dk1"/>
-          </a:fillRef>
-          <a:effectRef idx="0">
-            <a:schemeClr val="dk1"/>
-          </a:effectRef>
-          <a:fontRef idx="minor">
-            <a:schemeClr val="tx1"/>
-          </a:fontRef>
-        </p:style>
-      </p:cxnSp>
-      <p:sp>
-        <p:nvSpPr>
-          <p:cNvPr id="34" name="Прямоугольник 33"/>
-          <p:cNvSpPr/>
-          <p:nvPr/>
-        </p:nvSpPr>
-        <p:spPr>
-          <a:xfrm>
-            <a:off x="8037214" y="1085134"/>
-            <a:ext cx="1088966" cy="431477"/>
-          </a:xfrm>
-          <a:prstGeom prst="rect">
-            <a:avLst/>
-          </a:prstGeom>
-          <a:solidFill>
-            <a:schemeClr val="bg1"/>
-          </a:solidFill>
-          <a:ln>
-            <a:solidFill>
-              <a:schemeClr val="tx1"/>
-            </a:solidFill>
-          </a:ln>
-        </p:spPr>
-        <p:style>
-          <a:lnRef idx="2">
-            <a:schemeClr val="accent1">
-              <a:shade val="50000"/>
-            </a:schemeClr>
-          </a:lnRef>
-          <a:fillRef idx="1">
-            <a:schemeClr val="accent1"/>
-          </a:fillRef>
-          <a:effectRef idx="0">
-            <a:schemeClr val="accent1"/>
-          </a:effectRef>
-          <a:fontRef idx="minor">
-            <a:schemeClr val="lt1"/>
-          </a:fontRef>
-        </p:style>
-        <p:txBody>
-          <a:bodyPr rtlCol="0" anchor="ctr"/>
-          <a:lstStyle/>
-          <a:p>
-            <a:pPr algn="ctr"/>
-            <a:r>
-              <a:rPr lang="ru-RU" sz="1200" dirty="0" smtClean="0">
-                <a:solidFill>
-                  <a:sysClr val="windowText" lastClr="000000"/>
-                </a:solidFill>
-                <a:latin typeface="Bahnschrift Light Condensed" panose="020B0502040204020203" pitchFamily="34" charset="0"/>
-              </a:rPr>
-              <a:t>Сервис</a:t>
-            </a:r>
-            <a:r>
-              <a:rPr lang="en-US" sz="1200" dirty="0" smtClean="0">
-                <a:solidFill>
-                  <a:sysClr val="windowText" lastClr="000000"/>
-                </a:solidFill>
-                <a:latin typeface="Bahnschrift Light Condensed" panose="020B0502040204020203" pitchFamily="34" charset="0"/>
-              </a:rPr>
-              <a:t> executor</a:t>
-            </a:r>
-            <a:r>
-              <a:rPr lang="ru-RU" sz="1200" dirty="0" smtClean="0">
-                <a:solidFill>
-                  <a:sysClr val="windowText" lastClr="000000"/>
-                </a:solidFill>
-                <a:latin typeface="Bahnschrift Light Condensed" panose="020B0502040204020203" pitchFamily="34" charset="0"/>
-              </a:rPr>
-              <a:t> </a:t>
-            </a:r>
-            <a:endParaRPr lang="ru-RU" sz="1200" dirty="0">
-              <a:solidFill>
-                <a:sysClr val="windowText" lastClr="000000"/>
-              </a:solidFill>
-              <a:latin typeface="Bahnschrift Light Condensed" panose="020B0502040204020203" pitchFamily="34" charset="0"/>
-            </a:endParaRPr>
-          </a:p>
-        </p:txBody>
-      </p:sp>
-      <p:sp>
-        <p:nvSpPr>
-          <p:cNvPr id="35" name="Прямоугольник 34"/>
-          <p:cNvSpPr/>
-          <p:nvPr/>
-        </p:nvSpPr>
-        <p:spPr>
-          <a:xfrm>
-            <a:off x="8472034" y="3410542"/>
-            <a:ext cx="196916" cy="2045378"/>
-          </a:xfrm>
-          <a:prstGeom prst="rect">
-            <a:avLst/>
-          </a:prstGeom>
-          <a:solidFill>
-            <a:schemeClr val="bg1"/>
-          </a:solidFill>
-          <a:ln>
-            <a:solidFill>
-              <a:schemeClr val="tx1"/>
-            </a:solidFill>
-          </a:ln>
-        </p:spPr>
-        <p:style>
-          <a:lnRef idx="2">
-            <a:schemeClr val="accent1">
-              <a:shade val="50000"/>
-            </a:schemeClr>
-          </a:lnRef>
-          <a:fillRef idx="1">
-            <a:schemeClr val="accent1"/>
-          </a:fillRef>
-          <a:effectRef idx="0">
-            <a:schemeClr val="accent1"/>
-          </a:effectRef>
-          <a:fontRef idx="minor">
-            <a:schemeClr val="lt1"/>
-          </a:fontRef>
-        </p:style>
-        <p:txBody>
-          <a:bodyPr rtlCol="0" anchor="ctr"/>
-          <a:lstStyle/>
-          <a:p>
-            <a:pPr algn="ctr"/>
-            <a:endParaRPr lang="ru-RU"/>
-          </a:p>
-        </p:txBody>
-      </p:sp>
-      <p:sp>
-        <p:nvSpPr>
-          <p:cNvPr id="50" name="Прямоугольник 49"/>
-          <p:cNvSpPr/>
-          <p:nvPr/>
-        </p:nvSpPr>
-        <p:spPr>
-          <a:xfrm>
-            <a:off x="5593865" y="3960675"/>
-            <a:ext cx="196916" cy="677366"/>
-          </a:xfrm>
-          <a:prstGeom prst="rect">
-            <a:avLst/>
-          </a:prstGeom>
-          <a:solidFill>
-            <a:schemeClr val="bg1"/>
-          </a:solidFill>
-          <a:ln>
-            <a:solidFill>
-              <a:schemeClr val="tx1"/>
-            </a:solidFill>
-          </a:ln>
-        </p:spPr>
-        <p:style>
-          <a:lnRef idx="2">
-            <a:schemeClr val="accent1">
-              <a:shade val="50000"/>
-            </a:schemeClr>
-          </a:lnRef>
-          <a:fillRef idx="1">
-            <a:schemeClr val="accent1"/>
-          </a:fillRef>
-          <a:effectRef idx="0">
-            <a:schemeClr val="accent1"/>
-          </a:effectRef>
-          <a:fontRef idx="minor">
-            <a:schemeClr val="lt1"/>
-          </a:fontRef>
-        </p:style>
-        <p:txBody>
-          <a:bodyPr rtlCol="0" anchor="ctr"/>
-          <a:lstStyle/>
-          <a:p>
-            <a:pPr algn="ctr"/>
-            <a:endParaRPr lang="ru-RU"/>
-          </a:p>
-        </p:txBody>
-      </p:sp>
-      <p:sp>
-        <p:nvSpPr>
-          <p:cNvPr id="57" name="Прямоугольник 56"/>
-          <p:cNvSpPr/>
-          <p:nvPr/>
-        </p:nvSpPr>
-        <p:spPr>
-          <a:xfrm>
-            <a:off x="5604468" y="5281554"/>
-            <a:ext cx="196916" cy="932547"/>
-          </a:xfrm>
-          <a:prstGeom prst="rect">
-            <a:avLst/>
-          </a:prstGeom>
-          <a:solidFill>
-            <a:schemeClr val="bg1"/>
-          </a:solidFill>
-          <a:ln>
-            <a:solidFill>
-              <a:schemeClr val="tx1"/>
-            </a:solidFill>
-          </a:ln>
-        </p:spPr>
-        <p:style>
-          <a:lnRef idx="2">
-            <a:schemeClr val="accent1">
-              <a:shade val="50000"/>
-            </a:schemeClr>
-          </a:lnRef>
-          <a:fillRef idx="1">
-            <a:schemeClr val="accent1"/>
-          </a:fillRef>
-          <a:effectRef idx="0">
-            <a:schemeClr val="accent1"/>
-          </a:effectRef>
-          <a:fontRef idx="minor">
-            <a:schemeClr val="lt1"/>
-          </a:fontRef>
-        </p:style>
-        <p:txBody>
-          <a:bodyPr rtlCol="0" anchor="ctr"/>
-          <a:lstStyle/>
-          <a:p>
-            <a:pPr algn="ctr"/>
-            <a:endParaRPr lang="ru-RU"/>
-          </a:p>
-        </p:txBody>
-      </p:sp>
-      <p:cxnSp>
-        <p:nvCxnSpPr>
-          <p:cNvPr id="60" name="Прямая со стрелкой 59"/>
-          <p:cNvCxnSpPr/>
-          <p:nvPr/>
-        </p:nvCxnSpPr>
-        <p:spPr>
-          <a:xfrm flipH="1">
-            <a:off x="4202383" y="3470051"/>
-            <a:ext cx="1393083" cy="0"/>
-          </a:xfrm>
-          <a:prstGeom prst="straightConnector1">
-            <a:avLst/>
-          </a:prstGeom>
-          <a:ln w="9525">
-            <a:solidFill>
-              <a:schemeClr val="tx1"/>
-            </a:solidFill>
-            <a:prstDash val="dash"/>
-            <a:tailEnd type="arrow"/>
-          </a:ln>
-        </p:spPr>
-        <p:style>
-          <a:lnRef idx="1">
-            <a:schemeClr val="dk1"/>
-          </a:lnRef>
-          <a:fillRef idx="0">
-            <a:schemeClr val="dk1"/>
-          </a:fillRef>
-          <a:effectRef idx="0">
-            <a:schemeClr val="dk1"/>
-          </a:effectRef>
-          <a:fontRef idx="minor">
-            <a:schemeClr val="tx1"/>
-          </a:fontRef>
-        </p:style>
-      </p:cxnSp>
-      <p:cxnSp>
-        <p:nvCxnSpPr>
-          <p:cNvPr id="63" name="Прямая со стрелкой 62"/>
-          <p:cNvCxnSpPr/>
-          <p:nvPr/>
-        </p:nvCxnSpPr>
-        <p:spPr>
-          <a:xfrm flipH="1">
-            <a:off x="2675076" y="7013944"/>
-            <a:ext cx="1337694" cy="11153"/>
-          </a:xfrm>
-          <a:prstGeom prst="straightConnector1">
-            <a:avLst/>
-          </a:prstGeom>
-          <a:ln w="9525">
-            <a:prstDash val="dash"/>
-            <a:tailEnd type="triangle"/>
-          </a:ln>
-        </p:spPr>
-        <p:style>
-          <a:lnRef idx="1">
-            <a:schemeClr val="dk1"/>
-          </a:lnRef>
-          <a:fillRef idx="0">
-            <a:schemeClr val="dk1"/>
-          </a:fillRef>
-          <a:effectRef idx="0">
-            <a:schemeClr val="dk1"/>
-          </a:effectRef>
-          <a:fontRef idx="minor">
-            <a:schemeClr val="tx1"/>
-          </a:fontRef>
-        </p:style>
-      </p:cxnSp>
-      <p:sp>
-        <p:nvSpPr>
-          <p:cNvPr id="64" name="TextBox 63"/>
-          <p:cNvSpPr txBox="1"/>
-          <p:nvPr/>
-        </p:nvSpPr>
-        <p:spPr>
-          <a:xfrm>
-            <a:off x="2813955" y="7013944"/>
-            <a:ext cx="996836" cy="461665"/>
-          </a:xfrm>
-          <a:prstGeom prst="rect">
-            <a:avLst/>
-          </a:prstGeom>
-          <a:noFill/>
-        </p:spPr>
-        <p:txBody>
-          <a:bodyPr wrap="square" rtlCol="0">
-            <a:spAutoFit/>
-          </a:bodyPr>
-          <a:lstStyle/>
-          <a:p>
-            <a:r>
-              <a:rPr lang="ru-RU" sz="1200" dirty="0" smtClean="0">
-                <a:latin typeface="Bahnschrift Light Condensed" panose="020B0502040204020203" pitchFamily="34" charset="0"/>
-              </a:rPr>
-              <a:t>Результат решения</a:t>
-            </a:r>
-            <a:endParaRPr lang="ru-RU" sz="1200" dirty="0">
-              <a:latin typeface="Bahnschrift Light Condensed" panose="020B0502040204020203" pitchFamily="34" charset="0"/>
-            </a:endParaRPr>
-          </a:p>
-        </p:txBody>
-      </p:sp>
-      <p:sp>
-        <p:nvSpPr>
-          <p:cNvPr id="73" name="Прямоугольник 72"/>
-          <p:cNvSpPr/>
-          <p:nvPr/>
-        </p:nvSpPr>
-        <p:spPr>
-          <a:xfrm>
-            <a:off x="4046638" y="3960675"/>
-            <a:ext cx="144393" cy="748485"/>
-          </a:xfrm>
-          <a:prstGeom prst="rect">
-            <a:avLst/>
-          </a:prstGeom>
-          <a:solidFill>
-            <a:schemeClr val="bg1"/>
-          </a:solidFill>
-          <a:ln>
-            <a:solidFill>
-              <a:schemeClr val="tx1"/>
-            </a:solidFill>
-          </a:ln>
-        </p:spPr>
-        <p:style>
-          <a:lnRef idx="2">
-            <a:schemeClr val="accent1">
-              <a:shade val="50000"/>
-            </a:schemeClr>
-          </a:lnRef>
-          <a:fillRef idx="1">
-            <a:schemeClr val="accent1"/>
-          </a:fillRef>
-          <a:effectRef idx="0">
-            <a:schemeClr val="accent1"/>
-          </a:effectRef>
-          <a:fontRef idx="minor">
-            <a:schemeClr val="lt1"/>
-          </a:fontRef>
-        </p:style>
-        <p:txBody>
-          <a:bodyPr rtlCol="0" anchor="ctr"/>
-          <a:lstStyle/>
-          <a:p>
-            <a:pPr algn="ctr"/>
-            <a:endParaRPr lang="ru-RU"/>
-          </a:p>
-        </p:txBody>
-      </p:sp>
-      <p:sp>
-        <p:nvSpPr>
-          <p:cNvPr id="9" name="Номер слайда 8"/>
-          <p:cNvSpPr>
-            <a:spLocks noGrp="1"/>
-          </p:cNvSpPr>
-          <p:nvPr>
-            <p:ph type="sldNum" sz="quarter" idx="12"/>
-          </p:nvPr>
-        </p:nvSpPr>
-        <p:spPr/>
-        <p:txBody>
-          <a:bodyPr/>
-          <a:lstStyle/>
-          <a:p>
-            <a:fld id="{62AE288B-ED16-4155-B555-A20169454F34}" type="slidenum">
-              <a:rPr lang="ru-RU" smtClean="0"/>
+              </a:rPr>
               <a:t>13</a:t>
             </a:fld>
-            <a:endParaRPr lang="ru-RU"/>
-          </a:p>
-        </p:txBody>
-      </p:sp>
-      <p:sp>
-        <p:nvSpPr>
-          <p:cNvPr id="65" name="TextBox 64"/>
-          <p:cNvSpPr txBox="1"/>
-          <p:nvPr/>
-        </p:nvSpPr>
-        <p:spPr>
-          <a:xfrm>
-            <a:off x="4460665" y="3133543"/>
-            <a:ext cx="1025040" cy="276999"/>
-          </a:xfrm>
-          <a:prstGeom prst="rect">
-            <a:avLst/>
-          </a:prstGeom>
-          <a:noFill/>
-        </p:spPr>
-        <p:txBody>
-          <a:bodyPr wrap="square" rtlCol="0">
-            <a:spAutoFit/>
-          </a:bodyPr>
-          <a:lstStyle/>
-          <a:p>
-            <a:r>
-              <a:rPr lang="en-US" sz="1200" dirty="0" smtClean="0">
-                <a:latin typeface="Bahnschrift Light Condensed" panose="020B0502040204020203" pitchFamily="34" charset="0"/>
-              </a:rPr>
-              <a:t>ID</a:t>
-            </a:r>
-            <a:r>
-              <a:rPr lang="ru-RU" sz="1200" dirty="0" smtClean="0">
-                <a:latin typeface="Bahnschrift Light Condensed" panose="020B0502040204020203" pitchFamily="34" charset="0"/>
-              </a:rPr>
-              <a:t> </a:t>
-            </a:r>
-            <a:r>
-              <a:rPr lang="ru-RU" sz="1200" dirty="0" smtClean="0">
-                <a:latin typeface="Bahnschrift Light Condensed" panose="020B0502040204020203" pitchFamily="34" charset="0"/>
-              </a:rPr>
-              <a:t>решения</a:t>
-            </a:r>
-            <a:endParaRPr lang="ru-RU" sz="1200" dirty="0">
-              <a:latin typeface="Bahnschrift Light Condensed" panose="020B0502040204020203" pitchFamily="34" charset="0"/>
-            </a:endParaRPr>
-          </a:p>
-        </p:txBody>
-      </p:sp>
-      <p:sp>
-        <p:nvSpPr>
-          <p:cNvPr id="71" name="TextBox 70"/>
-          <p:cNvSpPr txBox="1"/>
-          <p:nvPr/>
-        </p:nvSpPr>
-        <p:spPr>
-          <a:xfrm>
-            <a:off x="6223595" y="1731547"/>
-            <a:ext cx="698727" cy="276999"/>
-          </a:xfrm>
-          <a:prstGeom prst="rect">
-            <a:avLst/>
-          </a:prstGeom>
-          <a:noFill/>
-        </p:spPr>
-        <p:txBody>
-          <a:bodyPr wrap="square" rtlCol="0">
-            <a:spAutoFit/>
-          </a:bodyPr>
-          <a:lstStyle/>
-          <a:p>
-            <a:r>
-              <a:rPr lang="en-US" sz="1200" dirty="0" smtClean="0">
-                <a:latin typeface="Bahnschrift Light Condensed" panose="020B0502040204020203" pitchFamily="34" charset="0"/>
-              </a:rPr>
-              <a:t>ID</a:t>
-            </a:r>
-            <a:r>
-              <a:rPr lang="ru-RU" sz="1200" dirty="0" smtClean="0">
-                <a:latin typeface="Bahnschrift Light Condensed" panose="020B0502040204020203" pitchFamily="34" charset="0"/>
-              </a:rPr>
-              <a:t> </a:t>
-            </a:r>
-            <a:r>
-              <a:rPr lang="ru-RU" sz="1200" dirty="0" smtClean="0">
-                <a:latin typeface="Bahnschrift Light Condensed" panose="020B0502040204020203" pitchFamily="34" charset="0"/>
-              </a:rPr>
-              <a:t>задачи</a:t>
-            </a:r>
-            <a:endParaRPr lang="ru-RU" sz="1200" dirty="0">
-              <a:latin typeface="Bahnschrift Light Condensed" panose="020B0502040204020203" pitchFamily="34" charset="0"/>
-            </a:endParaRPr>
-          </a:p>
-        </p:txBody>
-      </p:sp>
-      <p:cxnSp>
-        <p:nvCxnSpPr>
-          <p:cNvPr id="74" name="Прямая со стрелкой 73"/>
-          <p:cNvCxnSpPr/>
-          <p:nvPr/>
-        </p:nvCxnSpPr>
-        <p:spPr>
-          <a:xfrm flipH="1">
-            <a:off x="5814599" y="2263043"/>
-            <a:ext cx="1393083" cy="0"/>
-          </a:xfrm>
-          <a:prstGeom prst="straightConnector1">
-            <a:avLst/>
-          </a:prstGeom>
-          <a:ln w="9525">
-            <a:solidFill>
-              <a:schemeClr val="tx1"/>
-            </a:solidFill>
-            <a:prstDash val="dash"/>
-            <a:tailEnd type="arrow"/>
-          </a:ln>
-        </p:spPr>
-        <p:style>
-          <a:lnRef idx="1">
-            <a:schemeClr val="dk1"/>
-          </a:lnRef>
-          <a:fillRef idx="0">
-            <a:schemeClr val="dk1"/>
-          </a:fillRef>
-          <a:effectRef idx="0">
-            <a:schemeClr val="dk1"/>
-          </a:effectRef>
-          <a:fontRef idx="minor">
-            <a:schemeClr val="tx1"/>
-          </a:fontRef>
-        </p:style>
-      </p:cxnSp>
-      <p:sp>
-        <p:nvSpPr>
-          <p:cNvPr id="76" name="Прямоугольник 75"/>
-          <p:cNvSpPr/>
-          <p:nvPr/>
-        </p:nvSpPr>
-        <p:spPr>
-          <a:xfrm>
-            <a:off x="7246716" y="2559647"/>
-            <a:ext cx="196916" cy="668293"/>
-          </a:xfrm>
-          <a:prstGeom prst="rect">
-            <a:avLst/>
-          </a:prstGeom>
-          <a:solidFill>
-            <a:schemeClr val="bg1"/>
-          </a:solidFill>
-          <a:ln>
-            <a:solidFill>
-              <a:schemeClr val="tx1"/>
-            </a:solidFill>
-          </a:ln>
-        </p:spPr>
-        <p:style>
-          <a:lnRef idx="2">
-            <a:schemeClr val="accent1">
-              <a:shade val="50000"/>
-            </a:schemeClr>
-          </a:lnRef>
-          <a:fillRef idx="1">
-            <a:schemeClr val="accent1"/>
-          </a:fillRef>
-          <a:effectRef idx="0">
-            <a:schemeClr val="accent1"/>
-          </a:effectRef>
-          <a:fontRef idx="minor">
-            <a:schemeClr val="lt1"/>
-          </a:fontRef>
-        </p:style>
-        <p:txBody>
-          <a:bodyPr rtlCol="0" anchor="ctr"/>
-          <a:lstStyle/>
-          <a:p>
-            <a:pPr algn="ctr"/>
-            <a:endParaRPr lang="ru-RU"/>
-          </a:p>
-        </p:txBody>
-      </p:sp>
-      <p:cxnSp>
-        <p:nvCxnSpPr>
-          <p:cNvPr id="77" name="Прямая со стрелкой 76"/>
-          <p:cNvCxnSpPr/>
-          <p:nvPr/>
-        </p:nvCxnSpPr>
-        <p:spPr>
-          <a:xfrm flipV="1">
-            <a:off x="5820811" y="2652472"/>
-            <a:ext cx="1417237" cy="8853"/>
-          </a:xfrm>
-          <a:prstGeom prst="straightConnector1">
-            <a:avLst/>
-          </a:prstGeom>
-          <a:ln>
-            <a:tailEnd type="triangle"/>
-          </a:ln>
-        </p:spPr>
-        <p:style>
-          <a:lnRef idx="1">
-            <a:schemeClr val="dk1"/>
-          </a:lnRef>
-          <a:fillRef idx="0">
-            <a:schemeClr val="dk1"/>
-          </a:fillRef>
-          <a:effectRef idx="0">
-            <a:schemeClr val="dk1"/>
-          </a:effectRef>
-          <a:fontRef idx="minor">
-            <a:schemeClr val="tx1"/>
-          </a:fontRef>
-        </p:style>
-      </p:cxnSp>
-      <p:sp>
-        <p:nvSpPr>
-          <p:cNvPr id="78" name="TextBox 77"/>
-          <p:cNvSpPr txBox="1"/>
-          <p:nvPr/>
-        </p:nvSpPr>
-        <p:spPr>
-          <a:xfrm>
-            <a:off x="6083983" y="3156547"/>
-            <a:ext cx="1236229" cy="276999"/>
-          </a:xfrm>
-          <a:prstGeom prst="rect">
-            <a:avLst/>
-          </a:prstGeom>
-          <a:noFill/>
-        </p:spPr>
-        <p:txBody>
-          <a:bodyPr wrap="square" rtlCol="0">
-            <a:spAutoFit/>
-          </a:bodyPr>
-          <a:lstStyle/>
-          <a:p>
-            <a:r>
-              <a:rPr lang="en-US" sz="1200" dirty="0" smtClean="0">
-                <a:latin typeface="Bahnschrift Light Condensed" panose="020B0502040204020203" pitchFamily="34" charset="0"/>
-              </a:rPr>
-              <a:t>ID</a:t>
-            </a:r>
-            <a:r>
-              <a:rPr lang="ru-RU" sz="1200" dirty="0" smtClean="0">
-                <a:latin typeface="Bahnschrift Light Condensed" panose="020B0502040204020203" pitchFamily="34" charset="0"/>
-              </a:rPr>
-              <a:t> решения</a:t>
-            </a:r>
-            <a:endParaRPr lang="ru-RU" sz="1200" dirty="0">
-              <a:latin typeface="Bahnschrift Light Condensed" panose="020B0502040204020203" pitchFamily="34" charset="0"/>
-            </a:endParaRPr>
-          </a:p>
-        </p:txBody>
-      </p:sp>
-      <p:sp>
-        <p:nvSpPr>
-          <p:cNvPr id="79" name="TextBox 78"/>
-          <p:cNvSpPr txBox="1"/>
-          <p:nvPr/>
-        </p:nvSpPr>
-        <p:spPr>
-          <a:xfrm>
-            <a:off x="6241883" y="2639851"/>
-            <a:ext cx="698727" cy="276999"/>
-          </a:xfrm>
-          <a:prstGeom prst="rect">
-            <a:avLst/>
-          </a:prstGeom>
-          <a:noFill/>
-        </p:spPr>
-        <p:txBody>
-          <a:bodyPr wrap="square" rtlCol="0">
-            <a:spAutoFit/>
-          </a:bodyPr>
-          <a:lstStyle/>
-          <a:p>
-            <a:r>
-              <a:rPr lang="ru-RU" sz="1200" dirty="0" smtClean="0">
-                <a:latin typeface="Bahnschrift Light Condensed" panose="020B0502040204020203" pitchFamily="34" charset="0"/>
-              </a:rPr>
-              <a:t>Решение</a:t>
-            </a:r>
-            <a:endParaRPr lang="ru-RU" sz="1200" dirty="0">
-              <a:latin typeface="Bahnschrift Light Condensed" panose="020B0502040204020203" pitchFamily="34" charset="0"/>
-            </a:endParaRPr>
-          </a:p>
-        </p:txBody>
-      </p:sp>
-      <p:cxnSp>
-        <p:nvCxnSpPr>
-          <p:cNvPr id="80" name="Прямая со стрелкой 79"/>
-          <p:cNvCxnSpPr/>
-          <p:nvPr/>
-        </p:nvCxnSpPr>
-        <p:spPr>
-          <a:xfrm flipH="1">
-            <a:off x="5832887" y="3171347"/>
-            <a:ext cx="1393083" cy="0"/>
-          </a:xfrm>
-          <a:prstGeom prst="straightConnector1">
-            <a:avLst/>
-          </a:prstGeom>
-          <a:ln w="9525">
-            <a:solidFill>
-              <a:schemeClr val="tx1"/>
-            </a:solidFill>
-            <a:prstDash val="dash"/>
-            <a:tailEnd type="arrow"/>
-          </a:ln>
-        </p:spPr>
-        <p:style>
-          <a:lnRef idx="1">
-            <a:schemeClr val="dk1"/>
-          </a:lnRef>
-          <a:fillRef idx="0">
-            <a:schemeClr val="dk1"/>
-          </a:fillRef>
-          <a:effectRef idx="0">
-            <a:schemeClr val="dk1"/>
-          </a:effectRef>
-          <a:fontRef idx="minor">
-            <a:schemeClr val="tx1"/>
-          </a:fontRef>
-        </p:style>
-      </p:cxnSp>
-      <p:cxnSp>
-        <p:nvCxnSpPr>
-          <p:cNvPr id="81" name="Прямая со стрелкой 80"/>
-          <p:cNvCxnSpPr/>
-          <p:nvPr/>
-        </p:nvCxnSpPr>
-        <p:spPr>
-          <a:xfrm flipV="1">
-            <a:off x="5809069" y="3525894"/>
-            <a:ext cx="2662965" cy="4798"/>
-          </a:xfrm>
-          <a:prstGeom prst="straightConnector1">
-            <a:avLst/>
-          </a:prstGeom>
-          <a:ln w="9525">
-            <a:solidFill>
-              <a:schemeClr val="tx1"/>
-            </a:solidFill>
-            <a:prstDash val="solid"/>
-            <a:tailEnd type="arrow"/>
-          </a:ln>
-        </p:spPr>
-        <p:style>
-          <a:lnRef idx="1">
-            <a:schemeClr val="dk1"/>
-          </a:lnRef>
-          <a:fillRef idx="0">
-            <a:schemeClr val="dk1"/>
-          </a:fillRef>
-          <a:effectRef idx="0">
-            <a:schemeClr val="dk1"/>
-          </a:effectRef>
-          <a:fontRef idx="minor">
-            <a:schemeClr val="tx1"/>
-          </a:fontRef>
-        </p:style>
-      </p:cxnSp>
-      <p:sp>
-        <p:nvSpPr>
-          <p:cNvPr id="85" name="TextBox 84"/>
-          <p:cNvSpPr txBox="1"/>
-          <p:nvPr/>
-        </p:nvSpPr>
-        <p:spPr>
-          <a:xfrm>
-            <a:off x="6503818" y="3525894"/>
-            <a:ext cx="874503" cy="461665"/>
-          </a:xfrm>
-          <a:prstGeom prst="rect">
-            <a:avLst/>
-          </a:prstGeom>
-          <a:noFill/>
-        </p:spPr>
-        <p:txBody>
-          <a:bodyPr wrap="square" rtlCol="0">
-            <a:spAutoFit/>
-          </a:bodyPr>
-          <a:lstStyle/>
-          <a:p>
-            <a:r>
-              <a:rPr lang="ru-RU" sz="1200" dirty="0" smtClean="0">
-                <a:latin typeface="Bahnschrift Light Condensed" panose="020B0502040204020203" pitchFamily="34" charset="0"/>
-              </a:rPr>
-              <a:t>Код, тесты</a:t>
-            </a:r>
-            <a:r>
-              <a:rPr lang="en-US" sz="1200" dirty="0" smtClean="0">
-                <a:latin typeface="Bahnschrift Light Condensed" panose="020B0502040204020203" pitchFamily="34" charset="0"/>
-              </a:rPr>
-              <a:t>, ID</a:t>
-            </a:r>
-            <a:r>
-              <a:rPr lang="ru-RU" sz="1200" dirty="0" smtClean="0">
-                <a:latin typeface="Bahnschrift Light Condensed" panose="020B0502040204020203" pitchFamily="34" charset="0"/>
-              </a:rPr>
-              <a:t> решения</a:t>
-            </a:r>
-            <a:endParaRPr lang="ru-RU" sz="1200" dirty="0">
-              <a:latin typeface="Bahnschrift Light Condensed" panose="020B0502040204020203" pitchFamily="34" charset="0"/>
-            </a:endParaRPr>
-          </a:p>
-        </p:txBody>
-      </p:sp>
-      <p:cxnSp>
-        <p:nvCxnSpPr>
-          <p:cNvPr id="86" name="Прямая со стрелкой 85"/>
-          <p:cNvCxnSpPr/>
-          <p:nvPr/>
-        </p:nvCxnSpPr>
-        <p:spPr>
-          <a:xfrm flipV="1">
-            <a:off x="4197243" y="4055568"/>
-            <a:ext cx="1417237" cy="8853"/>
-          </a:xfrm>
-          <a:prstGeom prst="straightConnector1">
-            <a:avLst/>
-          </a:prstGeom>
-          <a:ln>
-            <a:tailEnd type="triangle"/>
-          </a:ln>
-        </p:spPr>
-        <p:style>
-          <a:lnRef idx="1">
-            <a:schemeClr val="dk1"/>
-          </a:lnRef>
-          <a:fillRef idx="0">
-            <a:schemeClr val="dk1"/>
-          </a:fillRef>
-          <a:effectRef idx="0">
-            <a:schemeClr val="dk1"/>
-          </a:effectRef>
-          <a:fontRef idx="minor">
-            <a:schemeClr val="tx1"/>
-          </a:fontRef>
-        </p:style>
-      </p:cxnSp>
-      <p:sp>
-        <p:nvSpPr>
-          <p:cNvPr id="87" name="TextBox 86"/>
-          <p:cNvSpPr txBox="1"/>
-          <p:nvPr/>
-        </p:nvSpPr>
-        <p:spPr>
-          <a:xfrm>
-            <a:off x="4466347" y="6960520"/>
-            <a:ext cx="1318340" cy="461665"/>
-          </a:xfrm>
-          <a:prstGeom prst="rect">
-            <a:avLst/>
-          </a:prstGeom>
-          <a:noFill/>
-        </p:spPr>
-        <p:txBody>
-          <a:bodyPr wrap="square" rtlCol="0">
-            <a:spAutoFit/>
-          </a:bodyPr>
-          <a:lstStyle/>
-          <a:p>
-            <a:r>
-              <a:rPr lang="ru-RU" sz="1200" dirty="0" smtClean="0">
-                <a:latin typeface="Bahnschrift Light Condensed" panose="020B0502040204020203" pitchFamily="34" charset="0"/>
-              </a:rPr>
-              <a:t>Решение с результатом</a:t>
-            </a:r>
-            <a:endParaRPr lang="ru-RU" sz="1200" dirty="0">
-              <a:latin typeface="Bahnschrift Light Condensed" panose="020B0502040204020203" pitchFamily="34" charset="0"/>
-            </a:endParaRPr>
-          </a:p>
-        </p:txBody>
-      </p:sp>
-      <p:sp>
-        <p:nvSpPr>
-          <p:cNvPr id="88" name="TextBox 87"/>
-          <p:cNvSpPr txBox="1"/>
-          <p:nvPr/>
-        </p:nvSpPr>
-        <p:spPr>
-          <a:xfrm>
-            <a:off x="4473029" y="4042947"/>
-            <a:ext cx="844013" cy="276999"/>
-          </a:xfrm>
-          <a:prstGeom prst="rect">
-            <a:avLst/>
-          </a:prstGeom>
-          <a:noFill/>
-        </p:spPr>
-        <p:txBody>
-          <a:bodyPr wrap="square" rtlCol="0">
-            <a:spAutoFit/>
-          </a:bodyPr>
-          <a:lstStyle/>
-          <a:p>
-            <a:r>
-              <a:rPr lang="en-US" sz="1200" dirty="0" smtClean="0">
-                <a:latin typeface="Bahnschrift Light Condensed" panose="020B0502040204020203" pitchFamily="34" charset="0"/>
-              </a:rPr>
-              <a:t>ID</a:t>
-            </a:r>
-            <a:r>
-              <a:rPr lang="ru-RU" sz="1200" dirty="0" smtClean="0">
-                <a:latin typeface="Bahnschrift Light Condensed" panose="020B0502040204020203" pitchFamily="34" charset="0"/>
-              </a:rPr>
-              <a:t> решения</a:t>
-            </a:r>
-            <a:endParaRPr lang="ru-RU" sz="1200" dirty="0">
-              <a:latin typeface="Bahnschrift Light Condensed" panose="020B0502040204020203" pitchFamily="34" charset="0"/>
-            </a:endParaRPr>
-          </a:p>
-        </p:txBody>
-      </p:sp>
-      <p:cxnSp>
-        <p:nvCxnSpPr>
-          <p:cNvPr id="89" name="Прямая со стрелкой 88"/>
-          <p:cNvCxnSpPr/>
-          <p:nvPr/>
-        </p:nvCxnSpPr>
-        <p:spPr>
-          <a:xfrm flipH="1">
-            <a:off x="4209319" y="4574443"/>
-            <a:ext cx="1393083" cy="0"/>
-          </a:xfrm>
-          <a:prstGeom prst="straightConnector1">
-            <a:avLst/>
-          </a:prstGeom>
-          <a:ln w="9525">
-            <a:solidFill>
-              <a:schemeClr val="tx1"/>
-            </a:solidFill>
-            <a:prstDash val="dash"/>
-            <a:tailEnd type="arrow"/>
-          </a:ln>
-        </p:spPr>
-        <p:style>
-          <a:lnRef idx="1">
-            <a:schemeClr val="dk1"/>
-          </a:lnRef>
-          <a:fillRef idx="0">
-            <a:schemeClr val="dk1"/>
-          </a:fillRef>
-          <a:effectRef idx="0">
-            <a:schemeClr val="dk1"/>
-          </a:effectRef>
-          <a:fontRef idx="minor">
-            <a:schemeClr val="tx1"/>
-          </a:fontRef>
-        </p:style>
-      </p:cxnSp>
-      <p:cxnSp>
-        <p:nvCxnSpPr>
-          <p:cNvPr id="90" name="Прямая со стрелкой 89"/>
-          <p:cNvCxnSpPr/>
-          <p:nvPr/>
-        </p:nvCxnSpPr>
-        <p:spPr>
-          <a:xfrm flipH="1">
-            <a:off x="5801384" y="5391386"/>
-            <a:ext cx="2670651" cy="0"/>
-          </a:xfrm>
-          <a:prstGeom prst="straightConnector1">
-            <a:avLst/>
-          </a:prstGeom>
-          <a:ln w="9525">
-            <a:solidFill>
-              <a:schemeClr val="tx1"/>
-            </a:solidFill>
-            <a:prstDash val="solid"/>
-            <a:tailEnd type="arrow"/>
-          </a:ln>
-        </p:spPr>
-        <p:style>
-          <a:lnRef idx="1">
-            <a:schemeClr val="dk1"/>
-          </a:lnRef>
-          <a:fillRef idx="0">
-            <a:schemeClr val="dk1"/>
-          </a:fillRef>
-          <a:effectRef idx="0">
-            <a:schemeClr val="dk1"/>
-          </a:effectRef>
-          <a:fontRef idx="minor">
-            <a:schemeClr val="tx1"/>
-          </a:fontRef>
-        </p:style>
-      </p:cxnSp>
-      <p:sp>
-        <p:nvSpPr>
-          <p:cNvPr id="94" name="TextBox 93"/>
-          <p:cNvSpPr txBox="1"/>
-          <p:nvPr/>
-        </p:nvSpPr>
-        <p:spPr>
-          <a:xfrm>
-            <a:off x="6174750" y="5123908"/>
-            <a:ext cx="1882858" cy="276999"/>
-          </a:xfrm>
-          <a:prstGeom prst="rect">
-            <a:avLst/>
-          </a:prstGeom>
-          <a:noFill/>
-        </p:spPr>
-        <p:txBody>
-          <a:bodyPr wrap="square" rtlCol="0">
-            <a:spAutoFit/>
-          </a:bodyPr>
-          <a:lstStyle/>
-          <a:p>
-            <a:r>
-              <a:rPr lang="ru-RU" sz="1200" dirty="0" smtClean="0">
-                <a:latin typeface="Bahnschrift Light Condensed" panose="020B0502040204020203" pitchFamily="34" charset="0"/>
-              </a:rPr>
-              <a:t>Результат  решения</a:t>
-            </a:r>
-            <a:r>
-              <a:rPr lang="en-US" sz="1200" dirty="0" smtClean="0">
-                <a:latin typeface="Bahnschrift Light Condensed" panose="020B0502040204020203" pitchFamily="34" charset="0"/>
-              </a:rPr>
-              <a:t>, ID</a:t>
-            </a:r>
-            <a:r>
-              <a:rPr lang="ru-RU" sz="1200" dirty="0" smtClean="0">
-                <a:latin typeface="Bahnschrift Light Condensed" panose="020B0502040204020203" pitchFamily="34" charset="0"/>
-              </a:rPr>
-              <a:t> решения</a:t>
-            </a:r>
-            <a:endParaRPr lang="ru-RU" sz="1200" dirty="0">
-              <a:latin typeface="Bahnschrift Light Condensed" panose="020B0502040204020203" pitchFamily="34" charset="0"/>
-            </a:endParaRPr>
-          </a:p>
-        </p:txBody>
-      </p:sp>
-      <p:sp>
-        <p:nvSpPr>
-          <p:cNvPr id="95" name="Прямоугольник 94"/>
-          <p:cNvSpPr/>
-          <p:nvPr/>
-        </p:nvSpPr>
-        <p:spPr>
-          <a:xfrm>
-            <a:off x="7221754" y="5530238"/>
-            <a:ext cx="196916" cy="668293"/>
-          </a:xfrm>
-          <a:prstGeom prst="rect">
-            <a:avLst/>
-          </a:prstGeom>
-          <a:solidFill>
-            <a:schemeClr val="bg1"/>
-          </a:solidFill>
-          <a:ln>
-            <a:solidFill>
-              <a:schemeClr val="tx1"/>
-            </a:solidFill>
-          </a:ln>
-        </p:spPr>
-        <p:style>
-          <a:lnRef idx="2">
-            <a:schemeClr val="accent1">
-              <a:shade val="50000"/>
-            </a:schemeClr>
-          </a:lnRef>
-          <a:fillRef idx="1">
-            <a:schemeClr val="accent1"/>
-          </a:fillRef>
-          <a:effectRef idx="0">
-            <a:schemeClr val="accent1"/>
-          </a:effectRef>
-          <a:fontRef idx="minor">
-            <a:schemeClr val="lt1"/>
-          </a:fontRef>
-        </p:style>
-        <p:txBody>
-          <a:bodyPr rtlCol="0" anchor="ctr"/>
-          <a:lstStyle/>
-          <a:p>
-            <a:pPr algn="ctr"/>
-            <a:endParaRPr lang="ru-RU"/>
-          </a:p>
-        </p:txBody>
-      </p:sp>
-      <p:cxnSp>
-        <p:nvCxnSpPr>
-          <p:cNvPr id="96" name="Прямая со стрелкой 95"/>
-          <p:cNvCxnSpPr/>
-          <p:nvPr/>
-        </p:nvCxnSpPr>
-        <p:spPr>
-          <a:xfrm flipV="1">
-            <a:off x="5819354" y="5609665"/>
-            <a:ext cx="1417237" cy="8853"/>
-          </a:xfrm>
-          <a:prstGeom prst="straightConnector1">
-            <a:avLst/>
-          </a:prstGeom>
-          <a:ln>
-            <a:tailEnd type="triangle"/>
-          </a:ln>
-        </p:spPr>
-        <p:style>
-          <a:lnRef idx="1">
-            <a:schemeClr val="dk1"/>
-          </a:lnRef>
-          <a:fillRef idx="0">
-            <a:schemeClr val="dk1"/>
-          </a:fillRef>
-          <a:effectRef idx="0">
-            <a:schemeClr val="dk1"/>
-          </a:effectRef>
-          <a:fontRef idx="minor">
-            <a:schemeClr val="tx1"/>
-          </a:fontRef>
-        </p:style>
-      </p:cxnSp>
-      <p:sp>
-        <p:nvSpPr>
-          <p:cNvPr id="97" name="TextBox 96"/>
-          <p:cNvSpPr txBox="1"/>
-          <p:nvPr/>
-        </p:nvSpPr>
-        <p:spPr>
-          <a:xfrm>
-            <a:off x="6065696" y="5597044"/>
-            <a:ext cx="873458" cy="461665"/>
-          </a:xfrm>
-          <a:prstGeom prst="rect">
-            <a:avLst/>
-          </a:prstGeom>
-          <a:noFill/>
-        </p:spPr>
-        <p:txBody>
-          <a:bodyPr wrap="square" rtlCol="0">
-            <a:spAutoFit/>
-          </a:bodyPr>
-          <a:lstStyle/>
-          <a:p>
-            <a:r>
-              <a:rPr lang="en-US" sz="1200" dirty="0" smtClean="0">
-                <a:latin typeface="Bahnschrift Light Condensed" panose="020B0502040204020203" pitchFamily="34" charset="0"/>
-              </a:rPr>
-              <a:t>ID </a:t>
-            </a:r>
-            <a:r>
-              <a:rPr lang="ru-RU" sz="1200" dirty="0" smtClean="0">
-                <a:latin typeface="Bahnschrift Light Condensed" panose="020B0502040204020203" pitchFamily="34" charset="0"/>
-              </a:rPr>
-              <a:t>решения</a:t>
-            </a:r>
-            <a:r>
-              <a:rPr lang="en-US" sz="1200" dirty="0" smtClean="0">
-                <a:latin typeface="Bahnschrift Light Condensed" panose="020B0502040204020203" pitchFamily="34" charset="0"/>
-              </a:rPr>
-              <a:t>,</a:t>
-            </a:r>
-            <a:r>
-              <a:rPr lang="ru-RU" sz="1200" dirty="0" smtClean="0">
-                <a:latin typeface="Bahnschrift Light Condensed" panose="020B0502040204020203" pitchFamily="34" charset="0"/>
-              </a:rPr>
-              <a:t> результат</a:t>
-            </a:r>
-            <a:endParaRPr lang="ru-RU" sz="1200" dirty="0">
-              <a:latin typeface="Bahnschrift Light Condensed" panose="020B0502040204020203" pitchFamily="34" charset="0"/>
-            </a:endParaRPr>
-          </a:p>
-        </p:txBody>
-      </p:sp>
-      <p:sp>
-        <p:nvSpPr>
-          <p:cNvPr id="103" name="Прямоугольник 102"/>
-          <p:cNvSpPr/>
-          <p:nvPr/>
-        </p:nvSpPr>
-        <p:spPr>
-          <a:xfrm>
-            <a:off x="7232925" y="3938180"/>
-            <a:ext cx="196916" cy="668293"/>
-          </a:xfrm>
-          <a:prstGeom prst="rect">
-            <a:avLst/>
-          </a:prstGeom>
-          <a:solidFill>
-            <a:schemeClr val="bg1"/>
-          </a:solidFill>
-          <a:ln>
-            <a:solidFill>
-              <a:schemeClr val="tx1"/>
-            </a:solidFill>
-          </a:ln>
-        </p:spPr>
-        <p:style>
-          <a:lnRef idx="2">
-            <a:schemeClr val="accent1">
-              <a:shade val="50000"/>
-            </a:schemeClr>
-          </a:lnRef>
-          <a:fillRef idx="1">
-            <a:schemeClr val="accent1"/>
-          </a:fillRef>
-          <a:effectRef idx="0">
-            <a:schemeClr val="accent1"/>
-          </a:effectRef>
-          <a:fontRef idx="minor">
-            <a:schemeClr val="lt1"/>
-          </a:fontRef>
-        </p:style>
-        <p:txBody>
-          <a:bodyPr rtlCol="0" anchor="ctr"/>
-          <a:lstStyle/>
-          <a:p>
-            <a:pPr algn="ctr"/>
-            <a:endParaRPr lang="ru-RU"/>
-          </a:p>
-        </p:txBody>
-      </p:sp>
-      <p:cxnSp>
-        <p:nvCxnSpPr>
-          <p:cNvPr id="104" name="Прямая со стрелкой 103"/>
-          <p:cNvCxnSpPr/>
-          <p:nvPr/>
-        </p:nvCxnSpPr>
-        <p:spPr>
-          <a:xfrm flipV="1">
-            <a:off x="5830525" y="4017607"/>
-            <a:ext cx="1417237" cy="8853"/>
-          </a:xfrm>
-          <a:prstGeom prst="straightConnector1">
-            <a:avLst/>
-          </a:prstGeom>
-          <a:ln>
-            <a:tailEnd type="triangle"/>
-          </a:ln>
-        </p:spPr>
-        <p:style>
-          <a:lnRef idx="1">
-            <a:schemeClr val="dk1"/>
-          </a:lnRef>
-          <a:fillRef idx="0">
-            <a:schemeClr val="dk1"/>
-          </a:fillRef>
-          <a:effectRef idx="0">
-            <a:schemeClr val="dk1"/>
-          </a:effectRef>
-          <a:fontRef idx="minor">
-            <a:schemeClr val="tx1"/>
-          </a:fontRef>
-        </p:style>
-      </p:cxnSp>
-      <p:sp>
-        <p:nvSpPr>
-          <p:cNvPr id="105" name="TextBox 104"/>
-          <p:cNvSpPr txBox="1"/>
-          <p:nvPr/>
-        </p:nvSpPr>
-        <p:spPr>
-          <a:xfrm>
-            <a:off x="6076867" y="4004986"/>
-            <a:ext cx="873458" cy="276999"/>
-          </a:xfrm>
-          <a:prstGeom prst="rect">
-            <a:avLst/>
-          </a:prstGeom>
-          <a:noFill/>
-        </p:spPr>
-        <p:txBody>
-          <a:bodyPr wrap="square" rtlCol="0">
-            <a:spAutoFit/>
-          </a:bodyPr>
-          <a:lstStyle/>
-          <a:p>
-            <a:r>
-              <a:rPr lang="en-US" sz="1200" dirty="0" smtClean="0">
-                <a:latin typeface="Bahnschrift Light Condensed" panose="020B0502040204020203" pitchFamily="34" charset="0"/>
-              </a:rPr>
-              <a:t>ID </a:t>
-            </a:r>
-            <a:r>
-              <a:rPr lang="ru-RU" sz="1200" dirty="0" smtClean="0">
-                <a:latin typeface="Bahnschrift Light Condensed" panose="020B0502040204020203" pitchFamily="34" charset="0"/>
-              </a:rPr>
-              <a:t>решения</a:t>
-            </a:r>
-          </a:p>
-        </p:txBody>
-      </p:sp>
-      <p:sp>
-        <p:nvSpPr>
-          <p:cNvPr id="106" name="TextBox 105"/>
-          <p:cNvSpPr txBox="1"/>
-          <p:nvPr/>
-        </p:nvSpPr>
-        <p:spPr>
-          <a:xfrm>
-            <a:off x="5915547" y="4530994"/>
-            <a:ext cx="1232278" cy="461665"/>
-          </a:xfrm>
-          <a:prstGeom prst="rect">
-            <a:avLst/>
-          </a:prstGeom>
-          <a:noFill/>
-        </p:spPr>
-        <p:txBody>
-          <a:bodyPr wrap="square" rtlCol="0">
-            <a:spAutoFit/>
-          </a:bodyPr>
-          <a:lstStyle/>
-          <a:p>
-            <a:r>
-              <a:rPr lang="ru-RU" sz="1200" dirty="0" smtClean="0">
-                <a:latin typeface="Bahnschrift Light Condensed" panose="020B0502040204020203" pitchFamily="34" charset="0"/>
-              </a:rPr>
-              <a:t>Решение без результата</a:t>
-            </a:r>
-            <a:endParaRPr lang="ru-RU" sz="1200" dirty="0">
-              <a:latin typeface="Bahnschrift Light Condensed" panose="020B0502040204020203" pitchFamily="34" charset="0"/>
-            </a:endParaRPr>
-          </a:p>
-        </p:txBody>
-      </p:sp>
-      <p:cxnSp>
-        <p:nvCxnSpPr>
-          <p:cNvPr id="107" name="Прямая со стрелкой 106"/>
-          <p:cNvCxnSpPr/>
-          <p:nvPr/>
-        </p:nvCxnSpPr>
-        <p:spPr>
-          <a:xfrm flipH="1">
-            <a:off x="5810217" y="4545794"/>
-            <a:ext cx="1393083" cy="0"/>
-          </a:xfrm>
-          <a:prstGeom prst="straightConnector1">
-            <a:avLst/>
-          </a:prstGeom>
-          <a:ln w="9525">
-            <a:solidFill>
-              <a:schemeClr val="tx1"/>
-            </a:solidFill>
-            <a:prstDash val="dash"/>
-            <a:tailEnd type="arrow"/>
-          </a:ln>
-        </p:spPr>
-        <p:style>
-          <a:lnRef idx="1">
-            <a:schemeClr val="dk1"/>
-          </a:lnRef>
-          <a:fillRef idx="0">
-            <a:schemeClr val="dk1"/>
-          </a:fillRef>
-          <a:effectRef idx="0">
-            <a:schemeClr val="dk1"/>
-          </a:effectRef>
-          <a:fontRef idx="minor">
-            <a:schemeClr val="tx1"/>
-          </a:fontRef>
-        </p:style>
-      </p:cxnSp>
-      <p:sp>
-        <p:nvSpPr>
-          <p:cNvPr id="116" name="Прямоугольник 115"/>
-          <p:cNvSpPr/>
-          <p:nvPr/>
-        </p:nvSpPr>
-        <p:spPr>
-          <a:xfrm>
-            <a:off x="5582089" y="6364044"/>
-            <a:ext cx="196916" cy="677366"/>
-          </a:xfrm>
-          <a:prstGeom prst="rect">
-            <a:avLst/>
-          </a:prstGeom>
-          <a:solidFill>
-            <a:schemeClr val="bg1"/>
-          </a:solidFill>
-          <a:ln>
-            <a:solidFill>
-              <a:schemeClr val="tx1"/>
-            </a:solidFill>
-          </a:ln>
-        </p:spPr>
-        <p:style>
-          <a:lnRef idx="2">
-            <a:schemeClr val="accent1">
-              <a:shade val="50000"/>
-            </a:schemeClr>
-          </a:lnRef>
-          <a:fillRef idx="1">
-            <a:schemeClr val="accent1"/>
-          </a:fillRef>
-          <a:effectRef idx="0">
-            <a:schemeClr val="accent1"/>
-          </a:effectRef>
-          <a:fontRef idx="minor">
-            <a:schemeClr val="lt1"/>
-          </a:fontRef>
-        </p:style>
-        <p:txBody>
-          <a:bodyPr rtlCol="0" anchor="ctr"/>
-          <a:lstStyle/>
-          <a:p>
-            <a:pPr algn="ctr"/>
-            <a:endParaRPr lang="ru-RU"/>
-          </a:p>
-        </p:txBody>
-      </p:sp>
-      <p:sp>
-        <p:nvSpPr>
-          <p:cNvPr id="117" name="Прямоугольник 116"/>
-          <p:cNvSpPr/>
-          <p:nvPr/>
-        </p:nvSpPr>
-        <p:spPr>
-          <a:xfrm>
-            <a:off x="4034862" y="6364044"/>
-            <a:ext cx="144393" cy="748485"/>
-          </a:xfrm>
-          <a:prstGeom prst="rect">
-            <a:avLst/>
-          </a:prstGeom>
-          <a:solidFill>
-            <a:schemeClr val="bg1"/>
-          </a:solidFill>
-          <a:ln>
-            <a:solidFill>
-              <a:schemeClr val="tx1"/>
-            </a:solidFill>
-          </a:ln>
-        </p:spPr>
-        <p:style>
-          <a:lnRef idx="2">
-            <a:schemeClr val="accent1">
-              <a:shade val="50000"/>
-            </a:schemeClr>
-          </a:lnRef>
-          <a:fillRef idx="1">
-            <a:schemeClr val="accent1"/>
-          </a:fillRef>
-          <a:effectRef idx="0">
-            <a:schemeClr val="accent1"/>
-          </a:effectRef>
-          <a:fontRef idx="minor">
-            <a:schemeClr val="lt1"/>
-          </a:fontRef>
-        </p:style>
-        <p:txBody>
-          <a:bodyPr rtlCol="0" anchor="ctr"/>
-          <a:lstStyle/>
-          <a:p>
-            <a:pPr algn="ctr"/>
-            <a:endParaRPr lang="ru-RU"/>
-          </a:p>
-        </p:txBody>
-      </p:sp>
-      <p:cxnSp>
-        <p:nvCxnSpPr>
-          <p:cNvPr id="118" name="Прямая со стрелкой 117"/>
-          <p:cNvCxnSpPr/>
-          <p:nvPr/>
-        </p:nvCxnSpPr>
-        <p:spPr>
-          <a:xfrm flipV="1">
-            <a:off x="4185467" y="6458937"/>
-            <a:ext cx="1417237" cy="8853"/>
-          </a:xfrm>
-          <a:prstGeom prst="straightConnector1">
-            <a:avLst/>
-          </a:prstGeom>
-          <a:ln>
-            <a:tailEnd type="triangle"/>
-          </a:ln>
-        </p:spPr>
-        <p:style>
-          <a:lnRef idx="1">
-            <a:schemeClr val="dk1"/>
-          </a:lnRef>
-          <a:fillRef idx="0">
-            <a:schemeClr val="dk1"/>
-          </a:fillRef>
-          <a:effectRef idx="0">
-            <a:schemeClr val="dk1"/>
-          </a:effectRef>
-          <a:fontRef idx="minor">
-            <a:schemeClr val="tx1"/>
-          </a:fontRef>
-        </p:style>
-      </p:cxnSp>
-      <p:sp>
-        <p:nvSpPr>
-          <p:cNvPr id="119" name="TextBox 118"/>
-          <p:cNvSpPr txBox="1"/>
-          <p:nvPr/>
-        </p:nvSpPr>
-        <p:spPr>
-          <a:xfrm>
-            <a:off x="4461253" y="6446316"/>
-            <a:ext cx="844013" cy="276999"/>
-          </a:xfrm>
-          <a:prstGeom prst="rect">
-            <a:avLst/>
-          </a:prstGeom>
-          <a:noFill/>
-        </p:spPr>
-        <p:txBody>
-          <a:bodyPr wrap="square" rtlCol="0">
-            <a:spAutoFit/>
-          </a:bodyPr>
-          <a:lstStyle/>
-          <a:p>
-            <a:r>
-              <a:rPr lang="en-US" sz="1200" dirty="0" smtClean="0">
-                <a:latin typeface="Bahnschrift Light Condensed" panose="020B0502040204020203" pitchFamily="34" charset="0"/>
-              </a:rPr>
-              <a:t>ID</a:t>
-            </a:r>
-            <a:r>
-              <a:rPr lang="ru-RU" sz="1200" dirty="0" smtClean="0">
-                <a:latin typeface="Bahnschrift Light Condensed" panose="020B0502040204020203" pitchFamily="34" charset="0"/>
-              </a:rPr>
-              <a:t> решения</a:t>
-            </a:r>
-            <a:endParaRPr lang="ru-RU" sz="1200" dirty="0">
-              <a:latin typeface="Bahnschrift Light Condensed" panose="020B0502040204020203" pitchFamily="34" charset="0"/>
-            </a:endParaRPr>
-          </a:p>
-        </p:txBody>
-      </p:sp>
-      <p:cxnSp>
-        <p:nvCxnSpPr>
-          <p:cNvPr id="120" name="Прямая со стрелкой 119"/>
-          <p:cNvCxnSpPr/>
-          <p:nvPr/>
-        </p:nvCxnSpPr>
-        <p:spPr>
-          <a:xfrm flipH="1">
-            <a:off x="4197543" y="6977812"/>
-            <a:ext cx="1393083" cy="0"/>
-          </a:xfrm>
-          <a:prstGeom prst="straightConnector1">
-            <a:avLst/>
-          </a:prstGeom>
-          <a:ln w="9525">
-            <a:solidFill>
-              <a:schemeClr val="tx1"/>
-            </a:solidFill>
-            <a:prstDash val="dash"/>
-            <a:tailEnd type="arrow"/>
-          </a:ln>
-        </p:spPr>
-        <p:style>
-          <a:lnRef idx="1">
-            <a:schemeClr val="dk1"/>
-          </a:lnRef>
-          <a:fillRef idx="0">
-            <a:schemeClr val="dk1"/>
-          </a:fillRef>
-          <a:effectRef idx="0">
-            <a:schemeClr val="dk1"/>
-          </a:effectRef>
-          <a:fontRef idx="minor">
-            <a:schemeClr val="tx1"/>
-          </a:fontRef>
-        </p:style>
-      </p:cxnSp>
-      <p:sp>
-        <p:nvSpPr>
-          <p:cNvPr id="121" name="Прямоугольник 120"/>
-          <p:cNvSpPr/>
-          <p:nvPr/>
-        </p:nvSpPr>
-        <p:spPr>
-          <a:xfrm>
-            <a:off x="7221149" y="6341549"/>
-            <a:ext cx="196916" cy="668293"/>
-          </a:xfrm>
-          <a:prstGeom prst="rect">
-            <a:avLst/>
-          </a:prstGeom>
-          <a:solidFill>
-            <a:schemeClr val="bg1"/>
-          </a:solidFill>
-          <a:ln>
-            <a:solidFill>
-              <a:schemeClr val="tx1"/>
-            </a:solidFill>
-          </a:ln>
-        </p:spPr>
-        <p:style>
-          <a:lnRef idx="2">
-            <a:schemeClr val="accent1">
-              <a:shade val="50000"/>
-            </a:schemeClr>
-          </a:lnRef>
-          <a:fillRef idx="1">
-            <a:schemeClr val="accent1"/>
-          </a:fillRef>
-          <a:effectRef idx="0">
-            <a:schemeClr val="accent1"/>
-          </a:effectRef>
-          <a:fontRef idx="minor">
-            <a:schemeClr val="lt1"/>
-          </a:fontRef>
-        </p:style>
-        <p:txBody>
-          <a:bodyPr rtlCol="0" anchor="ctr"/>
-          <a:lstStyle/>
-          <a:p>
-            <a:pPr algn="ctr"/>
-            <a:endParaRPr lang="ru-RU"/>
-          </a:p>
-        </p:txBody>
-      </p:sp>
-      <p:cxnSp>
-        <p:nvCxnSpPr>
-          <p:cNvPr id="122" name="Прямая со стрелкой 121"/>
-          <p:cNvCxnSpPr/>
-          <p:nvPr/>
-        </p:nvCxnSpPr>
-        <p:spPr>
-          <a:xfrm flipV="1">
-            <a:off x="5818749" y="6420976"/>
-            <a:ext cx="1417237" cy="8853"/>
-          </a:xfrm>
-          <a:prstGeom prst="straightConnector1">
-            <a:avLst/>
-          </a:prstGeom>
-          <a:ln>
-            <a:tailEnd type="triangle"/>
-          </a:ln>
-        </p:spPr>
-        <p:style>
-          <a:lnRef idx="1">
-            <a:schemeClr val="dk1"/>
-          </a:lnRef>
-          <a:fillRef idx="0">
-            <a:schemeClr val="dk1"/>
-          </a:fillRef>
-          <a:effectRef idx="0">
-            <a:schemeClr val="dk1"/>
-          </a:effectRef>
-          <a:fontRef idx="minor">
-            <a:schemeClr val="tx1"/>
-          </a:fontRef>
-        </p:style>
-      </p:cxnSp>
-      <p:sp>
-        <p:nvSpPr>
-          <p:cNvPr id="123" name="TextBox 122"/>
-          <p:cNvSpPr txBox="1"/>
-          <p:nvPr/>
-        </p:nvSpPr>
-        <p:spPr>
-          <a:xfrm>
-            <a:off x="6065091" y="6408355"/>
-            <a:ext cx="873458" cy="276999"/>
-          </a:xfrm>
-          <a:prstGeom prst="rect">
-            <a:avLst/>
-          </a:prstGeom>
-          <a:noFill/>
-        </p:spPr>
-        <p:txBody>
-          <a:bodyPr wrap="square" rtlCol="0">
-            <a:spAutoFit/>
-          </a:bodyPr>
-          <a:lstStyle/>
-          <a:p>
-            <a:r>
-              <a:rPr lang="en-US" sz="1200" dirty="0" smtClean="0">
-                <a:latin typeface="Bahnschrift Light Condensed" panose="020B0502040204020203" pitchFamily="34" charset="0"/>
-              </a:rPr>
-              <a:t>ID </a:t>
-            </a:r>
-            <a:r>
-              <a:rPr lang="ru-RU" sz="1200" dirty="0" smtClean="0">
-                <a:latin typeface="Bahnschrift Light Condensed" panose="020B0502040204020203" pitchFamily="34" charset="0"/>
-              </a:rPr>
-              <a:t>решения</a:t>
-            </a:r>
-          </a:p>
-        </p:txBody>
-      </p:sp>
-      <p:cxnSp>
-        <p:nvCxnSpPr>
-          <p:cNvPr id="124" name="Прямая со стрелкой 123"/>
-          <p:cNvCxnSpPr/>
-          <p:nvPr/>
-        </p:nvCxnSpPr>
-        <p:spPr>
-          <a:xfrm flipH="1">
-            <a:off x="5798441" y="6949163"/>
-            <a:ext cx="1393083" cy="0"/>
-          </a:xfrm>
-          <a:prstGeom prst="straightConnector1">
-            <a:avLst/>
-          </a:prstGeom>
-          <a:ln w="9525">
-            <a:solidFill>
-              <a:schemeClr val="tx1"/>
-            </a:solidFill>
-            <a:prstDash val="dash"/>
-            <a:tailEnd type="arrow"/>
-          </a:ln>
-        </p:spPr>
-        <p:style>
-          <a:lnRef idx="1">
-            <a:schemeClr val="dk1"/>
-          </a:lnRef>
-          <a:fillRef idx="0">
-            <a:schemeClr val="dk1"/>
-          </a:fillRef>
-          <a:effectRef idx="0">
-            <a:schemeClr val="dk1"/>
-          </a:effectRef>
-          <a:fontRef idx="minor">
-            <a:schemeClr val="tx1"/>
-          </a:fontRef>
-        </p:style>
-      </p:cxnSp>
-      <p:sp>
-        <p:nvSpPr>
-          <p:cNvPr id="137" name="TextBox 136"/>
-          <p:cNvSpPr txBox="1"/>
-          <p:nvPr/>
-        </p:nvSpPr>
-        <p:spPr>
-          <a:xfrm>
-            <a:off x="6026921" y="6956711"/>
-            <a:ext cx="1318340" cy="461665"/>
-          </a:xfrm>
-          <a:prstGeom prst="rect">
-            <a:avLst/>
-          </a:prstGeom>
-          <a:noFill/>
-        </p:spPr>
-        <p:txBody>
-          <a:bodyPr wrap="square" rtlCol="0">
-            <a:spAutoFit/>
-          </a:bodyPr>
-          <a:lstStyle/>
-          <a:p>
-            <a:r>
-              <a:rPr lang="ru-RU" sz="1200" dirty="0" smtClean="0">
-                <a:latin typeface="Bahnschrift Light Condensed" panose="020B0502040204020203" pitchFamily="34" charset="0"/>
-              </a:rPr>
-              <a:t>Решение с результатом</a:t>
-            </a:r>
-            <a:endParaRPr lang="ru-RU" sz="1200" dirty="0">
-              <a:latin typeface="Bahnschrift Light Condensed" panose="020B0502040204020203" pitchFamily="34" charset="0"/>
-            </a:endParaRPr>
-          </a:p>
-        </p:txBody>
-      </p:sp>
-      <p:sp>
-        <p:nvSpPr>
-          <p:cNvPr id="139" name="TextBox 138"/>
-          <p:cNvSpPr txBox="1"/>
-          <p:nvPr/>
-        </p:nvSpPr>
-        <p:spPr>
-          <a:xfrm>
-            <a:off x="4305477" y="4580007"/>
-            <a:ext cx="1232278" cy="461665"/>
-          </a:xfrm>
-          <a:prstGeom prst="rect">
-            <a:avLst/>
-          </a:prstGeom>
-          <a:noFill/>
-        </p:spPr>
-        <p:txBody>
-          <a:bodyPr wrap="square" rtlCol="0">
-            <a:spAutoFit/>
-          </a:bodyPr>
-          <a:lstStyle/>
-          <a:p>
-            <a:r>
-              <a:rPr lang="ru-RU" sz="1200" dirty="0" smtClean="0">
-                <a:latin typeface="Bahnschrift Light Condensed" panose="020B0502040204020203" pitchFamily="34" charset="0"/>
-              </a:rPr>
-              <a:t>Решение без результата</a:t>
-            </a:r>
-            <a:endParaRPr lang="ru-RU" sz="1200" dirty="0">
-              <a:latin typeface="Bahnschrift Light Condensed" panose="020B0502040204020203" pitchFamily="34" charset="0"/>
+            <a:endParaRPr lang="ru-RU" sz="1600" dirty="0">
+              <a:solidFill>
+                <a:schemeClr val="tx1"/>
+              </a:solidFill>
             </a:endParaRPr>
           </a:p>
         </p:txBody>
@@ -8131,2895 +5464,7 @@
     </p:spTree>
     <p:extLst>
       <p:ext uri="{BB962C8B-B14F-4D97-AF65-F5344CB8AC3E}">
-        <p14:creationId xmlns:p14="http://schemas.microsoft.com/office/powerpoint/2010/main" val="1930481001"/>
-      </p:ext>
-    </p:extLst>
-  </p:cSld>
-  <p:clrMapOvr>
-    <a:masterClrMapping/>
-  </p:clrMapOvr>
-  <mc:AlternateContent xmlns:mc="http://schemas.openxmlformats.org/markup-compatibility/2006" xmlns:p14="http://schemas.microsoft.com/office/powerpoint/2010/main">
-    <mc:Choice Requires="p14">
-      <p:transition>
-        <p14:reveal/>
-      </p:transition>
-    </mc:Choice>
-    <mc:Fallback xmlns="">
-      <p:transition>
-        <p:fade/>
-      </p:transition>
-    </mc:Fallback>
-  </mc:AlternateContent>
-  <p:timing>
-    <p:tnLst>
-      <p:par>
-        <p:cTn id="1" dur="indefinite" restart="never" nodeType="tmRoot">
-          <p:childTnLst>
-            <p:seq concurrent="1" nextAc="seek">
-              <p:cTn id="2" dur="indefinite" nodeType="mainSeq">
-                <p:childTnLst>
-                  <p:par>
-                    <p:cTn id="3" fill="hold">
-                      <p:stCondLst>
-                        <p:cond delay="indefinite"/>
-                      </p:stCondLst>
-                      <p:childTnLst>
-                        <p:par>
-                          <p:cTn id="4" fill="hold">
-                            <p:stCondLst>
-                              <p:cond delay="0"/>
-                            </p:stCondLst>
-                            <p:childTnLst>
-                              <p:par>
-                                <p:cTn id="5" presetID="1" presetClass="entr" presetSubtype="0" fill="hold" grpId="0" nodeType="clickEffect">
-                                  <p:stCondLst>
-                                    <p:cond delay="0"/>
-                                  </p:stCondLst>
-                                  <p:childTnLst>
-                                    <p:set>
-                                      <p:cBhvr>
-                                        <p:cTn id="6" dur="1" fill="hold">
-                                          <p:stCondLst>
-                                            <p:cond delay="0"/>
-                                          </p:stCondLst>
-                                        </p:cTn>
-                                        <p:tgtEl>
-                                          <p:spTgt spid="8"/>
-                                        </p:tgtEl>
-                                        <p:attrNameLst>
-                                          <p:attrName>style.visibility</p:attrName>
-                                        </p:attrNameLst>
-                                      </p:cBhvr>
-                                      <p:to>
-                                        <p:strVal val="visible"/>
-                                      </p:to>
-                                    </p:set>
-                                  </p:childTnLst>
-                                </p:cTn>
-                              </p:par>
-                              <p:par>
-                                <p:cTn id="7" presetID="1" presetClass="entr" presetSubtype="0" fill="hold" grpId="0" nodeType="withEffect">
-                                  <p:stCondLst>
-                                    <p:cond delay="0"/>
-                                  </p:stCondLst>
-                                  <p:childTnLst>
-                                    <p:set>
-                                      <p:cBhvr>
-                                        <p:cTn id="8" dur="1" fill="hold">
-                                          <p:stCondLst>
-                                            <p:cond delay="0"/>
-                                          </p:stCondLst>
-                                        </p:cTn>
-                                        <p:tgtEl>
-                                          <p:spTgt spid="13"/>
-                                        </p:tgtEl>
-                                        <p:attrNameLst>
-                                          <p:attrName>style.visibility</p:attrName>
-                                        </p:attrNameLst>
-                                      </p:cBhvr>
-                                      <p:to>
-                                        <p:strVal val="visible"/>
-                                      </p:to>
-                                    </p:set>
-                                  </p:childTnLst>
-                                </p:cTn>
-                              </p:par>
-                              <p:par>
-                                <p:cTn id="9" presetID="1" presetClass="entr" presetSubtype="0" fill="hold" nodeType="withEffect">
-                                  <p:stCondLst>
-                                    <p:cond delay="0"/>
-                                  </p:stCondLst>
-                                  <p:childTnLst>
-                                    <p:set>
-                                      <p:cBhvr>
-                                        <p:cTn id="10" dur="1" fill="hold">
-                                          <p:stCondLst>
-                                            <p:cond delay="0"/>
-                                          </p:stCondLst>
-                                        </p:cTn>
-                                        <p:tgtEl>
-                                          <p:spTgt spid="12"/>
-                                        </p:tgtEl>
-                                        <p:attrNameLst>
-                                          <p:attrName>style.visibility</p:attrName>
-                                        </p:attrNameLst>
-                                      </p:cBhvr>
-                                      <p:to>
-                                        <p:strVal val="visible"/>
-                                      </p:to>
-                                    </p:set>
-                                  </p:childTnLst>
-                                </p:cTn>
-                              </p:par>
-                            </p:childTnLst>
-                          </p:cTn>
-                        </p:par>
-                      </p:childTnLst>
-                    </p:cTn>
-                  </p:par>
-                  <p:par>
-                    <p:cTn id="11" fill="hold">
-                      <p:stCondLst>
-                        <p:cond delay="indefinite"/>
-                      </p:stCondLst>
-                      <p:childTnLst>
-                        <p:par>
-                          <p:cTn id="12" fill="hold">
-                            <p:stCondLst>
-                              <p:cond delay="0"/>
-                            </p:stCondLst>
-                            <p:childTnLst>
-                              <p:par>
-                                <p:cTn id="13" presetID="1" presetClass="entr" presetSubtype="0" fill="hold" grpId="0" nodeType="clickEffect">
-                                  <p:stCondLst>
-                                    <p:cond delay="0"/>
-                                  </p:stCondLst>
-                                  <p:childTnLst>
-                                    <p:set>
-                                      <p:cBhvr>
-                                        <p:cTn id="14" dur="1" fill="hold">
-                                          <p:stCondLst>
-                                            <p:cond delay="0"/>
-                                          </p:stCondLst>
-                                        </p:cTn>
-                                        <p:tgtEl>
-                                          <p:spTgt spid="10"/>
-                                        </p:tgtEl>
-                                        <p:attrNameLst>
-                                          <p:attrName>style.visibility</p:attrName>
-                                        </p:attrNameLst>
-                                      </p:cBhvr>
-                                      <p:to>
-                                        <p:strVal val="visible"/>
-                                      </p:to>
-                                    </p:set>
-                                  </p:childTnLst>
-                                </p:cTn>
-                              </p:par>
-                              <p:par>
-                                <p:cTn id="15" presetID="1" presetClass="entr" presetSubtype="0" fill="hold" nodeType="withEffect">
-                                  <p:stCondLst>
-                                    <p:cond delay="0"/>
-                                  </p:stCondLst>
-                                  <p:childTnLst>
-                                    <p:set>
-                                      <p:cBhvr>
-                                        <p:cTn id="16" dur="1" fill="hold">
-                                          <p:stCondLst>
-                                            <p:cond delay="0"/>
-                                          </p:stCondLst>
-                                        </p:cTn>
-                                        <p:tgtEl>
-                                          <p:spTgt spid="17"/>
-                                        </p:tgtEl>
-                                        <p:attrNameLst>
-                                          <p:attrName>style.visibility</p:attrName>
-                                        </p:attrNameLst>
-                                      </p:cBhvr>
-                                      <p:to>
-                                        <p:strVal val="visible"/>
-                                      </p:to>
-                                    </p:set>
-                                  </p:childTnLst>
-                                </p:cTn>
-                              </p:par>
-                              <p:par>
-                                <p:cTn id="17" presetID="1" presetClass="entr" presetSubtype="0" fill="hold" grpId="0" nodeType="withEffect">
-                                  <p:stCondLst>
-                                    <p:cond delay="0"/>
-                                  </p:stCondLst>
-                                  <p:childTnLst>
-                                    <p:set>
-                                      <p:cBhvr>
-                                        <p:cTn id="18" dur="1" fill="hold">
-                                          <p:stCondLst>
-                                            <p:cond delay="0"/>
-                                          </p:stCondLst>
-                                        </p:cTn>
-                                        <p:tgtEl>
-                                          <p:spTgt spid="19"/>
-                                        </p:tgtEl>
-                                        <p:attrNameLst>
-                                          <p:attrName>style.visibility</p:attrName>
-                                        </p:attrNameLst>
-                                      </p:cBhvr>
-                                      <p:to>
-                                        <p:strVal val="visible"/>
-                                      </p:to>
-                                    </p:set>
-                                  </p:childTnLst>
-                                </p:cTn>
-                              </p:par>
-                            </p:childTnLst>
-                          </p:cTn>
-                        </p:par>
-                      </p:childTnLst>
-                    </p:cTn>
-                  </p:par>
-                  <p:par>
-                    <p:cTn id="19" fill="hold">
-                      <p:stCondLst>
-                        <p:cond delay="indefinite"/>
-                      </p:stCondLst>
-                      <p:childTnLst>
-                        <p:par>
-                          <p:cTn id="20" fill="hold">
-                            <p:stCondLst>
-                              <p:cond delay="0"/>
-                            </p:stCondLst>
-                            <p:childTnLst>
-                              <p:par>
-                                <p:cTn id="21" presetID="1" presetClass="entr" presetSubtype="0" fill="hold" grpId="0" nodeType="clickEffect">
-                                  <p:stCondLst>
-                                    <p:cond delay="0"/>
-                                  </p:stCondLst>
-                                  <p:childTnLst>
-                                    <p:set>
-                                      <p:cBhvr>
-                                        <p:cTn id="22" dur="1" fill="hold">
-                                          <p:stCondLst>
-                                            <p:cond delay="0"/>
-                                          </p:stCondLst>
-                                        </p:cTn>
-                                        <p:tgtEl>
-                                          <p:spTgt spid="16"/>
-                                        </p:tgtEl>
-                                        <p:attrNameLst>
-                                          <p:attrName>style.visibility</p:attrName>
-                                        </p:attrNameLst>
-                                      </p:cBhvr>
-                                      <p:to>
-                                        <p:strVal val="visible"/>
-                                      </p:to>
-                                    </p:set>
-                                  </p:childTnLst>
-                                </p:cTn>
-                              </p:par>
-                              <p:par>
-                                <p:cTn id="23" presetID="1" presetClass="entr" presetSubtype="0" fill="hold" nodeType="withEffect">
-                                  <p:stCondLst>
-                                    <p:cond delay="0"/>
-                                  </p:stCondLst>
-                                  <p:childTnLst>
-                                    <p:set>
-                                      <p:cBhvr>
-                                        <p:cTn id="24" dur="1" fill="hold">
-                                          <p:stCondLst>
-                                            <p:cond delay="0"/>
-                                          </p:stCondLst>
-                                        </p:cTn>
-                                        <p:tgtEl>
-                                          <p:spTgt spid="22"/>
-                                        </p:tgtEl>
-                                        <p:attrNameLst>
-                                          <p:attrName>style.visibility</p:attrName>
-                                        </p:attrNameLst>
-                                      </p:cBhvr>
-                                      <p:to>
-                                        <p:strVal val="visible"/>
-                                      </p:to>
-                                    </p:set>
-                                  </p:childTnLst>
-                                </p:cTn>
-                              </p:par>
-                              <p:par>
-                                <p:cTn id="25" presetID="1" presetClass="entr" presetSubtype="0" fill="hold" grpId="0" nodeType="withEffect">
-                                  <p:stCondLst>
-                                    <p:cond delay="0"/>
-                                  </p:stCondLst>
-                                  <p:childTnLst>
-                                    <p:set>
-                                      <p:cBhvr>
-                                        <p:cTn id="26" dur="1" fill="hold">
-                                          <p:stCondLst>
-                                            <p:cond delay="0"/>
-                                          </p:stCondLst>
-                                        </p:cTn>
-                                        <p:tgtEl>
-                                          <p:spTgt spid="21"/>
-                                        </p:tgtEl>
-                                        <p:attrNameLst>
-                                          <p:attrName>style.visibility</p:attrName>
-                                        </p:attrNameLst>
-                                      </p:cBhvr>
-                                      <p:to>
-                                        <p:strVal val="visible"/>
-                                      </p:to>
-                                    </p:set>
-                                  </p:childTnLst>
-                                </p:cTn>
-                              </p:par>
-                              <p:par>
-                                <p:cTn id="27" presetID="1" presetClass="entr" presetSubtype="0" fill="hold" grpId="0" nodeType="withEffect">
-                                  <p:stCondLst>
-                                    <p:cond delay="0"/>
-                                  </p:stCondLst>
-                                  <p:childTnLst>
-                                    <p:set>
-                                      <p:cBhvr>
-                                        <p:cTn id="28" dur="1" fill="hold">
-                                          <p:stCondLst>
-                                            <p:cond delay="0"/>
-                                          </p:stCondLst>
-                                        </p:cTn>
-                                        <p:tgtEl>
-                                          <p:spTgt spid="32"/>
-                                        </p:tgtEl>
-                                        <p:attrNameLst>
-                                          <p:attrName>style.visibility</p:attrName>
-                                        </p:attrNameLst>
-                                      </p:cBhvr>
-                                      <p:to>
-                                        <p:strVal val="visible"/>
-                                      </p:to>
-                                    </p:set>
-                                  </p:childTnLst>
-                                </p:cTn>
-                              </p:par>
-                              <p:par>
-                                <p:cTn id="29" presetID="1" presetClass="entr" presetSubtype="0" fill="hold" grpId="0" nodeType="withEffect">
-                                  <p:stCondLst>
-                                    <p:cond delay="0"/>
-                                  </p:stCondLst>
-                                  <p:childTnLst>
-                                    <p:set>
-                                      <p:cBhvr>
-                                        <p:cTn id="30" dur="1" fill="hold">
-                                          <p:stCondLst>
-                                            <p:cond delay="0"/>
-                                          </p:stCondLst>
-                                        </p:cTn>
-                                        <p:tgtEl>
-                                          <p:spTgt spid="35"/>
-                                        </p:tgtEl>
-                                        <p:attrNameLst>
-                                          <p:attrName>style.visibility</p:attrName>
-                                        </p:attrNameLst>
-                                      </p:cBhvr>
-                                      <p:to>
-                                        <p:strVal val="visible"/>
-                                      </p:to>
-                                    </p:set>
-                                  </p:childTnLst>
-                                </p:cTn>
-                              </p:par>
-                            </p:childTnLst>
-                          </p:cTn>
-                        </p:par>
-                      </p:childTnLst>
-                    </p:cTn>
-                  </p:par>
-                  <p:par>
-                    <p:cTn id="31" fill="hold">
-                      <p:stCondLst>
-                        <p:cond delay="indefinite"/>
-                      </p:stCondLst>
-                      <p:childTnLst>
-                        <p:par>
-                          <p:cTn id="32" fill="hold">
-                            <p:stCondLst>
-                              <p:cond delay="0"/>
-                            </p:stCondLst>
-                            <p:childTnLst>
-                              <p:par>
-                                <p:cTn id="33" presetID="1" presetClass="entr" presetSubtype="0" fill="hold" grpId="0" nodeType="clickEffect">
-                                  <p:stCondLst>
-                                    <p:cond delay="0"/>
-                                  </p:stCondLst>
-                                  <p:childTnLst>
-                                    <p:set>
-                                      <p:cBhvr>
-                                        <p:cTn id="34" dur="1" fill="hold">
-                                          <p:stCondLst>
-                                            <p:cond delay="0"/>
-                                          </p:stCondLst>
-                                        </p:cTn>
-                                        <p:tgtEl>
-                                          <p:spTgt spid="73"/>
-                                        </p:tgtEl>
-                                        <p:attrNameLst>
-                                          <p:attrName>style.visibility</p:attrName>
-                                        </p:attrNameLst>
-                                      </p:cBhvr>
-                                      <p:to>
-                                        <p:strVal val="visible"/>
-                                      </p:to>
-                                    </p:set>
-                                  </p:childTnLst>
-                                </p:cTn>
-                              </p:par>
-                              <p:par>
-                                <p:cTn id="35" presetID="1" presetClass="entr" presetSubtype="0" fill="hold" grpId="0" nodeType="withEffect">
-                                  <p:stCondLst>
-                                    <p:cond delay="0"/>
-                                  </p:stCondLst>
-                                  <p:childTnLst>
-                                    <p:set>
-                                      <p:cBhvr>
-                                        <p:cTn id="36" dur="1" fill="hold">
-                                          <p:stCondLst>
-                                            <p:cond delay="0"/>
-                                          </p:stCondLst>
-                                        </p:cTn>
-                                        <p:tgtEl>
-                                          <p:spTgt spid="50"/>
-                                        </p:tgtEl>
-                                        <p:attrNameLst>
-                                          <p:attrName>style.visibility</p:attrName>
-                                        </p:attrNameLst>
-                                      </p:cBhvr>
-                                      <p:to>
-                                        <p:strVal val="visible"/>
-                                      </p:to>
-                                    </p:set>
-                                  </p:childTnLst>
-                                </p:cTn>
-                              </p:par>
-                              <p:par>
-                                <p:cTn id="37" presetID="1" presetClass="entr" presetSubtype="0" fill="hold" grpId="0" nodeType="withEffect">
-                                  <p:stCondLst>
-                                    <p:cond delay="0"/>
-                                  </p:stCondLst>
-                                  <p:childTnLst>
-                                    <p:set>
-                                      <p:cBhvr>
-                                        <p:cTn id="38" dur="1" fill="hold">
-                                          <p:stCondLst>
-                                            <p:cond delay="0"/>
-                                          </p:stCondLst>
-                                        </p:cTn>
-                                        <p:tgtEl>
-                                          <p:spTgt spid="57"/>
-                                        </p:tgtEl>
-                                        <p:attrNameLst>
-                                          <p:attrName>style.visibility</p:attrName>
-                                        </p:attrNameLst>
-                                      </p:cBhvr>
-                                      <p:to>
-                                        <p:strVal val="visible"/>
-                                      </p:to>
-                                    </p:set>
-                                  </p:childTnLst>
-                                </p:cTn>
-                              </p:par>
-                              <p:par>
-                                <p:cTn id="39" presetID="1" presetClass="entr" presetSubtype="0" fill="hold" nodeType="withEffect">
-                                  <p:stCondLst>
-                                    <p:cond delay="0"/>
-                                  </p:stCondLst>
-                                  <p:childTnLst>
-                                    <p:set>
-                                      <p:cBhvr>
-                                        <p:cTn id="40" dur="1" fill="hold">
-                                          <p:stCondLst>
-                                            <p:cond delay="0"/>
-                                          </p:stCondLst>
-                                        </p:cTn>
-                                        <p:tgtEl>
-                                          <p:spTgt spid="60"/>
-                                        </p:tgtEl>
-                                        <p:attrNameLst>
-                                          <p:attrName>style.visibility</p:attrName>
-                                        </p:attrNameLst>
-                                      </p:cBhvr>
-                                      <p:to>
-                                        <p:strVal val="visible"/>
-                                      </p:to>
-                                    </p:set>
-                                  </p:childTnLst>
-                                </p:cTn>
-                              </p:par>
-                            </p:childTnLst>
-                          </p:cTn>
-                        </p:par>
-                      </p:childTnLst>
-                    </p:cTn>
-                  </p:par>
-                  <p:par>
-                    <p:cTn id="41" fill="hold">
-                      <p:stCondLst>
-                        <p:cond delay="indefinite"/>
-                      </p:stCondLst>
-                      <p:childTnLst>
-                        <p:par>
-                          <p:cTn id="42" fill="hold">
-                            <p:stCondLst>
-                              <p:cond delay="0"/>
-                            </p:stCondLst>
-                            <p:childTnLst>
-                              <p:par>
-                                <p:cTn id="43" presetID="1" presetClass="entr" presetSubtype="0" fill="hold" grpId="0" nodeType="clickEffect">
-                                  <p:stCondLst>
-                                    <p:cond delay="0"/>
-                                  </p:stCondLst>
-                                  <p:childTnLst>
-                                    <p:set>
-                                      <p:cBhvr>
-                                        <p:cTn id="44" dur="1" fill="hold">
-                                          <p:stCondLst>
-                                            <p:cond delay="0"/>
-                                          </p:stCondLst>
-                                        </p:cTn>
-                                        <p:tgtEl>
-                                          <p:spTgt spid="64"/>
-                                        </p:tgtEl>
-                                        <p:attrNameLst>
-                                          <p:attrName>style.visibility</p:attrName>
-                                        </p:attrNameLst>
-                                      </p:cBhvr>
-                                      <p:to>
-                                        <p:strVal val="visible"/>
-                                      </p:to>
-                                    </p:set>
-                                  </p:childTnLst>
-                                </p:cTn>
-                              </p:par>
-                              <p:par>
-                                <p:cTn id="45" presetID="1" presetClass="entr" presetSubtype="0" fill="hold" nodeType="withEffect">
-                                  <p:stCondLst>
-                                    <p:cond delay="0"/>
-                                  </p:stCondLst>
-                                  <p:childTnLst>
-                                    <p:set>
-                                      <p:cBhvr>
-                                        <p:cTn id="46" dur="1" fill="hold">
-                                          <p:stCondLst>
-                                            <p:cond delay="0"/>
-                                          </p:stCondLst>
-                                        </p:cTn>
-                                        <p:tgtEl>
-                                          <p:spTgt spid="63"/>
-                                        </p:tgtEl>
-                                        <p:attrNameLst>
-                                          <p:attrName>style.visibility</p:attrName>
-                                        </p:attrNameLst>
-                                      </p:cBhvr>
-                                      <p:to>
-                                        <p:strVal val="visible"/>
-                                      </p:to>
-                                    </p:set>
-                                  </p:childTnLst>
-                                </p:cTn>
-                              </p:par>
-                              <p:par>
-                                <p:cTn id="47" presetID="1" presetClass="entr" presetSubtype="0" fill="hold" grpId="0" nodeType="withEffect">
-                                  <p:stCondLst>
-                                    <p:cond delay="0"/>
-                                  </p:stCondLst>
-                                  <p:childTnLst>
-                                    <p:set>
-                                      <p:cBhvr>
-                                        <p:cTn id="48" dur="1" fill="hold">
-                                          <p:stCondLst>
-                                            <p:cond delay="0"/>
-                                          </p:stCondLst>
-                                        </p:cTn>
-                                        <p:tgtEl>
-                                          <p:spTgt spid="65"/>
-                                        </p:tgtEl>
-                                        <p:attrNameLst>
-                                          <p:attrName>style.visibility</p:attrName>
-                                        </p:attrNameLst>
-                                      </p:cBhvr>
-                                      <p:to>
-                                        <p:strVal val="visible"/>
-                                      </p:to>
-                                    </p:set>
-                                  </p:childTnLst>
-                                </p:cTn>
-                              </p:par>
-                              <p:par>
-                                <p:cTn id="49" presetID="1" presetClass="entr" presetSubtype="0" fill="hold" grpId="0" nodeType="withEffect">
-                                  <p:stCondLst>
-                                    <p:cond delay="0"/>
-                                  </p:stCondLst>
-                                  <p:childTnLst>
-                                    <p:set>
-                                      <p:cBhvr>
-                                        <p:cTn id="50" dur="1" fill="hold">
-                                          <p:stCondLst>
-                                            <p:cond delay="0"/>
-                                          </p:stCondLst>
-                                        </p:cTn>
-                                        <p:tgtEl>
-                                          <p:spTgt spid="71"/>
-                                        </p:tgtEl>
-                                        <p:attrNameLst>
-                                          <p:attrName>style.visibility</p:attrName>
-                                        </p:attrNameLst>
-                                      </p:cBhvr>
-                                      <p:to>
-                                        <p:strVal val="visible"/>
-                                      </p:to>
-                                    </p:set>
-                                  </p:childTnLst>
-                                </p:cTn>
-                              </p:par>
-                              <p:par>
-                                <p:cTn id="51" presetID="1" presetClass="entr" presetSubtype="0" fill="hold" nodeType="withEffect">
-                                  <p:stCondLst>
-                                    <p:cond delay="0"/>
-                                  </p:stCondLst>
-                                  <p:childTnLst>
-                                    <p:set>
-                                      <p:cBhvr>
-                                        <p:cTn id="52" dur="1" fill="hold">
-                                          <p:stCondLst>
-                                            <p:cond delay="0"/>
-                                          </p:stCondLst>
-                                        </p:cTn>
-                                        <p:tgtEl>
-                                          <p:spTgt spid="74"/>
-                                        </p:tgtEl>
-                                        <p:attrNameLst>
-                                          <p:attrName>style.visibility</p:attrName>
-                                        </p:attrNameLst>
-                                      </p:cBhvr>
-                                      <p:to>
-                                        <p:strVal val="visible"/>
-                                      </p:to>
-                                    </p:set>
-                                  </p:childTnLst>
-                                </p:cTn>
-                              </p:par>
-                              <p:par>
-                                <p:cTn id="53" presetID="1" presetClass="entr" presetSubtype="0" fill="hold" grpId="0" nodeType="withEffect">
-                                  <p:stCondLst>
-                                    <p:cond delay="0"/>
-                                  </p:stCondLst>
-                                  <p:childTnLst>
-                                    <p:set>
-                                      <p:cBhvr>
-                                        <p:cTn id="54" dur="1" fill="hold">
-                                          <p:stCondLst>
-                                            <p:cond delay="0"/>
-                                          </p:stCondLst>
-                                        </p:cTn>
-                                        <p:tgtEl>
-                                          <p:spTgt spid="76"/>
-                                        </p:tgtEl>
-                                        <p:attrNameLst>
-                                          <p:attrName>style.visibility</p:attrName>
-                                        </p:attrNameLst>
-                                      </p:cBhvr>
-                                      <p:to>
-                                        <p:strVal val="visible"/>
-                                      </p:to>
-                                    </p:set>
-                                  </p:childTnLst>
-                                </p:cTn>
-                              </p:par>
-                              <p:par>
-                                <p:cTn id="55" presetID="1" presetClass="entr" presetSubtype="0" fill="hold" nodeType="withEffect">
-                                  <p:stCondLst>
-                                    <p:cond delay="0"/>
-                                  </p:stCondLst>
-                                  <p:childTnLst>
-                                    <p:set>
-                                      <p:cBhvr>
-                                        <p:cTn id="56" dur="1" fill="hold">
-                                          <p:stCondLst>
-                                            <p:cond delay="0"/>
-                                          </p:stCondLst>
-                                        </p:cTn>
-                                        <p:tgtEl>
-                                          <p:spTgt spid="77"/>
-                                        </p:tgtEl>
-                                        <p:attrNameLst>
-                                          <p:attrName>style.visibility</p:attrName>
-                                        </p:attrNameLst>
-                                      </p:cBhvr>
-                                      <p:to>
-                                        <p:strVal val="visible"/>
-                                      </p:to>
-                                    </p:set>
-                                  </p:childTnLst>
-                                </p:cTn>
-                              </p:par>
-                              <p:par>
-                                <p:cTn id="57" presetID="1" presetClass="entr" presetSubtype="0" fill="hold" grpId="0" nodeType="withEffect">
-                                  <p:stCondLst>
-                                    <p:cond delay="0"/>
-                                  </p:stCondLst>
-                                  <p:childTnLst>
-                                    <p:set>
-                                      <p:cBhvr>
-                                        <p:cTn id="58" dur="1" fill="hold">
-                                          <p:stCondLst>
-                                            <p:cond delay="0"/>
-                                          </p:stCondLst>
-                                        </p:cTn>
-                                        <p:tgtEl>
-                                          <p:spTgt spid="78"/>
-                                        </p:tgtEl>
-                                        <p:attrNameLst>
-                                          <p:attrName>style.visibility</p:attrName>
-                                        </p:attrNameLst>
-                                      </p:cBhvr>
-                                      <p:to>
-                                        <p:strVal val="visible"/>
-                                      </p:to>
-                                    </p:set>
-                                  </p:childTnLst>
-                                </p:cTn>
-                              </p:par>
-                              <p:par>
-                                <p:cTn id="59" presetID="1" presetClass="entr" presetSubtype="0" fill="hold" grpId="0" nodeType="withEffect">
-                                  <p:stCondLst>
-                                    <p:cond delay="0"/>
-                                  </p:stCondLst>
-                                  <p:childTnLst>
-                                    <p:set>
-                                      <p:cBhvr>
-                                        <p:cTn id="60" dur="1" fill="hold">
-                                          <p:stCondLst>
-                                            <p:cond delay="0"/>
-                                          </p:stCondLst>
-                                        </p:cTn>
-                                        <p:tgtEl>
-                                          <p:spTgt spid="79"/>
-                                        </p:tgtEl>
-                                        <p:attrNameLst>
-                                          <p:attrName>style.visibility</p:attrName>
-                                        </p:attrNameLst>
-                                      </p:cBhvr>
-                                      <p:to>
-                                        <p:strVal val="visible"/>
-                                      </p:to>
-                                    </p:set>
-                                  </p:childTnLst>
-                                </p:cTn>
-                              </p:par>
-                              <p:par>
-                                <p:cTn id="61" presetID="1" presetClass="entr" presetSubtype="0" fill="hold" nodeType="withEffect">
-                                  <p:stCondLst>
-                                    <p:cond delay="0"/>
-                                  </p:stCondLst>
-                                  <p:childTnLst>
-                                    <p:set>
-                                      <p:cBhvr>
-                                        <p:cTn id="62" dur="1" fill="hold">
-                                          <p:stCondLst>
-                                            <p:cond delay="0"/>
-                                          </p:stCondLst>
-                                        </p:cTn>
-                                        <p:tgtEl>
-                                          <p:spTgt spid="80"/>
-                                        </p:tgtEl>
-                                        <p:attrNameLst>
-                                          <p:attrName>style.visibility</p:attrName>
-                                        </p:attrNameLst>
-                                      </p:cBhvr>
-                                      <p:to>
-                                        <p:strVal val="visible"/>
-                                      </p:to>
-                                    </p:set>
-                                  </p:childTnLst>
-                                </p:cTn>
-                              </p:par>
-                              <p:par>
-                                <p:cTn id="63" presetID="1" presetClass="entr" presetSubtype="0" fill="hold" nodeType="withEffect">
-                                  <p:stCondLst>
-                                    <p:cond delay="0"/>
-                                  </p:stCondLst>
-                                  <p:childTnLst>
-                                    <p:set>
-                                      <p:cBhvr>
-                                        <p:cTn id="64" dur="1" fill="hold">
-                                          <p:stCondLst>
-                                            <p:cond delay="0"/>
-                                          </p:stCondLst>
-                                        </p:cTn>
-                                        <p:tgtEl>
-                                          <p:spTgt spid="81"/>
-                                        </p:tgtEl>
-                                        <p:attrNameLst>
-                                          <p:attrName>style.visibility</p:attrName>
-                                        </p:attrNameLst>
-                                      </p:cBhvr>
-                                      <p:to>
-                                        <p:strVal val="visible"/>
-                                      </p:to>
-                                    </p:set>
-                                  </p:childTnLst>
-                                </p:cTn>
-                              </p:par>
-                              <p:par>
-                                <p:cTn id="65" presetID="1" presetClass="entr" presetSubtype="0" fill="hold" grpId="0" nodeType="withEffect">
-                                  <p:stCondLst>
-                                    <p:cond delay="0"/>
-                                  </p:stCondLst>
-                                  <p:childTnLst>
-                                    <p:set>
-                                      <p:cBhvr>
-                                        <p:cTn id="66" dur="1" fill="hold">
-                                          <p:stCondLst>
-                                            <p:cond delay="0"/>
-                                          </p:stCondLst>
-                                        </p:cTn>
-                                        <p:tgtEl>
-                                          <p:spTgt spid="85"/>
-                                        </p:tgtEl>
-                                        <p:attrNameLst>
-                                          <p:attrName>style.visibility</p:attrName>
-                                        </p:attrNameLst>
-                                      </p:cBhvr>
-                                      <p:to>
-                                        <p:strVal val="visible"/>
-                                      </p:to>
-                                    </p:set>
-                                  </p:childTnLst>
-                                </p:cTn>
-                              </p:par>
-                              <p:par>
-                                <p:cTn id="67" presetID="1" presetClass="entr" presetSubtype="0" fill="hold" nodeType="withEffect">
-                                  <p:stCondLst>
-                                    <p:cond delay="0"/>
-                                  </p:stCondLst>
-                                  <p:childTnLst>
-                                    <p:set>
-                                      <p:cBhvr>
-                                        <p:cTn id="68" dur="1" fill="hold">
-                                          <p:stCondLst>
-                                            <p:cond delay="0"/>
-                                          </p:stCondLst>
-                                        </p:cTn>
-                                        <p:tgtEl>
-                                          <p:spTgt spid="86"/>
-                                        </p:tgtEl>
-                                        <p:attrNameLst>
-                                          <p:attrName>style.visibility</p:attrName>
-                                        </p:attrNameLst>
-                                      </p:cBhvr>
-                                      <p:to>
-                                        <p:strVal val="visible"/>
-                                      </p:to>
-                                    </p:set>
-                                  </p:childTnLst>
-                                </p:cTn>
-                              </p:par>
-                              <p:par>
-                                <p:cTn id="69" presetID="1" presetClass="entr" presetSubtype="0" fill="hold" grpId="0" nodeType="withEffect">
-                                  <p:stCondLst>
-                                    <p:cond delay="0"/>
-                                  </p:stCondLst>
-                                  <p:childTnLst>
-                                    <p:set>
-                                      <p:cBhvr>
-                                        <p:cTn id="70" dur="1" fill="hold">
-                                          <p:stCondLst>
-                                            <p:cond delay="0"/>
-                                          </p:stCondLst>
-                                        </p:cTn>
-                                        <p:tgtEl>
-                                          <p:spTgt spid="87"/>
-                                        </p:tgtEl>
-                                        <p:attrNameLst>
-                                          <p:attrName>style.visibility</p:attrName>
-                                        </p:attrNameLst>
-                                      </p:cBhvr>
-                                      <p:to>
-                                        <p:strVal val="visible"/>
-                                      </p:to>
-                                    </p:set>
-                                  </p:childTnLst>
-                                </p:cTn>
-                              </p:par>
-                              <p:par>
-                                <p:cTn id="71" presetID="1" presetClass="entr" presetSubtype="0" fill="hold" grpId="0" nodeType="withEffect">
-                                  <p:stCondLst>
-                                    <p:cond delay="0"/>
-                                  </p:stCondLst>
-                                  <p:childTnLst>
-                                    <p:set>
-                                      <p:cBhvr>
-                                        <p:cTn id="72" dur="1" fill="hold">
-                                          <p:stCondLst>
-                                            <p:cond delay="0"/>
-                                          </p:stCondLst>
-                                        </p:cTn>
-                                        <p:tgtEl>
-                                          <p:spTgt spid="88"/>
-                                        </p:tgtEl>
-                                        <p:attrNameLst>
-                                          <p:attrName>style.visibility</p:attrName>
-                                        </p:attrNameLst>
-                                      </p:cBhvr>
-                                      <p:to>
-                                        <p:strVal val="visible"/>
-                                      </p:to>
-                                    </p:set>
-                                  </p:childTnLst>
-                                </p:cTn>
-                              </p:par>
-                              <p:par>
-                                <p:cTn id="73" presetID="1" presetClass="entr" presetSubtype="0" fill="hold" nodeType="withEffect">
-                                  <p:stCondLst>
-                                    <p:cond delay="0"/>
-                                  </p:stCondLst>
-                                  <p:childTnLst>
-                                    <p:set>
-                                      <p:cBhvr>
-                                        <p:cTn id="74" dur="1" fill="hold">
-                                          <p:stCondLst>
-                                            <p:cond delay="0"/>
-                                          </p:stCondLst>
-                                        </p:cTn>
-                                        <p:tgtEl>
-                                          <p:spTgt spid="89"/>
-                                        </p:tgtEl>
-                                        <p:attrNameLst>
-                                          <p:attrName>style.visibility</p:attrName>
-                                        </p:attrNameLst>
-                                      </p:cBhvr>
-                                      <p:to>
-                                        <p:strVal val="visible"/>
-                                      </p:to>
-                                    </p:set>
-                                  </p:childTnLst>
-                                </p:cTn>
-                              </p:par>
-                              <p:par>
-                                <p:cTn id="75" presetID="1" presetClass="entr" presetSubtype="0" fill="hold" nodeType="withEffect">
-                                  <p:stCondLst>
-                                    <p:cond delay="0"/>
-                                  </p:stCondLst>
-                                  <p:childTnLst>
-                                    <p:set>
-                                      <p:cBhvr>
-                                        <p:cTn id="76" dur="1" fill="hold">
-                                          <p:stCondLst>
-                                            <p:cond delay="0"/>
-                                          </p:stCondLst>
-                                        </p:cTn>
-                                        <p:tgtEl>
-                                          <p:spTgt spid="90"/>
-                                        </p:tgtEl>
-                                        <p:attrNameLst>
-                                          <p:attrName>style.visibility</p:attrName>
-                                        </p:attrNameLst>
-                                      </p:cBhvr>
-                                      <p:to>
-                                        <p:strVal val="visible"/>
-                                      </p:to>
-                                    </p:set>
-                                  </p:childTnLst>
-                                </p:cTn>
-                              </p:par>
-                              <p:par>
-                                <p:cTn id="77" presetID="1" presetClass="entr" presetSubtype="0" fill="hold" grpId="0" nodeType="withEffect">
-                                  <p:stCondLst>
-                                    <p:cond delay="0"/>
-                                  </p:stCondLst>
-                                  <p:childTnLst>
-                                    <p:set>
-                                      <p:cBhvr>
-                                        <p:cTn id="78" dur="1" fill="hold">
-                                          <p:stCondLst>
-                                            <p:cond delay="0"/>
-                                          </p:stCondLst>
-                                        </p:cTn>
-                                        <p:tgtEl>
-                                          <p:spTgt spid="94"/>
-                                        </p:tgtEl>
-                                        <p:attrNameLst>
-                                          <p:attrName>style.visibility</p:attrName>
-                                        </p:attrNameLst>
-                                      </p:cBhvr>
-                                      <p:to>
-                                        <p:strVal val="visible"/>
-                                      </p:to>
-                                    </p:set>
-                                  </p:childTnLst>
-                                </p:cTn>
-                              </p:par>
-                              <p:par>
-                                <p:cTn id="79" presetID="1" presetClass="entr" presetSubtype="0" fill="hold" grpId="0" nodeType="withEffect">
-                                  <p:stCondLst>
-                                    <p:cond delay="0"/>
-                                  </p:stCondLst>
-                                  <p:childTnLst>
-                                    <p:set>
-                                      <p:cBhvr>
-                                        <p:cTn id="80" dur="1" fill="hold">
-                                          <p:stCondLst>
-                                            <p:cond delay="0"/>
-                                          </p:stCondLst>
-                                        </p:cTn>
-                                        <p:tgtEl>
-                                          <p:spTgt spid="95"/>
-                                        </p:tgtEl>
-                                        <p:attrNameLst>
-                                          <p:attrName>style.visibility</p:attrName>
-                                        </p:attrNameLst>
-                                      </p:cBhvr>
-                                      <p:to>
-                                        <p:strVal val="visible"/>
-                                      </p:to>
-                                    </p:set>
-                                  </p:childTnLst>
-                                </p:cTn>
-                              </p:par>
-                              <p:par>
-                                <p:cTn id="81" presetID="1" presetClass="entr" presetSubtype="0" fill="hold" nodeType="withEffect">
-                                  <p:stCondLst>
-                                    <p:cond delay="0"/>
-                                  </p:stCondLst>
-                                  <p:childTnLst>
-                                    <p:set>
-                                      <p:cBhvr>
-                                        <p:cTn id="82" dur="1" fill="hold">
-                                          <p:stCondLst>
-                                            <p:cond delay="0"/>
-                                          </p:stCondLst>
-                                        </p:cTn>
-                                        <p:tgtEl>
-                                          <p:spTgt spid="96"/>
-                                        </p:tgtEl>
-                                        <p:attrNameLst>
-                                          <p:attrName>style.visibility</p:attrName>
-                                        </p:attrNameLst>
-                                      </p:cBhvr>
-                                      <p:to>
-                                        <p:strVal val="visible"/>
-                                      </p:to>
-                                    </p:set>
-                                  </p:childTnLst>
-                                </p:cTn>
-                              </p:par>
-                              <p:par>
-                                <p:cTn id="83" presetID="1" presetClass="entr" presetSubtype="0" fill="hold" grpId="0" nodeType="withEffect">
-                                  <p:stCondLst>
-                                    <p:cond delay="0"/>
-                                  </p:stCondLst>
-                                  <p:childTnLst>
-                                    <p:set>
-                                      <p:cBhvr>
-                                        <p:cTn id="84" dur="1" fill="hold">
-                                          <p:stCondLst>
-                                            <p:cond delay="0"/>
-                                          </p:stCondLst>
-                                        </p:cTn>
-                                        <p:tgtEl>
-                                          <p:spTgt spid="97"/>
-                                        </p:tgtEl>
-                                        <p:attrNameLst>
-                                          <p:attrName>style.visibility</p:attrName>
-                                        </p:attrNameLst>
-                                      </p:cBhvr>
-                                      <p:to>
-                                        <p:strVal val="visible"/>
-                                      </p:to>
-                                    </p:set>
-                                  </p:childTnLst>
-                                </p:cTn>
-                              </p:par>
-                              <p:par>
-                                <p:cTn id="85" presetID="1" presetClass="entr" presetSubtype="0" fill="hold" grpId="0" nodeType="withEffect">
-                                  <p:stCondLst>
-                                    <p:cond delay="0"/>
-                                  </p:stCondLst>
-                                  <p:childTnLst>
-                                    <p:set>
-                                      <p:cBhvr>
-                                        <p:cTn id="86" dur="1" fill="hold">
-                                          <p:stCondLst>
-                                            <p:cond delay="0"/>
-                                          </p:stCondLst>
-                                        </p:cTn>
-                                        <p:tgtEl>
-                                          <p:spTgt spid="103"/>
-                                        </p:tgtEl>
-                                        <p:attrNameLst>
-                                          <p:attrName>style.visibility</p:attrName>
-                                        </p:attrNameLst>
-                                      </p:cBhvr>
-                                      <p:to>
-                                        <p:strVal val="visible"/>
-                                      </p:to>
-                                    </p:set>
-                                  </p:childTnLst>
-                                </p:cTn>
-                              </p:par>
-                              <p:par>
-                                <p:cTn id="87" presetID="1" presetClass="entr" presetSubtype="0" fill="hold" nodeType="withEffect">
-                                  <p:stCondLst>
-                                    <p:cond delay="0"/>
-                                  </p:stCondLst>
-                                  <p:childTnLst>
-                                    <p:set>
-                                      <p:cBhvr>
-                                        <p:cTn id="88" dur="1" fill="hold">
-                                          <p:stCondLst>
-                                            <p:cond delay="0"/>
-                                          </p:stCondLst>
-                                        </p:cTn>
-                                        <p:tgtEl>
-                                          <p:spTgt spid="104"/>
-                                        </p:tgtEl>
-                                        <p:attrNameLst>
-                                          <p:attrName>style.visibility</p:attrName>
-                                        </p:attrNameLst>
-                                      </p:cBhvr>
-                                      <p:to>
-                                        <p:strVal val="visible"/>
-                                      </p:to>
-                                    </p:set>
-                                  </p:childTnLst>
-                                </p:cTn>
-                              </p:par>
-                              <p:par>
-                                <p:cTn id="89" presetID="1" presetClass="entr" presetSubtype="0" fill="hold" grpId="0" nodeType="withEffect">
-                                  <p:stCondLst>
-                                    <p:cond delay="0"/>
-                                  </p:stCondLst>
-                                  <p:childTnLst>
-                                    <p:set>
-                                      <p:cBhvr>
-                                        <p:cTn id="90" dur="1" fill="hold">
-                                          <p:stCondLst>
-                                            <p:cond delay="0"/>
-                                          </p:stCondLst>
-                                        </p:cTn>
-                                        <p:tgtEl>
-                                          <p:spTgt spid="105"/>
-                                        </p:tgtEl>
-                                        <p:attrNameLst>
-                                          <p:attrName>style.visibility</p:attrName>
-                                        </p:attrNameLst>
-                                      </p:cBhvr>
-                                      <p:to>
-                                        <p:strVal val="visible"/>
-                                      </p:to>
-                                    </p:set>
-                                  </p:childTnLst>
-                                </p:cTn>
-                              </p:par>
-                              <p:par>
-                                <p:cTn id="91" presetID="1" presetClass="entr" presetSubtype="0" fill="hold" grpId="0" nodeType="withEffect">
-                                  <p:stCondLst>
-                                    <p:cond delay="0"/>
-                                  </p:stCondLst>
-                                  <p:childTnLst>
-                                    <p:set>
-                                      <p:cBhvr>
-                                        <p:cTn id="92" dur="1" fill="hold">
-                                          <p:stCondLst>
-                                            <p:cond delay="0"/>
-                                          </p:stCondLst>
-                                        </p:cTn>
-                                        <p:tgtEl>
-                                          <p:spTgt spid="106"/>
-                                        </p:tgtEl>
-                                        <p:attrNameLst>
-                                          <p:attrName>style.visibility</p:attrName>
-                                        </p:attrNameLst>
-                                      </p:cBhvr>
-                                      <p:to>
-                                        <p:strVal val="visible"/>
-                                      </p:to>
-                                    </p:set>
-                                  </p:childTnLst>
-                                </p:cTn>
-                              </p:par>
-                              <p:par>
-                                <p:cTn id="93" presetID="1" presetClass="entr" presetSubtype="0" fill="hold" nodeType="withEffect">
-                                  <p:stCondLst>
-                                    <p:cond delay="0"/>
-                                  </p:stCondLst>
-                                  <p:childTnLst>
-                                    <p:set>
-                                      <p:cBhvr>
-                                        <p:cTn id="94" dur="1" fill="hold">
-                                          <p:stCondLst>
-                                            <p:cond delay="0"/>
-                                          </p:stCondLst>
-                                        </p:cTn>
-                                        <p:tgtEl>
-                                          <p:spTgt spid="107"/>
-                                        </p:tgtEl>
-                                        <p:attrNameLst>
-                                          <p:attrName>style.visibility</p:attrName>
-                                        </p:attrNameLst>
-                                      </p:cBhvr>
-                                      <p:to>
-                                        <p:strVal val="visible"/>
-                                      </p:to>
-                                    </p:set>
-                                  </p:childTnLst>
-                                </p:cTn>
-                              </p:par>
-                            </p:childTnLst>
-                          </p:cTn>
-                        </p:par>
-                      </p:childTnLst>
-                    </p:cTn>
-                  </p:par>
-                  <p:par>
-                    <p:cTn id="95" fill="hold">
-                      <p:stCondLst>
-                        <p:cond delay="indefinite"/>
-                      </p:stCondLst>
-                      <p:childTnLst>
-                        <p:par>
-                          <p:cTn id="96" fill="hold">
-                            <p:stCondLst>
-                              <p:cond delay="0"/>
-                            </p:stCondLst>
-                            <p:childTnLst>
-                              <p:par>
-                                <p:cTn id="97" presetID="1" presetClass="entr" presetSubtype="0" fill="hold" grpId="0" nodeType="clickEffect">
-                                  <p:stCondLst>
-                                    <p:cond delay="0"/>
-                                  </p:stCondLst>
-                                  <p:childTnLst>
-                                    <p:set>
-                                      <p:cBhvr>
-                                        <p:cTn id="98" dur="1" fill="hold">
-                                          <p:stCondLst>
-                                            <p:cond delay="0"/>
-                                          </p:stCondLst>
-                                        </p:cTn>
-                                        <p:tgtEl>
-                                          <p:spTgt spid="117"/>
-                                        </p:tgtEl>
-                                        <p:attrNameLst>
-                                          <p:attrName>style.visibility</p:attrName>
-                                        </p:attrNameLst>
-                                      </p:cBhvr>
-                                      <p:to>
-                                        <p:strVal val="visible"/>
-                                      </p:to>
-                                    </p:set>
-                                  </p:childTnLst>
-                                </p:cTn>
-                              </p:par>
-                              <p:par>
-                                <p:cTn id="99" presetID="1" presetClass="entr" presetSubtype="0" fill="hold" grpId="0" nodeType="withEffect">
-                                  <p:stCondLst>
-                                    <p:cond delay="0"/>
-                                  </p:stCondLst>
-                                  <p:childTnLst>
-                                    <p:set>
-                                      <p:cBhvr>
-                                        <p:cTn id="100" dur="1" fill="hold">
-                                          <p:stCondLst>
-                                            <p:cond delay="0"/>
-                                          </p:stCondLst>
-                                        </p:cTn>
-                                        <p:tgtEl>
-                                          <p:spTgt spid="116"/>
-                                        </p:tgtEl>
-                                        <p:attrNameLst>
-                                          <p:attrName>style.visibility</p:attrName>
-                                        </p:attrNameLst>
-                                      </p:cBhvr>
-                                      <p:to>
-                                        <p:strVal val="visible"/>
-                                      </p:to>
-                                    </p:set>
-                                  </p:childTnLst>
-                                </p:cTn>
-                              </p:par>
-                              <p:par>
-                                <p:cTn id="101" presetID="1" presetClass="entr" presetSubtype="0" fill="hold" nodeType="withEffect">
-                                  <p:stCondLst>
-                                    <p:cond delay="0"/>
-                                  </p:stCondLst>
-                                  <p:childTnLst>
-                                    <p:set>
-                                      <p:cBhvr>
-                                        <p:cTn id="102" dur="1" fill="hold">
-                                          <p:stCondLst>
-                                            <p:cond delay="0"/>
-                                          </p:stCondLst>
-                                        </p:cTn>
-                                        <p:tgtEl>
-                                          <p:spTgt spid="118"/>
-                                        </p:tgtEl>
-                                        <p:attrNameLst>
-                                          <p:attrName>style.visibility</p:attrName>
-                                        </p:attrNameLst>
-                                      </p:cBhvr>
-                                      <p:to>
-                                        <p:strVal val="visible"/>
-                                      </p:to>
-                                    </p:set>
-                                  </p:childTnLst>
-                                </p:cTn>
-                              </p:par>
-                              <p:par>
-                                <p:cTn id="103" presetID="1" presetClass="entr" presetSubtype="0" fill="hold" grpId="0" nodeType="withEffect">
-                                  <p:stCondLst>
-                                    <p:cond delay="0"/>
-                                  </p:stCondLst>
-                                  <p:childTnLst>
-                                    <p:set>
-                                      <p:cBhvr>
-                                        <p:cTn id="104" dur="1" fill="hold">
-                                          <p:stCondLst>
-                                            <p:cond delay="0"/>
-                                          </p:stCondLst>
-                                        </p:cTn>
-                                        <p:tgtEl>
-                                          <p:spTgt spid="119"/>
-                                        </p:tgtEl>
-                                        <p:attrNameLst>
-                                          <p:attrName>style.visibility</p:attrName>
-                                        </p:attrNameLst>
-                                      </p:cBhvr>
-                                      <p:to>
-                                        <p:strVal val="visible"/>
-                                      </p:to>
-                                    </p:set>
-                                  </p:childTnLst>
-                                </p:cTn>
-                              </p:par>
-                              <p:par>
-                                <p:cTn id="105" presetID="1" presetClass="entr" presetSubtype="0" fill="hold" nodeType="withEffect">
-                                  <p:stCondLst>
-                                    <p:cond delay="0"/>
-                                  </p:stCondLst>
-                                  <p:childTnLst>
-                                    <p:set>
-                                      <p:cBhvr>
-                                        <p:cTn id="106" dur="1" fill="hold">
-                                          <p:stCondLst>
-                                            <p:cond delay="0"/>
-                                          </p:stCondLst>
-                                        </p:cTn>
-                                        <p:tgtEl>
-                                          <p:spTgt spid="120"/>
-                                        </p:tgtEl>
-                                        <p:attrNameLst>
-                                          <p:attrName>style.visibility</p:attrName>
-                                        </p:attrNameLst>
-                                      </p:cBhvr>
-                                      <p:to>
-                                        <p:strVal val="visible"/>
-                                      </p:to>
-                                    </p:set>
-                                  </p:childTnLst>
-                                </p:cTn>
-                              </p:par>
-                              <p:par>
-                                <p:cTn id="107" presetID="1" presetClass="entr" presetSubtype="0" fill="hold" grpId="0" nodeType="withEffect">
-                                  <p:stCondLst>
-                                    <p:cond delay="0"/>
-                                  </p:stCondLst>
-                                  <p:childTnLst>
-                                    <p:set>
-                                      <p:cBhvr>
-                                        <p:cTn id="108" dur="1" fill="hold">
-                                          <p:stCondLst>
-                                            <p:cond delay="0"/>
-                                          </p:stCondLst>
-                                        </p:cTn>
-                                        <p:tgtEl>
-                                          <p:spTgt spid="121"/>
-                                        </p:tgtEl>
-                                        <p:attrNameLst>
-                                          <p:attrName>style.visibility</p:attrName>
-                                        </p:attrNameLst>
-                                      </p:cBhvr>
-                                      <p:to>
-                                        <p:strVal val="visible"/>
-                                      </p:to>
-                                    </p:set>
-                                  </p:childTnLst>
-                                </p:cTn>
-                              </p:par>
-                              <p:par>
-                                <p:cTn id="109" presetID="1" presetClass="entr" presetSubtype="0" fill="hold" nodeType="withEffect">
-                                  <p:stCondLst>
-                                    <p:cond delay="0"/>
-                                  </p:stCondLst>
-                                  <p:childTnLst>
-                                    <p:set>
-                                      <p:cBhvr>
-                                        <p:cTn id="110" dur="1" fill="hold">
-                                          <p:stCondLst>
-                                            <p:cond delay="0"/>
-                                          </p:stCondLst>
-                                        </p:cTn>
-                                        <p:tgtEl>
-                                          <p:spTgt spid="122"/>
-                                        </p:tgtEl>
-                                        <p:attrNameLst>
-                                          <p:attrName>style.visibility</p:attrName>
-                                        </p:attrNameLst>
-                                      </p:cBhvr>
-                                      <p:to>
-                                        <p:strVal val="visible"/>
-                                      </p:to>
-                                    </p:set>
-                                  </p:childTnLst>
-                                </p:cTn>
-                              </p:par>
-                              <p:par>
-                                <p:cTn id="111" presetID="1" presetClass="entr" presetSubtype="0" fill="hold" grpId="0" nodeType="withEffect">
-                                  <p:stCondLst>
-                                    <p:cond delay="0"/>
-                                  </p:stCondLst>
-                                  <p:childTnLst>
-                                    <p:set>
-                                      <p:cBhvr>
-                                        <p:cTn id="112" dur="1" fill="hold">
-                                          <p:stCondLst>
-                                            <p:cond delay="0"/>
-                                          </p:stCondLst>
-                                        </p:cTn>
-                                        <p:tgtEl>
-                                          <p:spTgt spid="123"/>
-                                        </p:tgtEl>
-                                        <p:attrNameLst>
-                                          <p:attrName>style.visibility</p:attrName>
-                                        </p:attrNameLst>
-                                      </p:cBhvr>
-                                      <p:to>
-                                        <p:strVal val="visible"/>
-                                      </p:to>
-                                    </p:set>
-                                  </p:childTnLst>
-                                </p:cTn>
-                              </p:par>
-                              <p:par>
-                                <p:cTn id="113" presetID="1" presetClass="entr" presetSubtype="0" fill="hold" nodeType="withEffect">
-                                  <p:stCondLst>
-                                    <p:cond delay="0"/>
-                                  </p:stCondLst>
-                                  <p:childTnLst>
-                                    <p:set>
-                                      <p:cBhvr>
-                                        <p:cTn id="114" dur="1" fill="hold">
-                                          <p:stCondLst>
-                                            <p:cond delay="0"/>
-                                          </p:stCondLst>
-                                        </p:cTn>
-                                        <p:tgtEl>
-                                          <p:spTgt spid="124"/>
-                                        </p:tgtEl>
-                                        <p:attrNameLst>
-                                          <p:attrName>style.visibility</p:attrName>
-                                        </p:attrNameLst>
-                                      </p:cBhvr>
-                                      <p:to>
-                                        <p:strVal val="visible"/>
-                                      </p:to>
-                                    </p:set>
-                                  </p:childTnLst>
-                                </p:cTn>
-                              </p:par>
-                              <p:par>
-                                <p:cTn id="115" presetID="1" presetClass="entr" presetSubtype="0" fill="hold" grpId="0" nodeType="withEffect">
-                                  <p:stCondLst>
-                                    <p:cond delay="0"/>
-                                  </p:stCondLst>
-                                  <p:childTnLst>
-                                    <p:set>
-                                      <p:cBhvr>
-                                        <p:cTn id="116" dur="1" fill="hold">
-                                          <p:stCondLst>
-                                            <p:cond delay="0"/>
-                                          </p:stCondLst>
-                                        </p:cTn>
-                                        <p:tgtEl>
-                                          <p:spTgt spid="137"/>
-                                        </p:tgtEl>
-                                        <p:attrNameLst>
-                                          <p:attrName>style.visibility</p:attrName>
-                                        </p:attrNameLst>
-                                      </p:cBhvr>
-                                      <p:to>
-                                        <p:strVal val="visible"/>
-                                      </p:to>
-                                    </p:set>
-                                  </p:childTnLst>
-                                </p:cTn>
-                              </p:par>
-                              <p:par>
-                                <p:cTn id="117" presetID="1" presetClass="entr" presetSubtype="0" fill="hold" grpId="0" nodeType="withEffect">
-                                  <p:stCondLst>
-                                    <p:cond delay="0"/>
-                                  </p:stCondLst>
-                                  <p:childTnLst>
-                                    <p:set>
-                                      <p:cBhvr>
-                                        <p:cTn id="118" dur="1" fill="hold">
-                                          <p:stCondLst>
-                                            <p:cond delay="0"/>
-                                          </p:stCondLst>
-                                        </p:cTn>
-                                        <p:tgtEl>
-                                          <p:spTgt spid="139"/>
-                                        </p:tgtEl>
-                                        <p:attrNameLst>
-                                          <p:attrName>style.visibility</p:attrName>
-                                        </p:attrNameLst>
-                                      </p:cBhvr>
-                                      <p:to>
-                                        <p:strVal val="visible"/>
-                                      </p:to>
-                                    </p:set>
-                                  </p:childTnLst>
-                                </p:cTn>
-                              </p:par>
-                            </p:childTnLst>
-                          </p:cTn>
-                        </p:par>
-                      </p:childTnLst>
-                    </p:cTn>
-                  </p:par>
-                </p:childTnLst>
-              </p:cTn>
-              <p:prevCondLst>
-                <p:cond evt="onPrev" delay="0">
-                  <p:tgtEl>
-                    <p:sldTgt/>
-                  </p:tgtEl>
-                </p:cond>
-              </p:prevCondLst>
-              <p:nextCondLst>
-                <p:cond evt="onNext" delay="0">
-                  <p:tgtEl>
-                    <p:sldTgt/>
-                  </p:tgtEl>
-                </p:cond>
-              </p:nextCondLst>
-            </p:seq>
-          </p:childTnLst>
-        </p:cTn>
-      </p:par>
-    </p:tnLst>
-    <p:bldLst>
-      <p:bldP spid="8" grpId="0" animBg="1"/>
-      <p:bldP spid="10" grpId="0" animBg="1"/>
-      <p:bldP spid="13" grpId="0"/>
-      <p:bldP spid="16" grpId="0" animBg="1"/>
-      <p:bldP spid="19" grpId="0"/>
-      <p:bldP spid="21" grpId="0" animBg="1"/>
-      <p:bldP spid="32" grpId="0"/>
-      <p:bldP spid="35" grpId="0" animBg="1"/>
-      <p:bldP spid="50" grpId="0" animBg="1"/>
-      <p:bldP spid="57" grpId="0" animBg="1"/>
-      <p:bldP spid="64" grpId="0"/>
-      <p:bldP spid="73" grpId="0" animBg="1"/>
-      <p:bldP spid="65" grpId="0"/>
-      <p:bldP spid="71" grpId="0"/>
-      <p:bldP spid="76" grpId="0" animBg="1"/>
-      <p:bldP spid="78" grpId="0"/>
-      <p:bldP spid="79" grpId="0"/>
-      <p:bldP spid="85" grpId="0"/>
-      <p:bldP spid="87" grpId="0"/>
-      <p:bldP spid="88" grpId="0"/>
-      <p:bldP spid="94" grpId="0"/>
-      <p:bldP spid="95" grpId="0" animBg="1"/>
-      <p:bldP spid="97" grpId="0"/>
-      <p:bldP spid="103" grpId="0" animBg="1"/>
-      <p:bldP spid="105" grpId="0"/>
-      <p:bldP spid="106" grpId="0"/>
-      <p:bldP spid="116" grpId="0" animBg="1"/>
-      <p:bldP spid="117" grpId="0" animBg="1"/>
-      <p:bldP spid="119" grpId="0"/>
-      <p:bldP spid="121" grpId="0" animBg="1"/>
-      <p:bldP spid="123" grpId="0"/>
-      <p:bldP spid="137" grpId="0"/>
-      <p:bldP spid="139" grpId="0"/>
-    </p:bldLst>
-  </p:timing>
-</p:sld>
-</file>
-
-<file path=ppt/slides/slide14.xml><?xml version="1.0" encoding="utf-8"?>
-<p:sld xmlns:a="http://schemas.openxmlformats.org/drawingml/2006/main" xmlns:r="http://schemas.openxmlformats.org/officeDocument/2006/relationships" xmlns:p="http://schemas.openxmlformats.org/presentationml/2006/main">
-  <p:cSld>
-    <p:spTree>
-      <p:nvGrpSpPr>
-        <p:cNvPr id="1" name=""/>
-        <p:cNvGrpSpPr/>
-        <p:nvPr/>
-      </p:nvGrpSpPr>
-      <p:grpSpPr>
-        <a:xfrm>
-          <a:off x="0" y="0"/>
-          <a:ext cx="0" cy="0"/>
-          <a:chOff x="0" y="0"/>
-          <a:chExt cx="0" cy="0"/>
-        </a:xfrm>
-      </p:grpSpPr>
-      <p:sp>
-        <p:nvSpPr>
-          <p:cNvPr id="3" name="Заголовок 1">
-            <a:extLst>
-              <a:ext uri="{FF2B5EF4-FFF2-40B4-BE49-F238E27FC236}">
-                <a16:creationId xmlns:a16="http://schemas.microsoft.com/office/drawing/2014/main" id="{75E89737-4059-4527-AEA2-A3E8757ED3E5}"/>
-              </a:ext>
-            </a:extLst>
-          </p:cNvPr>
-          <p:cNvSpPr>
-            <a:spLocks noGrp="1"/>
-          </p:cNvSpPr>
-          <p:nvPr>
-            <p:ph type="title"/>
-          </p:nvPr>
-        </p:nvSpPr>
-        <p:spPr>
-          <a:xfrm>
-            <a:off x="838200" y="316999"/>
-            <a:ext cx="10515600" cy="784145"/>
-          </a:xfrm>
-        </p:spPr>
-        <p:txBody>
-          <a:bodyPr/>
-          <a:lstStyle/>
-          <a:p>
-            <a:r>
-              <a:rPr lang="ru-RU" dirty="0" smtClean="0">
-                <a:latin typeface="Bahnschrift Light Condensed" panose="020B0502040204020203" pitchFamily="34" charset="0"/>
-              </a:rPr>
-              <a:t>Структура драйвера</a:t>
-            </a:r>
-            <a:endParaRPr lang="ru-RU" dirty="0">
-              <a:latin typeface="Bahnschrift Light Condensed" panose="020B0502040204020203" pitchFamily="34" charset="0"/>
-            </a:endParaRPr>
-          </a:p>
-        </p:txBody>
-      </p:sp>
-      <p:sp>
-        <p:nvSpPr>
-          <p:cNvPr id="4" name="TextBox 3"/>
-          <p:cNvSpPr txBox="1"/>
-          <p:nvPr/>
-        </p:nvSpPr>
-        <p:spPr>
-          <a:xfrm>
-            <a:off x="355241" y="1564784"/>
-            <a:ext cx="4963733" cy="3754874"/>
-          </a:xfrm>
-          <a:prstGeom prst="rect">
-            <a:avLst/>
-          </a:prstGeom>
-          <a:noFill/>
-        </p:spPr>
-        <p:txBody>
-          <a:bodyPr wrap="square" rtlCol="0">
-            <a:spAutoFit/>
-          </a:bodyPr>
-          <a:lstStyle/>
-          <a:p>
-            <a:pPr marL="457200" indent="-457200" algn="just">
-              <a:buFont typeface="+mj-lt"/>
-              <a:buAutoNum type="arabicPeriod"/>
-            </a:pPr>
-            <a:r>
-              <a:rPr lang="ru-RU" sz="2000" dirty="0" smtClean="0">
-                <a:latin typeface="Bahnschrift Light Condensed" panose="020B0502040204020203" pitchFamily="34" charset="0"/>
-              </a:rPr>
-              <a:t>Место куда вставляется код пользователя.</a:t>
-            </a:r>
-          </a:p>
-          <a:p>
-            <a:pPr marL="457200" indent="-457200" algn="just">
-              <a:buFont typeface="+mj-lt"/>
-              <a:buAutoNum type="arabicPeriod"/>
-            </a:pPr>
-            <a:r>
-              <a:rPr lang="ru-RU" sz="2000" dirty="0" smtClean="0">
-                <a:latin typeface="Bahnschrift Light Condensed" panose="020B0502040204020203" pitchFamily="34" charset="0"/>
-              </a:rPr>
-              <a:t>Функции </a:t>
-            </a:r>
-            <a:r>
-              <a:rPr lang="ru-RU" sz="2000" dirty="0">
-                <a:latin typeface="Bahnschrift Light Condensed" panose="020B0502040204020203" pitchFamily="34" charset="0"/>
-              </a:rPr>
-              <a:t>чтения данных определенных типов из </a:t>
-            </a:r>
-            <a:r>
-              <a:rPr lang="ru-RU" sz="2000" dirty="0" smtClean="0">
-                <a:latin typeface="Bahnschrift Light Condensed" panose="020B0502040204020203" pitchFamily="34" charset="0"/>
-              </a:rPr>
-              <a:t>консоли.</a:t>
-            </a:r>
-          </a:p>
-          <a:p>
-            <a:pPr marL="457200" indent="-457200" algn="just">
-              <a:buFont typeface="+mj-lt"/>
-              <a:buAutoNum type="arabicPeriod"/>
-            </a:pPr>
-            <a:r>
-              <a:rPr lang="ru-RU" sz="2000" dirty="0" smtClean="0">
-                <a:latin typeface="Bahnschrift Light Condensed" panose="020B0502040204020203" pitchFamily="34" charset="0"/>
-              </a:rPr>
-              <a:t>Секция для чтения входных параметров (вызов функций их п. 2)</a:t>
-            </a:r>
-          </a:p>
-          <a:p>
-            <a:pPr marL="457200" indent="-457200" algn="just">
-              <a:buFont typeface="+mj-lt"/>
-              <a:buAutoNum type="arabicPeriod"/>
-            </a:pPr>
-            <a:r>
-              <a:rPr lang="ru-RU" sz="2000" dirty="0" smtClean="0">
-                <a:latin typeface="Bahnschrift Light Condensed" panose="020B0502040204020203" pitchFamily="34" charset="0"/>
-              </a:rPr>
-              <a:t>Начало отсчета времени</a:t>
-            </a:r>
-          </a:p>
-          <a:p>
-            <a:pPr marL="457200" indent="-457200" algn="just">
-              <a:buFont typeface="+mj-lt"/>
-              <a:buAutoNum type="arabicPeriod"/>
-            </a:pPr>
-            <a:r>
-              <a:rPr lang="ru-RU" sz="2000" dirty="0" smtClean="0">
-                <a:latin typeface="Bahnschrift Light Condensed" panose="020B0502040204020203" pitchFamily="34" charset="0"/>
-              </a:rPr>
-              <a:t>Вызов кода, отправленного пользователем, с передачей параметров</a:t>
-            </a:r>
-          </a:p>
-          <a:p>
-            <a:pPr marL="457200" indent="-457200" algn="just">
-              <a:buFont typeface="+mj-lt"/>
-              <a:buAutoNum type="arabicPeriod"/>
-            </a:pPr>
-            <a:r>
-              <a:rPr lang="ru-RU" sz="2000" dirty="0" smtClean="0">
-                <a:latin typeface="Bahnschrift Light Condensed" panose="020B0502040204020203" pitchFamily="34" charset="0"/>
-              </a:rPr>
-              <a:t>Конец </a:t>
-            </a:r>
-            <a:r>
-              <a:rPr lang="ru-RU" sz="2000" dirty="0">
-                <a:latin typeface="Bahnschrift Light Condensed" panose="020B0502040204020203" pitchFamily="34" charset="0"/>
-              </a:rPr>
-              <a:t>отсчета </a:t>
-            </a:r>
-            <a:r>
-              <a:rPr lang="ru-RU" sz="2000" dirty="0" smtClean="0">
-                <a:latin typeface="Bahnschrift Light Condensed" panose="020B0502040204020203" pitchFamily="34" charset="0"/>
-              </a:rPr>
-              <a:t>времени</a:t>
-            </a:r>
-          </a:p>
-          <a:p>
-            <a:pPr marL="457200" indent="-457200" algn="just">
-              <a:buFont typeface="+mj-lt"/>
-              <a:buAutoNum type="arabicPeriod"/>
-            </a:pPr>
-            <a:r>
-              <a:rPr lang="ru-RU" sz="2000" dirty="0" smtClean="0">
-                <a:latin typeface="Bahnschrift Light Condensed" panose="020B0502040204020203" pitchFamily="34" charset="0"/>
-              </a:rPr>
-              <a:t>Подсчет памяти</a:t>
-            </a:r>
-          </a:p>
-          <a:p>
-            <a:pPr marL="457200" indent="-457200" algn="just">
-              <a:buFont typeface="+mj-lt"/>
-              <a:buAutoNum type="arabicPeriod"/>
-            </a:pPr>
-            <a:r>
-              <a:rPr lang="ru-RU" sz="2000" dirty="0" smtClean="0">
-                <a:latin typeface="Bahnschrift Light Condensed" panose="020B0502040204020203" pitchFamily="34" charset="0"/>
-              </a:rPr>
-              <a:t>Вывод результатов в консоль</a:t>
-            </a:r>
-          </a:p>
-          <a:p>
-            <a:pPr algn="just"/>
-            <a:r>
-              <a:rPr lang="ru-RU" dirty="0" smtClean="0"/>
-              <a:t> </a:t>
-            </a:r>
-            <a:endParaRPr lang="ru-RU" dirty="0"/>
-          </a:p>
-        </p:txBody>
-      </p:sp>
-      <p:sp>
-        <p:nvSpPr>
-          <p:cNvPr id="10" name="TextBox 9"/>
-          <p:cNvSpPr txBox="1"/>
-          <p:nvPr/>
-        </p:nvSpPr>
-        <p:spPr>
-          <a:xfrm>
-            <a:off x="5982237" y="457200"/>
-            <a:ext cx="5505718" cy="6340197"/>
-          </a:xfrm>
-          <a:prstGeom prst="rect">
-            <a:avLst/>
-          </a:prstGeom>
-          <a:noFill/>
-        </p:spPr>
-        <p:txBody>
-          <a:bodyPr wrap="square" rtlCol="0">
-            <a:spAutoFit/>
-          </a:bodyPr>
-          <a:lstStyle/>
-          <a:p>
-            <a:r>
-              <a:rPr lang="en-US" sz="1400" dirty="0" smtClean="0">
-                <a:latin typeface="Bahnschrift Light SemiCondensed" panose="020B0502040204020203" pitchFamily="34" charset="0"/>
-              </a:rPr>
-              <a:t>${</a:t>
-            </a:r>
-            <a:r>
-              <a:rPr lang="en-US" sz="1400" dirty="0">
-                <a:latin typeface="Bahnschrift Light SemiCondensed" panose="020B0502040204020203" pitchFamily="34" charset="0"/>
-              </a:rPr>
-              <a:t>solution</a:t>
-            </a:r>
-            <a:r>
-              <a:rPr lang="en-US" sz="1400" dirty="0" smtClean="0">
-                <a:latin typeface="Bahnschrift Light SemiCondensed" panose="020B0502040204020203" pitchFamily="34" charset="0"/>
-              </a:rPr>
-              <a:t>}</a:t>
-            </a:r>
-            <a:r>
-              <a:rPr lang="ru-RU" sz="1400" dirty="0" smtClean="0">
-                <a:latin typeface="Bahnschrift Light SemiCondensed" panose="020B0502040204020203" pitchFamily="34" charset="0"/>
-              </a:rPr>
-              <a:t>   </a:t>
-            </a:r>
-            <a:r>
-              <a:rPr lang="ru-RU" sz="1400" b="1" dirty="0" smtClean="0">
-                <a:latin typeface="Bahnschrift Light SemiCondensed" panose="020B0502040204020203" pitchFamily="34" charset="0"/>
-              </a:rPr>
-              <a:t>1)</a:t>
-            </a:r>
-            <a:endParaRPr lang="en-US" sz="1400" b="1" dirty="0">
-              <a:latin typeface="Bahnschrift Light SemiCondensed" panose="020B0502040204020203" pitchFamily="34" charset="0"/>
-            </a:endParaRPr>
-          </a:p>
-          <a:p>
-            <a:r>
-              <a:rPr lang="en-US" sz="1400" dirty="0" smtClean="0">
-                <a:latin typeface="Bahnschrift Light SemiCondensed" panose="020B0502040204020203" pitchFamily="34" charset="0"/>
-              </a:rPr>
-              <a:t/>
-            </a:r>
-            <a:br>
-              <a:rPr lang="en-US" sz="1400" dirty="0" smtClean="0">
-                <a:latin typeface="Bahnschrift Light SemiCondensed" panose="020B0502040204020203" pitchFamily="34" charset="0"/>
-              </a:rPr>
-            </a:br>
-            <a:r>
-              <a:rPr lang="en-US" sz="1400" b="1" dirty="0" err="1" smtClean="0">
-                <a:latin typeface="Bahnschrift Light SemiCondensed" panose="020B0502040204020203" pitchFamily="34" charset="0"/>
-              </a:rPr>
-              <a:t>def</a:t>
-            </a:r>
-            <a:r>
-              <a:rPr lang="en-US" sz="1400" dirty="0" smtClean="0">
-                <a:latin typeface="Bahnschrift Light SemiCondensed" panose="020B0502040204020203" pitchFamily="34" charset="0"/>
-              </a:rPr>
-              <a:t> READ_STRING():</a:t>
-            </a:r>
-            <a:r>
-              <a:rPr lang="ru-RU" sz="1400" dirty="0" smtClean="0">
-                <a:latin typeface="Bahnschrift Light SemiCondensed" panose="020B0502040204020203" pitchFamily="34" charset="0"/>
-              </a:rPr>
-              <a:t> </a:t>
-            </a:r>
-            <a:r>
-              <a:rPr lang="ru-RU" sz="1400" b="1" dirty="0" smtClean="0">
-                <a:latin typeface="Bahnschrift Light SemiCondensed" panose="020B0502040204020203" pitchFamily="34" charset="0"/>
-              </a:rPr>
-              <a:t>2)</a:t>
-            </a:r>
-            <a:endParaRPr lang="en-US" sz="1400" dirty="0" smtClean="0">
-              <a:latin typeface="Bahnschrift Light SemiCondensed" panose="020B0502040204020203" pitchFamily="34" charset="0"/>
-            </a:endParaRPr>
-          </a:p>
-          <a:p>
-            <a:r>
-              <a:rPr lang="en-US" sz="1400" dirty="0">
-                <a:latin typeface="Bahnschrift Light SemiCondensed" panose="020B0502040204020203" pitchFamily="34" charset="0"/>
-              </a:rPr>
-              <a:t>    </a:t>
-            </a:r>
-            <a:r>
-              <a:rPr lang="en-US" sz="1400" b="1" dirty="0">
-                <a:latin typeface="Bahnschrift Light SemiCondensed" panose="020B0502040204020203" pitchFamily="34" charset="0"/>
-              </a:rPr>
-              <a:t>return</a:t>
-            </a:r>
-            <a:r>
-              <a:rPr lang="en-US" sz="1400" dirty="0">
-                <a:latin typeface="Bahnschrift Light SemiCondensed" panose="020B0502040204020203" pitchFamily="34" charset="0"/>
-              </a:rPr>
-              <a:t> input()</a:t>
-            </a:r>
-          </a:p>
-          <a:p>
-            <a:r>
-              <a:rPr lang="en-US" sz="1400" dirty="0">
-                <a:latin typeface="Bahnschrift Light SemiCondensed" panose="020B0502040204020203" pitchFamily="34" charset="0"/>
-              </a:rPr>
-              <a:t/>
-            </a:r>
-            <a:br>
-              <a:rPr lang="en-US" sz="1400" dirty="0">
-                <a:latin typeface="Bahnschrift Light SemiCondensed" panose="020B0502040204020203" pitchFamily="34" charset="0"/>
-              </a:rPr>
-            </a:br>
-            <a:r>
-              <a:rPr lang="en-US" sz="1400" b="1" dirty="0" err="1">
-                <a:latin typeface="Bahnschrift Light SemiCondensed" panose="020B0502040204020203" pitchFamily="34" charset="0"/>
-              </a:rPr>
-              <a:t>def</a:t>
-            </a:r>
-            <a:r>
-              <a:rPr lang="en-US" sz="1400" dirty="0">
-                <a:latin typeface="Bahnschrift Light SemiCondensed" panose="020B0502040204020203" pitchFamily="34" charset="0"/>
-              </a:rPr>
-              <a:t> READ_INTEGER_ARR</a:t>
-            </a:r>
-            <a:r>
-              <a:rPr lang="en-US" sz="1400" dirty="0" smtClean="0">
-                <a:latin typeface="Bahnschrift Light SemiCondensed" panose="020B0502040204020203" pitchFamily="34" charset="0"/>
-              </a:rPr>
-              <a:t>():</a:t>
-            </a:r>
-            <a:r>
-              <a:rPr lang="ru-RU" sz="1400" dirty="0" smtClean="0">
-                <a:latin typeface="Bahnschrift Light SemiCondensed" panose="020B0502040204020203" pitchFamily="34" charset="0"/>
-              </a:rPr>
-              <a:t> </a:t>
-            </a:r>
-            <a:r>
-              <a:rPr lang="ru-RU" sz="1400" b="1" dirty="0">
-                <a:latin typeface="Bahnschrift Light SemiCondensed" panose="020B0502040204020203" pitchFamily="34" charset="0"/>
-              </a:rPr>
-              <a:t>2</a:t>
-            </a:r>
-            <a:r>
-              <a:rPr lang="ru-RU" sz="1400" b="1" dirty="0" smtClean="0">
-                <a:latin typeface="Bahnschrift Light SemiCondensed" panose="020B0502040204020203" pitchFamily="34" charset="0"/>
-              </a:rPr>
-              <a:t>)</a:t>
-            </a:r>
-            <a:endParaRPr lang="en-US" sz="1400" dirty="0">
-              <a:latin typeface="Bahnschrift Light SemiCondensed" panose="020B0502040204020203" pitchFamily="34" charset="0"/>
-            </a:endParaRPr>
-          </a:p>
-          <a:p>
-            <a:r>
-              <a:rPr lang="en-US" sz="1400" dirty="0">
-                <a:latin typeface="Bahnschrift Light SemiCondensed" panose="020B0502040204020203" pitchFamily="34" charset="0"/>
-              </a:rPr>
-              <a:t>    </a:t>
-            </a:r>
-            <a:r>
-              <a:rPr lang="en-US" sz="1400" dirty="0" err="1">
-                <a:latin typeface="Bahnschrift Light SemiCondensed" panose="020B0502040204020203" pitchFamily="34" charset="0"/>
-              </a:rPr>
-              <a:t>input_str</a:t>
-            </a:r>
-            <a:r>
-              <a:rPr lang="en-US" sz="1400" dirty="0">
-                <a:latin typeface="Bahnschrift Light SemiCondensed" panose="020B0502040204020203" pitchFamily="34" charset="0"/>
-              </a:rPr>
-              <a:t> </a:t>
-            </a:r>
-            <a:r>
-              <a:rPr lang="en-US" sz="1400" b="1" dirty="0">
-                <a:latin typeface="Bahnschrift Light SemiCondensed" panose="020B0502040204020203" pitchFamily="34" charset="0"/>
-              </a:rPr>
-              <a:t>=</a:t>
-            </a:r>
-            <a:r>
-              <a:rPr lang="en-US" sz="1400" dirty="0">
-                <a:latin typeface="Bahnschrift Light SemiCondensed" panose="020B0502040204020203" pitchFamily="34" charset="0"/>
-              </a:rPr>
-              <a:t> input()</a:t>
-            </a:r>
-          </a:p>
-          <a:p>
-            <a:r>
-              <a:rPr lang="en-US" sz="1400" dirty="0">
-                <a:latin typeface="Bahnschrift Light SemiCondensed" panose="020B0502040204020203" pitchFamily="34" charset="0"/>
-              </a:rPr>
-              <a:t>    </a:t>
-            </a:r>
-            <a:r>
-              <a:rPr lang="en-US" sz="1400" b="1" dirty="0">
-                <a:latin typeface="Bahnschrift Light SemiCondensed" panose="020B0502040204020203" pitchFamily="34" charset="0"/>
-              </a:rPr>
-              <a:t>if</a:t>
-            </a:r>
-            <a:r>
-              <a:rPr lang="en-US" sz="1400" dirty="0">
-                <a:latin typeface="Bahnschrift Light SemiCondensed" panose="020B0502040204020203" pitchFamily="34" charset="0"/>
-              </a:rPr>
-              <a:t> </a:t>
-            </a:r>
-            <a:r>
-              <a:rPr lang="en-US" sz="1400" dirty="0" err="1">
-                <a:latin typeface="Bahnschrift Light SemiCondensed" panose="020B0502040204020203" pitchFamily="34" charset="0"/>
-              </a:rPr>
-              <a:t>input_str</a:t>
-            </a:r>
-            <a:r>
-              <a:rPr lang="en-US" sz="1400" dirty="0">
-                <a:latin typeface="Bahnschrift Light SemiCondensed" panose="020B0502040204020203" pitchFamily="34" charset="0"/>
-              </a:rPr>
-              <a:t> </a:t>
-            </a:r>
-            <a:r>
-              <a:rPr lang="en-US" sz="1400" b="1" dirty="0">
-                <a:latin typeface="Bahnschrift Light SemiCondensed" panose="020B0502040204020203" pitchFamily="34" charset="0"/>
-              </a:rPr>
-              <a:t>==</a:t>
-            </a:r>
-            <a:r>
-              <a:rPr lang="en-US" sz="1400" dirty="0">
-                <a:latin typeface="Bahnschrift Light SemiCondensed" panose="020B0502040204020203" pitchFamily="34" charset="0"/>
-              </a:rPr>
-              <a:t> "[]":</a:t>
-            </a:r>
-          </a:p>
-          <a:p>
-            <a:r>
-              <a:rPr lang="en-US" sz="1400" dirty="0">
-                <a:latin typeface="Bahnschrift Light SemiCondensed" panose="020B0502040204020203" pitchFamily="34" charset="0"/>
-              </a:rPr>
-              <a:t>        </a:t>
-            </a:r>
-            <a:r>
-              <a:rPr lang="en-US" sz="1400" b="1" dirty="0">
-                <a:latin typeface="Bahnschrift Light SemiCondensed" panose="020B0502040204020203" pitchFamily="34" charset="0"/>
-              </a:rPr>
-              <a:t>return</a:t>
-            </a:r>
-            <a:r>
-              <a:rPr lang="en-US" sz="1400" dirty="0">
-                <a:latin typeface="Bahnschrift Light SemiCondensed" panose="020B0502040204020203" pitchFamily="34" charset="0"/>
-              </a:rPr>
-              <a:t> </a:t>
-            </a:r>
-            <a:r>
-              <a:rPr lang="en-US" sz="1400" dirty="0" smtClean="0">
-                <a:latin typeface="Bahnschrift Light SemiCondensed" panose="020B0502040204020203" pitchFamily="34" charset="0"/>
-              </a:rPr>
-              <a:t>[]</a:t>
-            </a:r>
-            <a:r>
-              <a:rPr lang="en-US" sz="1400" dirty="0">
-                <a:latin typeface="Bahnschrift Light SemiCondensed" panose="020B0502040204020203" pitchFamily="34" charset="0"/>
-              </a:rPr>
-              <a:t/>
-            </a:r>
-            <a:br>
-              <a:rPr lang="en-US" sz="1400" dirty="0">
-                <a:latin typeface="Bahnschrift Light SemiCondensed" panose="020B0502040204020203" pitchFamily="34" charset="0"/>
-              </a:rPr>
-            </a:br>
-            <a:r>
-              <a:rPr lang="en-US" sz="1400" dirty="0">
-                <a:latin typeface="Bahnschrift Light SemiCondensed" panose="020B0502040204020203" pitchFamily="34" charset="0"/>
-              </a:rPr>
-              <a:t>    </a:t>
-            </a:r>
-            <a:r>
-              <a:rPr lang="en-US" sz="1400" dirty="0" err="1">
-                <a:latin typeface="Bahnschrift Light SemiCondensed" panose="020B0502040204020203" pitchFamily="34" charset="0"/>
-              </a:rPr>
-              <a:t>input_str</a:t>
-            </a:r>
-            <a:r>
-              <a:rPr lang="en-US" sz="1400" dirty="0">
-                <a:latin typeface="Bahnschrift Light SemiCondensed" panose="020B0502040204020203" pitchFamily="34" charset="0"/>
-              </a:rPr>
-              <a:t> </a:t>
-            </a:r>
-            <a:r>
-              <a:rPr lang="en-US" sz="1400" b="1" dirty="0">
-                <a:latin typeface="Bahnschrift Light SemiCondensed" panose="020B0502040204020203" pitchFamily="34" charset="0"/>
-              </a:rPr>
-              <a:t>=</a:t>
-            </a:r>
-            <a:r>
-              <a:rPr lang="en-US" sz="1400" dirty="0">
-                <a:latin typeface="Bahnschrift Light SemiCondensed" panose="020B0502040204020203" pitchFamily="34" charset="0"/>
-              </a:rPr>
-              <a:t> </a:t>
-            </a:r>
-            <a:r>
-              <a:rPr lang="en-US" sz="1400" dirty="0" err="1">
-                <a:latin typeface="Bahnschrift Light SemiCondensed" panose="020B0502040204020203" pitchFamily="34" charset="0"/>
-              </a:rPr>
-              <a:t>input_str.replace</a:t>
-            </a:r>
-            <a:r>
-              <a:rPr lang="en-US" sz="1400" dirty="0">
-                <a:latin typeface="Bahnschrift Light SemiCondensed" panose="020B0502040204020203" pitchFamily="34" charset="0"/>
-              </a:rPr>
-              <a:t>("[", "").replace("]", "").replace(" ", </a:t>
-            </a:r>
-            <a:r>
-              <a:rPr lang="en-US" sz="1400" dirty="0" smtClean="0">
-                <a:latin typeface="Bahnschrift Light SemiCondensed" panose="020B0502040204020203" pitchFamily="34" charset="0"/>
-              </a:rPr>
-              <a:t>"")</a:t>
-            </a:r>
-            <a:r>
-              <a:rPr lang="en-US" sz="1400" dirty="0">
-                <a:latin typeface="Bahnschrift Light SemiCondensed" panose="020B0502040204020203" pitchFamily="34" charset="0"/>
-              </a:rPr>
-              <a:t/>
-            </a:r>
-            <a:br>
-              <a:rPr lang="en-US" sz="1400" dirty="0">
-                <a:latin typeface="Bahnschrift Light SemiCondensed" panose="020B0502040204020203" pitchFamily="34" charset="0"/>
-              </a:rPr>
-            </a:br>
-            <a:r>
-              <a:rPr lang="en-US" sz="1400" dirty="0">
-                <a:latin typeface="Bahnschrift Light SemiCondensed" panose="020B0502040204020203" pitchFamily="34" charset="0"/>
-              </a:rPr>
-              <a:t>    </a:t>
-            </a:r>
-            <a:r>
-              <a:rPr lang="en-US" sz="1400" dirty="0" smtClean="0">
-                <a:latin typeface="Bahnschrift Light SemiCondensed" panose="020B0502040204020203" pitchFamily="34" charset="0"/>
-              </a:rPr>
-              <a:t>elements </a:t>
-            </a:r>
-            <a:r>
-              <a:rPr lang="en-US" sz="1400" b="1" dirty="0">
-                <a:latin typeface="Bahnschrift Light SemiCondensed" panose="020B0502040204020203" pitchFamily="34" charset="0"/>
-              </a:rPr>
-              <a:t>=</a:t>
-            </a:r>
-            <a:r>
-              <a:rPr lang="en-US" sz="1400" dirty="0">
-                <a:latin typeface="Bahnschrift Light SemiCondensed" panose="020B0502040204020203" pitchFamily="34" charset="0"/>
-              </a:rPr>
-              <a:t> </a:t>
-            </a:r>
-            <a:r>
-              <a:rPr lang="en-US" sz="1400" dirty="0" err="1">
-                <a:latin typeface="Bahnschrift Light SemiCondensed" panose="020B0502040204020203" pitchFamily="34" charset="0"/>
-              </a:rPr>
-              <a:t>input_str.split</a:t>
-            </a:r>
-            <a:r>
-              <a:rPr lang="en-US" sz="1400" dirty="0" smtClean="0">
-                <a:latin typeface="Bahnschrift Light SemiCondensed" panose="020B0502040204020203" pitchFamily="34" charset="0"/>
-              </a:rPr>
-              <a:t>(",")</a:t>
-            </a:r>
-            <a:r>
-              <a:rPr lang="en-US" sz="1400" dirty="0">
-                <a:latin typeface="Bahnschrift Light SemiCondensed" panose="020B0502040204020203" pitchFamily="34" charset="0"/>
-              </a:rPr>
-              <a:t/>
-            </a:r>
-            <a:br>
-              <a:rPr lang="en-US" sz="1400" dirty="0">
-                <a:latin typeface="Bahnschrift Light SemiCondensed" panose="020B0502040204020203" pitchFamily="34" charset="0"/>
-              </a:rPr>
-            </a:br>
-            <a:r>
-              <a:rPr lang="en-US" sz="1400" dirty="0">
-                <a:latin typeface="Bahnschrift Light SemiCondensed" panose="020B0502040204020203" pitchFamily="34" charset="0"/>
-              </a:rPr>
-              <a:t>    </a:t>
-            </a:r>
-            <a:r>
-              <a:rPr lang="en-US" sz="1400" dirty="0" err="1">
-                <a:latin typeface="Bahnschrift Light SemiCondensed" panose="020B0502040204020203" pitchFamily="34" charset="0"/>
-              </a:rPr>
-              <a:t>arr</a:t>
-            </a:r>
-            <a:r>
-              <a:rPr lang="en-US" sz="1400" dirty="0">
-                <a:latin typeface="Bahnschrift Light SemiCondensed" panose="020B0502040204020203" pitchFamily="34" charset="0"/>
-              </a:rPr>
-              <a:t> </a:t>
-            </a:r>
-            <a:r>
-              <a:rPr lang="en-US" sz="1400" b="1" dirty="0">
-                <a:latin typeface="Bahnschrift Light SemiCondensed" panose="020B0502040204020203" pitchFamily="34" charset="0"/>
-              </a:rPr>
-              <a:t>=</a:t>
-            </a:r>
-            <a:r>
-              <a:rPr lang="en-US" sz="1400" dirty="0">
-                <a:latin typeface="Bahnschrift Light SemiCondensed" panose="020B0502040204020203" pitchFamily="34" charset="0"/>
-              </a:rPr>
-              <a:t> [</a:t>
-            </a:r>
-            <a:r>
-              <a:rPr lang="en-US" sz="1400" dirty="0" err="1">
-                <a:latin typeface="Bahnschrift Light SemiCondensed" panose="020B0502040204020203" pitchFamily="34" charset="0"/>
-              </a:rPr>
-              <a:t>int</a:t>
-            </a:r>
-            <a:r>
-              <a:rPr lang="en-US" sz="1400" dirty="0">
-                <a:latin typeface="Bahnschrift Light SemiCondensed" panose="020B0502040204020203" pitchFamily="34" charset="0"/>
-              </a:rPr>
-              <a:t>(element) </a:t>
-            </a:r>
-            <a:r>
-              <a:rPr lang="en-US" sz="1400" b="1" dirty="0">
-                <a:latin typeface="Bahnschrift Light SemiCondensed" panose="020B0502040204020203" pitchFamily="34" charset="0"/>
-              </a:rPr>
-              <a:t>for</a:t>
-            </a:r>
-            <a:r>
-              <a:rPr lang="en-US" sz="1400" dirty="0">
-                <a:latin typeface="Bahnschrift Light SemiCondensed" panose="020B0502040204020203" pitchFamily="34" charset="0"/>
-              </a:rPr>
-              <a:t> element </a:t>
-            </a:r>
-            <a:r>
-              <a:rPr lang="en-US" sz="1400" b="1" dirty="0">
-                <a:latin typeface="Bahnschrift Light SemiCondensed" panose="020B0502040204020203" pitchFamily="34" charset="0"/>
-              </a:rPr>
-              <a:t>in</a:t>
-            </a:r>
-            <a:r>
-              <a:rPr lang="en-US" sz="1400" dirty="0">
-                <a:latin typeface="Bahnschrift Light SemiCondensed" panose="020B0502040204020203" pitchFamily="34" charset="0"/>
-              </a:rPr>
-              <a:t> elements]</a:t>
-            </a:r>
-          </a:p>
-          <a:p>
-            <a:r>
-              <a:rPr lang="en-US" sz="1400" dirty="0">
-                <a:latin typeface="Bahnschrift Light SemiCondensed" panose="020B0502040204020203" pitchFamily="34" charset="0"/>
-              </a:rPr>
-              <a:t>    </a:t>
-            </a:r>
-            <a:r>
-              <a:rPr lang="en-US" sz="1400" b="1" dirty="0">
-                <a:latin typeface="Bahnschrift Light SemiCondensed" panose="020B0502040204020203" pitchFamily="34" charset="0"/>
-              </a:rPr>
-              <a:t>return</a:t>
-            </a:r>
-            <a:r>
-              <a:rPr lang="en-US" sz="1400" dirty="0">
-                <a:latin typeface="Bahnschrift Light SemiCondensed" panose="020B0502040204020203" pitchFamily="34" charset="0"/>
-              </a:rPr>
-              <a:t> </a:t>
-            </a:r>
-            <a:r>
-              <a:rPr lang="en-US" sz="1400" dirty="0" err="1">
-                <a:latin typeface="Bahnschrift Light SemiCondensed" panose="020B0502040204020203" pitchFamily="34" charset="0"/>
-              </a:rPr>
-              <a:t>arr</a:t>
-            </a:r>
-            <a:endParaRPr lang="en-US" sz="1400" dirty="0">
-              <a:latin typeface="Bahnschrift Light SemiCondensed" panose="020B0502040204020203" pitchFamily="34" charset="0"/>
-            </a:endParaRPr>
-          </a:p>
-          <a:p>
-            <a:r>
-              <a:rPr lang="en-US" sz="1400" dirty="0">
-                <a:latin typeface="Bahnschrift Light SemiCondensed" panose="020B0502040204020203" pitchFamily="34" charset="0"/>
-              </a:rPr>
-              <a:t/>
-            </a:r>
-            <a:br>
-              <a:rPr lang="en-US" sz="1400" dirty="0">
-                <a:latin typeface="Bahnschrift Light SemiCondensed" panose="020B0502040204020203" pitchFamily="34" charset="0"/>
-              </a:rPr>
-            </a:br>
-            <a:r>
-              <a:rPr lang="en-US" sz="1400" b="1" dirty="0">
-                <a:latin typeface="Bahnschrift Light SemiCondensed" panose="020B0502040204020203" pitchFamily="34" charset="0"/>
-              </a:rPr>
-              <a:t>if</a:t>
-            </a:r>
-            <a:r>
-              <a:rPr lang="en-US" sz="1400" dirty="0">
-                <a:latin typeface="Bahnschrift Light SemiCondensed" panose="020B0502040204020203" pitchFamily="34" charset="0"/>
-              </a:rPr>
-              <a:t> __name__ </a:t>
-            </a:r>
-            <a:r>
-              <a:rPr lang="en-US" sz="1400" b="1" dirty="0">
-                <a:latin typeface="Bahnschrift Light SemiCondensed" panose="020B0502040204020203" pitchFamily="34" charset="0"/>
-              </a:rPr>
-              <a:t>==</a:t>
-            </a:r>
-            <a:r>
-              <a:rPr lang="en-US" sz="1400" dirty="0">
-                <a:latin typeface="Bahnschrift Light SemiCondensed" panose="020B0502040204020203" pitchFamily="34" charset="0"/>
-              </a:rPr>
-              <a:t> '__main__':</a:t>
-            </a:r>
-          </a:p>
-          <a:p>
-            <a:r>
-              <a:rPr lang="en-US" sz="1400" dirty="0">
-                <a:latin typeface="Bahnschrift Light SemiCondensed" panose="020B0502040204020203" pitchFamily="34" charset="0"/>
-              </a:rPr>
-              <a:t>${</a:t>
-            </a:r>
-            <a:r>
-              <a:rPr lang="en-US" sz="1400" dirty="0" err="1">
-                <a:latin typeface="Bahnschrift Light SemiCondensed" panose="020B0502040204020203" pitchFamily="34" charset="0"/>
-              </a:rPr>
-              <a:t>paramsInputSection</a:t>
-            </a:r>
-            <a:r>
-              <a:rPr lang="en-US" sz="1400" dirty="0" smtClean="0">
-                <a:latin typeface="Bahnschrift Light SemiCondensed" panose="020B0502040204020203" pitchFamily="34" charset="0"/>
-              </a:rPr>
-              <a:t>}</a:t>
-            </a:r>
-            <a:r>
-              <a:rPr lang="ru-RU" sz="1400" dirty="0" smtClean="0">
-                <a:latin typeface="Bahnschrift Light SemiCondensed" panose="020B0502040204020203" pitchFamily="34" charset="0"/>
-              </a:rPr>
-              <a:t> </a:t>
-            </a:r>
-            <a:r>
-              <a:rPr lang="ru-RU" sz="1400" b="1" dirty="0" smtClean="0">
-                <a:latin typeface="Bahnschrift Light SemiCondensed" panose="020B0502040204020203" pitchFamily="34" charset="0"/>
-              </a:rPr>
-              <a:t>3)</a:t>
-            </a:r>
-            <a:endParaRPr lang="en-US" sz="1400" dirty="0">
-              <a:latin typeface="Bahnschrift Light SemiCondensed" panose="020B0502040204020203" pitchFamily="34" charset="0"/>
-            </a:endParaRPr>
-          </a:p>
-          <a:p>
-            <a:r>
-              <a:rPr lang="en-US" sz="1400" dirty="0">
-                <a:latin typeface="Bahnschrift Light SemiCondensed" panose="020B0502040204020203" pitchFamily="34" charset="0"/>
-              </a:rPr>
-              <a:t/>
-            </a:r>
-            <a:br>
-              <a:rPr lang="en-US" sz="1400" dirty="0">
-                <a:latin typeface="Bahnschrift Light SemiCondensed" panose="020B0502040204020203" pitchFamily="34" charset="0"/>
-              </a:rPr>
-            </a:br>
-            <a:r>
-              <a:rPr lang="en-US" sz="1400" dirty="0">
-                <a:latin typeface="Bahnschrift Light SemiCondensed" panose="020B0502040204020203" pitchFamily="34" charset="0"/>
-              </a:rPr>
-              <a:t>    s </a:t>
-            </a:r>
-            <a:r>
-              <a:rPr lang="en-US" sz="1400" b="1" dirty="0">
-                <a:latin typeface="Bahnschrift Light SemiCondensed" panose="020B0502040204020203" pitchFamily="34" charset="0"/>
-              </a:rPr>
-              <a:t>=</a:t>
-            </a:r>
-            <a:r>
-              <a:rPr lang="en-US" sz="1400" dirty="0">
-                <a:latin typeface="Bahnschrift Light SemiCondensed" panose="020B0502040204020203" pitchFamily="34" charset="0"/>
-              </a:rPr>
-              <a:t> Solution()</a:t>
-            </a:r>
-          </a:p>
-          <a:p>
-            <a:r>
-              <a:rPr lang="en-US" sz="1400" dirty="0">
-                <a:latin typeface="Bahnschrift Light SemiCondensed" panose="020B0502040204020203" pitchFamily="34" charset="0"/>
-              </a:rPr>
-              <a:t>    </a:t>
-            </a:r>
-            <a:r>
-              <a:rPr lang="en-US" sz="1400" dirty="0" err="1">
-                <a:latin typeface="Bahnschrift Light SemiCondensed" panose="020B0502040204020203" pitchFamily="34" charset="0"/>
-              </a:rPr>
-              <a:t>start_time</a:t>
-            </a:r>
-            <a:r>
-              <a:rPr lang="en-US" sz="1400" dirty="0">
-                <a:latin typeface="Bahnschrift Light SemiCondensed" panose="020B0502040204020203" pitchFamily="34" charset="0"/>
-              </a:rPr>
-              <a:t> </a:t>
-            </a:r>
-            <a:r>
-              <a:rPr lang="en-US" sz="1400" b="1" dirty="0">
-                <a:latin typeface="Bahnschrift Light SemiCondensed" panose="020B0502040204020203" pitchFamily="34" charset="0"/>
-              </a:rPr>
-              <a:t>=</a:t>
-            </a:r>
-            <a:r>
-              <a:rPr lang="en-US" sz="1400" dirty="0">
-                <a:latin typeface="Bahnschrift Light SemiCondensed" panose="020B0502040204020203" pitchFamily="34" charset="0"/>
-              </a:rPr>
-              <a:t> </a:t>
-            </a:r>
-            <a:r>
-              <a:rPr lang="en-US" sz="1400" dirty="0" err="1">
-                <a:latin typeface="Bahnschrift Light SemiCondensed" panose="020B0502040204020203" pitchFamily="34" charset="0"/>
-              </a:rPr>
-              <a:t>time.time</a:t>
-            </a:r>
-            <a:r>
-              <a:rPr lang="en-US" sz="1400" dirty="0" smtClean="0">
-                <a:latin typeface="Bahnschrift Light SemiCondensed" panose="020B0502040204020203" pitchFamily="34" charset="0"/>
-              </a:rPr>
-              <a:t>()</a:t>
-            </a:r>
-            <a:r>
-              <a:rPr lang="ru-RU" sz="1400" dirty="0" smtClean="0">
-                <a:latin typeface="Bahnschrift Light SemiCondensed" panose="020B0502040204020203" pitchFamily="34" charset="0"/>
-              </a:rPr>
-              <a:t> </a:t>
-            </a:r>
-            <a:r>
-              <a:rPr lang="ru-RU" sz="1400" b="1" dirty="0">
-                <a:latin typeface="Bahnschrift Light SemiCondensed" panose="020B0502040204020203" pitchFamily="34" charset="0"/>
-              </a:rPr>
-              <a:t>4</a:t>
-            </a:r>
-            <a:r>
-              <a:rPr lang="ru-RU" sz="1400" b="1" dirty="0" smtClean="0">
-                <a:latin typeface="Bahnschrift Light SemiCondensed" panose="020B0502040204020203" pitchFamily="34" charset="0"/>
-              </a:rPr>
-              <a:t>)</a:t>
-            </a:r>
-            <a:endParaRPr lang="en-US" sz="1400" b="1" dirty="0">
-              <a:latin typeface="Bahnschrift Light SemiCondensed" panose="020B0502040204020203" pitchFamily="34" charset="0"/>
-            </a:endParaRPr>
-          </a:p>
-          <a:p>
-            <a:r>
-              <a:rPr lang="en-US" sz="1400" dirty="0">
-                <a:latin typeface="Bahnschrift Light SemiCondensed" panose="020B0502040204020203" pitchFamily="34" charset="0"/>
-              </a:rPr>
-              <a:t>    ret </a:t>
-            </a:r>
-            <a:r>
-              <a:rPr lang="en-US" sz="1400" b="1" dirty="0">
-                <a:latin typeface="Bahnschrift Light SemiCondensed" panose="020B0502040204020203" pitchFamily="34" charset="0"/>
-              </a:rPr>
-              <a:t>=</a:t>
-            </a:r>
-            <a:r>
-              <a:rPr lang="en-US" sz="1400" dirty="0">
-                <a:latin typeface="Bahnschrift Light SemiCondensed" panose="020B0502040204020203" pitchFamily="34" charset="0"/>
-              </a:rPr>
-              <a:t> Solution.${</a:t>
-            </a:r>
-            <a:r>
-              <a:rPr lang="en-US" sz="1400" dirty="0" err="1">
-                <a:latin typeface="Bahnschrift Light SemiCondensed" panose="020B0502040204020203" pitchFamily="34" charset="0"/>
-              </a:rPr>
-              <a:t>methodName</a:t>
-            </a:r>
-            <a:r>
-              <a:rPr lang="en-US" sz="1400" dirty="0">
-                <a:latin typeface="Bahnschrift Light SemiCondensed" panose="020B0502040204020203" pitchFamily="34" charset="0"/>
-              </a:rPr>
-              <a:t>}(s, ${</a:t>
-            </a:r>
-            <a:r>
-              <a:rPr lang="en-US" sz="1400" dirty="0" err="1">
-                <a:latin typeface="Bahnschrift Light SemiCondensed" panose="020B0502040204020203" pitchFamily="34" charset="0"/>
-              </a:rPr>
-              <a:t>paramList</a:t>
-            </a:r>
-            <a:r>
-              <a:rPr lang="en-US" sz="1400" dirty="0" smtClean="0">
-                <a:latin typeface="Bahnschrift Light SemiCondensed" panose="020B0502040204020203" pitchFamily="34" charset="0"/>
-              </a:rPr>
-              <a:t>})</a:t>
-            </a:r>
-            <a:r>
-              <a:rPr lang="ru-RU" sz="1400" dirty="0" smtClean="0">
-                <a:latin typeface="Bahnschrift Light SemiCondensed" panose="020B0502040204020203" pitchFamily="34" charset="0"/>
-              </a:rPr>
-              <a:t> </a:t>
-            </a:r>
-            <a:r>
-              <a:rPr lang="ru-RU" sz="1400" b="1" dirty="0" smtClean="0">
-                <a:latin typeface="Bahnschrift Light SemiCondensed" panose="020B0502040204020203" pitchFamily="34" charset="0"/>
-              </a:rPr>
-              <a:t>5)</a:t>
-            </a:r>
-            <a:endParaRPr lang="en-US" sz="1400" dirty="0">
-              <a:latin typeface="Bahnschrift Light SemiCondensed" panose="020B0502040204020203" pitchFamily="34" charset="0"/>
-            </a:endParaRPr>
-          </a:p>
-          <a:p>
-            <a:r>
-              <a:rPr lang="en-US" sz="1400" dirty="0">
-                <a:latin typeface="Bahnschrift Light SemiCondensed" panose="020B0502040204020203" pitchFamily="34" charset="0"/>
-              </a:rPr>
-              <a:t>    </a:t>
-            </a:r>
-            <a:r>
-              <a:rPr lang="en-US" sz="1400" dirty="0" err="1">
-                <a:latin typeface="Bahnschrift Light SemiCondensed" panose="020B0502040204020203" pitchFamily="34" charset="0"/>
-              </a:rPr>
-              <a:t>end_time</a:t>
-            </a:r>
-            <a:r>
-              <a:rPr lang="en-US" sz="1400" dirty="0">
-                <a:latin typeface="Bahnschrift Light SemiCondensed" panose="020B0502040204020203" pitchFamily="34" charset="0"/>
-              </a:rPr>
-              <a:t> </a:t>
-            </a:r>
-            <a:r>
-              <a:rPr lang="en-US" sz="1400" b="1" dirty="0">
-                <a:latin typeface="Bahnschrift Light SemiCondensed" panose="020B0502040204020203" pitchFamily="34" charset="0"/>
-              </a:rPr>
-              <a:t>=</a:t>
-            </a:r>
-            <a:r>
-              <a:rPr lang="en-US" sz="1400" dirty="0">
-                <a:latin typeface="Bahnschrift Light SemiCondensed" panose="020B0502040204020203" pitchFamily="34" charset="0"/>
-              </a:rPr>
-              <a:t> </a:t>
-            </a:r>
-            <a:r>
-              <a:rPr lang="en-US" sz="1400" dirty="0" err="1">
-                <a:latin typeface="Bahnschrift Light SemiCondensed" panose="020B0502040204020203" pitchFamily="34" charset="0"/>
-              </a:rPr>
-              <a:t>time.time</a:t>
-            </a:r>
-            <a:r>
-              <a:rPr lang="en-US" sz="1400" dirty="0" smtClean="0">
-                <a:latin typeface="Bahnschrift Light SemiCondensed" panose="020B0502040204020203" pitchFamily="34" charset="0"/>
-              </a:rPr>
-              <a:t>()</a:t>
-            </a:r>
-            <a:r>
-              <a:rPr lang="ru-RU" sz="1400" dirty="0" smtClean="0">
-                <a:latin typeface="Bahnschrift Light SemiCondensed" panose="020B0502040204020203" pitchFamily="34" charset="0"/>
-              </a:rPr>
-              <a:t> </a:t>
-            </a:r>
-            <a:r>
-              <a:rPr lang="ru-RU" sz="1400" b="1" dirty="0" smtClean="0">
-                <a:latin typeface="Bahnschrift Light SemiCondensed" panose="020B0502040204020203" pitchFamily="34" charset="0"/>
-              </a:rPr>
-              <a:t>6)</a:t>
-            </a:r>
-            <a:endParaRPr lang="en-US" sz="1400" b="1" dirty="0">
-              <a:latin typeface="Bahnschrift Light SemiCondensed" panose="020B0502040204020203" pitchFamily="34" charset="0"/>
-            </a:endParaRPr>
-          </a:p>
-          <a:p>
-            <a:r>
-              <a:rPr lang="en-US" sz="1400" dirty="0">
-                <a:latin typeface="Bahnschrift Light SemiCondensed" panose="020B0502040204020203" pitchFamily="34" charset="0"/>
-              </a:rPr>
-              <a:t>    process </a:t>
-            </a:r>
-            <a:r>
-              <a:rPr lang="en-US" sz="1400" b="1" dirty="0">
-                <a:latin typeface="Bahnschrift Light SemiCondensed" panose="020B0502040204020203" pitchFamily="34" charset="0"/>
-              </a:rPr>
-              <a:t>=</a:t>
-            </a:r>
-            <a:r>
-              <a:rPr lang="en-US" sz="1400" dirty="0">
-                <a:latin typeface="Bahnschrift Light SemiCondensed" panose="020B0502040204020203" pitchFamily="34" charset="0"/>
-              </a:rPr>
-              <a:t> </a:t>
-            </a:r>
-            <a:r>
-              <a:rPr lang="en-US" sz="1400" dirty="0" err="1">
-                <a:latin typeface="Bahnschrift Light SemiCondensed" panose="020B0502040204020203" pitchFamily="34" charset="0"/>
-              </a:rPr>
-              <a:t>psutil.Process</a:t>
-            </a:r>
-            <a:r>
-              <a:rPr lang="en-US" sz="1400" dirty="0">
-                <a:latin typeface="Bahnschrift Light SemiCondensed" panose="020B0502040204020203" pitchFamily="34" charset="0"/>
-              </a:rPr>
-              <a:t>()</a:t>
-            </a:r>
-          </a:p>
-          <a:p>
-            <a:r>
-              <a:rPr lang="en-US" sz="1400" dirty="0">
-                <a:latin typeface="Bahnschrift Light SemiCondensed" panose="020B0502040204020203" pitchFamily="34" charset="0"/>
-              </a:rPr>
-              <a:t>    </a:t>
-            </a:r>
-            <a:r>
-              <a:rPr lang="en-US" sz="1400" dirty="0" err="1">
-                <a:latin typeface="Bahnschrift Light SemiCondensed" panose="020B0502040204020203" pitchFamily="34" charset="0"/>
-              </a:rPr>
-              <a:t>memory_info</a:t>
-            </a:r>
-            <a:r>
-              <a:rPr lang="en-US" sz="1400" dirty="0">
-                <a:latin typeface="Bahnschrift Light SemiCondensed" panose="020B0502040204020203" pitchFamily="34" charset="0"/>
-              </a:rPr>
-              <a:t> </a:t>
-            </a:r>
-            <a:r>
-              <a:rPr lang="en-US" sz="1400" b="1" dirty="0">
-                <a:latin typeface="Bahnschrift Light SemiCondensed" panose="020B0502040204020203" pitchFamily="34" charset="0"/>
-              </a:rPr>
-              <a:t>=</a:t>
-            </a:r>
-            <a:r>
-              <a:rPr lang="en-US" sz="1400" dirty="0">
-                <a:latin typeface="Bahnschrift Light SemiCondensed" panose="020B0502040204020203" pitchFamily="34" charset="0"/>
-              </a:rPr>
-              <a:t> </a:t>
-            </a:r>
-            <a:r>
-              <a:rPr lang="en-US" sz="1400" dirty="0" err="1">
-                <a:latin typeface="Bahnschrift Light SemiCondensed" panose="020B0502040204020203" pitchFamily="34" charset="0"/>
-              </a:rPr>
-              <a:t>memory_info</a:t>
-            </a:r>
-            <a:r>
-              <a:rPr lang="en-US" sz="1400" dirty="0">
-                <a:latin typeface="Bahnschrift Light SemiCondensed" panose="020B0502040204020203" pitchFamily="34" charset="0"/>
-              </a:rPr>
-              <a:t> </a:t>
-            </a:r>
-            <a:r>
-              <a:rPr lang="en-US" sz="1400" b="1" dirty="0">
-                <a:latin typeface="Bahnschrift Light SemiCondensed" panose="020B0502040204020203" pitchFamily="34" charset="0"/>
-              </a:rPr>
-              <a:t>=</a:t>
-            </a:r>
-            <a:r>
-              <a:rPr lang="en-US" sz="1400" dirty="0">
-                <a:latin typeface="Bahnschrift Light SemiCondensed" panose="020B0502040204020203" pitchFamily="34" charset="0"/>
-              </a:rPr>
-              <a:t> </a:t>
-            </a:r>
-            <a:r>
-              <a:rPr lang="en-US" sz="1400" dirty="0" err="1">
-                <a:latin typeface="Bahnschrift Light SemiCondensed" panose="020B0502040204020203" pitchFamily="34" charset="0"/>
-              </a:rPr>
-              <a:t>process.memory_info</a:t>
-            </a:r>
-            <a:r>
-              <a:rPr lang="en-US" sz="1400" dirty="0" smtClean="0">
-                <a:latin typeface="Bahnschrift Light SemiCondensed" panose="020B0502040204020203" pitchFamily="34" charset="0"/>
-              </a:rPr>
-              <a:t>()</a:t>
-            </a:r>
-            <a:r>
-              <a:rPr lang="ru-RU" sz="1400" dirty="0" smtClean="0">
-                <a:latin typeface="Bahnschrift Light SemiCondensed" panose="020B0502040204020203" pitchFamily="34" charset="0"/>
-              </a:rPr>
-              <a:t> </a:t>
-            </a:r>
-            <a:r>
-              <a:rPr lang="ru-RU" sz="1400" b="1" dirty="0" smtClean="0">
-                <a:latin typeface="Bahnschrift Light SemiCondensed" panose="020B0502040204020203" pitchFamily="34" charset="0"/>
-              </a:rPr>
-              <a:t>7)</a:t>
-            </a:r>
-            <a:endParaRPr lang="en-US" sz="1400" dirty="0">
-              <a:latin typeface="Bahnschrift Light SemiCondensed" panose="020B0502040204020203" pitchFamily="34" charset="0"/>
-            </a:endParaRPr>
-          </a:p>
-          <a:p>
-            <a:r>
-              <a:rPr lang="en-US" sz="1400" dirty="0">
-                <a:latin typeface="Bahnschrift Light SemiCondensed" panose="020B0502040204020203" pitchFamily="34" charset="0"/>
-              </a:rPr>
-              <a:t>    </a:t>
-            </a:r>
-            <a:r>
-              <a:rPr lang="en-US" sz="1400" dirty="0" err="1">
-                <a:latin typeface="Bahnschrift Light SemiCondensed" panose="020B0502040204020203" pitchFamily="34" charset="0"/>
-              </a:rPr>
-              <a:t>used_memory_kb</a:t>
-            </a:r>
-            <a:r>
-              <a:rPr lang="en-US" sz="1400" dirty="0">
-                <a:latin typeface="Bahnschrift Light SemiCondensed" panose="020B0502040204020203" pitchFamily="34" charset="0"/>
-              </a:rPr>
-              <a:t> </a:t>
-            </a:r>
-            <a:r>
-              <a:rPr lang="en-US" sz="1400" b="1" dirty="0">
-                <a:latin typeface="Bahnschrift Light SemiCondensed" panose="020B0502040204020203" pitchFamily="34" charset="0"/>
-              </a:rPr>
-              <a:t>=</a:t>
-            </a:r>
-            <a:r>
-              <a:rPr lang="en-US" sz="1400" dirty="0">
-                <a:latin typeface="Bahnschrift Light SemiCondensed" panose="020B0502040204020203" pitchFamily="34" charset="0"/>
-              </a:rPr>
-              <a:t> </a:t>
-            </a:r>
-            <a:r>
-              <a:rPr lang="en-US" sz="1400" dirty="0" err="1">
-                <a:latin typeface="Bahnschrift Light SemiCondensed" panose="020B0502040204020203" pitchFamily="34" charset="0"/>
-              </a:rPr>
-              <a:t>memory_info.rss</a:t>
-            </a:r>
-            <a:r>
-              <a:rPr lang="en-US" sz="1400" dirty="0">
-                <a:latin typeface="Bahnschrift Light SemiCondensed" panose="020B0502040204020203" pitchFamily="34" charset="0"/>
-              </a:rPr>
-              <a:t> / (1024*1024)</a:t>
-            </a:r>
-          </a:p>
-          <a:p>
-            <a:r>
-              <a:rPr lang="en-US" sz="1400" dirty="0">
-                <a:latin typeface="Bahnschrift Light SemiCondensed" panose="020B0502040204020203" pitchFamily="34" charset="0"/>
-              </a:rPr>
-              <a:t>    </a:t>
-            </a:r>
-            <a:r>
-              <a:rPr lang="en-US" sz="1400" dirty="0" err="1">
-                <a:latin typeface="Bahnschrift Light SemiCondensed" panose="020B0502040204020203" pitchFamily="34" charset="0"/>
-              </a:rPr>
-              <a:t>execution_time</a:t>
-            </a:r>
-            <a:r>
-              <a:rPr lang="en-US" sz="1400" dirty="0">
-                <a:latin typeface="Bahnschrift Light SemiCondensed" panose="020B0502040204020203" pitchFamily="34" charset="0"/>
-              </a:rPr>
-              <a:t> </a:t>
-            </a:r>
-            <a:r>
-              <a:rPr lang="en-US" sz="1400" b="1" dirty="0">
-                <a:latin typeface="Bahnschrift Light SemiCondensed" panose="020B0502040204020203" pitchFamily="34" charset="0"/>
-              </a:rPr>
-              <a:t>=</a:t>
-            </a:r>
-            <a:r>
-              <a:rPr lang="en-US" sz="1400" dirty="0">
-                <a:latin typeface="Bahnschrift Light SemiCondensed" panose="020B0502040204020203" pitchFamily="34" charset="0"/>
-              </a:rPr>
-              <a:t> (</a:t>
-            </a:r>
-            <a:r>
-              <a:rPr lang="en-US" sz="1400" dirty="0" err="1">
-                <a:latin typeface="Bahnschrift Light SemiCondensed" panose="020B0502040204020203" pitchFamily="34" charset="0"/>
-              </a:rPr>
-              <a:t>end_time</a:t>
-            </a:r>
-            <a:r>
-              <a:rPr lang="en-US" sz="1400" dirty="0">
-                <a:latin typeface="Bahnschrift Light SemiCondensed" panose="020B0502040204020203" pitchFamily="34" charset="0"/>
-              </a:rPr>
-              <a:t> - </a:t>
-            </a:r>
-            <a:r>
-              <a:rPr lang="en-US" sz="1400" dirty="0" err="1">
-                <a:latin typeface="Bahnschrift Light SemiCondensed" panose="020B0502040204020203" pitchFamily="34" charset="0"/>
-              </a:rPr>
-              <a:t>start_time</a:t>
-            </a:r>
-            <a:r>
-              <a:rPr lang="en-US" sz="1400" dirty="0">
-                <a:latin typeface="Bahnschrift Light SemiCondensed" panose="020B0502040204020203" pitchFamily="34" charset="0"/>
-              </a:rPr>
-              <a:t>) * 1e9</a:t>
-            </a:r>
-          </a:p>
-          <a:p>
-            <a:r>
-              <a:rPr lang="en-US" sz="1400" dirty="0">
-                <a:latin typeface="Bahnschrift Light SemiCondensed" panose="020B0502040204020203" pitchFamily="34" charset="0"/>
-              </a:rPr>
-              <a:t>    print(ret</a:t>
-            </a:r>
-            <a:r>
-              <a:rPr lang="en-US" sz="1400" dirty="0" smtClean="0">
-                <a:latin typeface="Bahnschrift Light SemiCondensed" panose="020B0502040204020203" pitchFamily="34" charset="0"/>
-              </a:rPr>
-              <a:t>)</a:t>
-            </a:r>
-            <a:r>
-              <a:rPr lang="ru-RU" sz="1400" dirty="0" smtClean="0">
-                <a:latin typeface="Bahnschrift Light SemiCondensed" panose="020B0502040204020203" pitchFamily="34" charset="0"/>
-              </a:rPr>
-              <a:t> </a:t>
-            </a:r>
-            <a:r>
-              <a:rPr lang="ru-RU" sz="1400" b="1" dirty="0" smtClean="0">
-                <a:latin typeface="Bahnschrift Light SemiCondensed" panose="020B0502040204020203" pitchFamily="34" charset="0"/>
-              </a:rPr>
-              <a:t>8)</a:t>
-            </a:r>
-            <a:endParaRPr lang="en-US" sz="1400" b="1" dirty="0">
-              <a:latin typeface="Bahnschrift Light SemiCondensed" panose="020B0502040204020203" pitchFamily="34" charset="0"/>
-            </a:endParaRPr>
-          </a:p>
-          <a:p>
-            <a:r>
-              <a:rPr lang="en-US" sz="1400" dirty="0">
-                <a:latin typeface="Bahnschrift Light SemiCondensed" panose="020B0502040204020203" pitchFamily="34" charset="0"/>
-              </a:rPr>
-              <a:t>    print(</a:t>
-            </a:r>
-            <a:r>
-              <a:rPr lang="en-US" sz="1400" dirty="0" err="1">
-                <a:latin typeface="Bahnschrift Light SemiCondensed" panose="020B0502040204020203" pitchFamily="34" charset="0"/>
-              </a:rPr>
-              <a:t>execution_time</a:t>
-            </a:r>
-            <a:r>
-              <a:rPr lang="en-US" sz="1400" dirty="0">
-                <a:latin typeface="Bahnschrift Light SemiCondensed" panose="020B0502040204020203" pitchFamily="34" charset="0"/>
-              </a:rPr>
-              <a:t>)</a:t>
-            </a:r>
-          </a:p>
-          <a:p>
-            <a:r>
-              <a:rPr lang="en-US" sz="1400" dirty="0">
-                <a:latin typeface="Bahnschrift Light SemiCondensed" panose="020B0502040204020203" pitchFamily="34" charset="0"/>
-              </a:rPr>
-              <a:t>    print(</a:t>
-            </a:r>
-            <a:r>
-              <a:rPr lang="en-US" sz="1400" dirty="0" err="1">
-                <a:latin typeface="Bahnschrift Light SemiCondensed" panose="020B0502040204020203" pitchFamily="34" charset="0"/>
-              </a:rPr>
-              <a:t>used_memory_kb</a:t>
-            </a:r>
-            <a:r>
-              <a:rPr lang="en-US" sz="1400" dirty="0" smtClean="0">
-                <a:latin typeface="Bahnschrift Light SemiCondensed" panose="020B0502040204020203" pitchFamily="34" charset="0"/>
-              </a:rPr>
-              <a:t>)</a:t>
-            </a:r>
-            <a:endParaRPr lang="en-US" sz="1400" dirty="0">
-              <a:latin typeface="Bahnschrift Light SemiCondensed" panose="020B0502040204020203" pitchFamily="34" charset="0"/>
-            </a:endParaRPr>
-          </a:p>
-        </p:txBody>
-      </p:sp>
-      <p:sp>
-        <p:nvSpPr>
-          <p:cNvPr id="5" name="Номер слайда 4"/>
-          <p:cNvSpPr>
-            <a:spLocks noGrp="1"/>
-          </p:cNvSpPr>
-          <p:nvPr>
-            <p:ph type="sldNum" sz="quarter" idx="12"/>
-          </p:nvPr>
-        </p:nvSpPr>
-        <p:spPr/>
-        <p:txBody>
-          <a:bodyPr/>
-          <a:lstStyle/>
-          <a:p>
-            <a:fld id="{62AE288B-ED16-4155-B555-A20169454F34}" type="slidenum">
-              <a:rPr lang="ru-RU" smtClean="0"/>
-              <a:t>14</a:t>
-            </a:fld>
-            <a:endParaRPr lang="ru-RU"/>
-          </a:p>
-        </p:txBody>
-      </p:sp>
-    </p:spTree>
-    <p:extLst>
-      <p:ext uri="{BB962C8B-B14F-4D97-AF65-F5344CB8AC3E}">
-        <p14:creationId xmlns:p14="http://schemas.microsoft.com/office/powerpoint/2010/main" val="2242570066"/>
+        <p14:creationId xmlns:p14="http://schemas.microsoft.com/office/powerpoint/2010/main" val="1296217487"/>
       </p:ext>
     </p:extLst>
   </p:cSld>
@@ -11210,7 +5655,7 @@
       </p:pic>
       <p:sp>
         <p:nvSpPr>
-          <p:cNvPr id="6" name="Номер слайда 5"/>
+          <p:cNvPr id="3" name="Номер слайда 2"/>
           <p:cNvSpPr>
             <a:spLocks noGrp="1"/>
           </p:cNvSpPr>
@@ -11218,19 +5663,28 @@
             <p:ph type="sldNum" sz="quarter" idx="12"/>
           </p:nvPr>
         </p:nvSpPr>
-        <p:spPr/>
+        <p:spPr>
+          <a:xfrm>
+            <a:off x="8366761" y="6292246"/>
+            <a:ext cx="2743200" cy="365125"/>
+          </a:xfrm>
+        </p:spPr>
         <p:txBody>
           <a:bodyPr/>
           <a:lstStyle/>
           <a:p>
             <a:fld id="{62AE288B-ED16-4155-B555-A20169454F34}" type="slidenum">
-              <a:rPr lang="ru-RU" smtClean="0">
-                <a:latin typeface="+mj-lt"/>
+              <a:rPr lang="ru-RU" sz="1600" smtClean="0">
+                <a:solidFill>
+                  <a:schemeClr val="tx1"/>
+                </a:solidFill>
               </a:rPr>
               <a:t>2</a:t>
             </a:fld>
-            <a:endParaRPr lang="ru-RU">
-              <a:latin typeface="+mj-lt"/>
+            <a:endParaRPr lang="ru-RU" sz="1600" dirty="0">
+              <a:solidFill>
+                <a:schemeClr val="tx1"/>
+              </a:solidFill>
             </a:endParaRPr>
           </a:p>
         </p:txBody>
@@ -11268,6 +5722,282 @@
 </file>
 
 <file path=ppt/slides/slide3.xml><?xml version="1.0" encoding="utf-8"?>
+<p:sld xmlns:a="http://schemas.openxmlformats.org/drawingml/2006/main" xmlns:r="http://schemas.openxmlformats.org/officeDocument/2006/relationships" xmlns:p="http://schemas.openxmlformats.org/presentationml/2006/main">
+  <p:cSld>
+    <p:spTree>
+      <p:nvGrpSpPr>
+        <p:cNvPr id="1" name=""/>
+        <p:cNvGrpSpPr/>
+        <p:nvPr/>
+      </p:nvGrpSpPr>
+      <p:grpSpPr>
+        <a:xfrm>
+          <a:off x="0" y="0"/>
+          <a:ext cx="0" cy="0"/>
+          <a:chOff x="0" y="0"/>
+          <a:chExt cx="0" cy="0"/>
+        </a:xfrm>
+      </p:grpSpPr>
+      <p:sp>
+        <p:nvSpPr>
+          <p:cNvPr id="3" name="Объект 2"/>
+          <p:cNvSpPr>
+            <a:spLocks noGrp="1"/>
+          </p:cNvSpPr>
+          <p:nvPr>
+            <p:ph idx="1"/>
+          </p:nvPr>
+        </p:nvSpPr>
+        <p:spPr>
+          <a:xfrm>
+            <a:off x="772885" y="1466772"/>
+            <a:ext cx="10918371" cy="4775408"/>
+          </a:xfrm>
+        </p:spPr>
+        <p:txBody>
+          <a:bodyPr>
+            <a:noAutofit/>
+          </a:bodyPr>
+          <a:lstStyle/>
+          <a:p>
+            <a:r>
+              <a:rPr lang="ru-RU" sz="2400" dirty="0" smtClean="0">
+                <a:latin typeface="+mj-lt"/>
+              </a:rPr>
+              <a:t>Выполнение кода пользователя на сервере</a:t>
+            </a:r>
+            <a:r>
+              <a:rPr lang="en-US" sz="2400" dirty="0">
+                <a:latin typeface="+mj-lt"/>
+              </a:rPr>
+              <a:t>;</a:t>
+            </a:r>
+            <a:endParaRPr lang="ru-RU" sz="2400" dirty="0" smtClean="0">
+              <a:latin typeface="+mj-lt"/>
+            </a:endParaRPr>
+          </a:p>
+          <a:p>
+            <a:r>
+              <a:rPr lang="ru-RU" sz="2400" dirty="0" smtClean="0">
+                <a:latin typeface="+mj-lt"/>
+              </a:rPr>
+              <a:t>Автоматическая проверка решения пользователя при помощи набора тестовых данных и запуска кода</a:t>
+            </a:r>
+            <a:r>
+              <a:rPr lang="en-US" sz="2400" dirty="0" smtClean="0">
+                <a:latin typeface="+mj-lt"/>
+              </a:rPr>
+              <a:t>;</a:t>
+            </a:r>
+            <a:endParaRPr lang="ru-RU" sz="2400" dirty="0" smtClean="0">
+              <a:latin typeface="+mj-lt"/>
+            </a:endParaRPr>
+          </a:p>
+          <a:p>
+            <a:r>
+              <a:rPr lang="ru-RU" sz="2400" dirty="0" smtClean="0">
+                <a:latin typeface="+mj-lt"/>
+              </a:rPr>
+              <a:t>Сортировка задач по сложности</a:t>
+            </a:r>
+            <a:r>
+              <a:rPr lang="en-US" sz="2400" dirty="0" smtClean="0">
+                <a:latin typeface="+mj-lt"/>
+              </a:rPr>
+              <a:t> </a:t>
+            </a:r>
+            <a:r>
+              <a:rPr lang="ru-RU" sz="2400" dirty="0" smtClean="0">
+                <a:latin typeface="+mj-lt"/>
+              </a:rPr>
+              <a:t>и темам</a:t>
+            </a:r>
+            <a:r>
+              <a:rPr lang="en-US" sz="2400" dirty="0" smtClean="0">
+                <a:latin typeface="+mj-lt"/>
+              </a:rPr>
+              <a:t>;</a:t>
+            </a:r>
+            <a:endParaRPr lang="ru-RU" sz="2400" dirty="0" smtClean="0">
+              <a:latin typeface="+mj-lt"/>
+            </a:endParaRPr>
+          </a:p>
+          <a:p>
+            <a:r>
+              <a:rPr lang="ru-RU" sz="2400" dirty="0" smtClean="0">
+                <a:latin typeface="+mj-lt"/>
+              </a:rPr>
+              <a:t>Создание приватных и публичных задач, в решении которых пользователь может тренироваться</a:t>
+            </a:r>
+            <a:r>
+              <a:rPr lang="en-US" sz="2400" dirty="0" smtClean="0">
+                <a:latin typeface="+mj-lt"/>
+              </a:rPr>
+              <a:t>;</a:t>
+            </a:r>
+            <a:endParaRPr lang="ru-RU" sz="2400" dirty="0" smtClean="0">
+              <a:latin typeface="+mj-lt"/>
+            </a:endParaRPr>
+          </a:p>
+          <a:p>
+            <a:r>
+              <a:rPr lang="ru-RU" sz="2400" dirty="0" smtClean="0">
+                <a:latin typeface="+mj-lt"/>
+              </a:rPr>
+              <a:t>Создание приватных и публичных соревнований – </a:t>
+            </a:r>
+            <a:r>
+              <a:rPr lang="ru-RU" sz="2400" dirty="0" err="1" smtClean="0">
+                <a:latin typeface="+mj-lt"/>
+              </a:rPr>
+              <a:t>контестов</a:t>
+            </a:r>
+            <a:r>
+              <a:rPr lang="en-US" sz="2400" dirty="0" smtClean="0">
+                <a:latin typeface="+mj-lt"/>
+              </a:rPr>
+              <a:t>;</a:t>
+            </a:r>
+          </a:p>
+          <a:p>
+            <a:r>
+              <a:rPr lang="ru-RU" sz="2400" dirty="0" smtClean="0">
+                <a:latin typeface="+mj-lt"/>
+              </a:rPr>
+              <a:t>Для решения задачи пользователю нужно лишь реализовать метод, без реализации ввода</a:t>
+            </a:r>
+            <a:r>
+              <a:rPr lang="en-US" sz="2400" dirty="0" smtClean="0">
+                <a:latin typeface="+mj-lt"/>
+              </a:rPr>
+              <a:t>/</a:t>
+            </a:r>
+            <a:r>
+              <a:rPr lang="ru-RU" sz="2400" dirty="0" smtClean="0">
+                <a:latin typeface="+mj-lt"/>
+              </a:rPr>
+              <a:t>вывода в консоль</a:t>
+            </a:r>
+            <a:r>
+              <a:rPr lang="en-US" sz="2400" dirty="0" smtClean="0">
+                <a:latin typeface="+mj-lt"/>
+              </a:rPr>
+              <a:t>;</a:t>
+            </a:r>
+            <a:endParaRPr lang="ru-RU" sz="2400" dirty="0" smtClean="0">
+              <a:latin typeface="+mj-lt"/>
+            </a:endParaRPr>
+          </a:p>
+          <a:p>
+            <a:r>
+              <a:rPr lang="ru-RU" sz="2400" dirty="0" smtClean="0">
+                <a:latin typeface="+mj-lt"/>
+              </a:rPr>
+              <a:t>Не является платформой для проведения олимпиадных соревнований.</a:t>
+            </a:r>
+            <a:endParaRPr lang="ru-RU" sz="2400" dirty="0">
+              <a:latin typeface="+mj-lt"/>
+            </a:endParaRPr>
+          </a:p>
+        </p:txBody>
+      </p:sp>
+      <p:sp>
+        <p:nvSpPr>
+          <p:cNvPr id="4" name="Заголовок 1"/>
+          <p:cNvSpPr>
+            <a:spLocks noGrp="1"/>
+          </p:cNvSpPr>
+          <p:nvPr>
+            <p:ph type="title"/>
+          </p:nvPr>
+        </p:nvSpPr>
+        <p:spPr>
+          <a:xfrm>
+            <a:off x="838200" y="551737"/>
+            <a:ext cx="10515600" cy="915035"/>
+          </a:xfrm>
+        </p:spPr>
+        <p:txBody>
+          <a:bodyPr/>
+          <a:lstStyle/>
+          <a:p>
+            <a:r>
+              <a:rPr lang="ru-RU" dirty="0" smtClean="0"/>
+              <a:t>Постановка задачи</a:t>
+            </a:r>
+            <a:endParaRPr lang="ru-RU" dirty="0"/>
+          </a:p>
+        </p:txBody>
+      </p:sp>
+      <p:sp>
+        <p:nvSpPr>
+          <p:cNvPr id="2" name="Номер слайда 1"/>
+          <p:cNvSpPr>
+            <a:spLocks noGrp="1"/>
+          </p:cNvSpPr>
+          <p:nvPr>
+            <p:ph type="sldNum" sz="quarter" idx="12"/>
+          </p:nvPr>
+        </p:nvSpPr>
+        <p:spPr>
+          <a:xfrm>
+            <a:off x="8387080" y="6242180"/>
+            <a:ext cx="2743200" cy="365125"/>
+          </a:xfrm>
+        </p:spPr>
+        <p:txBody>
+          <a:bodyPr/>
+          <a:lstStyle/>
+          <a:p>
+            <a:fld id="{62AE288B-ED16-4155-B555-A20169454F34}" type="slidenum">
+              <a:rPr lang="ru-RU" sz="1800" smtClean="0">
+                <a:solidFill>
+                  <a:schemeClr val="tx1"/>
+                </a:solidFill>
+              </a:rPr>
+              <a:t>3</a:t>
+            </a:fld>
+            <a:endParaRPr lang="ru-RU" sz="1800" dirty="0">
+              <a:solidFill>
+                <a:schemeClr val="tx1"/>
+              </a:solidFill>
+            </a:endParaRPr>
+          </a:p>
+        </p:txBody>
+      </p:sp>
+    </p:spTree>
+    <p:extLst>
+      <p:ext uri="{BB962C8B-B14F-4D97-AF65-F5344CB8AC3E}">
+        <p14:creationId xmlns:p14="http://schemas.microsoft.com/office/powerpoint/2010/main" val="700991952"/>
+      </p:ext>
+    </p:extLst>
+  </p:cSld>
+  <p:clrMapOvr>
+    <a:masterClrMapping/>
+  </p:clrMapOvr>
+  <mc:AlternateContent xmlns:mc="http://schemas.openxmlformats.org/markup-compatibility/2006" xmlns:p14="http://schemas.microsoft.com/office/powerpoint/2010/main">
+    <mc:Choice Requires="p14">
+      <p:transition>
+        <p14:reveal/>
+      </p:transition>
+    </mc:Choice>
+    <mc:Fallback xmlns="">
+      <p:transition>
+        <p:fade/>
+      </p:transition>
+    </mc:Fallback>
+  </mc:AlternateContent>
+  <p:timing>
+    <p:tnLst>
+      <p:par>
+        <p:cTn id="1" dur="indefinite" restart="never" nodeType="tmRoot"/>
+      </p:par>
+    </p:tnLst>
+  </p:timing>
+</p:sld>
+</file>
+
+<file path=ppt/slides/slide4.xml><?xml version="1.0" encoding="utf-8"?>
 <p:sld xmlns:a="http://schemas.openxmlformats.org/drawingml/2006/main" xmlns:r="http://schemas.openxmlformats.org/officeDocument/2006/relationships" xmlns:p="http://schemas.openxmlformats.org/presentationml/2006/main">
   <p:cSld>
     <p:spTree>
@@ -12705,7 +7435,7 @@
       </p:sp>
       <p:sp>
         <p:nvSpPr>
-          <p:cNvPr id="3" name="Номер слайда 2"/>
+          <p:cNvPr id="2" name="Номер слайда 1"/>
           <p:cNvSpPr>
             <a:spLocks noGrp="1"/>
           </p:cNvSpPr>
@@ -12713,19 +7443,28 @@
             <p:ph type="sldNum" sz="quarter" idx="12"/>
           </p:nvPr>
         </p:nvSpPr>
-        <p:spPr/>
+        <p:spPr>
+          <a:xfrm>
+            <a:off x="8285480" y="6275070"/>
+            <a:ext cx="2743200" cy="365125"/>
+          </a:xfrm>
+        </p:spPr>
         <p:txBody>
           <a:bodyPr/>
           <a:lstStyle/>
           <a:p>
             <a:fld id="{62AE288B-ED16-4155-B555-A20169454F34}" type="slidenum">
-              <a:rPr lang="ru-RU" smtClean="0">
-                <a:latin typeface="+mj-lt"/>
-              </a:rPr>
-              <a:t>3</a:t>
+              <a:rPr lang="ru-RU" sz="1800" smtClean="0">
+                <a:solidFill>
+                  <a:schemeClr val="tx1"/>
+                </a:solidFill>
+              </a:rPr>
+              <a:t>4</a:t>
             </a:fld>
-            <a:endParaRPr lang="ru-RU">
-              <a:latin typeface="+mj-lt"/>
+            <a:endParaRPr lang="ru-RU" sz="1800">
+              <a:solidFill>
+                <a:schemeClr val="tx1"/>
+              </a:solidFill>
             </a:endParaRPr>
           </a:p>
         </p:txBody>
@@ -12762,7 +7501,7 @@
 </p:sld>
 </file>
 
-<file path=ppt/slides/slide4.xml><?xml version="1.0" encoding="utf-8"?>
+<file path=ppt/slides/slide5.xml><?xml version="1.0" encoding="utf-8"?>
 <p:sld xmlns:a="http://schemas.openxmlformats.org/drawingml/2006/main" xmlns:r="http://schemas.openxmlformats.org/officeDocument/2006/relationships" xmlns:p="http://schemas.openxmlformats.org/presentationml/2006/main">
   <p:cSld>
     <p:spTree>
@@ -12781,218 +7520,350 @@
       </p:grpSpPr>
       <p:sp>
         <p:nvSpPr>
-          <p:cNvPr id="3" name="Объект 2"/>
+          <p:cNvPr id="3" name="Заголовок 1">
+            <a:extLst>
+              <a:ext uri="{FF2B5EF4-FFF2-40B4-BE49-F238E27FC236}">
+                <a16:creationId xmlns:a16="http://schemas.microsoft.com/office/drawing/2014/main" id="{A0ACA5B3-A45B-4106-A5F4-99EEF503605D}"/>
+              </a:ext>
+            </a:extLst>
+          </p:cNvPr>
           <p:cNvSpPr>
             <a:spLocks noGrp="1"/>
           </p:cNvSpPr>
           <p:nvPr>
-            <p:ph idx="1"/>
+            <p:ph type="title"/>
           </p:nvPr>
         </p:nvSpPr>
         <p:spPr>
           <a:xfrm>
-            <a:off x="772885" y="1466772"/>
-            <a:ext cx="10918371" cy="4775408"/>
+            <a:off x="934791" y="323438"/>
+            <a:ext cx="6579637" cy="719751"/>
           </a:xfrm>
         </p:spPr>
         <p:txBody>
-          <a:bodyPr>
+          <a:bodyPr/>
+          <a:lstStyle/>
+          <a:p>
+            <a:r>
+              <a:rPr lang="ru-RU" dirty="0" smtClean="0"/>
+              <a:t>Используемые технологии</a:t>
+            </a:r>
+            <a:endParaRPr lang="ru-RU" dirty="0"/>
+          </a:p>
+        </p:txBody>
+      </p:sp>
+      <p:sp>
+        <p:nvSpPr>
+          <p:cNvPr id="8" name="Объект 2"/>
+          <p:cNvSpPr txBox="1">
+            <a:spLocks/>
+          </p:cNvSpPr>
+          <p:nvPr/>
+        </p:nvSpPr>
+        <p:spPr>
+          <a:xfrm>
+            <a:off x="1619552" y="1947679"/>
+            <a:ext cx="8299779" cy="3179735"/>
+          </a:xfrm>
+          <a:prstGeom prst="rect">
+            <a:avLst/>
+          </a:prstGeom>
+        </p:spPr>
+        <p:txBody>
+          <a:bodyPr numCol="2">
             <a:noAutofit/>
           </a:bodyPr>
-          <a:lstStyle/>
-          <a:p>
-            <a:r>
-              <a:rPr lang="ru-RU" sz="2400" dirty="0" smtClean="0">
-                <a:latin typeface="+mj-lt"/>
-              </a:rPr>
-              <a:t>Выполнение кода пользователя на сервере</a:t>
-            </a:r>
-            <a:r>
-              <a:rPr lang="en-US" sz="2400" dirty="0">
-                <a:latin typeface="+mj-lt"/>
-              </a:rPr>
-              <a:t>;</a:t>
-            </a:r>
-            <a:endParaRPr lang="ru-RU" sz="2400" dirty="0" smtClean="0">
+          <a:lstStyle>
+            <a:lvl1pPr marL="228600" indent="-228600" algn="l" defTabSz="914400" rtl="0" eaLnBrk="1" latinLnBrk="0" hangingPunct="1">
+              <a:lnSpc>
+                <a:spcPct val="90000"/>
+              </a:lnSpc>
+              <a:spcBef>
+                <a:spcPts val="1000"/>
+              </a:spcBef>
+              <a:buFont typeface="Arial" panose="020B0604020202020204" pitchFamily="34" charset="0"/>
+              <a:buChar char="•"/>
+              <a:defRPr sz="2800" kern="1200">
+                <a:solidFill>
+                  <a:schemeClr val="tx1"/>
+                </a:solidFill>
+                <a:latin typeface="+mn-lt"/>
+                <a:ea typeface="+mn-ea"/>
+                <a:cs typeface="+mn-cs"/>
+              </a:defRPr>
+            </a:lvl1pPr>
+            <a:lvl2pPr marL="685800" indent="-228600" algn="l" defTabSz="914400" rtl="0" eaLnBrk="1" latinLnBrk="0" hangingPunct="1">
+              <a:lnSpc>
+                <a:spcPct val="90000"/>
+              </a:lnSpc>
+              <a:spcBef>
+                <a:spcPts val="500"/>
+              </a:spcBef>
+              <a:buFont typeface="Arial" panose="020B0604020202020204" pitchFamily="34" charset="0"/>
+              <a:buChar char="•"/>
+              <a:defRPr sz="2400" kern="1200">
+                <a:solidFill>
+                  <a:schemeClr val="tx1"/>
+                </a:solidFill>
+                <a:latin typeface="+mn-lt"/>
+                <a:ea typeface="+mn-ea"/>
+                <a:cs typeface="+mn-cs"/>
+              </a:defRPr>
+            </a:lvl2pPr>
+            <a:lvl3pPr marL="1143000" indent="-228600" algn="l" defTabSz="914400" rtl="0" eaLnBrk="1" latinLnBrk="0" hangingPunct="1">
+              <a:lnSpc>
+                <a:spcPct val="90000"/>
+              </a:lnSpc>
+              <a:spcBef>
+                <a:spcPts val="500"/>
+              </a:spcBef>
+              <a:buFont typeface="Arial" panose="020B0604020202020204" pitchFamily="34" charset="0"/>
+              <a:buChar char="•"/>
+              <a:defRPr sz="2000" kern="1200">
+                <a:solidFill>
+                  <a:schemeClr val="tx1"/>
+                </a:solidFill>
+                <a:latin typeface="+mn-lt"/>
+                <a:ea typeface="+mn-ea"/>
+                <a:cs typeface="+mn-cs"/>
+              </a:defRPr>
+            </a:lvl3pPr>
+            <a:lvl4pPr marL="1600200" indent="-228600" algn="l" defTabSz="914400" rtl="0" eaLnBrk="1" latinLnBrk="0" hangingPunct="1">
+              <a:lnSpc>
+                <a:spcPct val="90000"/>
+              </a:lnSpc>
+              <a:spcBef>
+                <a:spcPts val="500"/>
+              </a:spcBef>
+              <a:buFont typeface="Arial" panose="020B0604020202020204" pitchFamily="34" charset="0"/>
+              <a:buChar char="•"/>
+              <a:defRPr sz="1800" kern="1200">
+                <a:solidFill>
+                  <a:schemeClr val="tx1"/>
+                </a:solidFill>
+                <a:latin typeface="+mn-lt"/>
+                <a:ea typeface="+mn-ea"/>
+                <a:cs typeface="+mn-cs"/>
+              </a:defRPr>
+            </a:lvl4pPr>
+            <a:lvl5pPr marL="2057400" indent="-228600" algn="l" defTabSz="914400" rtl="0" eaLnBrk="1" latinLnBrk="0" hangingPunct="1">
+              <a:lnSpc>
+                <a:spcPct val="90000"/>
+              </a:lnSpc>
+              <a:spcBef>
+                <a:spcPts val="500"/>
+              </a:spcBef>
+              <a:buFont typeface="Arial" panose="020B0604020202020204" pitchFamily="34" charset="0"/>
+              <a:buChar char="•"/>
+              <a:defRPr sz="1800" kern="1200">
+                <a:solidFill>
+                  <a:schemeClr val="tx1"/>
+                </a:solidFill>
+                <a:latin typeface="+mn-lt"/>
+                <a:ea typeface="+mn-ea"/>
+                <a:cs typeface="+mn-cs"/>
+              </a:defRPr>
+            </a:lvl5pPr>
+            <a:lvl6pPr marL="2514600" indent="-228600" algn="l" defTabSz="914400" rtl="0" eaLnBrk="1" latinLnBrk="0" hangingPunct="1">
+              <a:lnSpc>
+                <a:spcPct val="90000"/>
+              </a:lnSpc>
+              <a:spcBef>
+                <a:spcPts val="500"/>
+              </a:spcBef>
+              <a:buFont typeface="Arial" panose="020B0604020202020204" pitchFamily="34" charset="0"/>
+              <a:buChar char="•"/>
+              <a:defRPr sz="1800" kern="1200">
+                <a:solidFill>
+                  <a:schemeClr val="tx1"/>
+                </a:solidFill>
+                <a:latin typeface="+mn-lt"/>
+                <a:ea typeface="+mn-ea"/>
+                <a:cs typeface="+mn-cs"/>
+              </a:defRPr>
+            </a:lvl6pPr>
+            <a:lvl7pPr marL="2971800" indent="-228600" algn="l" defTabSz="914400" rtl="0" eaLnBrk="1" latinLnBrk="0" hangingPunct="1">
+              <a:lnSpc>
+                <a:spcPct val="90000"/>
+              </a:lnSpc>
+              <a:spcBef>
+                <a:spcPts val="500"/>
+              </a:spcBef>
+              <a:buFont typeface="Arial" panose="020B0604020202020204" pitchFamily="34" charset="0"/>
+              <a:buChar char="•"/>
+              <a:defRPr sz="1800" kern="1200">
+                <a:solidFill>
+                  <a:schemeClr val="tx1"/>
+                </a:solidFill>
+                <a:latin typeface="+mn-lt"/>
+                <a:ea typeface="+mn-ea"/>
+                <a:cs typeface="+mn-cs"/>
+              </a:defRPr>
+            </a:lvl7pPr>
+            <a:lvl8pPr marL="3429000" indent="-228600" algn="l" defTabSz="914400" rtl="0" eaLnBrk="1" latinLnBrk="0" hangingPunct="1">
+              <a:lnSpc>
+                <a:spcPct val="90000"/>
+              </a:lnSpc>
+              <a:spcBef>
+                <a:spcPts val="500"/>
+              </a:spcBef>
+              <a:buFont typeface="Arial" panose="020B0604020202020204" pitchFamily="34" charset="0"/>
+              <a:buChar char="•"/>
+              <a:defRPr sz="1800" kern="1200">
+                <a:solidFill>
+                  <a:schemeClr val="tx1"/>
+                </a:solidFill>
+                <a:latin typeface="+mn-lt"/>
+                <a:ea typeface="+mn-ea"/>
+                <a:cs typeface="+mn-cs"/>
+              </a:defRPr>
+            </a:lvl8pPr>
+            <a:lvl9pPr marL="3886200" indent="-228600" algn="l" defTabSz="914400" rtl="0" eaLnBrk="1" latinLnBrk="0" hangingPunct="1">
+              <a:lnSpc>
+                <a:spcPct val="90000"/>
+              </a:lnSpc>
+              <a:spcBef>
+                <a:spcPts val="500"/>
+              </a:spcBef>
+              <a:buFont typeface="Arial" panose="020B0604020202020204" pitchFamily="34" charset="0"/>
+              <a:buChar char="•"/>
+              <a:defRPr sz="1800" kern="1200">
+                <a:solidFill>
+                  <a:schemeClr val="tx1"/>
+                </a:solidFill>
+                <a:latin typeface="+mn-lt"/>
+                <a:ea typeface="+mn-ea"/>
+                <a:cs typeface="+mn-cs"/>
+              </a:defRPr>
+            </a:lvl9pPr>
+          </a:lstStyle>
+          <a:p>
+            <a:r>
+              <a:rPr lang="en-US" sz="3600" dirty="0" err="1" smtClean="0">
+                <a:latin typeface="+mj-lt"/>
+              </a:rPr>
+              <a:t>Kotlin</a:t>
+            </a:r>
+            <a:endParaRPr lang="en-US" sz="3600" dirty="0" smtClean="0">
               <a:latin typeface="+mj-lt"/>
             </a:endParaRPr>
           </a:p>
           <a:p>
             <a:r>
-              <a:rPr lang="ru-RU" sz="2400" dirty="0" smtClean="0">
-                <a:latin typeface="+mj-lt"/>
-              </a:rPr>
-              <a:t>Автоматическая проверка решения пользователя при помощи набора тестовых данных и запуска кода</a:t>
-            </a:r>
-            <a:r>
-              <a:rPr lang="en-US" sz="2400" dirty="0" smtClean="0">
-                <a:latin typeface="+mj-lt"/>
-              </a:rPr>
-              <a:t>;</a:t>
-            </a:r>
-            <a:endParaRPr lang="ru-RU" sz="2400" dirty="0" smtClean="0">
+              <a:rPr lang="en-US" sz="3600" dirty="0" smtClean="0">
+                <a:latin typeface="+mj-lt"/>
+              </a:rPr>
+              <a:t>Kora</a:t>
+            </a:r>
+            <a:endParaRPr lang="ru-RU" sz="3600" dirty="0" smtClean="0">
               <a:latin typeface="+mj-lt"/>
             </a:endParaRPr>
           </a:p>
           <a:p>
             <a:r>
-              <a:rPr lang="ru-RU" sz="2400" dirty="0" smtClean="0">
-                <a:latin typeface="+mj-lt"/>
-              </a:rPr>
-              <a:t>Сортировка задач по сложности</a:t>
-            </a:r>
-            <a:r>
-              <a:rPr lang="en-US" sz="2400" dirty="0" smtClean="0">
-                <a:latin typeface="+mj-lt"/>
-              </a:rPr>
-              <a:t> </a:t>
-            </a:r>
-            <a:r>
-              <a:rPr lang="ru-RU" sz="2400" dirty="0" smtClean="0">
-                <a:latin typeface="+mj-lt"/>
-              </a:rPr>
-              <a:t>и темам</a:t>
-            </a:r>
-            <a:r>
-              <a:rPr lang="en-US" sz="2400" dirty="0" smtClean="0">
-                <a:latin typeface="+mj-lt"/>
-              </a:rPr>
-              <a:t>;</a:t>
-            </a:r>
-            <a:endParaRPr lang="ru-RU" sz="2400" dirty="0" smtClean="0">
+              <a:rPr lang="en-US" sz="3600" dirty="0" smtClean="0">
+                <a:latin typeface="+mj-lt"/>
+              </a:rPr>
+              <a:t>Kafka</a:t>
+            </a:r>
+            <a:endParaRPr lang="en-US" sz="3600" dirty="0" smtClean="0">
               <a:latin typeface="+mj-lt"/>
             </a:endParaRPr>
           </a:p>
           <a:p>
             <a:r>
-              <a:rPr lang="ru-RU" sz="2400" dirty="0" smtClean="0">
-                <a:latin typeface="+mj-lt"/>
-              </a:rPr>
-              <a:t>Создание приватных и публичных задач, в решении которых пользователь может тренироваться</a:t>
-            </a:r>
-            <a:r>
-              <a:rPr lang="en-US" sz="2400" dirty="0" smtClean="0">
-                <a:latin typeface="+mj-lt"/>
-              </a:rPr>
-              <a:t>;</a:t>
-            </a:r>
-            <a:endParaRPr lang="ru-RU" sz="2400" dirty="0" smtClean="0">
+              <a:rPr lang="en-US" sz="3600" dirty="0" smtClean="0">
+                <a:latin typeface="+mj-lt"/>
+              </a:rPr>
+              <a:t>PostgreSQL</a:t>
+            </a:r>
+          </a:p>
+          <a:p>
+            <a:r>
+              <a:rPr lang="en-US" sz="3600" dirty="0" smtClean="0">
+                <a:latin typeface="+mj-lt"/>
+              </a:rPr>
+              <a:t>Docker</a:t>
+            </a:r>
+            <a:endParaRPr lang="ru-RU" sz="3600" dirty="0">
               <a:latin typeface="+mj-lt"/>
             </a:endParaRPr>
           </a:p>
           <a:p>
             <a:r>
-              <a:rPr lang="ru-RU" sz="2400" dirty="0" smtClean="0">
-                <a:latin typeface="+mj-lt"/>
-              </a:rPr>
-              <a:t>Создание приватных и публичных соревнований – </a:t>
-            </a:r>
-            <a:r>
-              <a:rPr lang="ru-RU" sz="2400" dirty="0" err="1" smtClean="0">
-                <a:latin typeface="+mj-lt"/>
-              </a:rPr>
-              <a:t>контестов</a:t>
-            </a:r>
-            <a:r>
-              <a:rPr lang="en-US" sz="2400" dirty="0" smtClean="0">
-                <a:latin typeface="+mj-lt"/>
-              </a:rPr>
-              <a:t>;</a:t>
-            </a:r>
-          </a:p>
-          <a:p>
-            <a:r>
-              <a:rPr lang="ru-RU" sz="2400" dirty="0" smtClean="0">
-                <a:latin typeface="+mj-lt"/>
-              </a:rPr>
-              <a:t>Для решения задачи пользователю нужно лишь реализовать метод, без реализации ввода</a:t>
-            </a:r>
-            <a:r>
-              <a:rPr lang="en-US" sz="2400" dirty="0" smtClean="0">
-                <a:latin typeface="+mj-lt"/>
-              </a:rPr>
-              <a:t>/</a:t>
-            </a:r>
-            <a:r>
-              <a:rPr lang="ru-RU" sz="2400" dirty="0" smtClean="0">
-                <a:latin typeface="+mj-lt"/>
-              </a:rPr>
-              <a:t>вывода в консоль</a:t>
-            </a:r>
-            <a:r>
-              <a:rPr lang="en-US" sz="2400" dirty="0" smtClean="0">
-                <a:latin typeface="+mj-lt"/>
-              </a:rPr>
-              <a:t>;</a:t>
-            </a:r>
-            <a:endParaRPr lang="ru-RU" sz="2400" dirty="0" smtClean="0">
+              <a:rPr lang="en-US" sz="3600" dirty="0" smtClean="0">
+                <a:latin typeface="+mj-lt"/>
+              </a:rPr>
+              <a:t>Kubernete</a:t>
+            </a:r>
+            <a:r>
+              <a:rPr lang="en-US" sz="3600" dirty="0" smtClean="0">
+                <a:latin typeface="+mj-lt"/>
+              </a:rPr>
+              <a:t>s</a:t>
+            </a:r>
+          </a:p>
+          <a:p>
+            <a:r>
+              <a:rPr lang="en-US" sz="3600" dirty="0" smtClean="0">
+                <a:latin typeface="+mj-lt"/>
+              </a:rPr>
+              <a:t>JavaScript</a:t>
+            </a:r>
+          </a:p>
+          <a:p>
+            <a:r>
+              <a:rPr lang="en-US" sz="3600" dirty="0" err="1" smtClean="0">
+                <a:latin typeface="+mj-lt"/>
+              </a:rPr>
+              <a:t>Vue</a:t>
+            </a:r>
+            <a:endParaRPr lang="en-US" sz="3600" dirty="0" smtClean="0">
               <a:latin typeface="+mj-lt"/>
             </a:endParaRPr>
           </a:p>
           <a:p>
             <a:r>
-              <a:rPr lang="ru-RU" sz="2400" dirty="0" smtClean="0">
-                <a:latin typeface="+mj-lt"/>
-              </a:rPr>
-              <a:t>Не является платформой для проведения олимпиадных соревнований.</a:t>
-            </a:r>
-            <a:endParaRPr lang="ru-RU" sz="2400" dirty="0">
-              <a:latin typeface="+mj-lt"/>
-            </a:endParaRPr>
-          </a:p>
-        </p:txBody>
-      </p:sp>
-      <p:sp>
-        <p:nvSpPr>
-          <p:cNvPr id="4" name="Заголовок 1"/>
+              <a:rPr lang="en-US" sz="3600" dirty="0" smtClean="0">
+                <a:latin typeface="+mj-lt"/>
+              </a:rPr>
+              <a:t>Nginx</a:t>
+            </a:r>
+          </a:p>
+        </p:txBody>
+      </p:sp>
+      <p:sp>
+        <p:nvSpPr>
+          <p:cNvPr id="2" name="Номер слайда 1"/>
           <p:cNvSpPr>
             <a:spLocks noGrp="1"/>
           </p:cNvSpPr>
           <p:nvPr>
-            <p:ph type="title"/>
+            <p:ph type="sldNum" sz="quarter" idx="12"/>
           </p:nvPr>
         </p:nvSpPr>
         <p:spPr>
           <a:xfrm>
-            <a:off x="838200" y="551737"/>
-            <a:ext cx="10515600" cy="915035"/>
+            <a:off x="8434493" y="6322483"/>
+            <a:ext cx="2743200" cy="365125"/>
           </a:xfrm>
         </p:spPr>
         <p:txBody>
           <a:bodyPr/>
           <a:lstStyle/>
           <a:p>
-            <a:r>
-              <a:rPr lang="ru-RU" dirty="0" smtClean="0"/>
-              <a:t>Функциональность платформы</a:t>
-            </a:r>
-            <a:endParaRPr lang="ru-RU" dirty="0"/>
-          </a:p>
-        </p:txBody>
-      </p:sp>
-      <p:sp>
-        <p:nvSpPr>
-          <p:cNvPr id="5" name="Номер слайда 4"/>
-          <p:cNvSpPr>
-            <a:spLocks noGrp="1"/>
-          </p:cNvSpPr>
-          <p:nvPr>
-            <p:ph type="sldNum" sz="quarter" idx="12"/>
-          </p:nvPr>
-        </p:nvSpPr>
-        <p:spPr/>
-        <p:txBody>
-          <a:bodyPr/>
-          <a:lstStyle/>
-          <a:p>
             <a:fld id="{62AE288B-ED16-4155-B555-A20169454F34}" type="slidenum">
-              <a:rPr lang="ru-RU" smtClean="0">
-                <a:latin typeface="+mj-lt"/>
-              </a:rPr>
-              <a:t>4</a:t>
+              <a:rPr lang="ru-RU" sz="1800" smtClean="0">
+                <a:solidFill>
+                  <a:schemeClr val="tx1"/>
+                </a:solidFill>
+              </a:rPr>
+              <a:t>5</a:t>
             </a:fld>
-            <a:endParaRPr lang="ru-RU">
-              <a:latin typeface="+mj-lt"/>
+            <a:endParaRPr lang="ru-RU" sz="1800" dirty="0">
+              <a:solidFill>
+                <a:schemeClr val="tx1"/>
+              </a:solidFill>
             </a:endParaRPr>
           </a:p>
         </p:txBody>
@@ -13000,7 +7871,7 @@
     </p:spTree>
     <p:extLst>
       <p:ext uri="{BB962C8B-B14F-4D97-AF65-F5344CB8AC3E}">
-        <p14:creationId xmlns:p14="http://schemas.microsoft.com/office/powerpoint/2010/main" val="700991952"/>
+        <p14:creationId xmlns:p14="http://schemas.microsoft.com/office/powerpoint/2010/main" val="2852393334"/>
       </p:ext>
     </p:extLst>
   </p:cSld>
@@ -13029,7 +7900,7 @@
 </p:sld>
 </file>
 
-<file path=ppt/slides/slide5.xml><?xml version="1.0" encoding="utf-8"?>
+<file path=ppt/slides/slide6.xml><?xml version="1.0" encoding="utf-8"?>
 <p:sld xmlns:a="http://schemas.openxmlformats.org/drawingml/2006/main" xmlns:r="http://schemas.openxmlformats.org/officeDocument/2006/relationships" xmlns:p="http://schemas.openxmlformats.org/presentationml/2006/main">
   <p:cSld>
     <p:spTree>
@@ -13312,7 +8183,7 @@
       </p:sp>
       <p:sp>
         <p:nvSpPr>
-          <p:cNvPr id="10" name="Номер слайда 9"/>
+          <p:cNvPr id="5" name="Номер слайда 4"/>
           <p:cNvSpPr>
             <a:spLocks noGrp="1"/>
           </p:cNvSpPr>
@@ -13320,19 +8191,28 @@
             <p:ph type="sldNum" sz="quarter" idx="12"/>
           </p:nvPr>
         </p:nvSpPr>
-        <p:spPr/>
+        <p:spPr>
+          <a:xfrm>
+            <a:off x="8265160" y="6356350"/>
+            <a:ext cx="2743200" cy="365125"/>
+          </a:xfrm>
+        </p:spPr>
         <p:txBody>
           <a:bodyPr/>
           <a:lstStyle/>
           <a:p>
             <a:fld id="{62AE288B-ED16-4155-B555-A20169454F34}" type="slidenum">
-              <a:rPr lang="ru-RU" smtClean="0">
-                <a:latin typeface="+mj-lt"/>
-              </a:rPr>
-              <a:t>5</a:t>
+              <a:rPr lang="ru-RU" sz="1600" smtClean="0">
+                <a:solidFill>
+                  <a:schemeClr val="tx1"/>
+                </a:solidFill>
+              </a:rPr>
+              <a:t>6</a:t>
             </a:fld>
-            <a:endParaRPr lang="ru-RU">
-              <a:latin typeface="+mj-lt"/>
+            <a:endParaRPr lang="ru-RU" dirty="0">
+              <a:solidFill>
+                <a:schemeClr val="tx1"/>
+              </a:solidFill>
             </a:endParaRPr>
           </a:p>
         </p:txBody>
@@ -13369,7 +8249,7 @@
 </p:sld>
 </file>
 
-<file path=ppt/slides/slide6.xml><?xml version="1.0" encoding="utf-8"?>
+<file path=ppt/slides/slide7.xml><?xml version="1.0" encoding="utf-8"?>
 <p:sld xmlns:a="http://schemas.openxmlformats.org/drawingml/2006/main" xmlns:r="http://schemas.openxmlformats.org/officeDocument/2006/relationships" xmlns:p="http://schemas.openxmlformats.org/presentationml/2006/main">
   <p:cSld>
     <p:spTree>
@@ -13663,7 +8543,7 @@
       </p:sp>
       <p:sp>
         <p:nvSpPr>
-          <p:cNvPr id="7" name="Номер слайда 6"/>
+          <p:cNvPr id="2" name="Номер слайда 1"/>
           <p:cNvSpPr>
             <a:spLocks noGrp="1"/>
           </p:cNvSpPr>
@@ -13671,19 +8551,28 @@
             <p:ph type="sldNum" sz="quarter" idx="12"/>
           </p:nvPr>
         </p:nvSpPr>
-        <p:spPr/>
+        <p:spPr>
+          <a:xfrm>
+            <a:off x="8466266" y="6295390"/>
+            <a:ext cx="2743200" cy="365125"/>
+          </a:xfrm>
+        </p:spPr>
         <p:txBody>
           <a:bodyPr/>
           <a:lstStyle/>
           <a:p>
             <a:fld id="{62AE288B-ED16-4155-B555-A20169454F34}" type="slidenum">
-              <a:rPr lang="ru-RU" smtClean="0">
-                <a:latin typeface="+mj-lt"/>
-              </a:rPr>
-              <a:t>6</a:t>
+              <a:rPr lang="ru-RU" sz="1600" smtClean="0">
+                <a:solidFill>
+                  <a:schemeClr val="tx1"/>
+                </a:solidFill>
+              </a:rPr>
+              <a:t>7</a:t>
             </a:fld>
-            <a:endParaRPr lang="ru-RU" dirty="0">
-              <a:latin typeface="+mj-lt"/>
+            <a:endParaRPr lang="ru-RU" sz="1600" dirty="0">
+              <a:solidFill>
+                <a:schemeClr val="tx1"/>
+              </a:solidFill>
             </a:endParaRPr>
           </a:p>
         </p:txBody>
@@ -13692,622 +8581,6 @@
     <p:extLst>
       <p:ext uri="{BB962C8B-B14F-4D97-AF65-F5344CB8AC3E}">
         <p14:creationId xmlns:p14="http://schemas.microsoft.com/office/powerpoint/2010/main" val="1140152401"/>
-      </p:ext>
-    </p:extLst>
-  </p:cSld>
-  <p:clrMapOvr>
-    <a:masterClrMapping/>
-  </p:clrMapOvr>
-  <mc:AlternateContent xmlns:mc="http://schemas.openxmlformats.org/markup-compatibility/2006" xmlns:p14="http://schemas.microsoft.com/office/powerpoint/2010/main">
-    <mc:Choice Requires="p14">
-      <p:transition>
-        <p14:reveal/>
-      </p:transition>
-    </mc:Choice>
-    <mc:Fallback xmlns="">
-      <p:transition>
-        <p:fade/>
-      </p:transition>
-    </mc:Fallback>
-  </mc:AlternateContent>
-  <p:timing>
-    <p:tnLst>
-      <p:par>
-        <p:cTn id="1" dur="indefinite" restart="never" nodeType="tmRoot"/>
-      </p:par>
-    </p:tnLst>
-  </p:timing>
-</p:sld>
-</file>
-
-<file path=ppt/slides/slide7.xml><?xml version="1.0" encoding="utf-8"?>
-<p:sld xmlns:a="http://schemas.openxmlformats.org/drawingml/2006/main" xmlns:r="http://schemas.openxmlformats.org/officeDocument/2006/relationships" xmlns:p="http://schemas.openxmlformats.org/presentationml/2006/main">
-  <p:cSld>
-    <p:spTree>
-      <p:nvGrpSpPr>
-        <p:cNvPr id="1" name=""/>
-        <p:cNvGrpSpPr/>
-        <p:nvPr/>
-      </p:nvGrpSpPr>
-      <p:grpSpPr>
-        <a:xfrm>
-          <a:off x="0" y="0"/>
-          <a:ext cx="0" cy="0"/>
-          <a:chOff x="0" y="0"/>
-          <a:chExt cx="0" cy="0"/>
-        </a:xfrm>
-      </p:grpSpPr>
-      <p:sp>
-        <p:nvSpPr>
-          <p:cNvPr id="2" name="Заголовок 1">
-            <a:extLst>
-              <a:ext uri="{FF2B5EF4-FFF2-40B4-BE49-F238E27FC236}">
-                <a16:creationId xmlns:a16="http://schemas.microsoft.com/office/drawing/2014/main" id="{75E89737-4059-4527-AEA2-A3E8757ED3E5}"/>
-              </a:ext>
-            </a:extLst>
-          </p:cNvPr>
-          <p:cNvSpPr>
-            <a:spLocks noGrp="1"/>
-          </p:cNvSpPr>
-          <p:nvPr>
-            <p:ph type="title"/>
-          </p:nvPr>
-        </p:nvSpPr>
-        <p:spPr>
-          <a:xfrm>
-            <a:off x="838200" y="316999"/>
-            <a:ext cx="10515600" cy="982412"/>
-          </a:xfrm>
-        </p:spPr>
-        <p:txBody>
-          <a:bodyPr/>
-          <a:lstStyle/>
-          <a:p>
-            <a:r>
-              <a:rPr lang="ru-RU" dirty="0"/>
-              <a:t>Подготовка решения пользователя</a:t>
-            </a:r>
-          </a:p>
-        </p:txBody>
-      </p:sp>
-      <p:sp>
-        <p:nvSpPr>
-          <p:cNvPr id="5" name="TextBox 4">
-            <a:extLst>
-              <a:ext uri="{FF2B5EF4-FFF2-40B4-BE49-F238E27FC236}">
-                <a16:creationId xmlns:a16="http://schemas.microsoft.com/office/drawing/2014/main" id="{3B64129C-7F91-47B6-969E-5807F625627D}"/>
-              </a:ext>
-            </a:extLst>
-          </p:cNvPr>
-          <p:cNvSpPr txBox="1"/>
-          <p:nvPr/>
-        </p:nvSpPr>
-        <p:spPr>
-          <a:xfrm>
-            <a:off x="726332" y="1299410"/>
-            <a:ext cx="6332193" cy="3785652"/>
-          </a:xfrm>
-          <a:prstGeom prst="rect">
-            <a:avLst/>
-          </a:prstGeom>
-          <a:noFill/>
-        </p:spPr>
-        <p:txBody>
-          <a:bodyPr wrap="square" rtlCol="0">
-            <a:spAutoFit/>
-          </a:bodyPr>
-          <a:lstStyle/>
-          <a:p>
-            <a:pPr marL="285750" indent="-285750" algn="just">
-              <a:buFont typeface="Arial" panose="020B0604020202020204" pitchFamily="34" charset="0"/>
-              <a:buChar char="•"/>
-            </a:pPr>
-            <a:r>
-              <a:rPr lang="ru-RU" sz="2000" dirty="0">
-                <a:latin typeface="+mj-lt"/>
-              </a:rPr>
-              <a:t>Платформа берет на себя ввод и вывод данных -  мы не можем просто запустить код пользователя и отправить тестовые данные.</a:t>
-            </a:r>
-          </a:p>
-          <a:p>
-            <a:pPr marL="285750" indent="-285750" algn="just">
-              <a:buFont typeface="Arial" panose="020B0604020202020204" pitchFamily="34" charset="0"/>
-              <a:buChar char="•"/>
-            </a:pPr>
-            <a:r>
-              <a:rPr lang="ru-RU" sz="2000" dirty="0">
-                <a:latin typeface="+mj-lt"/>
-              </a:rPr>
-              <a:t>Для чтения, измерения времени, преобразования типов входных данных и вывода результатов решения в консоль используется специальный заготовленный код – </a:t>
-            </a:r>
-            <a:r>
-              <a:rPr lang="ru-RU" sz="2000" dirty="0" smtClean="0">
-                <a:latin typeface="+mj-lt"/>
-              </a:rPr>
-              <a:t>драйвер.</a:t>
-            </a:r>
-            <a:endParaRPr lang="ru-RU" sz="2000" dirty="0">
-              <a:latin typeface="+mj-lt"/>
-            </a:endParaRPr>
-          </a:p>
-          <a:p>
-            <a:pPr marL="285750" indent="-285750" algn="just">
-              <a:buFont typeface="Arial" panose="020B0604020202020204" pitchFamily="34" charset="0"/>
-              <a:buChar char="•"/>
-            </a:pPr>
-            <a:r>
-              <a:rPr lang="ru-RU" sz="2000" dirty="0">
-                <a:latin typeface="+mj-lt"/>
-              </a:rPr>
-              <a:t>Все эти усложнения нужны для того, чтобы стандартизировать формат входных и выходных данных, благодаря чему процесс тестирования не будет отличаться от ЯП к ЯП, а так же относительно просто добавить не стандартный </a:t>
-            </a:r>
-            <a:r>
-              <a:rPr lang="ru-RU" sz="2000" dirty="0" smtClean="0">
-                <a:latin typeface="+mj-lt"/>
-              </a:rPr>
-              <a:t>тип.</a:t>
-            </a:r>
-            <a:endParaRPr lang="ru-RU" sz="2000" dirty="0">
-              <a:latin typeface="+mj-lt"/>
-            </a:endParaRPr>
-          </a:p>
-        </p:txBody>
-      </p:sp>
-      <p:sp>
-        <p:nvSpPr>
-          <p:cNvPr id="6" name="Прямоугольник 5">
-            <a:extLst>
-              <a:ext uri="{FF2B5EF4-FFF2-40B4-BE49-F238E27FC236}">
-                <a16:creationId xmlns:a16="http://schemas.microsoft.com/office/drawing/2014/main" id="{9C27D868-9BC8-4D4E-AFD8-FDDD64F94E3C}"/>
-              </a:ext>
-            </a:extLst>
-          </p:cNvPr>
-          <p:cNvSpPr/>
-          <p:nvPr/>
-        </p:nvSpPr>
-        <p:spPr>
-          <a:xfrm>
-            <a:off x="7762313" y="3212816"/>
-            <a:ext cx="2957804" cy="746449"/>
-          </a:xfrm>
-          <a:prstGeom prst="rect">
-            <a:avLst/>
-          </a:prstGeom>
-          <a:solidFill>
-            <a:schemeClr val="bg1"/>
-          </a:solidFill>
-        </p:spPr>
-        <p:style>
-          <a:lnRef idx="2">
-            <a:schemeClr val="accent1">
-              <a:shade val="50000"/>
-            </a:schemeClr>
-          </a:lnRef>
-          <a:fillRef idx="1">
-            <a:schemeClr val="accent1"/>
-          </a:fillRef>
-          <a:effectRef idx="0">
-            <a:schemeClr val="accent1"/>
-          </a:effectRef>
-          <a:fontRef idx="minor">
-            <a:schemeClr val="lt1"/>
-          </a:fontRef>
-        </p:style>
-        <p:txBody>
-          <a:bodyPr rtlCol="0" anchor="ctr"/>
-          <a:lstStyle/>
-          <a:p>
-            <a:pPr algn="ctr"/>
-            <a:r>
-              <a:rPr lang="en-US" dirty="0" err="1">
-                <a:solidFill>
-                  <a:schemeClr val="tx1"/>
-                </a:solidFill>
-                <a:latin typeface="+mj-lt"/>
-              </a:rPr>
-              <a:t>CodePreparer</a:t>
-            </a:r>
-            <a:endParaRPr lang="ru-RU" dirty="0">
-              <a:solidFill>
-                <a:schemeClr val="tx1"/>
-              </a:solidFill>
-              <a:latin typeface="+mj-lt"/>
-            </a:endParaRPr>
-          </a:p>
-        </p:txBody>
-      </p:sp>
-      <p:cxnSp>
-        <p:nvCxnSpPr>
-          <p:cNvPr id="8" name="Прямая со стрелкой 7">
-            <a:extLst>
-              <a:ext uri="{FF2B5EF4-FFF2-40B4-BE49-F238E27FC236}">
-                <a16:creationId xmlns:a16="http://schemas.microsoft.com/office/drawing/2014/main" id="{5E5FCF1D-3CC8-469E-98EA-C963D2348C39}"/>
-              </a:ext>
-            </a:extLst>
-          </p:cNvPr>
-          <p:cNvCxnSpPr/>
-          <p:nvPr/>
-        </p:nvCxnSpPr>
-        <p:spPr>
-          <a:xfrm>
-            <a:off x="8332237" y="1576873"/>
-            <a:ext cx="0" cy="1611471"/>
-          </a:xfrm>
-          <a:prstGeom prst="straightConnector1">
-            <a:avLst/>
-          </a:prstGeom>
-          <a:ln>
-            <a:tailEnd type="triangle"/>
-          </a:ln>
-        </p:spPr>
-        <p:style>
-          <a:lnRef idx="1">
-            <a:schemeClr val="dk1"/>
-          </a:lnRef>
-          <a:fillRef idx="0">
-            <a:schemeClr val="dk1"/>
-          </a:fillRef>
-          <a:effectRef idx="0">
-            <a:schemeClr val="dk1"/>
-          </a:effectRef>
-          <a:fontRef idx="minor">
-            <a:schemeClr val="tx1"/>
-          </a:fontRef>
-        </p:style>
-      </p:cxnSp>
-      <p:sp>
-        <p:nvSpPr>
-          <p:cNvPr id="9" name="TextBox 8">
-            <a:extLst>
-              <a:ext uri="{FF2B5EF4-FFF2-40B4-BE49-F238E27FC236}">
-                <a16:creationId xmlns:a16="http://schemas.microsoft.com/office/drawing/2014/main" id="{AA50B9C1-9222-4E5E-A150-30C23038B514}"/>
-              </a:ext>
-            </a:extLst>
-          </p:cNvPr>
-          <p:cNvSpPr txBox="1"/>
-          <p:nvPr/>
-        </p:nvSpPr>
-        <p:spPr>
-          <a:xfrm>
-            <a:off x="7423259" y="1114745"/>
-            <a:ext cx="1817956" cy="646331"/>
-          </a:xfrm>
-          <a:prstGeom prst="rect">
-            <a:avLst/>
-          </a:prstGeom>
-          <a:noFill/>
-        </p:spPr>
-        <p:txBody>
-          <a:bodyPr wrap="square" rtlCol="0">
-            <a:spAutoFit/>
-          </a:bodyPr>
-          <a:lstStyle/>
-          <a:p>
-            <a:r>
-              <a:rPr lang="ru-RU" dirty="0">
-                <a:latin typeface="+mj-lt"/>
-              </a:rPr>
-              <a:t>Решение (код, язык)</a:t>
-            </a:r>
-          </a:p>
-        </p:txBody>
-      </p:sp>
-      <p:cxnSp>
-        <p:nvCxnSpPr>
-          <p:cNvPr id="11" name="Прямая со стрелкой 10">
-            <a:extLst>
-              <a:ext uri="{FF2B5EF4-FFF2-40B4-BE49-F238E27FC236}">
-                <a16:creationId xmlns:a16="http://schemas.microsoft.com/office/drawing/2014/main" id="{49968D7E-B999-42AE-B8E7-C92C1BA51B16}"/>
-              </a:ext>
-            </a:extLst>
-          </p:cNvPr>
-          <p:cNvCxnSpPr>
-            <a:cxnSpLocks/>
-            <a:endCxn id="6" idx="0"/>
-          </p:cNvCxnSpPr>
-          <p:nvPr/>
-        </p:nvCxnSpPr>
-        <p:spPr>
-          <a:xfrm>
-            <a:off x="9241215" y="2121629"/>
-            <a:ext cx="0" cy="1091187"/>
-          </a:xfrm>
-          <a:prstGeom prst="straightConnector1">
-            <a:avLst/>
-          </a:prstGeom>
-          <a:ln>
-            <a:tailEnd type="triangle"/>
-          </a:ln>
-        </p:spPr>
-        <p:style>
-          <a:lnRef idx="1">
-            <a:schemeClr val="dk1"/>
-          </a:lnRef>
-          <a:fillRef idx="0">
-            <a:schemeClr val="dk1"/>
-          </a:fillRef>
-          <a:effectRef idx="0">
-            <a:schemeClr val="dk1"/>
-          </a:effectRef>
-          <a:fontRef idx="minor">
-            <a:schemeClr val="tx1"/>
-          </a:fontRef>
-        </p:style>
-      </p:cxnSp>
-      <p:sp>
-        <p:nvSpPr>
-          <p:cNvPr id="14" name="TextBox 13">
-            <a:extLst>
-              <a:ext uri="{FF2B5EF4-FFF2-40B4-BE49-F238E27FC236}">
-                <a16:creationId xmlns:a16="http://schemas.microsoft.com/office/drawing/2014/main" id="{29075BD1-B103-476E-9F6A-0C376934E89D}"/>
-              </a:ext>
-            </a:extLst>
-          </p:cNvPr>
-          <p:cNvSpPr txBox="1"/>
-          <p:nvPr/>
-        </p:nvSpPr>
-        <p:spPr>
-          <a:xfrm>
-            <a:off x="8768759" y="1694346"/>
-            <a:ext cx="1095088" cy="369332"/>
-          </a:xfrm>
-          <a:prstGeom prst="rect">
-            <a:avLst/>
-          </a:prstGeom>
-          <a:noFill/>
-        </p:spPr>
-        <p:txBody>
-          <a:bodyPr wrap="square" rtlCol="0">
-            <a:spAutoFit/>
-          </a:bodyPr>
-          <a:lstStyle/>
-          <a:p>
-            <a:r>
-              <a:rPr lang="ru-RU" dirty="0">
-                <a:latin typeface="+mj-lt"/>
-              </a:rPr>
-              <a:t>Драйвер</a:t>
-            </a:r>
-          </a:p>
-        </p:txBody>
-      </p:sp>
-      <p:cxnSp>
-        <p:nvCxnSpPr>
-          <p:cNvPr id="16" name="Прямая со стрелкой 15">
-            <a:extLst>
-              <a:ext uri="{FF2B5EF4-FFF2-40B4-BE49-F238E27FC236}">
-                <a16:creationId xmlns:a16="http://schemas.microsoft.com/office/drawing/2014/main" id="{0E2E4712-ECD4-46A5-8813-177D5F7E3E4F}"/>
-              </a:ext>
-            </a:extLst>
-          </p:cNvPr>
-          <p:cNvCxnSpPr>
-            <a:cxnSpLocks/>
-          </p:cNvCxnSpPr>
-          <p:nvPr/>
-        </p:nvCxnSpPr>
-        <p:spPr>
-          <a:xfrm>
-            <a:off x="10235682" y="1484077"/>
-            <a:ext cx="0" cy="1704267"/>
-          </a:xfrm>
-          <a:prstGeom prst="straightConnector1">
-            <a:avLst/>
-          </a:prstGeom>
-          <a:ln>
-            <a:tailEnd type="triangle"/>
-          </a:ln>
-        </p:spPr>
-        <p:style>
-          <a:lnRef idx="1">
-            <a:schemeClr val="dk1"/>
-          </a:lnRef>
-          <a:fillRef idx="0">
-            <a:schemeClr val="dk1"/>
-          </a:fillRef>
-          <a:effectRef idx="0">
-            <a:schemeClr val="dk1"/>
-          </a:effectRef>
-          <a:fontRef idx="minor">
-            <a:schemeClr val="tx1"/>
-          </a:fontRef>
-        </p:style>
-      </p:cxnSp>
-      <p:sp>
-        <p:nvSpPr>
-          <p:cNvPr id="19" name="TextBox 18">
-            <a:extLst>
-              <a:ext uri="{FF2B5EF4-FFF2-40B4-BE49-F238E27FC236}">
-                <a16:creationId xmlns:a16="http://schemas.microsoft.com/office/drawing/2014/main" id="{F257F73C-F8CC-41CE-B3CF-ABE434C98140}"/>
-              </a:ext>
-            </a:extLst>
-          </p:cNvPr>
-          <p:cNvSpPr txBox="1"/>
-          <p:nvPr/>
-        </p:nvSpPr>
-        <p:spPr>
-          <a:xfrm>
-            <a:off x="9384661" y="904483"/>
-            <a:ext cx="1825692" cy="646331"/>
-          </a:xfrm>
-          <a:prstGeom prst="rect">
-            <a:avLst/>
-          </a:prstGeom>
-          <a:noFill/>
-        </p:spPr>
-        <p:txBody>
-          <a:bodyPr wrap="square" rtlCol="0">
-            <a:spAutoFit/>
-          </a:bodyPr>
-          <a:lstStyle/>
-          <a:p>
-            <a:pPr algn="ctr"/>
-            <a:r>
-              <a:rPr lang="ru-RU" dirty="0">
-                <a:latin typeface="+mj-lt"/>
-              </a:rPr>
-              <a:t>Структура задачи</a:t>
-            </a:r>
-          </a:p>
-        </p:txBody>
-      </p:sp>
-      <p:cxnSp>
-        <p:nvCxnSpPr>
-          <p:cNvPr id="21" name="Прямая со стрелкой 20">
-            <a:extLst>
-              <a:ext uri="{FF2B5EF4-FFF2-40B4-BE49-F238E27FC236}">
-                <a16:creationId xmlns:a16="http://schemas.microsoft.com/office/drawing/2014/main" id="{9DD28269-435A-4F7E-8652-B996D3296353}"/>
-              </a:ext>
-            </a:extLst>
-          </p:cNvPr>
-          <p:cNvCxnSpPr>
-            <a:stCxn id="6" idx="2"/>
-          </p:cNvCxnSpPr>
-          <p:nvPr/>
-        </p:nvCxnSpPr>
-        <p:spPr>
-          <a:xfrm flipH="1">
-            <a:off x="9241214" y="3959265"/>
-            <a:ext cx="1" cy="1057085"/>
-          </a:xfrm>
-          <a:prstGeom prst="straightConnector1">
-            <a:avLst/>
-          </a:prstGeom>
-          <a:ln>
-            <a:tailEnd type="triangle"/>
-          </a:ln>
-        </p:spPr>
-        <p:style>
-          <a:lnRef idx="1">
-            <a:schemeClr val="dk1"/>
-          </a:lnRef>
-          <a:fillRef idx="0">
-            <a:schemeClr val="dk1"/>
-          </a:fillRef>
-          <a:effectRef idx="0">
-            <a:schemeClr val="dk1"/>
-          </a:effectRef>
-          <a:fontRef idx="minor">
-            <a:schemeClr val="tx1"/>
-          </a:fontRef>
-        </p:style>
-      </p:cxnSp>
-      <p:sp>
-        <p:nvSpPr>
-          <p:cNvPr id="22" name="TextBox 21">
-            <a:extLst>
-              <a:ext uri="{FF2B5EF4-FFF2-40B4-BE49-F238E27FC236}">
-                <a16:creationId xmlns:a16="http://schemas.microsoft.com/office/drawing/2014/main" id="{4D503E26-7640-4EE9-B732-98F745BCB369}"/>
-              </a:ext>
-            </a:extLst>
-          </p:cNvPr>
-          <p:cNvSpPr txBox="1"/>
-          <p:nvPr/>
-        </p:nvSpPr>
-        <p:spPr>
-          <a:xfrm>
-            <a:off x="8131207" y="5004591"/>
-            <a:ext cx="2435289" cy="646331"/>
-          </a:xfrm>
-          <a:prstGeom prst="rect">
-            <a:avLst/>
-          </a:prstGeom>
-          <a:noFill/>
-        </p:spPr>
-        <p:txBody>
-          <a:bodyPr wrap="square" rtlCol="0">
-            <a:spAutoFit/>
-          </a:bodyPr>
-          <a:lstStyle/>
-          <a:p>
-            <a:r>
-              <a:rPr lang="ru-RU" dirty="0">
-                <a:latin typeface="+mj-lt"/>
-              </a:rPr>
-              <a:t>Готовый к исполнению код</a:t>
-            </a:r>
-          </a:p>
-        </p:txBody>
-      </p:sp>
-      <p:sp>
-        <p:nvSpPr>
-          <p:cNvPr id="23" name="TextBox 22">
-            <a:extLst>
-              <a:ext uri="{FF2B5EF4-FFF2-40B4-BE49-F238E27FC236}">
-                <a16:creationId xmlns:a16="http://schemas.microsoft.com/office/drawing/2014/main" id="{F2CFDEC0-8F57-48F8-9314-DAFF256B8407}"/>
-              </a:ext>
-            </a:extLst>
-          </p:cNvPr>
-          <p:cNvSpPr txBox="1"/>
-          <p:nvPr/>
-        </p:nvSpPr>
-        <p:spPr>
-          <a:xfrm>
-            <a:off x="8003158" y="5562744"/>
-            <a:ext cx="2691385" cy="338554"/>
-          </a:xfrm>
-          <a:prstGeom prst="rect">
-            <a:avLst/>
-          </a:prstGeom>
-          <a:noFill/>
-        </p:spPr>
-        <p:txBody>
-          <a:bodyPr wrap="square" rtlCol="0">
-            <a:spAutoFit/>
-          </a:bodyPr>
-          <a:lstStyle/>
-          <a:p>
-            <a:r>
-              <a:rPr lang="ru-RU" sz="1600" dirty="0">
-                <a:latin typeface="+mj-lt"/>
-              </a:rPr>
-              <a:t>Рисунок </a:t>
-            </a:r>
-            <a:r>
-              <a:rPr lang="ru-RU" sz="1600" dirty="0" smtClean="0">
-                <a:latin typeface="+mj-lt"/>
-              </a:rPr>
-              <a:t>5 </a:t>
-            </a:r>
-            <a:r>
-              <a:rPr lang="ru-RU" sz="1600" dirty="0">
-                <a:latin typeface="+mj-lt"/>
-              </a:rPr>
-              <a:t>– Подготовка кода</a:t>
-            </a:r>
-          </a:p>
-        </p:txBody>
-      </p:sp>
-      <p:sp>
-        <p:nvSpPr>
-          <p:cNvPr id="4" name="Номер слайда 3"/>
-          <p:cNvSpPr>
-            <a:spLocks noGrp="1"/>
-          </p:cNvSpPr>
-          <p:nvPr>
-            <p:ph type="sldNum" sz="quarter" idx="12"/>
-          </p:nvPr>
-        </p:nvSpPr>
-        <p:spPr/>
-        <p:txBody>
-          <a:bodyPr/>
-          <a:lstStyle/>
-          <a:p>
-            <a:fld id="{62AE288B-ED16-4155-B555-A20169454F34}" type="slidenum">
-              <a:rPr lang="ru-RU" smtClean="0">
-                <a:latin typeface="+mj-lt"/>
-              </a:rPr>
-              <a:t>7</a:t>
-            </a:fld>
-            <a:endParaRPr lang="ru-RU" dirty="0">
-              <a:latin typeface="+mj-lt"/>
-            </a:endParaRPr>
-          </a:p>
-        </p:txBody>
-      </p:sp>
-    </p:spTree>
-    <p:extLst>
-      <p:ext uri="{BB962C8B-B14F-4D97-AF65-F5344CB8AC3E}">
-        <p14:creationId xmlns:p14="http://schemas.microsoft.com/office/powerpoint/2010/main" val="1579156004"/>
       </p:ext>
     </p:extLst>
   </p:cSld>
@@ -15126,7 +9399,7 @@
         </p:nvSpPr>
         <p:spPr>
           <a:xfrm>
-            <a:off x="7959143" y="6230086"/>
+            <a:off x="7925181" y="6219208"/>
             <a:ext cx="3200475" cy="338554"/>
           </a:xfrm>
           <a:prstGeom prst="rect">
@@ -15150,7 +9423,7 @@
               <a:rPr lang="en-US" sz="1600" dirty="0">
                 <a:latin typeface="+mj-lt"/>
               </a:rPr>
-              <a:t>6</a:t>
+              <a:t>5</a:t>
             </a:r>
             <a:r>
               <a:rPr lang="ru-RU" sz="1600" dirty="0" smtClean="0">
@@ -15178,7 +9451,7 @@
       </p:sp>
       <p:sp>
         <p:nvSpPr>
-          <p:cNvPr id="9" name="Номер слайда 8"/>
+          <p:cNvPr id="7" name="Номер слайда 6"/>
           <p:cNvSpPr>
             <a:spLocks noGrp="1"/>
           </p:cNvSpPr>
@@ -15186,19 +9459,28 @@
             <p:ph type="sldNum" sz="quarter" idx="12"/>
           </p:nvPr>
         </p:nvSpPr>
-        <p:spPr/>
+        <p:spPr>
+          <a:xfrm>
+            <a:off x="8441267" y="6295055"/>
+            <a:ext cx="2743200" cy="365125"/>
+          </a:xfrm>
+        </p:spPr>
         <p:txBody>
           <a:bodyPr/>
           <a:lstStyle/>
           <a:p>
             <a:fld id="{62AE288B-ED16-4155-B555-A20169454F34}" type="slidenum">
-              <a:rPr lang="ru-RU" sz="1100" smtClean="0">
-                <a:latin typeface="+mj-lt"/>
+              <a:rPr lang="ru-RU" sz="1600" smtClean="0">
+                <a:solidFill>
+                  <a:schemeClr val="tx1"/>
+                </a:solidFill>
               </a:rPr>
               <a:t>8</a:t>
             </a:fld>
-            <a:endParaRPr lang="ru-RU" sz="1100" dirty="0">
-              <a:latin typeface="+mj-lt"/>
+            <a:endParaRPr lang="ru-RU" sz="1600">
+              <a:solidFill>
+                <a:schemeClr val="tx1"/>
+              </a:solidFill>
             </a:endParaRPr>
           </a:p>
         </p:txBody>
@@ -15254,48 +9536,102 @@
       </p:grpSpPr>
       <p:sp>
         <p:nvSpPr>
-          <p:cNvPr id="3" name="Заголовок 1">
+          <p:cNvPr id="2" name="Заголовок 1"/>
+          <p:cNvSpPr>
+            <a:spLocks noGrp="1"/>
+          </p:cNvSpPr>
+          <p:nvPr>
+            <p:ph type="title"/>
+          </p:nvPr>
+        </p:nvSpPr>
+        <p:spPr>
+          <a:xfrm>
+            <a:off x="1014983" y="150887"/>
+            <a:ext cx="10515600" cy="755337"/>
+          </a:xfrm>
+        </p:spPr>
+        <p:txBody>
+          <a:bodyPr>
+            <a:normAutofit/>
+          </a:bodyPr>
+          <a:lstStyle/>
+          <a:p>
+            <a:r>
+              <a:rPr lang="ru-RU" sz="4000" dirty="0" smtClean="0">
+                <a:latin typeface="Bahnschrift Light Condensed" panose="020B0502040204020203" pitchFamily="34" charset="0"/>
+              </a:rPr>
+              <a:t>Процесс проверки решения</a:t>
+            </a:r>
+            <a:endParaRPr lang="ru-RU" sz="4000" dirty="0">
+              <a:latin typeface="Bahnschrift Light Condensed" panose="020B0502040204020203" pitchFamily="34" charset="0"/>
+            </a:endParaRPr>
+          </a:p>
+        </p:txBody>
+      </p:sp>
+      <p:pic>
+        <p:nvPicPr>
+          <p:cNvPr id="1026" name="Picture 2" descr="Diagram(1)"/>
+          <p:cNvPicPr>
+            <a:picLocks noChangeAspect="1" noChangeArrowheads="1"/>
+          </p:cNvPicPr>
+          <p:nvPr/>
+        </p:nvPicPr>
+        <p:blipFill>
+          <a:blip r:embed="rId3">
             <a:extLst>
-              <a:ext uri="{FF2B5EF4-FFF2-40B4-BE49-F238E27FC236}">
-                <a16:creationId xmlns:a16="http://schemas.microsoft.com/office/drawing/2014/main" id="{A0ACA5B3-A45B-4106-A5F4-99EEF503605D}"/>
+              <a:ext uri="{28A0092B-C50C-407E-A947-70E740481C1C}">
+                <a14:useLocalDpi xmlns:a14="http://schemas.microsoft.com/office/drawing/2010/main" val="0"/>
               </a:ext>
             </a:extLst>
-          </p:cNvPr>
-          <p:cNvSpPr>
-            <a:spLocks noGrp="1"/>
-          </p:cNvSpPr>
-          <p:nvPr>
-            <p:ph type="title"/>
-          </p:nvPr>
+          </a:blip>
+          <a:srcRect/>
+          <a:stretch>
+            <a:fillRect/>
+          </a:stretch>
+        </p:blipFill>
+        <p:spPr bwMode="auto">
+          <a:xfrm>
+            <a:off x="3122187" y="906223"/>
+            <a:ext cx="5662825" cy="5138665"/>
+          </a:xfrm>
+          <a:prstGeom prst="rect">
+            <a:avLst/>
+          </a:prstGeom>
+          <a:noFill/>
+          <a:ln>
+            <a:noFill/>
+          </a:ln>
+          <a:extLst>
+            <a:ext uri="{909E8E84-426E-40DD-AFC4-6F175D3DCCD1}">
+              <a14:hiddenFill xmlns:a14="http://schemas.microsoft.com/office/drawing/2010/main">
+                <a:solidFill>
+                  <a:srgbClr val="FFFFFF"/>
+                </a:solidFill>
+              </a14:hiddenFill>
+            </a:ext>
+            <a:ext uri="{91240B29-F687-4F45-9708-019B960494DF}">
+              <a14:hiddenLine xmlns:a14="http://schemas.microsoft.com/office/drawing/2010/main" w="9525">
+                <a:solidFill>
+                  <a:srgbClr val="000000"/>
+                </a:solidFill>
+                <a:miter lim="800000"/>
+                <a:headEnd/>
+                <a:tailEnd/>
+              </a14:hiddenLine>
+            </a:ext>
+          </a:extLst>
+        </p:spPr>
+      </p:pic>
+      <p:sp>
+        <p:nvSpPr>
+          <p:cNvPr id="69" name="TextBox 68"/>
+          <p:cNvSpPr txBox="1"/>
+          <p:nvPr/>
         </p:nvSpPr>
         <p:spPr>
           <a:xfrm>
-            <a:off x="934791" y="323438"/>
-            <a:ext cx="6579637" cy="719751"/>
-          </a:xfrm>
-        </p:spPr>
-        <p:txBody>
-          <a:bodyPr/>
-          <a:lstStyle/>
-          <a:p>
-            <a:r>
-              <a:rPr lang="ru-RU" dirty="0" smtClean="0"/>
-              <a:t>Архитектура платформы</a:t>
-            </a:r>
-            <a:endParaRPr lang="ru-RU" dirty="0"/>
-          </a:p>
-        </p:txBody>
-      </p:sp>
-      <p:sp>
-        <p:nvSpPr>
-          <p:cNvPr id="6" name="TextBox 5"/>
-          <p:cNvSpPr txBox="1"/>
-          <p:nvPr/>
-        </p:nvSpPr>
-        <p:spPr>
-          <a:xfrm>
-            <a:off x="4869053" y="5880818"/>
-            <a:ext cx="2710680" cy="369332"/>
+            <a:off x="4395803" y="6187073"/>
+            <a:ext cx="3200475" cy="338554"/>
           </a:xfrm>
           <a:prstGeom prst="rect">
             <a:avLst/>
@@ -15309,94 +9645,73 @@
           <a:lstStyle/>
           <a:p>
             <a:r>
-              <a:rPr lang="ru-RU" dirty="0">
+              <a:rPr lang="ru-RU" sz="1600" dirty="0">
                 <a:latin typeface="+mj-lt"/>
               </a:rPr>
               <a:t>Рисунок </a:t>
             </a:r>
             <a:r>
-              <a:rPr lang="en-US" dirty="0">
-                <a:latin typeface="+mj-lt"/>
-              </a:rPr>
-              <a:t>7</a:t>
-            </a:r>
-            <a:r>
-              <a:rPr lang="ru-RU" dirty="0" smtClean="0">
+              <a:rPr lang="en-US" sz="1600" dirty="0">
+                <a:latin typeface="+mj-lt"/>
+              </a:rPr>
+              <a:t>6</a:t>
+            </a:r>
+            <a:r>
+              <a:rPr lang="ru-RU" sz="1600" dirty="0" smtClean="0">
                 <a:latin typeface="+mj-lt"/>
               </a:rPr>
               <a:t> </a:t>
             </a:r>
             <a:r>
-              <a:rPr lang="ru-RU" dirty="0">
+              <a:rPr lang="ru-RU" sz="1600" dirty="0">
                 <a:latin typeface="+mj-lt"/>
               </a:rPr>
               <a:t>– </a:t>
             </a:r>
             <a:r>
-              <a:rPr lang="ru-RU" dirty="0" smtClean="0">
-                <a:latin typeface="+mj-lt"/>
-              </a:rPr>
-              <a:t>Архитектура</a:t>
-            </a:r>
-            <a:endParaRPr lang="ru-RU" dirty="0">
+              <a:rPr lang="ru-RU" sz="1600" dirty="0" smtClean="0">
+                <a:latin typeface="+mj-lt"/>
+              </a:rPr>
+              <a:t>Проверка решения</a:t>
+            </a:r>
+            <a:endParaRPr lang="ru-RU" sz="1600" dirty="0">
               <a:latin typeface="+mj-lt"/>
             </a:endParaRPr>
           </a:p>
         </p:txBody>
       </p:sp>
-      <p:pic>
-        <p:nvPicPr>
-          <p:cNvPr id="2" name="Рисунок 1"/>
-          <p:cNvPicPr>
-            <a:picLocks noChangeAspect="1"/>
-          </p:cNvPicPr>
-          <p:nvPr/>
-        </p:nvPicPr>
-        <p:blipFill>
-          <a:blip r:embed="rId2">
-            <a:extLst>
-              <a:ext uri="{28A0092B-C50C-407E-A947-70E740481C1C}">
-                <a14:useLocalDpi xmlns:a14="http://schemas.microsoft.com/office/drawing/2010/main" val="0"/>
-              </a:ext>
-            </a:extLst>
-          </a:blip>
-          <a:stretch>
-            <a:fillRect/>
-          </a:stretch>
-        </p:blipFill>
+      <p:sp>
+        <p:nvSpPr>
+          <p:cNvPr id="4" name="Номер слайда 3"/>
+          <p:cNvSpPr>
+            <a:spLocks noGrp="1"/>
+          </p:cNvSpPr>
+          <p:nvPr>
+            <p:ph type="sldNum" sz="quarter" idx="12"/>
+          </p:nvPr>
+        </p:nvSpPr>
         <p:spPr>
           <a:xfrm>
-            <a:off x="597159" y="1530651"/>
-            <a:ext cx="10960914" cy="3983741"/>
+            <a:off x="8461587" y="6295390"/>
+            <a:ext cx="2743200" cy="365125"/>
           </a:xfrm>
-          <a:prstGeom prst="rect">
-            <a:avLst/>
-          </a:prstGeom>
         </p:spPr>
-      </p:pic>
-      <p:sp>
-        <p:nvSpPr>
-          <p:cNvPr id="5" name="Номер слайда 4"/>
-          <p:cNvSpPr>
-            <a:spLocks noGrp="1"/>
-          </p:cNvSpPr>
-          <p:nvPr>
-            <p:ph type="sldNum" sz="quarter" idx="12"/>
-          </p:nvPr>
-        </p:nvSpPr>
-        <p:spPr/>
         <p:txBody>
           <a:bodyPr/>
           <a:lstStyle/>
           <a:p>
             <a:fld id="{62AE288B-ED16-4155-B555-A20169454F34}" type="slidenum">
-              <a:rPr lang="ru-RU" smtClean="0">
-                <a:latin typeface="+mj-lt"/>
+              <a:rPr lang="ru-RU" sz="1600" smtClean="0">
+                <a:solidFill>
+                  <a:schemeClr val="tx1"/>
+                </a:solidFill>
               </a:rPr>
               <a:t>9</a:t>
             </a:fld>
-            <a:endParaRPr lang="ru-RU">
-              <a:latin typeface="+mj-lt"/>
+            <a:endParaRPr lang="ru-RU" sz="1600">
+              <a:solidFill>
+                <a:schemeClr val="tx1"/>
+              </a:solidFill>
             </a:endParaRPr>
           </a:p>
         </p:txBody>
@@ -15404,7 +9719,7 @@
     </p:spTree>
     <p:extLst>
       <p:ext uri="{BB962C8B-B14F-4D97-AF65-F5344CB8AC3E}">
-        <p14:creationId xmlns:p14="http://schemas.microsoft.com/office/powerpoint/2010/main" val="4197788654"/>
+        <p14:creationId xmlns:p14="http://schemas.microsoft.com/office/powerpoint/2010/main" val="1930481001"/>
       </p:ext>
     </p:extLst>
   </p:cSld>

--- a/Вашкулатов 12.04.pptx
+++ b/Вашкулатов 12.04.pptx
@@ -5,22 +5,21 @@
     <p:sldMasterId id="2147483660" r:id="rId1"/>
   </p:sldMasterIdLst>
   <p:notesMasterIdLst>
-    <p:notesMasterId r:id="rId15"/>
+    <p:notesMasterId r:id="rId14"/>
   </p:notesMasterIdLst>
   <p:sldIdLst>
     <p:sldId id="256" r:id="rId2"/>
     <p:sldId id="258" r:id="rId3"/>
     <p:sldId id="273" r:id="rId4"/>
-    <p:sldId id="272" r:id="rId5"/>
-    <p:sldId id="275" r:id="rId6"/>
-    <p:sldId id="259" r:id="rId7"/>
-    <p:sldId id="260" r:id="rId8"/>
-    <p:sldId id="262" r:id="rId9"/>
-    <p:sldId id="265" r:id="rId10"/>
+    <p:sldId id="277" r:id="rId5"/>
+    <p:sldId id="272" r:id="rId6"/>
+    <p:sldId id="275" r:id="rId7"/>
+    <p:sldId id="259" r:id="rId8"/>
+    <p:sldId id="260" r:id="rId9"/>
+    <p:sldId id="262" r:id="rId10"/>
     <p:sldId id="276" r:id="rId11"/>
-    <p:sldId id="264" r:id="rId12"/>
-    <p:sldId id="274" r:id="rId13"/>
-    <p:sldId id="271" r:id="rId14"/>
+    <p:sldId id="274" r:id="rId12"/>
+    <p:sldId id="271" r:id="rId13"/>
   </p:sldIdLst>
   <p:sldSz cx="12192000" cy="6858000"/>
   <p:notesSz cx="6858000" cy="9144000"/>
@@ -209,7 +208,7 @@
           <a:p>
             <a:fld id="{06EA2F6A-6C6A-4F9A-A657-6DE485336090}" type="datetimeFigureOut">
               <a:rPr lang="ru-RU" smtClean="0"/>
-              <a:t>29.05.2024</a:t>
+              <a:t>12.06.2024</a:t>
             </a:fld>
             <a:endParaRPr lang="ru-RU"/>
           </a:p>
@@ -625,7 +624,7 @@
           <a:p>
             <a:fld id="{B2796907-CA03-4721-9DD0-B4E87A3A23F9}" type="slidenum">
               <a:rPr lang="ru-RU" smtClean="0"/>
-              <a:t>6</a:t>
+              <a:t>7</a:t>
             </a:fld>
             <a:endParaRPr lang="ru-RU"/>
           </a:p>
@@ -709,7 +708,7 @@
           <a:p>
             <a:fld id="{B2796907-CA03-4721-9DD0-B4E87A3A23F9}" type="slidenum">
               <a:rPr lang="ru-RU" smtClean="0"/>
-              <a:t>7</a:t>
+              <a:t>8</a:t>
             </a:fld>
             <a:endParaRPr lang="ru-RU"/>
           </a:p>
@@ -719,90 +718,6 @@
     <p:extLst>
       <p:ext uri="{BB962C8B-B14F-4D97-AF65-F5344CB8AC3E}">
         <p14:creationId xmlns:p14="http://schemas.microsoft.com/office/powerpoint/2010/main" val="3779168911"/>
-      </p:ext>
-    </p:extLst>
-  </p:cSld>
-  <p:clrMapOvr>
-    <a:masterClrMapping/>
-  </p:clrMapOvr>
-</p:notes>
-</file>
-
-<file path=ppt/notesSlides/notesSlide4.xml><?xml version="1.0" encoding="utf-8"?>
-<p:notes xmlns:a="http://schemas.openxmlformats.org/drawingml/2006/main" xmlns:r="http://schemas.openxmlformats.org/officeDocument/2006/relationships" xmlns:p="http://schemas.openxmlformats.org/presentationml/2006/main">
-  <p:cSld>
-    <p:spTree>
-      <p:nvGrpSpPr>
-        <p:cNvPr id="1" name=""/>
-        <p:cNvGrpSpPr/>
-        <p:nvPr/>
-      </p:nvGrpSpPr>
-      <p:grpSpPr>
-        <a:xfrm>
-          <a:off x="0" y="0"/>
-          <a:ext cx="0" cy="0"/>
-          <a:chOff x="0" y="0"/>
-          <a:chExt cx="0" cy="0"/>
-        </a:xfrm>
-      </p:grpSpPr>
-      <p:sp>
-        <p:nvSpPr>
-          <p:cNvPr id="2" name="Образ слайда 1"/>
-          <p:cNvSpPr>
-            <a:spLocks noGrp="1" noRot="1" noChangeAspect="1"/>
-          </p:cNvSpPr>
-          <p:nvPr>
-            <p:ph type="sldImg"/>
-          </p:nvPr>
-        </p:nvSpPr>
-        <p:spPr/>
-      </p:sp>
-      <p:sp>
-        <p:nvSpPr>
-          <p:cNvPr id="3" name="Заметки 2"/>
-          <p:cNvSpPr>
-            <a:spLocks noGrp="1"/>
-          </p:cNvSpPr>
-          <p:nvPr>
-            <p:ph type="body" idx="1"/>
-          </p:nvPr>
-        </p:nvSpPr>
-        <p:spPr/>
-        <p:txBody>
-          <a:bodyPr/>
-          <a:lstStyle/>
-          <a:p>
-            <a:endParaRPr lang="ru-RU" dirty="0"/>
-          </a:p>
-        </p:txBody>
-      </p:sp>
-      <p:sp>
-        <p:nvSpPr>
-          <p:cNvPr id="4" name="Номер слайда 3"/>
-          <p:cNvSpPr>
-            <a:spLocks noGrp="1"/>
-          </p:cNvSpPr>
-          <p:nvPr>
-            <p:ph type="sldNum" sz="quarter" idx="10"/>
-          </p:nvPr>
-        </p:nvSpPr>
-        <p:spPr/>
-        <p:txBody>
-          <a:bodyPr/>
-          <a:lstStyle/>
-          <a:p>
-            <a:fld id="{B2796907-CA03-4721-9DD0-B4E87A3A23F9}" type="slidenum">
-              <a:rPr lang="ru-RU" smtClean="0"/>
-              <a:t>9</a:t>
-            </a:fld>
-            <a:endParaRPr lang="ru-RU"/>
-          </a:p>
-        </p:txBody>
-      </p:sp>
-    </p:spTree>
-    <p:extLst>
-      <p:ext uri="{BB962C8B-B14F-4D97-AF65-F5344CB8AC3E}">
-        <p14:creationId xmlns:p14="http://schemas.microsoft.com/office/powerpoint/2010/main" val="796171170"/>
       </p:ext>
     </p:extLst>
   </p:cSld>
@@ -995,7 +910,7 @@
           <a:p>
             <a:fld id="{EF46529C-A4A1-419A-8C97-99A9A6CB6233}" type="datetime1">
               <a:rPr lang="ru-RU" smtClean="0"/>
-              <a:t>29.05.2024</a:t>
+              <a:t>12.06.2024</a:t>
             </a:fld>
             <a:endParaRPr lang="ru-RU"/>
           </a:p>
@@ -1205,7 +1120,7 @@
           <a:p>
             <a:fld id="{3AFEF6E1-0B7E-411E-B319-153B1068EA37}" type="datetime1">
               <a:rPr lang="ru-RU" smtClean="0"/>
-              <a:t>29.05.2024</a:t>
+              <a:t>12.06.2024</a:t>
             </a:fld>
             <a:endParaRPr lang="ru-RU"/>
           </a:p>
@@ -1425,7 +1340,7 @@
           <a:p>
             <a:fld id="{7F1B9C32-0735-420A-8DA4-076EC8DAC8CD}" type="datetime1">
               <a:rPr lang="ru-RU" smtClean="0"/>
-              <a:t>29.05.2024</a:t>
+              <a:t>12.06.2024</a:t>
             </a:fld>
             <a:endParaRPr lang="ru-RU"/>
           </a:p>
@@ -1635,7 +1550,7 @@
           <a:p>
             <a:fld id="{5581DF2C-D4E0-4F6D-8699-364F756C2FC5}" type="datetime1">
               <a:rPr lang="ru-RU" smtClean="0"/>
-              <a:t>29.05.2024</a:t>
+              <a:t>12.06.2024</a:t>
             </a:fld>
             <a:endParaRPr lang="ru-RU"/>
           </a:p>
@@ -1922,7 +1837,7 @@
           <a:p>
             <a:fld id="{09D59F7E-11EF-43B5-9EA1-620C1B58ADF4}" type="datetime1">
               <a:rPr lang="ru-RU" smtClean="0"/>
-              <a:t>29.05.2024</a:t>
+              <a:t>12.06.2024</a:t>
             </a:fld>
             <a:endParaRPr lang="ru-RU"/>
           </a:p>
@@ -2199,7 +2114,7 @@
           <a:p>
             <a:fld id="{3C493001-4AD5-4630-B8AD-8B040B8B980F}" type="datetime1">
               <a:rPr lang="ru-RU" smtClean="0"/>
-              <a:t>29.05.2024</a:t>
+              <a:t>12.06.2024</a:t>
             </a:fld>
             <a:endParaRPr lang="ru-RU"/>
           </a:p>
@@ -2623,7 +2538,7 @@
           <a:p>
             <a:fld id="{DB1337C4-6032-4340-A165-A93FB67CF0F8}" type="datetime1">
               <a:rPr lang="ru-RU" smtClean="0"/>
-              <a:t>29.05.2024</a:t>
+              <a:t>12.06.2024</a:t>
             </a:fld>
             <a:endParaRPr lang="ru-RU"/>
           </a:p>
@@ -2776,7 +2691,7 @@
           <a:p>
             <a:fld id="{947B2BDB-8ED2-476A-80B5-6F91DE649B4B}" type="datetime1">
               <a:rPr lang="ru-RU" smtClean="0"/>
-              <a:t>29.05.2024</a:t>
+              <a:t>12.06.2024</a:t>
             </a:fld>
             <a:endParaRPr lang="ru-RU"/>
           </a:p>
@@ -2901,7 +2816,7 @@
           <a:p>
             <a:fld id="{B775BAF1-A48D-4932-85CC-6477FD1E068E}" type="datetime1">
               <a:rPr lang="ru-RU" smtClean="0"/>
-              <a:t>29.05.2024</a:t>
+              <a:t>12.06.2024</a:t>
             </a:fld>
             <a:endParaRPr lang="ru-RU"/>
           </a:p>
@@ -3224,7 +3139,7 @@
           <a:p>
             <a:fld id="{DBA6CB2C-14A9-40A8-B717-F2188456C2CF}" type="datetime1">
               <a:rPr lang="ru-RU" smtClean="0"/>
-              <a:t>29.05.2024</a:t>
+              <a:t>12.06.2024</a:t>
             </a:fld>
             <a:endParaRPr lang="ru-RU"/>
           </a:p>
@@ -3527,7 +3442,7 @@
           <a:p>
             <a:fld id="{3030E368-EF5F-4E53-8758-58196D3FE68F}" type="datetime1">
               <a:rPr lang="ru-RU" smtClean="0"/>
-              <a:t>29.05.2024</a:t>
+              <a:t>12.06.2024</a:t>
             </a:fld>
             <a:endParaRPr lang="ru-RU"/>
           </a:p>
@@ -3816,7 +3731,7 @@
           <a:p>
             <a:fld id="{7A43A9C0-390F-4274-BCC1-64BC98426840}" type="datetime1">
               <a:rPr lang="ru-RU" smtClean="0"/>
-              <a:t>29.05.2024</a:t>
+              <a:t>12.06.2024</a:t>
             </a:fld>
             <a:endParaRPr lang="ru-RU"/>
           </a:p>
@@ -4865,243 +4780,6 @@
         <p:spPr>
           <a:xfrm>
             <a:off x="934791" y="323438"/>
-            <a:ext cx="7789262" cy="719751"/>
-          </a:xfrm>
-        </p:spPr>
-        <p:txBody>
-          <a:bodyPr>
-            <a:normAutofit/>
-          </a:bodyPr>
-          <a:lstStyle/>
-          <a:p>
-            <a:r>
-              <a:rPr lang="ru-RU" dirty="0" err="1" smtClean="0"/>
-              <a:t>Инвалидация</a:t>
-            </a:r>
-            <a:r>
-              <a:rPr lang="ru-RU" dirty="0" smtClean="0"/>
-              <a:t> </a:t>
-            </a:r>
-            <a:r>
-              <a:rPr lang="en-US" dirty="0" smtClean="0"/>
-              <a:t>in-memory</a:t>
-            </a:r>
-            <a:r>
-              <a:rPr lang="ru-RU" dirty="0" smtClean="0"/>
-              <a:t> </a:t>
-            </a:r>
-            <a:r>
-              <a:rPr lang="ru-RU" dirty="0" err="1" smtClean="0"/>
-              <a:t>кеша</a:t>
-            </a:r>
-            <a:endParaRPr lang="ru-RU" dirty="0"/>
-          </a:p>
-        </p:txBody>
-      </p:sp>
-      <p:sp>
-        <p:nvSpPr>
-          <p:cNvPr id="6" name="TextBox 5"/>
-          <p:cNvSpPr txBox="1"/>
-          <p:nvPr/>
-        </p:nvSpPr>
-        <p:spPr>
-          <a:xfrm>
-            <a:off x="4767453" y="5880818"/>
-            <a:ext cx="3347000" cy="369332"/>
-          </a:xfrm>
-          <a:prstGeom prst="rect">
-            <a:avLst/>
-          </a:prstGeom>
-          <a:noFill/>
-        </p:spPr>
-        <p:txBody>
-          <a:bodyPr wrap="square" rtlCol="0">
-            <a:spAutoFit/>
-          </a:bodyPr>
-          <a:lstStyle/>
-          <a:p>
-            <a:r>
-              <a:rPr lang="ru-RU" dirty="0">
-                <a:latin typeface="+mj-lt"/>
-              </a:rPr>
-              <a:t>Рисунок </a:t>
-            </a:r>
-            <a:r>
-              <a:rPr lang="ru-RU" dirty="0">
-                <a:latin typeface="+mj-lt"/>
-              </a:rPr>
-              <a:t>8</a:t>
-            </a:r>
-            <a:r>
-              <a:rPr lang="ru-RU" dirty="0" smtClean="0">
-                <a:latin typeface="+mj-lt"/>
-              </a:rPr>
-              <a:t> </a:t>
-            </a:r>
-            <a:r>
-              <a:rPr lang="ru-RU" dirty="0">
-                <a:latin typeface="+mj-lt"/>
-              </a:rPr>
-              <a:t>– </a:t>
-            </a:r>
-            <a:r>
-              <a:rPr lang="ru-RU" dirty="0" err="1" smtClean="0">
-                <a:latin typeface="+mj-lt"/>
-              </a:rPr>
-              <a:t>Инвалидация</a:t>
-            </a:r>
-            <a:r>
-              <a:rPr lang="ru-RU" dirty="0" smtClean="0">
-                <a:latin typeface="+mj-lt"/>
-              </a:rPr>
-              <a:t> </a:t>
-            </a:r>
-            <a:r>
-              <a:rPr lang="ru-RU" dirty="0" err="1" smtClean="0">
-                <a:latin typeface="+mj-lt"/>
-              </a:rPr>
-              <a:t>кеша</a:t>
-            </a:r>
-            <a:endParaRPr lang="ru-RU" dirty="0">
-              <a:latin typeface="+mj-lt"/>
-            </a:endParaRPr>
-          </a:p>
-        </p:txBody>
-      </p:sp>
-      <p:pic>
-        <p:nvPicPr>
-          <p:cNvPr id="8" name="Рисунок 7"/>
-          <p:cNvPicPr>
-            <a:picLocks noChangeAspect="1"/>
-          </p:cNvPicPr>
-          <p:nvPr/>
-        </p:nvPicPr>
-        <p:blipFill>
-          <a:blip r:embed="rId2">
-            <a:extLst>
-              <a:ext uri="{28A0092B-C50C-407E-A947-70E740481C1C}">
-                <a14:useLocalDpi xmlns:a14="http://schemas.microsoft.com/office/drawing/2010/main" val="0"/>
-              </a:ext>
-            </a:extLst>
-          </a:blip>
-          <a:stretch>
-            <a:fillRect/>
-          </a:stretch>
-        </p:blipFill>
-        <p:spPr>
-          <a:xfrm>
-            <a:off x="1948271" y="1544320"/>
-            <a:ext cx="6775782" cy="3973121"/>
-          </a:xfrm>
-          <a:prstGeom prst="rect">
-            <a:avLst/>
-          </a:prstGeom>
-        </p:spPr>
-      </p:pic>
-      <p:sp>
-        <p:nvSpPr>
-          <p:cNvPr id="9" name="Номер слайда 8"/>
-          <p:cNvSpPr>
-            <a:spLocks noGrp="1"/>
-          </p:cNvSpPr>
-          <p:nvPr>
-            <p:ph type="sldNum" sz="quarter" idx="12"/>
-          </p:nvPr>
-        </p:nvSpPr>
-        <p:spPr>
-          <a:xfrm>
-            <a:off x="8522547" y="6250150"/>
-            <a:ext cx="2743200" cy="365125"/>
-          </a:xfrm>
-        </p:spPr>
-        <p:txBody>
-          <a:bodyPr/>
-          <a:lstStyle/>
-          <a:p>
-            <a:fld id="{62AE288B-ED16-4155-B555-A20169454F34}" type="slidenum">
-              <a:rPr lang="ru-RU" sz="1600" smtClean="0">
-                <a:solidFill>
-                  <a:schemeClr val="tx1"/>
-                </a:solidFill>
-              </a:rPr>
-              <a:t>11</a:t>
-            </a:fld>
-            <a:endParaRPr lang="ru-RU" sz="1600" dirty="0">
-              <a:solidFill>
-                <a:schemeClr val="tx1"/>
-              </a:solidFill>
-            </a:endParaRPr>
-          </a:p>
-        </p:txBody>
-      </p:sp>
-    </p:spTree>
-    <p:extLst>
-      <p:ext uri="{BB962C8B-B14F-4D97-AF65-F5344CB8AC3E}">
-        <p14:creationId xmlns:p14="http://schemas.microsoft.com/office/powerpoint/2010/main" val="4197788654"/>
-      </p:ext>
-    </p:extLst>
-  </p:cSld>
-  <p:clrMapOvr>
-    <a:masterClrMapping/>
-  </p:clrMapOvr>
-  <mc:AlternateContent xmlns:mc="http://schemas.openxmlformats.org/markup-compatibility/2006" xmlns:p14="http://schemas.microsoft.com/office/powerpoint/2010/main">
-    <mc:Choice Requires="p14">
-      <p:transition>
-        <p14:reveal/>
-      </p:transition>
-    </mc:Choice>
-    <mc:Fallback xmlns="">
-      <p:transition>
-        <p:fade/>
-      </p:transition>
-    </mc:Fallback>
-  </mc:AlternateContent>
-  <p:timing>
-    <p:tnLst>
-      <p:par>
-        <p:cTn id="1" dur="indefinite" restart="never" nodeType="tmRoot"/>
-      </p:par>
-    </p:tnLst>
-  </p:timing>
-</p:sld>
-</file>
-
-<file path=ppt/slides/slide12.xml><?xml version="1.0" encoding="utf-8"?>
-<p:sld xmlns:a="http://schemas.openxmlformats.org/drawingml/2006/main" xmlns:r="http://schemas.openxmlformats.org/officeDocument/2006/relationships" xmlns:p="http://schemas.openxmlformats.org/presentationml/2006/main">
-  <p:cSld>
-    <p:spTree>
-      <p:nvGrpSpPr>
-        <p:cNvPr id="1" name=""/>
-        <p:cNvGrpSpPr/>
-        <p:nvPr/>
-      </p:nvGrpSpPr>
-      <p:grpSpPr>
-        <a:xfrm>
-          <a:off x="0" y="0"/>
-          <a:ext cx="0" cy="0"/>
-          <a:chOff x="0" y="0"/>
-          <a:chExt cx="0" cy="0"/>
-        </a:xfrm>
-      </p:grpSpPr>
-      <p:sp>
-        <p:nvSpPr>
-          <p:cNvPr id="3" name="Заголовок 1">
-            <a:extLst>
-              <a:ext uri="{FF2B5EF4-FFF2-40B4-BE49-F238E27FC236}">
-                <a16:creationId xmlns:a16="http://schemas.microsoft.com/office/drawing/2014/main" id="{A0ACA5B3-A45B-4106-A5F4-99EEF503605D}"/>
-              </a:ext>
-            </a:extLst>
-          </p:cNvPr>
-          <p:cNvSpPr>
-            <a:spLocks noGrp="1"/>
-          </p:cNvSpPr>
-          <p:nvPr>
-            <p:ph type="title"/>
-          </p:nvPr>
-        </p:nvSpPr>
-        <p:spPr>
-          <a:xfrm>
-            <a:off x="934791" y="323438"/>
             <a:ext cx="6579637" cy="719751"/>
           </a:xfrm>
         </p:spPr>
@@ -5261,7 +4939,7 @@
                   <a:schemeClr val="tx1"/>
                 </a:solidFill>
               </a:rPr>
-              <a:t>12</a:t>
+              <a:t>11</a:t>
             </a:fld>
             <a:endParaRPr lang="ru-RU" sz="1600" dirty="0">
               <a:solidFill>
@@ -5303,7 +4981,7 @@
 </p:sld>
 </file>
 
-<file path=ppt/slides/slide13.xml><?xml version="1.0" encoding="utf-8"?>
+<file path=ppt/slides/slide12.xml><?xml version="1.0" encoding="utf-8"?>
 <p:sld xmlns:a="http://schemas.openxmlformats.org/drawingml/2006/main" xmlns:r="http://schemas.openxmlformats.org/officeDocument/2006/relationships" xmlns:p="http://schemas.openxmlformats.org/presentationml/2006/main">
   <p:cSld>
     <p:spTree>
@@ -5451,7 +5129,7 @@
                   <a:schemeClr val="tx1"/>
                 </a:solidFill>
               </a:rPr>
-              <a:t>13</a:t>
+              <a:t>12</a:t>
             </a:fld>
             <a:endParaRPr lang="ru-RU" sz="1600" dirty="0">
               <a:solidFill>
@@ -5760,17 +5438,20 @@
           </a:bodyPr>
           <a:lstStyle/>
           <a:p>
+            <a:pPr marL="0" indent="0">
+              <a:buNone/>
+            </a:pPr>
             <a:r>
               <a:rPr lang="ru-RU" sz="2400" dirty="0" smtClean="0">
                 <a:latin typeface="+mj-lt"/>
               </a:rPr>
-              <a:t>Выполнение кода пользователя на сервере</a:t>
-            </a:r>
-            <a:r>
-              <a:rPr lang="en-US" sz="2400" dirty="0">
-                <a:latin typeface="+mj-lt"/>
-              </a:rPr>
-              <a:t>;</a:t>
+              <a:t>Реализовать онлайн-платформу которая</a:t>
+            </a:r>
+            <a:r>
+              <a:rPr lang="en-US" sz="2400" dirty="0" smtClean="0">
+                <a:latin typeface="+mj-lt"/>
+              </a:rPr>
+              <a:t>:</a:t>
             </a:r>
             <a:endParaRPr lang="ru-RU" sz="2400" dirty="0" smtClean="0">
               <a:latin typeface="+mj-lt"/>
@@ -5778,10 +5459,22 @@
           </a:p>
           <a:p>
             <a:r>
+              <a:rPr lang="ru-RU" sz="2400" dirty="0">
+                <a:latin typeface="+mj-lt"/>
+              </a:rPr>
+              <a:t>д</a:t>
+            </a:r>
+            <a:r>
               <a:rPr lang="ru-RU" sz="2400" dirty="0" smtClean="0">
                 <a:latin typeface="+mj-lt"/>
               </a:rPr>
-              <a:t>Автоматическая проверка решения пользователя при помощи набора тестовых данных и запуска кода</a:t>
+              <a:t>аст возможность решать задачу на нескольких языках программировани</a:t>
+            </a:r>
+            <a:r>
+              <a:rPr lang="ru-RU" sz="2400" dirty="0">
+                <a:latin typeface="+mj-lt"/>
+              </a:rPr>
+              <a:t>я</a:t>
             </a:r>
             <a:r>
               <a:rPr lang="en-US" sz="2400" dirty="0" smtClean="0">
@@ -5795,22 +5488,28 @@
           </a:p>
           <a:p>
             <a:r>
+              <a:rPr lang="ru-RU" sz="2400" dirty="0">
+                <a:latin typeface="+mj-lt"/>
+              </a:rPr>
+              <a:t>п</a:t>
+            </a:r>
+            <a:r>
               <a:rPr lang="ru-RU" sz="2400" dirty="0" smtClean="0">
                 <a:latin typeface="+mj-lt"/>
               </a:rPr>
-              <a:t>Сортировка задач по сложности</a:t>
+              <a:t>озволит выбирать задачу из списка</a:t>
             </a:r>
             <a:r>
               <a:rPr lang="en-US" sz="2400" dirty="0" smtClean="0">
                 <a:latin typeface="+mj-lt"/>
               </a:rPr>
-              <a:t> </a:t>
+              <a:t>,</a:t>
             </a:r>
             <a:r>
               <a:rPr lang="ru-RU" sz="2400" dirty="0" smtClean="0">
                 <a:latin typeface="+mj-lt"/>
               </a:rPr>
-              <a:t>и темам</a:t>
+              <a:t> с поиском по сложности</a:t>
             </a:r>
             <a:r>
               <a:rPr lang="en-US" sz="2400" dirty="0" smtClean="0">
@@ -5824,10 +5523,16 @@
           </a:p>
           <a:p>
             <a:r>
+              <a:rPr lang="ru-RU" sz="2400" dirty="0">
+                <a:latin typeface="+mj-lt"/>
+              </a:rPr>
+              <a:t>б</a:t>
+            </a:r>
+            <a:r>
               <a:rPr lang="ru-RU" sz="2400" dirty="0" smtClean="0">
                 <a:latin typeface="+mj-lt"/>
               </a:rPr>
-              <a:t>Создание приватных и публичных задач, в решении которых пользователь может тренироваться</a:t>
+              <a:t>удет автоматически проверять решение пользователя с минимальными задержками</a:t>
             </a:r>
             <a:r>
               <a:rPr lang="en-US" sz="2400" dirty="0" smtClean="0">
@@ -5844,39 +5549,7 @@
               <a:rPr lang="ru-RU" sz="2400" dirty="0" smtClean="0">
                 <a:latin typeface="+mj-lt"/>
               </a:rPr>
-              <a:t>Создание приватных и публичных соревнований – </a:t>
-            </a:r>
-            <a:r>
-              <a:rPr lang="ru-RU" sz="2400" dirty="0" err="1" smtClean="0">
-                <a:latin typeface="+mj-lt"/>
-              </a:rPr>
-              <a:t>контестов</a:t>
-            </a:r>
-            <a:r>
-              <a:rPr lang="en-US" sz="2400" dirty="0" smtClean="0">
-                <a:latin typeface="+mj-lt"/>
-              </a:rPr>
-              <a:t>;</a:t>
-            </a:r>
-          </a:p>
-          <a:p>
-            <a:r>
-              <a:rPr lang="ru-RU" sz="2400" dirty="0" smtClean="0">
-                <a:latin typeface="+mj-lt"/>
-              </a:rPr>
-              <a:t>Для решения задачи пользователю нужно лишь реализовать метод, без реализации ввода</a:t>
-            </a:r>
-            <a:r>
-              <a:rPr lang="en-US" sz="2400" dirty="0" smtClean="0">
-                <a:latin typeface="+mj-lt"/>
-              </a:rPr>
-              <a:t>/</a:t>
-            </a:r>
-            <a:r>
-              <a:rPr lang="ru-RU" sz="2400" dirty="0" smtClean="0">
-                <a:latin typeface="+mj-lt"/>
-              </a:rPr>
-              <a:t>вывода в консоль</a:t>
+              <a:t>предоставит возможность создавать задачи и соревнования</a:t>
             </a:r>
             <a:r>
               <a:rPr lang="en-US" sz="2400" dirty="0" smtClean="0">
@@ -5893,12 +5566,52 @@
               <a:rPr lang="ru-RU" sz="2400" dirty="0" smtClean="0">
                 <a:latin typeface="+mj-lt"/>
               </a:rPr>
-              <a:t>Не является платформой для проведения олимпиадных соревнований.</a:t>
-            </a:r>
-            <a:endParaRPr lang="ru-RU" sz="2400" dirty="0">
+              <a:t>упростит процесс решения задачи</a:t>
+            </a:r>
+            <a:r>
+              <a:rPr lang="en-US" sz="2400" dirty="0" smtClean="0">
+                <a:latin typeface="+mj-lt"/>
+              </a:rPr>
+              <a:t>,</a:t>
+            </a:r>
+            <a:r>
+              <a:rPr lang="ru-RU" sz="2400" dirty="0" smtClean="0">
+                <a:latin typeface="+mj-lt"/>
+              </a:rPr>
+              <a:t> взяв на себя всю ответственность за тестирование и подготовку решения к проверке</a:t>
+            </a:r>
+            <a:r>
+              <a:rPr lang="en-US" sz="2400" dirty="0" smtClean="0">
+                <a:latin typeface="+mj-lt"/>
+              </a:rPr>
+              <a:t>;</a:t>
+            </a:r>
+            <a:endParaRPr lang="ru-RU" sz="2400" dirty="0" smtClean="0">
               <a:latin typeface="+mj-lt"/>
             </a:endParaRPr>
           </a:p>
+          <a:p>
+            <a:r>
+              <a:rPr lang="ru-RU" sz="2400" dirty="0" smtClean="0">
+                <a:latin typeface="+mj-lt"/>
+              </a:rPr>
+              <a:t>будет устойчива к горизонтальному масштабированию и поддерживать работу с несколькими пользователями одновременно</a:t>
+            </a:r>
+            <a:r>
+              <a:rPr lang="en-US" sz="2400" dirty="0" smtClean="0">
+                <a:latin typeface="+mj-lt"/>
+              </a:rPr>
+              <a:t>;</a:t>
+            </a:r>
+            <a:endParaRPr lang="ru-RU" sz="2400" dirty="0" smtClean="0">
+              <a:latin typeface="+mj-lt"/>
+            </a:endParaRPr>
+          </a:p>
+          <a:p>
+            <a:endParaRPr lang="en-US" sz="2400" dirty="0" smtClean="0">
+              <a:latin typeface="+mj-lt"/>
+            </a:endParaRPr>
+          </a:p>
         </p:txBody>
       </p:sp>
       <p:sp>
@@ -5913,7 +5626,7 @@
         </p:nvSpPr>
         <p:spPr>
           <a:xfrm>
-            <a:off x="838200" y="551737"/>
+            <a:off x="772885" y="362084"/>
             <a:ext cx="10515600" cy="915035"/>
           </a:xfrm>
         </p:spPr>
@@ -5923,7 +5636,7 @@
           <a:p>
             <a:r>
               <a:rPr lang="ru-RU" dirty="0" smtClean="0"/>
-              <a:t>Постановка задачи</a:t>
+              <a:t>Цель</a:t>
             </a:r>
             <a:endParaRPr lang="ru-RU" dirty="0"/>
           </a:p>
@@ -5998,6 +5711,245 @@
 </file>
 
 <file path=ppt/slides/slide4.xml><?xml version="1.0" encoding="utf-8"?>
+<p:sld xmlns:a="http://schemas.openxmlformats.org/drawingml/2006/main" xmlns:r="http://schemas.openxmlformats.org/officeDocument/2006/relationships" xmlns:p="http://schemas.openxmlformats.org/presentationml/2006/main">
+  <p:cSld>
+    <p:spTree>
+      <p:nvGrpSpPr>
+        <p:cNvPr id="1" name=""/>
+        <p:cNvGrpSpPr/>
+        <p:nvPr/>
+      </p:nvGrpSpPr>
+      <p:grpSpPr>
+        <a:xfrm>
+          <a:off x="0" y="0"/>
+          <a:ext cx="0" cy="0"/>
+          <a:chOff x="0" y="0"/>
+          <a:chExt cx="0" cy="0"/>
+        </a:xfrm>
+      </p:grpSpPr>
+      <p:sp>
+        <p:nvSpPr>
+          <p:cNvPr id="3" name="Объект 2"/>
+          <p:cNvSpPr>
+            <a:spLocks noGrp="1"/>
+          </p:cNvSpPr>
+          <p:nvPr>
+            <p:ph idx="1"/>
+          </p:nvPr>
+        </p:nvSpPr>
+        <p:spPr>
+          <a:xfrm>
+            <a:off x="772885" y="1466772"/>
+            <a:ext cx="10918371" cy="4775408"/>
+          </a:xfrm>
+        </p:spPr>
+        <p:txBody>
+          <a:bodyPr>
+            <a:noAutofit/>
+          </a:bodyPr>
+          <a:lstStyle/>
+          <a:p>
+            <a:r>
+              <a:rPr lang="ru-RU" sz="2400" dirty="0" smtClean="0">
+                <a:latin typeface="+mj-lt"/>
+              </a:rPr>
+              <a:t>реализовать компиляцию и запуск кода на сервере</a:t>
+            </a:r>
+            <a:r>
+              <a:rPr lang="en-US" sz="2400" dirty="0" smtClean="0">
+                <a:latin typeface="+mj-lt"/>
+              </a:rPr>
+              <a:t>;</a:t>
+            </a:r>
+            <a:endParaRPr lang="ru-RU" sz="2400" dirty="0" smtClean="0">
+              <a:latin typeface="+mj-lt"/>
+            </a:endParaRPr>
+          </a:p>
+          <a:p>
+            <a:r>
+              <a:rPr lang="ru-RU" sz="2400" dirty="0" smtClean="0">
+                <a:latin typeface="+mj-lt"/>
+              </a:rPr>
+              <a:t>реализовать проверку решения не используя анализ кода</a:t>
+            </a:r>
+            <a:r>
+              <a:rPr lang="en-US" sz="2400" dirty="0" smtClean="0">
+                <a:latin typeface="+mj-lt"/>
+              </a:rPr>
+              <a:t>,</a:t>
+            </a:r>
+            <a:r>
+              <a:rPr lang="ru-RU" sz="2400" dirty="0" smtClean="0">
+                <a:latin typeface="+mj-lt"/>
+              </a:rPr>
+              <a:t> а только при помощи списка входных и выходных данных</a:t>
+            </a:r>
+            <a:r>
+              <a:rPr lang="en-US" sz="2400" dirty="0" smtClean="0">
+                <a:latin typeface="+mj-lt"/>
+              </a:rPr>
+              <a:t>;</a:t>
+            </a:r>
+            <a:endParaRPr lang="ru-RU" sz="2400" dirty="0" smtClean="0">
+              <a:latin typeface="+mj-lt"/>
+            </a:endParaRPr>
+          </a:p>
+          <a:p>
+            <a:r>
+              <a:rPr lang="ru-RU" sz="2400" dirty="0" smtClean="0">
+                <a:latin typeface="+mj-lt"/>
+              </a:rPr>
+              <a:t>предусмотреть </a:t>
+            </a:r>
+            <a:r>
+              <a:rPr lang="ru-RU" sz="2400" dirty="0" smtClean="0">
+                <a:latin typeface="+mj-lt"/>
+              </a:rPr>
+              <a:t>возможность горизонтального масштабирования на уровне разработки</a:t>
+            </a:r>
+            <a:r>
+              <a:rPr lang="en-US" sz="2400" dirty="0" smtClean="0">
+                <a:latin typeface="+mj-lt"/>
+              </a:rPr>
+              <a:t>,</a:t>
+            </a:r>
+            <a:r>
+              <a:rPr lang="ru-RU" sz="2400" dirty="0" smtClean="0">
+                <a:latin typeface="+mj-lt"/>
+              </a:rPr>
+              <a:t> архитектуры и инфраструктуры</a:t>
+            </a:r>
+            <a:r>
+              <a:rPr lang="en-US" sz="2400" dirty="0" smtClean="0">
+                <a:latin typeface="+mj-lt"/>
+              </a:rPr>
+              <a:t>;</a:t>
+            </a:r>
+            <a:endParaRPr lang="ru-RU" sz="2400" dirty="0" smtClean="0">
+              <a:latin typeface="+mj-lt"/>
+            </a:endParaRPr>
+          </a:p>
+          <a:p>
+            <a:r>
+              <a:rPr lang="ru-RU" sz="2400" dirty="0" smtClean="0">
+                <a:latin typeface="+mj-lt"/>
+              </a:rPr>
+              <a:t>задокументировать контракт взаимодействия и логику</a:t>
+            </a:r>
+            <a:r>
+              <a:rPr lang="en-US" sz="2400" dirty="0" smtClean="0">
+                <a:latin typeface="+mj-lt"/>
+              </a:rPr>
+              <a:t>;</a:t>
+            </a:r>
+            <a:endParaRPr lang="ru-RU" sz="2400" smtClean="0">
+              <a:latin typeface="+mj-lt"/>
+            </a:endParaRPr>
+          </a:p>
+          <a:p>
+            <a:endParaRPr lang="ru-RU" sz="2400" dirty="0" smtClean="0">
+              <a:latin typeface="+mj-lt"/>
+            </a:endParaRPr>
+          </a:p>
+        </p:txBody>
+      </p:sp>
+      <p:sp>
+        <p:nvSpPr>
+          <p:cNvPr id="4" name="Заголовок 1"/>
+          <p:cNvSpPr>
+            <a:spLocks noGrp="1"/>
+          </p:cNvSpPr>
+          <p:nvPr>
+            <p:ph type="title"/>
+          </p:nvPr>
+        </p:nvSpPr>
+        <p:spPr>
+          <a:xfrm>
+            <a:off x="838200" y="551737"/>
+            <a:ext cx="10515600" cy="915035"/>
+          </a:xfrm>
+        </p:spPr>
+        <p:txBody>
+          <a:bodyPr/>
+          <a:lstStyle/>
+          <a:p>
+            <a:r>
+              <a:rPr lang="ru-RU" dirty="0" smtClean="0"/>
+              <a:t>Задачи</a:t>
+            </a:r>
+            <a:endParaRPr lang="ru-RU" dirty="0"/>
+          </a:p>
+        </p:txBody>
+      </p:sp>
+      <p:sp>
+        <p:nvSpPr>
+          <p:cNvPr id="2" name="Номер слайда 1"/>
+          <p:cNvSpPr>
+            <a:spLocks noGrp="1"/>
+          </p:cNvSpPr>
+          <p:nvPr>
+            <p:ph type="sldNum" sz="quarter" idx="12"/>
+          </p:nvPr>
+        </p:nvSpPr>
+        <p:spPr>
+          <a:xfrm>
+            <a:off x="8387080" y="6242180"/>
+            <a:ext cx="2743200" cy="365125"/>
+          </a:xfrm>
+        </p:spPr>
+        <p:txBody>
+          <a:bodyPr/>
+          <a:lstStyle/>
+          <a:p>
+            <a:fld id="{62AE288B-ED16-4155-B555-A20169454F34}" type="slidenum">
+              <a:rPr lang="ru-RU" sz="1800" smtClean="0">
+                <a:solidFill>
+                  <a:schemeClr val="tx1"/>
+                </a:solidFill>
+              </a:rPr>
+              <a:t>4</a:t>
+            </a:fld>
+            <a:endParaRPr lang="ru-RU" sz="1800" dirty="0">
+              <a:solidFill>
+                <a:schemeClr val="tx1"/>
+              </a:solidFill>
+            </a:endParaRPr>
+          </a:p>
+        </p:txBody>
+      </p:sp>
+    </p:spTree>
+    <p:extLst>
+      <p:ext uri="{BB962C8B-B14F-4D97-AF65-F5344CB8AC3E}">
+        <p14:creationId xmlns:p14="http://schemas.microsoft.com/office/powerpoint/2010/main" val="1330177000"/>
+      </p:ext>
+    </p:extLst>
+  </p:cSld>
+  <p:clrMapOvr>
+    <a:masterClrMapping/>
+  </p:clrMapOvr>
+  <mc:AlternateContent xmlns:mc="http://schemas.openxmlformats.org/markup-compatibility/2006" xmlns:p14="http://schemas.microsoft.com/office/powerpoint/2010/main">
+    <mc:Choice Requires="p14">
+      <p:transition>
+        <p14:reveal/>
+      </p:transition>
+    </mc:Choice>
+    <mc:Fallback xmlns="">
+      <p:transition>
+        <p:fade/>
+      </p:transition>
+    </mc:Fallback>
+  </mc:AlternateContent>
+  <p:timing>
+    <p:tnLst>
+      <p:par>
+        <p:cTn id="1" dur="indefinite" restart="never" nodeType="tmRoot"/>
+      </p:par>
+    </p:tnLst>
+  </p:timing>
+</p:sld>
+</file>
+
+<file path=ppt/slides/slide5.xml><?xml version="1.0" encoding="utf-8"?>
 <p:sld xmlns:a="http://schemas.openxmlformats.org/drawingml/2006/main" xmlns:r="http://schemas.openxmlformats.org/officeDocument/2006/relationships" xmlns:p="http://schemas.openxmlformats.org/presentationml/2006/main">
   <p:cSld>
     <p:spTree>
@@ -7459,7 +7411,7 @@
                   <a:schemeClr val="tx1"/>
                 </a:solidFill>
               </a:rPr>
-              <a:t>4</a:t>
+              <a:t>5</a:t>
             </a:fld>
             <a:endParaRPr lang="ru-RU" sz="1800">
               <a:solidFill>
@@ -7501,7 +7453,7 @@
 </p:sld>
 </file>
 
-<file path=ppt/slides/slide5.xml><?xml version="1.0" encoding="utf-8"?>
+<file path=ppt/slides/slide6.xml><?xml version="1.0" encoding="utf-8"?>
 <p:sld xmlns:a="http://schemas.openxmlformats.org/drawingml/2006/main" xmlns:r="http://schemas.openxmlformats.org/officeDocument/2006/relationships" xmlns:p="http://schemas.openxmlformats.org/presentationml/2006/main">
   <p:cSld>
     <p:spTree>
@@ -7766,9 +7718,6 @@
               </a:rPr>
               <a:t>Kafka</a:t>
             </a:r>
-            <a:endParaRPr lang="en-US" sz="3600" dirty="0" smtClean="0">
-              <a:latin typeface="+mj-lt"/>
-            </a:endParaRPr>
           </a:p>
           <a:p>
             <a:r>
@@ -7794,13 +7743,7 @@
               <a:rPr lang="en-US" sz="3600" dirty="0" smtClean="0">
                 <a:latin typeface="+mj-lt"/>
               </a:rPr>
-              <a:t>Kubernete</a:t>
-            </a:r>
-            <a:r>
-              <a:rPr lang="en-US" sz="3600" dirty="0" smtClean="0">
-                <a:latin typeface="+mj-lt"/>
-              </a:rPr>
-              <a:t>s</a:t>
+              <a:t>Kubernetes</a:t>
             </a:r>
           </a:p>
           <a:p>
@@ -7858,7 +7801,7 @@
                   <a:schemeClr val="tx1"/>
                 </a:solidFill>
               </a:rPr>
-              <a:t>5</a:t>
+              <a:t>6</a:t>
             </a:fld>
             <a:endParaRPr lang="ru-RU" sz="1800" dirty="0">
               <a:solidFill>
@@ -7900,7 +7843,7 @@
 </p:sld>
 </file>
 
-<file path=ppt/slides/slide6.xml><?xml version="1.0" encoding="utf-8"?>
+<file path=ppt/slides/slide7.xml><?xml version="1.0" encoding="utf-8"?>
 <p:sld xmlns:a="http://schemas.openxmlformats.org/drawingml/2006/main" xmlns:r="http://schemas.openxmlformats.org/officeDocument/2006/relationships" xmlns:p="http://schemas.openxmlformats.org/presentationml/2006/main">
   <p:cSld>
     <p:spTree>
@@ -8207,7 +8150,7 @@
                   <a:schemeClr val="tx1"/>
                 </a:solidFill>
               </a:rPr>
-              <a:t>6</a:t>
+              <a:t>7</a:t>
             </a:fld>
             <a:endParaRPr lang="ru-RU" dirty="0">
               <a:solidFill>
@@ -8249,7 +8192,7 @@
 </p:sld>
 </file>
 
-<file path=ppt/slides/slide7.xml><?xml version="1.0" encoding="utf-8"?>
+<file path=ppt/slides/slide8.xml><?xml version="1.0" encoding="utf-8"?>
 <p:sld xmlns:a="http://schemas.openxmlformats.org/drawingml/2006/main" xmlns:r="http://schemas.openxmlformats.org/officeDocument/2006/relationships" xmlns:p="http://schemas.openxmlformats.org/presentationml/2006/main">
   <p:cSld>
     <p:spTree>
@@ -8567,7 +8510,7 @@
                   <a:schemeClr val="tx1"/>
                 </a:solidFill>
               </a:rPr>
-              <a:t>7</a:t>
+              <a:t>8</a:t>
             </a:fld>
             <a:endParaRPr lang="ru-RU" sz="1600" dirty="0">
               <a:solidFill>
@@ -8609,7 +8552,7 @@
 </p:sld>
 </file>
 
-<file path=ppt/slides/slide8.xml><?xml version="1.0" encoding="utf-8"?>
+<file path=ppt/slides/slide9.xml><?xml version="1.0" encoding="utf-8"?>
 <p:sld xmlns:a="http://schemas.openxmlformats.org/drawingml/2006/main" xmlns:r="http://schemas.openxmlformats.org/officeDocument/2006/relationships" xmlns:p="http://schemas.openxmlformats.org/presentationml/2006/main">
   <p:cSld>
     <p:spTree>
@@ -9475,237 +9418,6 @@
                   <a:schemeClr val="tx1"/>
                 </a:solidFill>
               </a:rPr>
-              <a:t>8</a:t>
-            </a:fld>
-            <a:endParaRPr lang="ru-RU" sz="1600">
-              <a:solidFill>
-                <a:schemeClr val="tx1"/>
-              </a:solidFill>
-            </a:endParaRPr>
-          </a:p>
-        </p:txBody>
-      </p:sp>
-    </p:spTree>
-    <p:extLst>
-      <p:ext uri="{BB962C8B-B14F-4D97-AF65-F5344CB8AC3E}">
-        <p14:creationId xmlns:p14="http://schemas.microsoft.com/office/powerpoint/2010/main" val="410828396"/>
-      </p:ext>
-    </p:extLst>
-  </p:cSld>
-  <p:clrMapOvr>
-    <a:masterClrMapping/>
-  </p:clrMapOvr>
-  <mc:AlternateContent xmlns:mc="http://schemas.openxmlformats.org/markup-compatibility/2006" xmlns:p14="http://schemas.microsoft.com/office/powerpoint/2010/main">
-    <mc:Choice Requires="p14">
-      <p:transition>
-        <p14:reveal/>
-      </p:transition>
-    </mc:Choice>
-    <mc:Fallback xmlns="">
-      <p:transition>
-        <p:fade/>
-      </p:transition>
-    </mc:Fallback>
-  </mc:AlternateContent>
-  <p:timing>
-    <p:tnLst>
-      <p:par>
-        <p:cTn id="1" dur="indefinite" restart="never" nodeType="tmRoot"/>
-      </p:par>
-    </p:tnLst>
-  </p:timing>
-</p:sld>
-</file>
-
-<file path=ppt/slides/slide9.xml><?xml version="1.0" encoding="utf-8"?>
-<p:sld xmlns:a="http://schemas.openxmlformats.org/drawingml/2006/main" xmlns:r="http://schemas.openxmlformats.org/officeDocument/2006/relationships" xmlns:p="http://schemas.openxmlformats.org/presentationml/2006/main">
-  <p:cSld>
-    <p:spTree>
-      <p:nvGrpSpPr>
-        <p:cNvPr id="1" name=""/>
-        <p:cNvGrpSpPr/>
-        <p:nvPr/>
-      </p:nvGrpSpPr>
-      <p:grpSpPr>
-        <a:xfrm>
-          <a:off x="0" y="0"/>
-          <a:ext cx="0" cy="0"/>
-          <a:chOff x="0" y="0"/>
-          <a:chExt cx="0" cy="0"/>
-        </a:xfrm>
-      </p:grpSpPr>
-      <p:sp>
-        <p:nvSpPr>
-          <p:cNvPr id="2" name="Заголовок 1"/>
-          <p:cNvSpPr>
-            <a:spLocks noGrp="1"/>
-          </p:cNvSpPr>
-          <p:nvPr>
-            <p:ph type="title"/>
-          </p:nvPr>
-        </p:nvSpPr>
-        <p:spPr>
-          <a:xfrm>
-            <a:off x="1014983" y="150887"/>
-            <a:ext cx="10515600" cy="755337"/>
-          </a:xfrm>
-        </p:spPr>
-        <p:txBody>
-          <a:bodyPr>
-            <a:normAutofit/>
-          </a:bodyPr>
-          <a:lstStyle/>
-          <a:p>
-            <a:r>
-              <a:rPr lang="ru-RU" sz="4000" dirty="0" smtClean="0">
-                <a:latin typeface="Bahnschrift Light Condensed" panose="020B0502040204020203" pitchFamily="34" charset="0"/>
-              </a:rPr>
-              <a:t>Процесс проверки решения</a:t>
-            </a:r>
-            <a:endParaRPr lang="ru-RU" sz="4000" dirty="0">
-              <a:latin typeface="Bahnschrift Light Condensed" panose="020B0502040204020203" pitchFamily="34" charset="0"/>
-            </a:endParaRPr>
-          </a:p>
-        </p:txBody>
-      </p:sp>
-      <p:pic>
-        <p:nvPicPr>
-          <p:cNvPr id="1026" name="Picture 2" descr="Diagram(1)"/>
-          <p:cNvPicPr>
-            <a:picLocks noChangeAspect="1" noChangeArrowheads="1"/>
-          </p:cNvPicPr>
-          <p:nvPr/>
-        </p:nvPicPr>
-        <p:blipFill>
-          <a:blip r:embed="rId3">
-            <a:extLst>
-              <a:ext uri="{28A0092B-C50C-407E-A947-70E740481C1C}">
-                <a14:useLocalDpi xmlns:a14="http://schemas.microsoft.com/office/drawing/2010/main" val="0"/>
-              </a:ext>
-            </a:extLst>
-          </a:blip>
-          <a:srcRect/>
-          <a:stretch>
-            <a:fillRect/>
-          </a:stretch>
-        </p:blipFill>
-        <p:spPr bwMode="auto">
-          <a:xfrm>
-            <a:off x="3122187" y="906223"/>
-            <a:ext cx="5662825" cy="5138665"/>
-          </a:xfrm>
-          <a:prstGeom prst="rect">
-            <a:avLst/>
-          </a:prstGeom>
-          <a:noFill/>
-          <a:ln>
-            <a:noFill/>
-          </a:ln>
-          <a:extLst>
-            <a:ext uri="{909E8E84-426E-40DD-AFC4-6F175D3DCCD1}">
-              <a14:hiddenFill xmlns:a14="http://schemas.microsoft.com/office/drawing/2010/main">
-                <a:solidFill>
-                  <a:srgbClr val="FFFFFF"/>
-                </a:solidFill>
-              </a14:hiddenFill>
-            </a:ext>
-            <a:ext uri="{91240B29-F687-4F45-9708-019B960494DF}">
-              <a14:hiddenLine xmlns:a14="http://schemas.microsoft.com/office/drawing/2010/main" w="9525">
-                <a:solidFill>
-                  <a:srgbClr val="000000"/>
-                </a:solidFill>
-                <a:miter lim="800000"/>
-                <a:headEnd/>
-                <a:tailEnd/>
-              </a14:hiddenLine>
-            </a:ext>
-          </a:extLst>
-        </p:spPr>
-      </p:pic>
-      <p:sp>
-        <p:nvSpPr>
-          <p:cNvPr id="69" name="TextBox 68"/>
-          <p:cNvSpPr txBox="1"/>
-          <p:nvPr/>
-        </p:nvSpPr>
-        <p:spPr>
-          <a:xfrm>
-            <a:off x="4395803" y="6187073"/>
-            <a:ext cx="3200475" cy="338554"/>
-          </a:xfrm>
-          <a:prstGeom prst="rect">
-            <a:avLst/>
-          </a:prstGeom>
-          <a:noFill/>
-        </p:spPr>
-        <p:txBody>
-          <a:bodyPr wrap="square" rtlCol="0">
-            <a:spAutoFit/>
-          </a:bodyPr>
-          <a:lstStyle/>
-          <a:p>
-            <a:r>
-              <a:rPr lang="ru-RU" sz="1600" dirty="0">
-                <a:latin typeface="+mj-lt"/>
-              </a:rPr>
-              <a:t>Рисунок </a:t>
-            </a:r>
-            <a:r>
-              <a:rPr lang="en-US" sz="1600" dirty="0">
-                <a:latin typeface="+mj-lt"/>
-              </a:rPr>
-              <a:t>6</a:t>
-            </a:r>
-            <a:r>
-              <a:rPr lang="ru-RU" sz="1600" dirty="0" smtClean="0">
-                <a:latin typeface="+mj-lt"/>
-              </a:rPr>
-              <a:t> </a:t>
-            </a:r>
-            <a:r>
-              <a:rPr lang="ru-RU" sz="1600" dirty="0">
-                <a:latin typeface="+mj-lt"/>
-              </a:rPr>
-              <a:t>– </a:t>
-            </a:r>
-            <a:r>
-              <a:rPr lang="ru-RU" sz="1600" dirty="0" smtClean="0">
-                <a:latin typeface="+mj-lt"/>
-              </a:rPr>
-              <a:t>Проверка решения</a:t>
-            </a:r>
-            <a:endParaRPr lang="ru-RU" sz="1600" dirty="0">
-              <a:latin typeface="+mj-lt"/>
-            </a:endParaRPr>
-          </a:p>
-        </p:txBody>
-      </p:sp>
-      <p:sp>
-        <p:nvSpPr>
-          <p:cNvPr id="4" name="Номер слайда 3"/>
-          <p:cNvSpPr>
-            <a:spLocks noGrp="1"/>
-          </p:cNvSpPr>
-          <p:nvPr>
-            <p:ph type="sldNum" sz="quarter" idx="12"/>
-          </p:nvPr>
-        </p:nvSpPr>
-        <p:spPr>
-          <a:xfrm>
-            <a:off x="8461587" y="6295390"/>
-            <a:ext cx="2743200" cy="365125"/>
-          </a:xfrm>
-        </p:spPr>
-        <p:txBody>
-          <a:bodyPr/>
-          <a:lstStyle/>
-          <a:p>
-            <a:fld id="{62AE288B-ED16-4155-B555-A20169454F34}" type="slidenum">
-              <a:rPr lang="ru-RU" sz="1600" smtClean="0">
-                <a:solidFill>
-                  <a:schemeClr val="tx1"/>
-                </a:solidFill>
-              </a:rPr>
               <a:t>9</a:t>
             </a:fld>
             <a:endParaRPr lang="ru-RU" sz="1600">
@@ -9719,7 +9431,7 @@
     </p:spTree>
     <p:extLst>
       <p:ext uri="{BB962C8B-B14F-4D97-AF65-F5344CB8AC3E}">
-        <p14:creationId xmlns:p14="http://schemas.microsoft.com/office/powerpoint/2010/main" val="1930481001"/>
+        <p14:creationId xmlns:p14="http://schemas.microsoft.com/office/powerpoint/2010/main" val="410828396"/>
       </p:ext>
     </p:extLst>
   </p:cSld>
